--- a/毕业论文资料/毕业论文图.pptx
+++ b/毕业论文资料/毕业论文图.pptx
@@ -13,6 +13,11 @@
     <p:sldId id="262" r:id="rId7"/>
     <p:sldId id="263" r:id="rId8"/>
     <p:sldId id="264" r:id="rId9"/>
+    <p:sldId id="265" r:id="rId10"/>
+    <p:sldId id="266" r:id="rId11"/>
+    <p:sldId id="267" r:id="rId12"/>
+    <p:sldId id="268" r:id="rId13"/>
+    <p:sldId id="269" r:id="rId14"/>
   </p:sldIdLst>
   <p:sldSz cx="12192000" cy="6858000"/>
   <p:notesSz cx="6858000" cy="9144000"/>
@@ -4139,6 +4144,4704 @@
     <p:extLst>
       <p:ext uri="{BB962C8B-B14F-4D97-AF65-F5344CB8AC3E}">
         <p14:creationId xmlns:p14="http://schemas.microsoft.com/office/powerpoint/2010/main" val="407164906"/>
+      </p:ext>
+    </p:extLst>
+  </p:cSld>
+  <p:clrMapOvr>
+    <a:masterClrMapping/>
+  </p:clrMapOvr>
+</p:sld>
+</file>
+
+<file path=ppt/slides/slide10.xml><?xml version="1.0" encoding="utf-8"?>
+<p:sld xmlns:a="http://schemas.openxmlformats.org/drawingml/2006/main" xmlns:r="http://schemas.openxmlformats.org/officeDocument/2006/relationships" xmlns:p="http://schemas.openxmlformats.org/presentationml/2006/main">
+  <p:cSld>
+    <p:spTree>
+      <p:nvGrpSpPr>
+        <p:cNvPr id="1" name=""/>
+        <p:cNvGrpSpPr/>
+        <p:nvPr/>
+      </p:nvGrpSpPr>
+      <p:grpSpPr>
+        <a:xfrm>
+          <a:off x="0" y="0"/>
+          <a:ext cx="0" cy="0"/>
+          <a:chOff x="0" y="0"/>
+          <a:chExt cx="0" cy="0"/>
+        </a:xfrm>
+      </p:grpSpPr>
+      <p:sp>
+        <p:nvSpPr>
+          <p:cNvPr id="5" name="文本框 4"/>
+          <p:cNvSpPr txBox="1"/>
+          <p:nvPr/>
+        </p:nvSpPr>
+        <p:spPr>
+          <a:xfrm>
+            <a:off x="4740906" y="387326"/>
+            <a:ext cx="1909276" cy="369332"/>
+          </a:xfrm>
+          <a:prstGeom prst="rect">
+            <a:avLst/>
+          </a:prstGeom>
+          <a:noFill/>
+          <a:ln>
+            <a:solidFill>
+              <a:schemeClr val="tx1"/>
+            </a:solidFill>
+          </a:ln>
+        </p:spPr>
+        <p:txBody>
+          <a:bodyPr wrap="square" rtlCol="0">
+            <a:spAutoFit/>
+          </a:bodyPr>
+          <a:lstStyle/>
+          <a:p>
+            <a:pPr algn="ctr"/>
+            <a:r>
+              <a:rPr lang="en-US" altLang="zh-CN" i="1" dirty="0"/>
+              <a:t>(ABS)IfcProperty</a:t>
+            </a:r>
+            <a:endParaRPr lang="zh-CN" altLang="en-US" i="1" dirty="0"/>
+          </a:p>
+        </p:txBody>
+      </p:sp>
+      <p:cxnSp>
+        <p:nvCxnSpPr>
+          <p:cNvPr id="3" name="直接连接符 2"/>
+          <p:cNvCxnSpPr>
+            <a:stCxn id="5" idx="2"/>
+          </p:cNvCxnSpPr>
+          <p:nvPr/>
+        </p:nvCxnSpPr>
+        <p:spPr>
+          <a:xfrm>
+            <a:off x="5695544" y="756658"/>
+            <a:ext cx="0" cy="393269"/>
+          </a:xfrm>
+          <a:prstGeom prst="line">
+            <a:avLst/>
+          </a:prstGeom>
+          <a:ln w="25400">
+            <a:solidFill>
+              <a:schemeClr val="tx1"/>
+            </a:solidFill>
+          </a:ln>
+        </p:spPr>
+        <p:style>
+          <a:lnRef idx="1">
+            <a:schemeClr val="accent1"/>
+          </a:lnRef>
+          <a:fillRef idx="0">
+            <a:schemeClr val="accent1"/>
+          </a:fillRef>
+          <a:effectRef idx="0">
+            <a:schemeClr val="accent1"/>
+          </a:effectRef>
+          <a:fontRef idx="minor">
+            <a:schemeClr val="tx1"/>
+          </a:fontRef>
+        </p:style>
+      </p:cxnSp>
+      <p:cxnSp>
+        <p:nvCxnSpPr>
+          <p:cNvPr id="7" name="直接连接符 6"/>
+          <p:cNvCxnSpPr/>
+          <p:nvPr/>
+        </p:nvCxnSpPr>
+        <p:spPr>
+          <a:xfrm flipH="1">
+            <a:off x="3380509" y="1149927"/>
+            <a:ext cx="2315036" cy="0"/>
+          </a:xfrm>
+          <a:prstGeom prst="line">
+            <a:avLst/>
+          </a:prstGeom>
+          <a:ln w="25400">
+            <a:solidFill>
+              <a:schemeClr val="tx1"/>
+            </a:solidFill>
+          </a:ln>
+        </p:spPr>
+        <p:style>
+          <a:lnRef idx="1">
+            <a:schemeClr val="accent1"/>
+          </a:lnRef>
+          <a:fillRef idx="0">
+            <a:schemeClr val="accent1"/>
+          </a:fillRef>
+          <a:effectRef idx="0">
+            <a:schemeClr val="accent1"/>
+          </a:effectRef>
+          <a:fontRef idx="minor">
+            <a:schemeClr val="tx1"/>
+          </a:fontRef>
+        </p:style>
+      </p:cxnSp>
+      <p:sp>
+        <p:nvSpPr>
+          <p:cNvPr id="12" name="文本框 11"/>
+          <p:cNvSpPr txBox="1"/>
+          <p:nvPr/>
+        </p:nvSpPr>
+        <p:spPr>
+          <a:xfrm>
+            <a:off x="2078181" y="1686298"/>
+            <a:ext cx="2604655" cy="369332"/>
+          </a:xfrm>
+          <a:prstGeom prst="rect">
+            <a:avLst/>
+          </a:prstGeom>
+          <a:noFill/>
+          <a:ln>
+            <a:solidFill>
+              <a:schemeClr val="tx1"/>
+            </a:solidFill>
+          </a:ln>
+        </p:spPr>
+        <p:txBody>
+          <a:bodyPr wrap="square" rtlCol="0">
+            <a:spAutoFit/>
+          </a:bodyPr>
+          <a:lstStyle/>
+          <a:p>
+            <a:pPr algn="ctr"/>
+            <a:r>
+              <a:rPr lang="en-US" altLang="zh-CN" i="1" dirty="0"/>
+              <a:t>(ABS)IfcSimpleProperty</a:t>
+            </a:r>
+            <a:endParaRPr lang="zh-CN" altLang="en-US" i="1" dirty="0"/>
+          </a:p>
+        </p:txBody>
+      </p:sp>
+      <p:sp>
+        <p:nvSpPr>
+          <p:cNvPr id="13" name="文本框 12"/>
+          <p:cNvSpPr txBox="1"/>
+          <p:nvPr/>
+        </p:nvSpPr>
+        <p:spPr>
+          <a:xfrm>
+            <a:off x="6700667" y="1709457"/>
+            <a:ext cx="2854036" cy="369332"/>
+          </a:xfrm>
+          <a:prstGeom prst="rect">
+            <a:avLst/>
+          </a:prstGeom>
+          <a:noFill/>
+          <a:ln>
+            <a:solidFill>
+              <a:schemeClr val="tx1"/>
+            </a:solidFill>
+          </a:ln>
+        </p:spPr>
+        <p:txBody>
+          <a:bodyPr wrap="square" rtlCol="0">
+            <a:spAutoFit/>
+          </a:bodyPr>
+          <a:lstStyle/>
+          <a:p>
+            <a:pPr algn="ctr"/>
+            <a:r>
+              <a:rPr lang="en-US" altLang="zh-CN" dirty="0"/>
+              <a:t>IfcComplexProperty</a:t>
+            </a:r>
+            <a:endParaRPr lang="zh-CN" altLang="en-US" dirty="0"/>
+          </a:p>
+        </p:txBody>
+      </p:sp>
+      <p:cxnSp>
+        <p:nvCxnSpPr>
+          <p:cNvPr id="15" name="直接连接符 14"/>
+          <p:cNvCxnSpPr/>
+          <p:nvPr/>
+        </p:nvCxnSpPr>
+        <p:spPr>
+          <a:xfrm>
+            <a:off x="3380509" y="1149928"/>
+            <a:ext cx="0" cy="393268"/>
+          </a:xfrm>
+          <a:prstGeom prst="line">
+            <a:avLst/>
+          </a:prstGeom>
+          <a:ln w="25400">
+            <a:solidFill>
+              <a:schemeClr val="tx1"/>
+            </a:solidFill>
+          </a:ln>
+        </p:spPr>
+        <p:style>
+          <a:lnRef idx="1">
+            <a:schemeClr val="accent1"/>
+          </a:lnRef>
+          <a:fillRef idx="0">
+            <a:schemeClr val="accent1"/>
+          </a:fillRef>
+          <a:effectRef idx="0">
+            <a:schemeClr val="accent1"/>
+          </a:effectRef>
+          <a:fontRef idx="minor">
+            <a:schemeClr val="tx1"/>
+          </a:fontRef>
+        </p:style>
+      </p:cxnSp>
+      <p:cxnSp>
+        <p:nvCxnSpPr>
+          <p:cNvPr id="16" name="直接连接符 15"/>
+          <p:cNvCxnSpPr/>
+          <p:nvPr/>
+        </p:nvCxnSpPr>
+        <p:spPr>
+          <a:xfrm flipH="1">
+            <a:off x="5695544" y="1149927"/>
+            <a:ext cx="2315036" cy="0"/>
+          </a:xfrm>
+          <a:prstGeom prst="line">
+            <a:avLst/>
+          </a:prstGeom>
+          <a:ln w="25400">
+            <a:solidFill>
+              <a:schemeClr val="tx1"/>
+            </a:solidFill>
+          </a:ln>
+        </p:spPr>
+        <p:style>
+          <a:lnRef idx="1">
+            <a:schemeClr val="accent1"/>
+          </a:lnRef>
+          <a:fillRef idx="0">
+            <a:schemeClr val="accent1"/>
+          </a:fillRef>
+          <a:effectRef idx="0">
+            <a:schemeClr val="accent1"/>
+          </a:effectRef>
+          <a:fontRef idx="minor">
+            <a:schemeClr val="tx1"/>
+          </a:fontRef>
+        </p:style>
+      </p:cxnSp>
+      <p:cxnSp>
+        <p:nvCxnSpPr>
+          <p:cNvPr id="17" name="直接连接符 16"/>
+          <p:cNvCxnSpPr/>
+          <p:nvPr/>
+        </p:nvCxnSpPr>
+        <p:spPr>
+          <a:xfrm>
+            <a:off x="8010580" y="1149927"/>
+            <a:ext cx="0" cy="393269"/>
+          </a:xfrm>
+          <a:prstGeom prst="line">
+            <a:avLst/>
+          </a:prstGeom>
+          <a:ln w="25400">
+            <a:solidFill>
+              <a:schemeClr val="tx1"/>
+            </a:solidFill>
+          </a:ln>
+        </p:spPr>
+        <p:style>
+          <a:lnRef idx="1">
+            <a:schemeClr val="accent1"/>
+          </a:lnRef>
+          <a:fillRef idx="0">
+            <a:schemeClr val="accent1"/>
+          </a:fillRef>
+          <a:effectRef idx="0">
+            <a:schemeClr val="accent1"/>
+          </a:effectRef>
+          <a:fontRef idx="minor">
+            <a:schemeClr val="tx1"/>
+          </a:fontRef>
+        </p:style>
+      </p:cxnSp>
+      <p:sp>
+        <p:nvSpPr>
+          <p:cNvPr id="20" name="椭圆 19"/>
+          <p:cNvSpPr/>
+          <p:nvPr/>
+        </p:nvSpPr>
+        <p:spPr>
+          <a:xfrm>
+            <a:off x="7938580" y="1554326"/>
+            <a:ext cx="144000" cy="144000"/>
+          </a:xfrm>
+          <a:prstGeom prst="ellipse">
+            <a:avLst/>
+          </a:prstGeom>
+          <a:noFill/>
+          <a:ln>
+            <a:solidFill>
+              <a:schemeClr val="tx1"/>
+            </a:solidFill>
+          </a:ln>
+        </p:spPr>
+        <p:style>
+          <a:lnRef idx="2">
+            <a:schemeClr val="accent1">
+              <a:shade val="50000"/>
+            </a:schemeClr>
+          </a:lnRef>
+          <a:fillRef idx="1">
+            <a:schemeClr val="accent1"/>
+          </a:fillRef>
+          <a:effectRef idx="0">
+            <a:schemeClr val="accent1"/>
+          </a:effectRef>
+          <a:fontRef idx="minor">
+            <a:schemeClr val="lt1"/>
+          </a:fontRef>
+        </p:style>
+        <p:txBody>
+          <a:bodyPr rtlCol="0" anchor="ctr"/>
+          <a:lstStyle/>
+          <a:p>
+            <a:pPr algn="ctr"/>
+            <a:endParaRPr lang="zh-CN" altLang="en-US"/>
+          </a:p>
+        </p:txBody>
+      </p:sp>
+      <p:sp>
+        <p:nvSpPr>
+          <p:cNvPr id="21" name="椭圆 20"/>
+          <p:cNvSpPr/>
+          <p:nvPr/>
+        </p:nvSpPr>
+        <p:spPr>
+          <a:xfrm>
+            <a:off x="3305564" y="1542298"/>
+            <a:ext cx="144000" cy="144000"/>
+          </a:xfrm>
+          <a:prstGeom prst="ellipse">
+            <a:avLst/>
+          </a:prstGeom>
+          <a:noFill/>
+          <a:ln>
+            <a:solidFill>
+              <a:schemeClr val="tx1"/>
+            </a:solidFill>
+          </a:ln>
+        </p:spPr>
+        <p:style>
+          <a:lnRef idx="2">
+            <a:schemeClr val="accent1">
+              <a:shade val="50000"/>
+            </a:schemeClr>
+          </a:lnRef>
+          <a:fillRef idx="1">
+            <a:schemeClr val="accent1"/>
+          </a:fillRef>
+          <a:effectRef idx="0">
+            <a:schemeClr val="accent1"/>
+          </a:effectRef>
+          <a:fontRef idx="minor">
+            <a:schemeClr val="lt1"/>
+          </a:fontRef>
+        </p:style>
+        <p:txBody>
+          <a:bodyPr rtlCol="0" anchor="ctr"/>
+          <a:lstStyle/>
+          <a:p>
+            <a:pPr algn="ctr"/>
+            <a:endParaRPr lang="zh-CN" altLang="en-US"/>
+          </a:p>
+        </p:txBody>
+      </p:sp>
+      <p:sp>
+        <p:nvSpPr>
+          <p:cNvPr id="22" name="椭圆 21"/>
+          <p:cNvSpPr/>
+          <p:nvPr/>
+        </p:nvSpPr>
+        <p:spPr>
+          <a:xfrm>
+            <a:off x="374075" y="623451"/>
+            <a:ext cx="144000" cy="144000"/>
+          </a:xfrm>
+          <a:prstGeom prst="ellipse">
+            <a:avLst/>
+          </a:prstGeom>
+          <a:noFill/>
+          <a:ln>
+            <a:solidFill>
+              <a:schemeClr val="tx1"/>
+            </a:solidFill>
+          </a:ln>
+        </p:spPr>
+        <p:style>
+          <a:lnRef idx="2">
+            <a:schemeClr val="accent1">
+              <a:shade val="50000"/>
+            </a:schemeClr>
+          </a:lnRef>
+          <a:fillRef idx="1">
+            <a:schemeClr val="accent1"/>
+          </a:fillRef>
+          <a:effectRef idx="0">
+            <a:schemeClr val="accent1"/>
+          </a:effectRef>
+          <a:fontRef idx="minor">
+            <a:schemeClr val="lt1"/>
+          </a:fontRef>
+        </p:style>
+        <p:txBody>
+          <a:bodyPr rtlCol="0" anchor="ctr"/>
+          <a:lstStyle/>
+          <a:p>
+            <a:pPr algn="ctr"/>
+            <a:endParaRPr lang="zh-CN" altLang="en-US"/>
+          </a:p>
+        </p:txBody>
+      </p:sp>
+      <p:sp>
+        <p:nvSpPr>
+          <p:cNvPr id="23" name="椭圆 22"/>
+          <p:cNvSpPr/>
+          <p:nvPr/>
+        </p:nvSpPr>
+        <p:spPr>
+          <a:xfrm>
+            <a:off x="526475" y="775851"/>
+            <a:ext cx="144000" cy="144000"/>
+          </a:xfrm>
+          <a:prstGeom prst="ellipse">
+            <a:avLst/>
+          </a:prstGeom>
+          <a:noFill/>
+          <a:ln>
+            <a:solidFill>
+              <a:schemeClr val="tx1"/>
+            </a:solidFill>
+          </a:ln>
+        </p:spPr>
+        <p:style>
+          <a:lnRef idx="2">
+            <a:schemeClr val="accent1">
+              <a:shade val="50000"/>
+            </a:schemeClr>
+          </a:lnRef>
+          <a:fillRef idx="1">
+            <a:schemeClr val="accent1"/>
+          </a:fillRef>
+          <a:effectRef idx="0">
+            <a:schemeClr val="accent1"/>
+          </a:effectRef>
+          <a:fontRef idx="minor">
+            <a:schemeClr val="lt1"/>
+          </a:fontRef>
+        </p:style>
+        <p:txBody>
+          <a:bodyPr rtlCol="0" anchor="ctr"/>
+          <a:lstStyle/>
+          <a:p>
+            <a:pPr algn="ctr"/>
+            <a:endParaRPr lang="zh-CN" altLang="en-US"/>
+          </a:p>
+        </p:txBody>
+      </p:sp>
+      <p:sp>
+        <p:nvSpPr>
+          <p:cNvPr id="24" name="椭圆 23"/>
+          <p:cNvSpPr/>
+          <p:nvPr/>
+        </p:nvSpPr>
+        <p:spPr>
+          <a:xfrm>
+            <a:off x="678875" y="928251"/>
+            <a:ext cx="144000" cy="144000"/>
+          </a:xfrm>
+          <a:prstGeom prst="ellipse">
+            <a:avLst/>
+          </a:prstGeom>
+          <a:noFill/>
+          <a:ln>
+            <a:solidFill>
+              <a:schemeClr val="tx1"/>
+            </a:solidFill>
+          </a:ln>
+        </p:spPr>
+        <p:style>
+          <a:lnRef idx="2">
+            <a:schemeClr val="accent1">
+              <a:shade val="50000"/>
+            </a:schemeClr>
+          </a:lnRef>
+          <a:fillRef idx="1">
+            <a:schemeClr val="accent1"/>
+          </a:fillRef>
+          <a:effectRef idx="0">
+            <a:schemeClr val="accent1"/>
+          </a:effectRef>
+          <a:fontRef idx="minor">
+            <a:schemeClr val="lt1"/>
+          </a:fontRef>
+        </p:style>
+        <p:txBody>
+          <a:bodyPr rtlCol="0" anchor="ctr"/>
+          <a:lstStyle/>
+          <a:p>
+            <a:pPr algn="ctr"/>
+            <a:endParaRPr lang="zh-CN" altLang="en-US"/>
+          </a:p>
+        </p:txBody>
+      </p:sp>
+      <p:sp>
+        <p:nvSpPr>
+          <p:cNvPr id="29" name="椭圆 28"/>
+          <p:cNvSpPr/>
+          <p:nvPr/>
+        </p:nvSpPr>
+        <p:spPr>
+          <a:xfrm>
+            <a:off x="4569275" y="2816485"/>
+            <a:ext cx="144000" cy="144000"/>
+          </a:xfrm>
+          <a:prstGeom prst="ellipse">
+            <a:avLst/>
+          </a:prstGeom>
+          <a:noFill/>
+          <a:ln>
+            <a:solidFill>
+              <a:schemeClr val="tx1"/>
+            </a:solidFill>
+          </a:ln>
+        </p:spPr>
+        <p:style>
+          <a:lnRef idx="2">
+            <a:schemeClr val="accent1">
+              <a:shade val="50000"/>
+            </a:schemeClr>
+          </a:lnRef>
+          <a:fillRef idx="1">
+            <a:schemeClr val="accent1"/>
+          </a:fillRef>
+          <a:effectRef idx="0">
+            <a:schemeClr val="accent1"/>
+          </a:effectRef>
+          <a:fontRef idx="minor">
+            <a:schemeClr val="lt1"/>
+          </a:fontRef>
+        </p:style>
+        <p:txBody>
+          <a:bodyPr rtlCol="0" anchor="ctr"/>
+          <a:lstStyle/>
+          <a:p>
+            <a:pPr algn="ctr"/>
+            <a:endParaRPr lang="zh-CN" altLang="en-US"/>
+          </a:p>
+        </p:txBody>
+      </p:sp>
+      <p:cxnSp>
+        <p:nvCxnSpPr>
+          <p:cNvPr id="30" name="直接连接符 29"/>
+          <p:cNvCxnSpPr/>
+          <p:nvPr/>
+        </p:nvCxnSpPr>
+        <p:spPr>
+          <a:xfrm>
+            <a:off x="3377564" y="2037224"/>
+            <a:ext cx="0" cy="393268"/>
+          </a:xfrm>
+          <a:prstGeom prst="line">
+            <a:avLst/>
+          </a:prstGeom>
+          <a:ln w="25400">
+            <a:solidFill>
+              <a:schemeClr val="tx1"/>
+            </a:solidFill>
+          </a:ln>
+        </p:spPr>
+        <p:style>
+          <a:lnRef idx="1">
+            <a:schemeClr val="accent1"/>
+          </a:lnRef>
+          <a:fillRef idx="0">
+            <a:schemeClr val="accent1"/>
+          </a:fillRef>
+          <a:effectRef idx="0">
+            <a:schemeClr val="accent1"/>
+          </a:effectRef>
+          <a:fontRef idx="minor">
+            <a:schemeClr val="tx1"/>
+          </a:fontRef>
+        </p:style>
+      </p:cxnSp>
+      <p:cxnSp>
+        <p:nvCxnSpPr>
+          <p:cNvPr id="31" name="直接连接符 30"/>
+          <p:cNvCxnSpPr/>
+          <p:nvPr/>
+        </p:nvCxnSpPr>
+        <p:spPr>
+          <a:xfrm flipH="1">
+            <a:off x="3377564" y="2430492"/>
+            <a:ext cx="2315036" cy="0"/>
+          </a:xfrm>
+          <a:prstGeom prst="line">
+            <a:avLst/>
+          </a:prstGeom>
+          <a:ln w="25400">
+            <a:solidFill>
+              <a:schemeClr val="tx1"/>
+            </a:solidFill>
+          </a:ln>
+        </p:spPr>
+        <p:style>
+          <a:lnRef idx="1">
+            <a:schemeClr val="accent1"/>
+          </a:lnRef>
+          <a:fillRef idx="0">
+            <a:schemeClr val="accent1"/>
+          </a:fillRef>
+          <a:effectRef idx="0">
+            <a:schemeClr val="accent1"/>
+          </a:effectRef>
+          <a:fontRef idx="minor">
+            <a:schemeClr val="tx1"/>
+          </a:fontRef>
+        </p:style>
+      </p:cxnSp>
+      <p:cxnSp>
+        <p:nvCxnSpPr>
+          <p:cNvPr id="32" name="直接连接符 31"/>
+          <p:cNvCxnSpPr/>
+          <p:nvPr/>
+        </p:nvCxnSpPr>
+        <p:spPr>
+          <a:xfrm flipH="1">
+            <a:off x="5680364" y="2430492"/>
+            <a:ext cx="12236" cy="2349326"/>
+          </a:xfrm>
+          <a:prstGeom prst="line">
+            <a:avLst/>
+          </a:prstGeom>
+          <a:ln w="25400">
+            <a:solidFill>
+              <a:schemeClr val="tx1"/>
+            </a:solidFill>
+          </a:ln>
+        </p:spPr>
+        <p:style>
+          <a:lnRef idx="1">
+            <a:schemeClr val="accent1"/>
+          </a:lnRef>
+          <a:fillRef idx="0">
+            <a:schemeClr val="accent1"/>
+          </a:fillRef>
+          <a:effectRef idx="0">
+            <a:schemeClr val="accent1"/>
+          </a:effectRef>
+          <a:fontRef idx="minor">
+            <a:schemeClr val="tx1"/>
+          </a:fontRef>
+        </p:style>
+      </p:cxnSp>
+      <p:cxnSp>
+        <p:nvCxnSpPr>
+          <p:cNvPr id="34" name="直接连接符 33"/>
+          <p:cNvCxnSpPr/>
+          <p:nvPr/>
+        </p:nvCxnSpPr>
+        <p:spPr>
+          <a:xfrm flipH="1">
+            <a:off x="4696691" y="2888485"/>
+            <a:ext cx="1893136" cy="0"/>
+          </a:xfrm>
+          <a:prstGeom prst="line">
+            <a:avLst/>
+          </a:prstGeom>
+          <a:ln w="25400">
+            <a:solidFill>
+              <a:schemeClr val="tx1"/>
+            </a:solidFill>
+          </a:ln>
+        </p:spPr>
+        <p:style>
+          <a:lnRef idx="1">
+            <a:schemeClr val="accent1"/>
+          </a:lnRef>
+          <a:fillRef idx="0">
+            <a:schemeClr val="accent1"/>
+          </a:fillRef>
+          <a:effectRef idx="0">
+            <a:schemeClr val="accent1"/>
+          </a:effectRef>
+          <a:fontRef idx="minor">
+            <a:schemeClr val="tx1"/>
+          </a:fontRef>
+        </p:style>
+      </p:cxnSp>
+      <p:sp>
+        <p:nvSpPr>
+          <p:cNvPr id="40" name="文本框 39"/>
+          <p:cNvSpPr txBox="1"/>
+          <p:nvPr/>
+        </p:nvSpPr>
+        <p:spPr>
+          <a:xfrm>
+            <a:off x="6728367" y="2676109"/>
+            <a:ext cx="2854036" cy="369332"/>
+          </a:xfrm>
+          <a:prstGeom prst="rect">
+            <a:avLst/>
+          </a:prstGeom>
+          <a:noFill/>
+          <a:ln>
+            <a:solidFill>
+              <a:schemeClr val="tx1"/>
+            </a:solidFill>
+          </a:ln>
+        </p:spPr>
+        <p:txBody>
+          <a:bodyPr wrap="square" rtlCol="0">
+            <a:spAutoFit/>
+          </a:bodyPr>
+          <a:lstStyle/>
+          <a:p>
+            <a:pPr algn="ctr"/>
+            <a:r>
+              <a:rPr lang="en-US" altLang="zh-CN" dirty="0"/>
+              <a:t>IfcPropertyBoundedValue</a:t>
+            </a:r>
+            <a:endParaRPr lang="zh-CN" altLang="en-US" dirty="0"/>
+          </a:p>
+        </p:txBody>
+      </p:sp>
+      <p:sp>
+        <p:nvSpPr>
+          <p:cNvPr id="41" name="椭圆 40"/>
+          <p:cNvSpPr/>
+          <p:nvPr/>
+        </p:nvSpPr>
+        <p:spPr>
+          <a:xfrm>
+            <a:off x="6577444" y="2802630"/>
+            <a:ext cx="144000" cy="144000"/>
+          </a:xfrm>
+          <a:prstGeom prst="ellipse">
+            <a:avLst/>
+          </a:prstGeom>
+          <a:noFill/>
+          <a:ln>
+            <a:solidFill>
+              <a:schemeClr val="tx1"/>
+            </a:solidFill>
+          </a:ln>
+        </p:spPr>
+        <p:style>
+          <a:lnRef idx="2">
+            <a:schemeClr val="accent1">
+              <a:shade val="50000"/>
+            </a:schemeClr>
+          </a:lnRef>
+          <a:fillRef idx="1">
+            <a:schemeClr val="accent1"/>
+          </a:fillRef>
+          <a:effectRef idx="0">
+            <a:schemeClr val="accent1"/>
+          </a:effectRef>
+          <a:fontRef idx="minor">
+            <a:schemeClr val="lt1"/>
+          </a:fontRef>
+        </p:style>
+        <p:txBody>
+          <a:bodyPr rtlCol="0" anchor="ctr"/>
+          <a:lstStyle/>
+          <a:p>
+            <a:pPr algn="ctr"/>
+            <a:endParaRPr lang="zh-CN" altLang="en-US"/>
+          </a:p>
+        </p:txBody>
+      </p:sp>
+      <p:sp>
+        <p:nvSpPr>
+          <p:cNvPr id="42" name="文本框 41"/>
+          <p:cNvSpPr txBox="1"/>
+          <p:nvPr/>
+        </p:nvSpPr>
+        <p:spPr>
+          <a:xfrm>
+            <a:off x="1720697" y="2676109"/>
+            <a:ext cx="2854036" cy="369332"/>
+          </a:xfrm>
+          <a:prstGeom prst="rect">
+            <a:avLst/>
+          </a:prstGeom>
+          <a:noFill/>
+          <a:ln>
+            <a:solidFill>
+              <a:schemeClr val="tx1"/>
+            </a:solidFill>
+          </a:ln>
+        </p:spPr>
+        <p:txBody>
+          <a:bodyPr wrap="square" rtlCol="0">
+            <a:spAutoFit/>
+          </a:bodyPr>
+          <a:lstStyle/>
+          <a:p>
+            <a:pPr algn="ctr"/>
+            <a:r>
+              <a:rPr lang="en-US" altLang="zh-CN" dirty="0"/>
+              <a:t>IfcPropertySingleValue</a:t>
+            </a:r>
+            <a:endParaRPr lang="zh-CN" altLang="en-US" dirty="0"/>
+          </a:p>
+        </p:txBody>
+      </p:sp>
+      <p:sp>
+        <p:nvSpPr>
+          <p:cNvPr id="43" name="椭圆 42"/>
+          <p:cNvSpPr/>
+          <p:nvPr/>
+        </p:nvSpPr>
+        <p:spPr>
+          <a:xfrm>
+            <a:off x="4569275" y="3771772"/>
+            <a:ext cx="144000" cy="144000"/>
+          </a:xfrm>
+          <a:prstGeom prst="ellipse">
+            <a:avLst/>
+          </a:prstGeom>
+          <a:noFill/>
+          <a:ln>
+            <a:solidFill>
+              <a:schemeClr val="tx1"/>
+            </a:solidFill>
+          </a:ln>
+        </p:spPr>
+        <p:style>
+          <a:lnRef idx="2">
+            <a:schemeClr val="accent1">
+              <a:shade val="50000"/>
+            </a:schemeClr>
+          </a:lnRef>
+          <a:fillRef idx="1">
+            <a:schemeClr val="accent1"/>
+          </a:fillRef>
+          <a:effectRef idx="0">
+            <a:schemeClr val="accent1"/>
+          </a:effectRef>
+          <a:fontRef idx="minor">
+            <a:schemeClr val="lt1"/>
+          </a:fontRef>
+        </p:style>
+        <p:txBody>
+          <a:bodyPr rtlCol="0" anchor="ctr"/>
+          <a:lstStyle/>
+          <a:p>
+            <a:pPr algn="ctr"/>
+            <a:endParaRPr lang="zh-CN" altLang="en-US"/>
+          </a:p>
+        </p:txBody>
+      </p:sp>
+      <p:cxnSp>
+        <p:nvCxnSpPr>
+          <p:cNvPr id="44" name="直接连接符 43"/>
+          <p:cNvCxnSpPr/>
+          <p:nvPr/>
+        </p:nvCxnSpPr>
+        <p:spPr>
+          <a:xfrm flipH="1">
+            <a:off x="4696691" y="3843772"/>
+            <a:ext cx="1893136" cy="0"/>
+          </a:xfrm>
+          <a:prstGeom prst="line">
+            <a:avLst/>
+          </a:prstGeom>
+          <a:ln w="25400">
+            <a:solidFill>
+              <a:schemeClr val="tx1"/>
+            </a:solidFill>
+          </a:ln>
+        </p:spPr>
+        <p:style>
+          <a:lnRef idx="1">
+            <a:schemeClr val="accent1"/>
+          </a:lnRef>
+          <a:fillRef idx="0">
+            <a:schemeClr val="accent1"/>
+          </a:fillRef>
+          <a:effectRef idx="0">
+            <a:schemeClr val="accent1"/>
+          </a:effectRef>
+          <a:fontRef idx="minor">
+            <a:schemeClr val="tx1"/>
+          </a:fontRef>
+        </p:style>
+      </p:cxnSp>
+      <p:sp>
+        <p:nvSpPr>
+          <p:cNvPr id="45" name="椭圆 44"/>
+          <p:cNvSpPr/>
+          <p:nvPr/>
+        </p:nvSpPr>
+        <p:spPr>
+          <a:xfrm>
+            <a:off x="6577444" y="3757917"/>
+            <a:ext cx="144000" cy="144000"/>
+          </a:xfrm>
+          <a:prstGeom prst="ellipse">
+            <a:avLst/>
+          </a:prstGeom>
+          <a:noFill/>
+          <a:ln>
+            <a:solidFill>
+              <a:schemeClr val="tx1"/>
+            </a:solidFill>
+          </a:ln>
+        </p:spPr>
+        <p:style>
+          <a:lnRef idx="2">
+            <a:schemeClr val="accent1">
+              <a:shade val="50000"/>
+            </a:schemeClr>
+          </a:lnRef>
+          <a:fillRef idx="1">
+            <a:schemeClr val="accent1"/>
+          </a:fillRef>
+          <a:effectRef idx="0">
+            <a:schemeClr val="accent1"/>
+          </a:effectRef>
+          <a:fontRef idx="minor">
+            <a:schemeClr val="lt1"/>
+          </a:fontRef>
+        </p:style>
+        <p:txBody>
+          <a:bodyPr rtlCol="0" anchor="ctr"/>
+          <a:lstStyle/>
+          <a:p>
+            <a:pPr algn="ctr"/>
+            <a:endParaRPr lang="zh-CN" altLang="en-US"/>
+          </a:p>
+        </p:txBody>
+      </p:sp>
+      <p:sp>
+        <p:nvSpPr>
+          <p:cNvPr id="46" name="椭圆 45"/>
+          <p:cNvSpPr/>
+          <p:nvPr/>
+        </p:nvSpPr>
+        <p:spPr>
+          <a:xfrm>
+            <a:off x="4569275" y="4715002"/>
+            <a:ext cx="144000" cy="144000"/>
+          </a:xfrm>
+          <a:prstGeom prst="ellipse">
+            <a:avLst/>
+          </a:prstGeom>
+          <a:noFill/>
+          <a:ln>
+            <a:solidFill>
+              <a:schemeClr val="tx1"/>
+            </a:solidFill>
+          </a:ln>
+        </p:spPr>
+        <p:style>
+          <a:lnRef idx="2">
+            <a:schemeClr val="accent1">
+              <a:shade val="50000"/>
+            </a:schemeClr>
+          </a:lnRef>
+          <a:fillRef idx="1">
+            <a:schemeClr val="accent1"/>
+          </a:fillRef>
+          <a:effectRef idx="0">
+            <a:schemeClr val="accent1"/>
+          </a:effectRef>
+          <a:fontRef idx="minor">
+            <a:schemeClr val="lt1"/>
+          </a:fontRef>
+        </p:style>
+        <p:txBody>
+          <a:bodyPr rtlCol="0" anchor="ctr"/>
+          <a:lstStyle/>
+          <a:p>
+            <a:pPr algn="ctr"/>
+            <a:endParaRPr lang="zh-CN" altLang="en-US"/>
+          </a:p>
+        </p:txBody>
+      </p:sp>
+      <p:cxnSp>
+        <p:nvCxnSpPr>
+          <p:cNvPr id="47" name="直接连接符 46"/>
+          <p:cNvCxnSpPr/>
+          <p:nvPr/>
+        </p:nvCxnSpPr>
+        <p:spPr>
+          <a:xfrm flipH="1">
+            <a:off x="4696691" y="4787002"/>
+            <a:ext cx="1893136" cy="0"/>
+          </a:xfrm>
+          <a:prstGeom prst="line">
+            <a:avLst/>
+          </a:prstGeom>
+          <a:ln w="25400">
+            <a:solidFill>
+              <a:schemeClr val="tx1"/>
+            </a:solidFill>
+          </a:ln>
+        </p:spPr>
+        <p:style>
+          <a:lnRef idx="1">
+            <a:schemeClr val="accent1"/>
+          </a:lnRef>
+          <a:fillRef idx="0">
+            <a:schemeClr val="accent1"/>
+          </a:fillRef>
+          <a:effectRef idx="0">
+            <a:schemeClr val="accent1"/>
+          </a:effectRef>
+          <a:fontRef idx="minor">
+            <a:schemeClr val="tx1"/>
+          </a:fontRef>
+        </p:style>
+      </p:cxnSp>
+      <p:sp>
+        <p:nvSpPr>
+          <p:cNvPr id="48" name="椭圆 47"/>
+          <p:cNvSpPr/>
+          <p:nvPr/>
+        </p:nvSpPr>
+        <p:spPr>
+          <a:xfrm>
+            <a:off x="6577444" y="4701147"/>
+            <a:ext cx="144000" cy="144000"/>
+          </a:xfrm>
+          <a:prstGeom prst="ellipse">
+            <a:avLst/>
+          </a:prstGeom>
+          <a:noFill/>
+          <a:ln>
+            <a:solidFill>
+              <a:schemeClr val="tx1"/>
+            </a:solidFill>
+          </a:ln>
+        </p:spPr>
+        <p:style>
+          <a:lnRef idx="2">
+            <a:schemeClr val="accent1">
+              <a:shade val="50000"/>
+            </a:schemeClr>
+          </a:lnRef>
+          <a:fillRef idx="1">
+            <a:schemeClr val="accent1"/>
+          </a:fillRef>
+          <a:effectRef idx="0">
+            <a:schemeClr val="accent1"/>
+          </a:effectRef>
+          <a:fontRef idx="minor">
+            <a:schemeClr val="lt1"/>
+          </a:fontRef>
+        </p:style>
+        <p:txBody>
+          <a:bodyPr rtlCol="0" anchor="ctr"/>
+          <a:lstStyle/>
+          <a:p>
+            <a:pPr algn="ctr"/>
+            <a:endParaRPr lang="zh-CN" altLang="en-US"/>
+          </a:p>
+        </p:txBody>
+      </p:sp>
+      <p:sp>
+        <p:nvSpPr>
+          <p:cNvPr id="49" name="文本框 48"/>
+          <p:cNvSpPr txBox="1"/>
+          <p:nvPr/>
+        </p:nvSpPr>
+        <p:spPr>
+          <a:xfrm>
+            <a:off x="1432475" y="3659106"/>
+            <a:ext cx="3142258" cy="369332"/>
+          </a:xfrm>
+          <a:prstGeom prst="rect">
+            <a:avLst/>
+          </a:prstGeom>
+          <a:noFill/>
+          <a:ln>
+            <a:solidFill>
+              <a:schemeClr val="tx1"/>
+            </a:solidFill>
+          </a:ln>
+        </p:spPr>
+        <p:txBody>
+          <a:bodyPr wrap="square" rtlCol="0">
+            <a:spAutoFit/>
+          </a:bodyPr>
+          <a:lstStyle/>
+          <a:p>
+            <a:pPr algn="ctr"/>
+            <a:r>
+              <a:rPr lang="en-US" altLang="zh-CN" dirty="0"/>
+              <a:t>IfcPropertyEnumeratedValue</a:t>
+            </a:r>
+            <a:endParaRPr lang="zh-CN" altLang="en-US" dirty="0"/>
+          </a:p>
+        </p:txBody>
+      </p:sp>
+      <p:sp>
+        <p:nvSpPr>
+          <p:cNvPr id="50" name="文本框 49"/>
+          <p:cNvSpPr txBox="1"/>
+          <p:nvPr/>
+        </p:nvSpPr>
+        <p:spPr>
+          <a:xfrm>
+            <a:off x="1898072" y="4642103"/>
+            <a:ext cx="2665821" cy="369332"/>
+          </a:xfrm>
+          <a:prstGeom prst="rect">
+            <a:avLst/>
+          </a:prstGeom>
+          <a:noFill/>
+          <a:ln>
+            <a:solidFill>
+              <a:schemeClr val="tx1"/>
+            </a:solidFill>
+          </a:ln>
+        </p:spPr>
+        <p:txBody>
+          <a:bodyPr wrap="square" rtlCol="0">
+            <a:spAutoFit/>
+          </a:bodyPr>
+          <a:lstStyle/>
+          <a:p>
+            <a:pPr algn="ctr"/>
+            <a:r>
+              <a:rPr lang="en-US" altLang="zh-CN" dirty="0"/>
+              <a:t>IfcPropertyListValue</a:t>
+            </a:r>
+            <a:endParaRPr lang="zh-CN" altLang="en-US" dirty="0"/>
+          </a:p>
+        </p:txBody>
+      </p:sp>
+      <p:sp>
+        <p:nvSpPr>
+          <p:cNvPr id="51" name="文本框 50"/>
+          <p:cNvSpPr txBox="1"/>
+          <p:nvPr/>
+        </p:nvSpPr>
+        <p:spPr>
+          <a:xfrm>
+            <a:off x="6728366" y="3659106"/>
+            <a:ext cx="3066797" cy="369332"/>
+          </a:xfrm>
+          <a:prstGeom prst="rect">
+            <a:avLst/>
+          </a:prstGeom>
+          <a:noFill/>
+          <a:ln>
+            <a:solidFill>
+              <a:schemeClr val="tx1"/>
+            </a:solidFill>
+          </a:ln>
+        </p:spPr>
+        <p:txBody>
+          <a:bodyPr wrap="square" rtlCol="0">
+            <a:spAutoFit/>
+          </a:bodyPr>
+          <a:lstStyle/>
+          <a:p>
+            <a:pPr algn="ctr"/>
+            <a:r>
+              <a:rPr lang="en-US" altLang="zh-CN" dirty="0"/>
+              <a:t>IfcPropertyReferenceValue</a:t>
+            </a:r>
+            <a:endParaRPr lang="zh-CN" altLang="en-US" dirty="0"/>
+          </a:p>
+        </p:txBody>
+      </p:sp>
+      <p:sp>
+        <p:nvSpPr>
+          <p:cNvPr id="52" name="文本框 51"/>
+          <p:cNvSpPr txBox="1"/>
+          <p:nvPr/>
+        </p:nvSpPr>
+        <p:spPr>
+          <a:xfrm>
+            <a:off x="6713175" y="4588481"/>
+            <a:ext cx="3066797" cy="369332"/>
+          </a:xfrm>
+          <a:prstGeom prst="rect">
+            <a:avLst/>
+          </a:prstGeom>
+          <a:noFill/>
+          <a:ln>
+            <a:solidFill>
+              <a:schemeClr val="tx1"/>
+            </a:solidFill>
+          </a:ln>
+        </p:spPr>
+        <p:txBody>
+          <a:bodyPr wrap="square" rtlCol="0">
+            <a:spAutoFit/>
+          </a:bodyPr>
+          <a:lstStyle/>
+          <a:p>
+            <a:pPr algn="ctr"/>
+            <a:r>
+              <a:rPr lang="en-US" altLang="zh-CN" dirty="0"/>
+              <a:t>IfcPropertyTableValue</a:t>
+            </a:r>
+            <a:endParaRPr lang="zh-CN" altLang="en-US" dirty="0"/>
+          </a:p>
+        </p:txBody>
+      </p:sp>
+      <p:sp>
+        <p:nvSpPr>
+          <p:cNvPr id="56" name="文本框 55"/>
+          <p:cNvSpPr txBox="1"/>
+          <p:nvPr/>
+        </p:nvSpPr>
+        <p:spPr>
+          <a:xfrm>
+            <a:off x="5326041" y="735185"/>
+            <a:ext cx="634436" cy="369332"/>
+          </a:xfrm>
+          <a:prstGeom prst="rect">
+            <a:avLst/>
+          </a:prstGeom>
+          <a:noFill/>
+        </p:spPr>
+        <p:txBody>
+          <a:bodyPr wrap="square" rtlCol="0">
+            <a:spAutoFit/>
+          </a:bodyPr>
+          <a:lstStyle/>
+          <a:p>
+            <a:r>
+              <a:rPr lang="en-US" altLang="zh-CN" dirty="0"/>
+              <a:t>1</a:t>
+            </a:r>
+            <a:endParaRPr lang="zh-CN" altLang="en-US" dirty="0"/>
+          </a:p>
+        </p:txBody>
+      </p:sp>
+      <p:sp>
+        <p:nvSpPr>
+          <p:cNvPr id="57" name="文本框 56"/>
+          <p:cNvSpPr txBox="1"/>
+          <p:nvPr/>
+        </p:nvSpPr>
+        <p:spPr>
+          <a:xfrm>
+            <a:off x="3067159" y="2062444"/>
+            <a:ext cx="634436" cy="369332"/>
+          </a:xfrm>
+          <a:prstGeom prst="rect">
+            <a:avLst/>
+          </a:prstGeom>
+          <a:noFill/>
+        </p:spPr>
+        <p:txBody>
+          <a:bodyPr wrap="square" rtlCol="0">
+            <a:spAutoFit/>
+          </a:bodyPr>
+          <a:lstStyle/>
+          <a:p>
+            <a:r>
+              <a:rPr lang="en-US" altLang="zh-CN" dirty="0"/>
+              <a:t>1</a:t>
+            </a:r>
+            <a:endParaRPr lang="zh-CN" altLang="en-US" dirty="0"/>
+          </a:p>
+        </p:txBody>
+      </p:sp>
+    </p:spTree>
+    <p:extLst>
+      <p:ext uri="{BB962C8B-B14F-4D97-AF65-F5344CB8AC3E}">
+        <p14:creationId xmlns:p14="http://schemas.microsoft.com/office/powerpoint/2010/main" val="3903245858"/>
+      </p:ext>
+    </p:extLst>
+  </p:cSld>
+  <p:clrMapOvr>
+    <a:masterClrMapping/>
+  </p:clrMapOvr>
+</p:sld>
+</file>
+
+<file path=ppt/slides/slide11.xml><?xml version="1.0" encoding="utf-8"?>
+<p:sld xmlns:a="http://schemas.openxmlformats.org/drawingml/2006/main" xmlns:r="http://schemas.openxmlformats.org/officeDocument/2006/relationships" xmlns:p="http://schemas.openxmlformats.org/presentationml/2006/main">
+  <p:cSld>
+    <p:spTree>
+      <p:nvGrpSpPr>
+        <p:cNvPr id="1" name=""/>
+        <p:cNvGrpSpPr/>
+        <p:nvPr/>
+      </p:nvGrpSpPr>
+      <p:grpSpPr>
+        <a:xfrm>
+          <a:off x="0" y="0"/>
+          <a:ext cx="0" cy="0"/>
+          <a:chOff x="0" y="0"/>
+          <a:chExt cx="0" cy="0"/>
+        </a:xfrm>
+      </p:grpSpPr>
+      <p:sp>
+        <p:nvSpPr>
+          <p:cNvPr id="5" name="文本框 4"/>
+          <p:cNvSpPr txBox="1"/>
+          <p:nvPr/>
+        </p:nvSpPr>
+        <p:spPr>
+          <a:xfrm>
+            <a:off x="3940652" y="48836"/>
+            <a:ext cx="3505200" cy="369332"/>
+          </a:xfrm>
+          <a:prstGeom prst="rect">
+            <a:avLst/>
+          </a:prstGeom>
+          <a:noFill/>
+          <a:ln>
+            <a:solidFill>
+              <a:schemeClr val="tx1"/>
+            </a:solidFill>
+          </a:ln>
+        </p:spPr>
+        <p:txBody>
+          <a:bodyPr wrap="square" rtlCol="0">
+            <a:spAutoFit/>
+          </a:bodyPr>
+          <a:lstStyle/>
+          <a:p>
+            <a:pPr algn="ctr"/>
+            <a:r>
+              <a:rPr lang="en-US" altLang="zh-CN" i="1" dirty="0"/>
+              <a:t>(abs)IfcPropertySetDefinition</a:t>
+            </a:r>
+            <a:endParaRPr lang="zh-CN" altLang="en-US" i="1" dirty="0"/>
+          </a:p>
+        </p:txBody>
+      </p:sp>
+      <p:sp>
+        <p:nvSpPr>
+          <p:cNvPr id="13" name="文本框 12"/>
+          <p:cNvSpPr txBox="1"/>
+          <p:nvPr/>
+        </p:nvSpPr>
+        <p:spPr>
+          <a:xfrm>
+            <a:off x="6686812" y="3413566"/>
+            <a:ext cx="3828788" cy="369332"/>
+          </a:xfrm>
+          <a:prstGeom prst="rect">
+            <a:avLst/>
+          </a:prstGeom>
+          <a:noFill/>
+          <a:ln>
+            <a:solidFill>
+              <a:schemeClr val="tx1"/>
+            </a:solidFill>
+          </a:ln>
+        </p:spPr>
+        <p:txBody>
+          <a:bodyPr wrap="square" rtlCol="0">
+            <a:spAutoFit/>
+          </a:bodyPr>
+          <a:lstStyle/>
+          <a:p>
+            <a:pPr algn="ctr"/>
+            <a:r>
+              <a:rPr lang="en-US" altLang="zh-CN" dirty="0"/>
+              <a:t>IfcReinforcementDefinitionProperties</a:t>
+            </a:r>
+            <a:endParaRPr lang="zh-CN" altLang="en-US" dirty="0"/>
+          </a:p>
+        </p:txBody>
+      </p:sp>
+      <p:sp>
+        <p:nvSpPr>
+          <p:cNvPr id="22" name="椭圆 21"/>
+          <p:cNvSpPr/>
+          <p:nvPr/>
+        </p:nvSpPr>
+        <p:spPr>
+          <a:xfrm>
+            <a:off x="374075" y="623451"/>
+            <a:ext cx="144000" cy="144000"/>
+          </a:xfrm>
+          <a:prstGeom prst="ellipse">
+            <a:avLst/>
+          </a:prstGeom>
+          <a:noFill/>
+          <a:ln>
+            <a:solidFill>
+              <a:schemeClr val="tx1"/>
+            </a:solidFill>
+          </a:ln>
+        </p:spPr>
+        <p:style>
+          <a:lnRef idx="2">
+            <a:schemeClr val="accent1">
+              <a:shade val="50000"/>
+            </a:schemeClr>
+          </a:lnRef>
+          <a:fillRef idx="1">
+            <a:schemeClr val="accent1"/>
+          </a:fillRef>
+          <a:effectRef idx="0">
+            <a:schemeClr val="accent1"/>
+          </a:effectRef>
+          <a:fontRef idx="minor">
+            <a:schemeClr val="lt1"/>
+          </a:fontRef>
+        </p:style>
+        <p:txBody>
+          <a:bodyPr rtlCol="0" anchor="ctr"/>
+          <a:lstStyle/>
+          <a:p>
+            <a:pPr algn="ctr"/>
+            <a:endParaRPr lang="zh-CN" altLang="en-US"/>
+          </a:p>
+        </p:txBody>
+      </p:sp>
+      <p:sp>
+        <p:nvSpPr>
+          <p:cNvPr id="23" name="椭圆 22"/>
+          <p:cNvSpPr/>
+          <p:nvPr/>
+        </p:nvSpPr>
+        <p:spPr>
+          <a:xfrm>
+            <a:off x="526475" y="775851"/>
+            <a:ext cx="144000" cy="144000"/>
+          </a:xfrm>
+          <a:prstGeom prst="ellipse">
+            <a:avLst/>
+          </a:prstGeom>
+          <a:noFill/>
+          <a:ln>
+            <a:solidFill>
+              <a:schemeClr val="tx1"/>
+            </a:solidFill>
+          </a:ln>
+        </p:spPr>
+        <p:style>
+          <a:lnRef idx="2">
+            <a:schemeClr val="accent1">
+              <a:shade val="50000"/>
+            </a:schemeClr>
+          </a:lnRef>
+          <a:fillRef idx="1">
+            <a:schemeClr val="accent1"/>
+          </a:fillRef>
+          <a:effectRef idx="0">
+            <a:schemeClr val="accent1"/>
+          </a:effectRef>
+          <a:fontRef idx="minor">
+            <a:schemeClr val="lt1"/>
+          </a:fontRef>
+        </p:style>
+        <p:txBody>
+          <a:bodyPr rtlCol="0" anchor="ctr"/>
+          <a:lstStyle/>
+          <a:p>
+            <a:pPr algn="ctr"/>
+            <a:endParaRPr lang="zh-CN" altLang="en-US"/>
+          </a:p>
+        </p:txBody>
+      </p:sp>
+      <p:sp>
+        <p:nvSpPr>
+          <p:cNvPr id="24" name="椭圆 23"/>
+          <p:cNvSpPr/>
+          <p:nvPr/>
+        </p:nvSpPr>
+        <p:spPr>
+          <a:xfrm>
+            <a:off x="678875" y="928251"/>
+            <a:ext cx="144000" cy="144000"/>
+          </a:xfrm>
+          <a:prstGeom prst="ellipse">
+            <a:avLst/>
+          </a:prstGeom>
+          <a:noFill/>
+          <a:ln>
+            <a:solidFill>
+              <a:schemeClr val="tx1"/>
+            </a:solidFill>
+          </a:ln>
+        </p:spPr>
+        <p:style>
+          <a:lnRef idx="2">
+            <a:schemeClr val="accent1">
+              <a:shade val="50000"/>
+            </a:schemeClr>
+          </a:lnRef>
+          <a:fillRef idx="1">
+            <a:schemeClr val="accent1"/>
+          </a:fillRef>
+          <a:effectRef idx="0">
+            <a:schemeClr val="accent1"/>
+          </a:effectRef>
+          <a:fontRef idx="minor">
+            <a:schemeClr val="lt1"/>
+          </a:fontRef>
+        </p:style>
+        <p:txBody>
+          <a:bodyPr rtlCol="0" anchor="ctr"/>
+          <a:lstStyle/>
+          <a:p>
+            <a:pPr algn="ctr"/>
+            <a:endParaRPr lang="zh-CN" altLang="en-US"/>
+          </a:p>
+        </p:txBody>
+      </p:sp>
+      <p:sp>
+        <p:nvSpPr>
+          <p:cNvPr id="29" name="椭圆 28"/>
+          <p:cNvSpPr/>
+          <p:nvPr/>
+        </p:nvSpPr>
+        <p:spPr>
+          <a:xfrm>
+            <a:off x="4555420" y="4520594"/>
+            <a:ext cx="144000" cy="144000"/>
+          </a:xfrm>
+          <a:prstGeom prst="ellipse">
+            <a:avLst/>
+          </a:prstGeom>
+          <a:noFill/>
+          <a:ln>
+            <a:solidFill>
+              <a:schemeClr val="tx1"/>
+            </a:solidFill>
+          </a:ln>
+        </p:spPr>
+        <p:style>
+          <a:lnRef idx="2">
+            <a:schemeClr val="accent1">
+              <a:shade val="50000"/>
+            </a:schemeClr>
+          </a:lnRef>
+          <a:fillRef idx="1">
+            <a:schemeClr val="accent1"/>
+          </a:fillRef>
+          <a:effectRef idx="0">
+            <a:schemeClr val="accent1"/>
+          </a:effectRef>
+          <a:fontRef idx="minor">
+            <a:schemeClr val="lt1"/>
+          </a:fontRef>
+        </p:style>
+        <p:txBody>
+          <a:bodyPr rtlCol="0" anchor="ctr"/>
+          <a:lstStyle/>
+          <a:p>
+            <a:pPr algn="ctr"/>
+            <a:endParaRPr lang="zh-CN" altLang="en-US"/>
+          </a:p>
+        </p:txBody>
+      </p:sp>
+      <p:cxnSp>
+        <p:nvCxnSpPr>
+          <p:cNvPr id="32" name="直接连接符 31"/>
+          <p:cNvCxnSpPr>
+            <a:stCxn id="5" idx="2"/>
+          </p:cNvCxnSpPr>
+          <p:nvPr/>
+        </p:nvCxnSpPr>
+        <p:spPr>
+          <a:xfrm flipH="1">
+            <a:off x="5666510" y="418168"/>
+            <a:ext cx="26742" cy="6065759"/>
+          </a:xfrm>
+          <a:prstGeom prst="line">
+            <a:avLst/>
+          </a:prstGeom>
+          <a:ln w="25400">
+            <a:solidFill>
+              <a:schemeClr val="tx1"/>
+            </a:solidFill>
+          </a:ln>
+        </p:spPr>
+        <p:style>
+          <a:lnRef idx="1">
+            <a:schemeClr val="accent1"/>
+          </a:lnRef>
+          <a:fillRef idx="0">
+            <a:schemeClr val="accent1"/>
+          </a:fillRef>
+          <a:effectRef idx="0">
+            <a:schemeClr val="accent1"/>
+          </a:effectRef>
+          <a:fontRef idx="minor">
+            <a:schemeClr val="tx1"/>
+          </a:fontRef>
+        </p:style>
+      </p:cxnSp>
+      <p:cxnSp>
+        <p:nvCxnSpPr>
+          <p:cNvPr id="34" name="直接连接符 33"/>
+          <p:cNvCxnSpPr/>
+          <p:nvPr/>
+        </p:nvCxnSpPr>
+        <p:spPr>
+          <a:xfrm flipH="1">
+            <a:off x="4682836" y="4592594"/>
+            <a:ext cx="1893136" cy="0"/>
+          </a:xfrm>
+          <a:prstGeom prst="line">
+            <a:avLst/>
+          </a:prstGeom>
+          <a:ln w="25400">
+            <a:solidFill>
+              <a:schemeClr val="tx1"/>
+            </a:solidFill>
+          </a:ln>
+        </p:spPr>
+        <p:style>
+          <a:lnRef idx="1">
+            <a:schemeClr val="accent1"/>
+          </a:lnRef>
+          <a:fillRef idx="0">
+            <a:schemeClr val="accent1"/>
+          </a:fillRef>
+          <a:effectRef idx="0">
+            <a:schemeClr val="accent1"/>
+          </a:effectRef>
+          <a:fontRef idx="minor">
+            <a:schemeClr val="tx1"/>
+          </a:fontRef>
+        </p:style>
+      </p:cxnSp>
+      <p:sp>
+        <p:nvSpPr>
+          <p:cNvPr id="40" name="文本框 39"/>
+          <p:cNvSpPr txBox="1"/>
+          <p:nvPr/>
+        </p:nvSpPr>
+        <p:spPr>
+          <a:xfrm>
+            <a:off x="6714512" y="4380218"/>
+            <a:ext cx="2854036" cy="369332"/>
+          </a:xfrm>
+          <a:prstGeom prst="rect">
+            <a:avLst/>
+          </a:prstGeom>
+          <a:noFill/>
+          <a:ln>
+            <a:solidFill>
+              <a:schemeClr val="tx1"/>
+            </a:solidFill>
+          </a:ln>
+        </p:spPr>
+        <p:txBody>
+          <a:bodyPr wrap="square" rtlCol="0">
+            <a:spAutoFit/>
+          </a:bodyPr>
+          <a:lstStyle/>
+          <a:p>
+            <a:pPr algn="ctr"/>
+            <a:r>
+              <a:rPr lang="en-US" altLang="zh-CN" dirty="0"/>
+              <a:t>IfcSoundProperties</a:t>
+            </a:r>
+            <a:endParaRPr lang="zh-CN" altLang="en-US" dirty="0"/>
+          </a:p>
+        </p:txBody>
+      </p:sp>
+      <p:sp>
+        <p:nvSpPr>
+          <p:cNvPr id="41" name="椭圆 40"/>
+          <p:cNvSpPr/>
+          <p:nvPr/>
+        </p:nvSpPr>
+        <p:spPr>
+          <a:xfrm>
+            <a:off x="6563589" y="4506739"/>
+            <a:ext cx="144000" cy="144000"/>
+          </a:xfrm>
+          <a:prstGeom prst="ellipse">
+            <a:avLst/>
+          </a:prstGeom>
+          <a:noFill/>
+          <a:ln>
+            <a:solidFill>
+              <a:schemeClr val="tx1"/>
+            </a:solidFill>
+          </a:ln>
+        </p:spPr>
+        <p:style>
+          <a:lnRef idx="2">
+            <a:schemeClr val="accent1">
+              <a:shade val="50000"/>
+            </a:schemeClr>
+          </a:lnRef>
+          <a:fillRef idx="1">
+            <a:schemeClr val="accent1"/>
+          </a:fillRef>
+          <a:effectRef idx="0">
+            <a:schemeClr val="accent1"/>
+          </a:effectRef>
+          <a:fontRef idx="minor">
+            <a:schemeClr val="lt1"/>
+          </a:fontRef>
+        </p:style>
+        <p:txBody>
+          <a:bodyPr rtlCol="0" anchor="ctr"/>
+          <a:lstStyle/>
+          <a:p>
+            <a:pPr algn="ctr"/>
+            <a:endParaRPr lang="zh-CN" altLang="en-US"/>
+          </a:p>
+        </p:txBody>
+      </p:sp>
+      <p:sp>
+        <p:nvSpPr>
+          <p:cNvPr id="42" name="文本框 41"/>
+          <p:cNvSpPr txBox="1"/>
+          <p:nvPr/>
+        </p:nvSpPr>
+        <p:spPr>
+          <a:xfrm>
+            <a:off x="1706842" y="4380218"/>
+            <a:ext cx="2854036" cy="369332"/>
+          </a:xfrm>
+          <a:prstGeom prst="rect">
+            <a:avLst/>
+          </a:prstGeom>
+          <a:noFill/>
+          <a:ln>
+            <a:solidFill>
+              <a:schemeClr val="tx1"/>
+            </a:solidFill>
+          </a:ln>
+        </p:spPr>
+        <p:txBody>
+          <a:bodyPr wrap="square" rtlCol="0">
+            <a:spAutoFit/>
+          </a:bodyPr>
+          <a:lstStyle/>
+          <a:p>
+            <a:pPr algn="ctr"/>
+            <a:r>
+              <a:rPr lang="en-US" altLang="zh-CN" dirty="0"/>
+              <a:t>IfcServiceLifeFactor</a:t>
+            </a:r>
+            <a:endParaRPr lang="zh-CN" altLang="en-US" dirty="0"/>
+          </a:p>
+        </p:txBody>
+      </p:sp>
+      <p:sp>
+        <p:nvSpPr>
+          <p:cNvPr id="43" name="椭圆 42"/>
+          <p:cNvSpPr/>
+          <p:nvPr/>
+        </p:nvSpPr>
+        <p:spPr>
+          <a:xfrm>
+            <a:off x="4555420" y="5475881"/>
+            <a:ext cx="144000" cy="144000"/>
+          </a:xfrm>
+          <a:prstGeom prst="ellipse">
+            <a:avLst/>
+          </a:prstGeom>
+          <a:noFill/>
+          <a:ln>
+            <a:solidFill>
+              <a:schemeClr val="tx1"/>
+            </a:solidFill>
+          </a:ln>
+        </p:spPr>
+        <p:style>
+          <a:lnRef idx="2">
+            <a:schemeClr val="accent1">
+              <a:shade val="50000"/>
+            </a:schemeClr>
+          </a:lnRef>
+          <a:fillRef idx="1">
+            <a:schemeClr val="accent1"/>
+          </a:fillRef>
+          <a:effectRef idx="0">
+            <a:schemeClr val="accent1"/>
+          </a:effectRef>
+          <a:fontRef idx="minor">
+            <a:schemeClr val="lt1"/>
+          </a:fontRef>
+        </p:style>
+        <p:txBody>
+          <a:bodyPr rtlCol="0" anchor="ctr"/>
+          <a:lstStyle/>
+          <a:p>
+            <a:pPr algn="ctr"/>
+            <a:endParaRPr lang="zh-CN" altLang="en-US"/>
+          </a:p>
+        </p:txBody>
+      </p:sp>
+      <p:cxnSp>
+        <p:nvCxnSpPr>
+          <p:cNvPr id="44" name="直接连接符 43"/>
+          <p:cNvCxnSpPr/>
+          <p:nvPr/>
+        </p:nvCxnSpPr>
+        <p:spPr>
+          <a:xfrm flipH="1">
+            <a:off x="4682836" y="5547881"/>
+            <a:ext cx="1893136" cy="0"/>
+          </a:xfrm>
+          <a:prstGeom prst="line">
+            <a:avLst/>
+          </a:prstGeom>
+          <a:ln w="25400">
+            <a:solidFill>
+              <a:schemeClr val="tx1"/>
+            </a:solidFill>
+          </a:ln>
+        </p:spPr>
+        <p:style>
+          <a:lnRef idx="1">
+            <a:schemeClr val="accent1"/>
+          </a:lnRef>
+          <a:fillRef idx="0">
+            <a:schemeClr val="accent1"/>
+          </a:fillRef>
+          <a:effectRef idx="0">
+            <a:schemeClr val="accent1"/>
+          </a:effectRef>
+          <a:fontRef idx="minor">
+            <a:schemeClr val="tx1"/>
+          </a:fontRef>
+        </p:style>
+      </p:cxnSp>
+      <p:sp>
+        <p:nvSpPr>
+          <p:cNvPr id="45" name="椭圆 44"/>
+          <p:cNvSpPr/>
+          <p:nvPr/>
+        </p:nvSpPr>
+        <p:spPr>
+          <a:xfrm>
+            <a:off x="6563589" y="5462026"/>
+            <a:ext cx="144000" cy="144000"/>
+          </a:xfrm>
+          <a:prstGeom prst="ellipse">
+            <a:avLst/>
+          </a:prstGeom>
+          <a:noFill/>
+          <a:ln>
+            <a:solidFill>
+              <a:schemeClr val="tx1"/>
+            </a:solidFill>
+          </a:ln>
+        </p:spPr>
+        <p:style>
+          <a:lnRef idx="2">
+            <a:schemeClr val="accent1">
+              <a:shade val="50000"/>
+            </a:schemeClr>
+          </a:lnRef>
+          <a:fillRef idx="1">
+            <a:schemeClr val="accent1"/>
+          </a:fillRef>
+          <a:effectRef idx="0">
+            <a:schemeClr val="accent1"/>
+          </a:effectRef>
+          <a:fontRef idx="minor">
+            <a:schemeClr val="lt1"/>
+          </a:fontRef>
+        </p:style>
+        <p:txBody>
+          <a:bodyPr rtlCol="0" anchor="ctr"/>
+          <a:lstStyle/>
+          <a:p>
+            <a:pPr algn="ctr"/>
+            <a:endParaRPr lang="zh-CN" altLang="en-US"/>
+          </a:p>
+        </p:txBody>
+      </p:sp>
+      <p:sp>
+        <p:nvSpPr>
+          <p:cNvPr id="46" name="椭圆 45"/>
+          <p:cNvSpPr/>
+          <p:nvPr/>
+        </p:nvSpPr>
+        <p:spPr>
+          <a:xfrm>
+            <a:off x="4555420" y="6419111"/>
+            <a:ext cx="144000" cy="144000"/>
+          </a:xfrm>
+          <a:prstGeom prst="ellipse">
+            <a:avLst/>
+          </a:prstGeom>
+          <a:noFill/>
+          <a:ln>
+            <a:solidFill>
+              <a:schemeClr val="tx1"/>
+            </a:solidFill>
+          </a:ln>
+        </p:spPr>
+        <p:style>
+          <a:lnRef idx="2">
+            <a:schemeClr val="accent1">
+              <a:shade val="50000"/>
+            </a:schemeClr>
+          </a:lnRef>
+          <a:fillRef idx="1">
+            <a:schemeClr val="accent1"/>
+          </a:fillRef>
+          <a:effectRef idx="0">
+            <a:schemeClr val="accent1"/>
+          </a:effectRef>
+          <a:fontRef idx="minor">
+            <a:schemeClr val="lt1"/>
+          </a:fontRef>
+        </p:style>
+        <p:txBody>
+          <a:bodyPr rtlCol="0" anchor="ctr"/>
+          <a:lstStyle/>
+          <a:p>
+            <a:pPr algn="ctr"/>
+            <a:endParaRPr lang="zh-CN" altLang="en-US"/>
+          </a:p>
+        </p:txBody>
+      </p:sp>
+      <p:cxnSp>
+        <p:nvCxnSpPr>
+          <p:cNvPr id="47" name="直接连接符 46"/>
+          <p:cNvCxnSpPr/>
+          <p:nvPr/>
+        </p:nvCxnSpPr>
+        <p:spPr>
+          <a:xfrm flipH="1">
+            <a:off x="4682836" y="6491111"/>
+            <a:ext cx="1893136" cy="0"/>
+          </a:xfrm>
+          <a:prstGeom prst="line">
+            <a:avLst/>
+          </a:prstGeom>
+          <a:ln w="25400">
+            <a:solidFill>
+              <a:schemeClr val="tx1"/>
+            </a:solidFill>
+          </a:ln>
+        </p:spPr>
+        <p:style>
+          <a:lnRef idx="1">
+            <a:schemeClr val="accent1"/>
+          </a:lnRef>
+          <a:fillRef idx="0">
+            <a:schemeClr val="accent1"/>
+          </a:fillRef>
+          <a:effectRef idx="0">
+            <a:schemeClr val="accent1"/>
+          </a:effectRef>
+          <a:fontRef idx="minor">
+            <a:schemeClr val="tx1"/>
+          </a:fontRef>
+        </p:style>
+      </p:cxnSp>
+      <p:sp>
+        <p:nvSpPr>
+          <p:cNvPr id="48" name="椭圆 47"/>
+          <p:cNvSpPr/>
+          <p:nvPr/>
+        </p:nvSpPr>
+        <p:spPr>
+          <a:xfrm>
+            <a:off x="6563589" y="6405256"/>
+            <a:ext cx="144000" cy="144000"/>
+          </a:xfrm>
+          <a:prstGeom prst="ellipse">
+            <a:avLst/>
+          </a:prstGeom>
+          <a:noFill/>
+          <a:ln>
+            <a:solidFill>
+              <a:schemeClr val="tx1"/>
+            </a:solidFill>
+          </a:ln>
+        </p:spPr>
+        <p:style>
+          <a:lnRef idx="2">
+            <a:schemeClr val="accent1">
+              <a:shade val="50000"/>
+            </a:schemeClr>
+          </a:lnRef>
+          <a:fillRef idx="1">
+            <a:schemeClr val="accent1"/>
+          </a:fillRef>
+          <a:effectRef idx="0">
+            <a:schemeClr val="accent1"/>
+          </a:effectRef>
+          <a:fontRef idx="minor">
+            <a:schemeClr val="lt1"/>
+          </a:fontRef>
+        </p:style>
+        <p:txBody>
+          <a:bodyPr rtlCol="0" anchor="ctr"/>
+          <a:lstStyle/>
+          <a:p>
+            <a:pPr algn="ctr"/>
+            <a:endParaRPr lang="zh-CN" altLang="en-US"/>
+          </a:p>
+        </p:txBody>
+      </p:sp>
+      <p:sp>
+        <p:nvSpPr>
+          <p:cNvPr id="49" name="文本框 48"/>
+          <p:cNvSpPr txBox="1"/>
+          <p:nvPr/>
+        </p:nvSpPr>
+        <p:spPr>
+          <a:xfrm>
+            <a:off x="1675146" y="5363215"/>
+            <a:ext cx="2885732" cy="369332"/>
+          </a:xfrm>
+          <a:prstGeom prst="rect">
+            <a:avLst/>
+          </a:prstGeom>
+          <a:noFill/>
+          <a:ln>
+            <a:solidFill>
+              <a:schemeClr val="tx1"/>
+            </a:solidFill>
+          </a:ln>
+        </p:spPr>
+        <p:txBody>
+          <a:bodyPr wrap="square" rtlCol="0">
+            <a:spAutoFit/>
+          </a:bodyPr>
+          <a:lstStyle/>
+          <a:p>
+            <a:pPr algn="ctr"/>
+            <a:r>
+              <a:rPr lang="en-US" altLang="zh-CN" dirty="0"/>
+              <a:t>IfcSoundValue</a:t>
+            </a:r>
+            <a:endParaRPr lang="zh-CN" altLang="en-US" dirty="0"/>
+          </a:p>
+        </p:txBody>
+      </p:sp>
+      <p:sp>
+        <p:nvSpPr>
+          <p:cNvPr id="50" name="文本框 49"/>
+          <p:cNvSpPr txBox="1"/>
+          <p:nvPr/>
+        </p:nvSpPr>
+        <p:spPr>
+          <a:xfrm>
+            <a:off x="1675147" y="6346212"/>
+            <a:ext cx="2874892" cy="369332"/>
+          </a:xfrm>
+          <a:prstGeom prst="rect">
+            <a:avLst/>
+          </a:prstGeom>
+          <a:noFill/>
+          <a:ln>
+            <a:solidFill>
+              <a:schemeClr val="tx1"/>
+            </a:solidFill>
+          </a:ln>
+        </p:spPr>
+        <p:txBody>
+          <a:bodyPr wrap="square" rtlCol="0">
+            <a:spAutoFit/>
+          </a:bodyPr>
+          <a:lstStyle/>
+          <a:p>
+            <a:pPr algn="ctr"/>
+            <a:r>
+              <a:rPr lang="en-US" altLang="zh-CN" dirty="0"/>
+              <a:t>IfcWindowLiningProperties</a:t>
+            </a:r>
+            <a:endParaRPr lang="zh-CN" altLang="en-US" dirty="0"/>
+          </a:p>
+        </p:txBody>
+      </p:sp>
+      <p:sp>
+        <p:nvSpPr>
+          <p:cNvPr id="51" name="文本框 50"/>
+          <p:cNvSpPr txBox="1"/>
+          <p:nvPr/>
+        </p:nvSpPr>
+        <p:spPr>
+          <a:xfrm>
+            <a:off x="6714511" y="5363215"/>
+            <a:ext cx="3316180" cy="369332"/>
+          </a:xfrm>
+          <a:prstGeom prst="rect">
+            <a:avLst/>
+          </a:prstGeom>
+          <a:noFill/>
+          <a:ln>
+            <a:solidFill>
+              <a:schemeClr val="tx1"/>
+            </a:solidFill>
+          </a:ln>
+        </p:spPr>
+        <p:txBody>
+          <a:bodyPr wrap="square" rtlCol="0">
+            <a:spAutoFit/>
+          </a:bodyPr>
+          <a:lstStyle/>
+          <a:p>
+            <a:pPr algn="ctr"/>
+            <a:r>
+              <a:rPr lang="en-US" altLang="zh-CN" dirty="0"/>
+              <a:t>IfcSpaceThermalLoadProperties</a:t>
+            </a:r>
+            <a:endParaRPr lang="zh-CN" altLang="en-US" dirty="0"/>
+          </a:p>
+        </p:txBody>
+      </p:sp>
+      <p:sp>
+        <p:nvSpPr>
+          <p:cNvPr id="52" name="文本框 51"/>
+          <p:cNvSpPr txBox="1"/>
+          <p:nvPr/>
+        </p:nvSpPr>
+        <p:spPr>
+          <a:xfrm>
+            <a:off x="6699320" y="6292590"/>
+            <a:ext cx="3066797" cy="369332"/>
+          </a:xfrm>
+          <a:prstGeom prst="rect">
+            <a:avLst/>
+          </a:prstGeom>
+          <a:noFill/>
+          <a:ln>
+            <a:solidFill>
+              <a:schemeClr val="tx1"/>
+            </a:solidFill>
+          </a:ln>
+        </p:spPr>
+        <p:txBody>
+          <a:bodyPr wrap="square" rtlCol="0">
+            <a:spAutoFit/>
+          </a:bodyPr>
+          <a:lstStyle/>
+          <a:p>
+            <a:pPr algn="ctr"/>
+            <a:r>
+              <a:rPr lang="en-US" altLang="zh-CN" dirty="0" err="1"/>
+              <a:t>IfcWindowPanelProperties</a:t>
+            </a:r>
+            <a:endParaRPr lang="zh-CN" altLang="en-US" dirty="0"/>
+          </a:p>
+        </p:txBody>
+      </p:sp>
+      <p:sp>
+        <p:nvSpPr>
+          <p:cNvPr id="53" name="椭圆 52"/>
+          <p:cNvSpPr/>
+          <p:nvPr/>
+        </p:nvSpPr>
+        <p:spPr>
+          <a:xfrm>
+            <a:off x="4543037" y="3563510"/>
+            <a:ext cx="144000" cy="144000"/>
+          </a:xfrm>
+          <a:prstGeom prst="ellipse">
+            <a:avLst/>
+          </a:prstGeom>
+          <a:noFill/>
+          <a:ln>
+            <a:solidFill>
+              <a:schemeClr val="tx1"/>
+            </a:solidFill>
+          </a:ln>
+        </p:spPr>
+        <p:style>
+          <a:lnRef idx="2">
+            <a:schemeClr val="accent1">
+              <a:shade val="50000"/>
+            </a:schemeClr>
+          </a:lnRef>
+          <a:fillRef idx="1">
+            <a:schemeClr val="accent1"/>
+          </a:fillRef>
+          <a:effectRef idx="0">
+            <a:schemeClr val="accent1"/>
+          </a:effectRef>
+          <a:fontRef idx="minor">
+            <a:schemeClr val="lt1"/>
+          </a:fontRef>
+        </p:style>
+        <p:txBody>
+          <a:bodyPr rtlCol="0" anchor="ctr"/>
+          <a:lstStyle/>
+          <a:p>
+            <a:pPr algn="ctr"/>
+            <a:endParaRPr lang="zh-CN" altLang="en-US"/>
+          </a:p>
+        </p:txBody>
+      </p:sp>
+      <p:cxnSp>
+        <p:nvCxnSpPr>
+          <p:cNvPr id="54" name="直接连接符 53"/>
+          <p:cNvCxnSpPr/>
+          <p:nvPr/>
+        </p:nvCxnSpPr>
+        <p:spPr>
+          <a:xfrm flipH="1">
+            <a:off x="4670453" y="3635510"/>
+            <a:ext cx="1893136" cy="0"/>
+          </a:xfrm>
+          <a:prstGeom prst="line">
+            <a:avLst/>
+          </a:prstGeom>
+          <a:ln w="25400">
+            <a:solidFill>
+              <a:schemeClr val="tx1"/>
+            </a:solidFill>
+          </a:ln>
+        </p:spPr>
+        <p:style>
+          <a:lnRef idx="1">
+            <a:schemeClr val="accent1"/>
+          </a:lnRef>
+          <a:fillRef idx="0">
+            <a:schemeClr val="accent1"/>
+          </a:fillRef>
+          <a:effectRef idx="0">
+            <a:schemeClr val="accent1"/>
+          </a:effectRef>
+          <a:fontRef idx="minor">
+            <a:schemeClr val="tx1"/>
+          </a:fontRef>
+        </p:style>
+      </p:cxnSp>
+      <p:sp>
+        <p:nvSpPr>
+          <p:cNvPr id="55" name="椭圆 54"/>
+          <p:cNvSpPr/>
+          <p:nvPr/>
+        </p:nvSpPr>
+        <p:spPr>
+          <a:xfrm>
+            <a:off x="6551206" y="3549655"/>
+            <a:ext cx="144000" cy="144000"/>
+          </a:xfrm>
+          <a:prstGeom prst="ellipse">
+            <a:avLst/>
+          </a:prstGeom>
+          <a:noFill/>
+          <a:ln>
+            <a:solidFill>
+              <a:schemeClr val="tx1"/>
+            </a:solidFill>
+          </a:ln>
+        </p:spPr>
+        <p:style>
+          <a:lnRef idx="2">
+            <a:schemeClr val="accent1">
+              <a:shade val="50000"/>
+            </a:schemeClr>
+          </a:lnRef>
+          <a:fillRef idx="1">
+            <a:schemeClr val="accent1"/>
+          </a:fillRef>
+          <a:effectRef idx="0">
+            <a:schemeClr val="accent1"/>
+          </a:effectRef>
+          <a:fontRef idx="minor">
+            <a:schemeClr val="lt1"/>
+          </a:fontRef>
+        </p:style>
+        <p:txBody>
+          <a:bodyPr rtlCol="0" anchor="ctr"/>
+          <a:lstStyle/>
+          <a:p>
+            <a:pPr algn="ctr"/>
+            <a:endParaRPr lang="zh-CN" altLang="en-US"/>
+          </a:p>
+        </p:txBody>
+      </p:sp>
+      <p:sp>
+        <p:nvSpPr>
+          <p:cNvPr id="58" name="椭圆 57"/>
+          <p:cNvSpPr/>
+          <p:nvPr/>
+        </p:nvSpPr>
+        <p:spPr>
+          <a:xfrm>
+            <a:off x="4543037" y="2643935"/>
+            <a:ext cx="144000" cy="144000"/>
+          </a:xfrm>
+          <a:prstGeom prst="ellipse">
+            <a:avLst/>
+          </a:prstGeom>
+          <a:noFill/>
+          <a:ln>
+            <a:solidFill>
+              <a:schemeClr val="tx1"/>
+            </a:solidFill>
+          </a:ln>
+        </p:spPr>
+        <p:style>
+          <a:lnRef idx="2">
+            <a:schemeClr val="accent1">
+              <a:shade val="50000"/>
+            </a:schemeClr>
+          </a:lnRef>
+          <a:fillRef idx="1">
+            <a:schemeClr val="accent1"/>
+          </a:fillRef>
+          <a:effectRef idx="0">
+            <a:schemeClr val="accent1"/>
+          </a:effectRef>
+          <a:fontRef idx="minor">
+            <a:schemeClr val="lt1"/>
+          </a:fontRef>
+        </p:style>
+        <p:txBody>
+          <a:bodyPr rtlCol="0" anchor="ctr"/>
+          <a:lstStyle/>
+          <a:p>
+            <a:pPr algn="ctr"/>
+            <a:endParaRPr lang="zh-CN" altLang="en-US"/>
+          </a:p>
+        </p:txBody>
+      </p:sp>
+      <p:cxnSp>
+        <p:nvCxnSpPr>
+          <p:cNvPr id="59" name="直接连接符 58"/>
+          <p:cNvCxnSpPr/>
+          <p:nvPr/>
+        </p:nvCxnSpPr>
+        <p:spPr>
+          <a:xfrm flipH="1">
+            <a:off x="4670453" y="2715935"/>
+            <a:ext cx="1893136" cy="0"/>
+          </a:xfrm>
+          <a:prstGeom prst="line">
+            <a:avLst/>
+          </a:prstGeom>
+          <a:ln w="25400">
+            <a:solidFill>
+              <a:schemeClr val="tx1"/>
+            </a:solidFill>
+          </a:ln>
+        </p:spPr>
+        <p:style>
+          <a:lnRef idx="1">
+            <a:schemeClr val="accent1"/>
+          </a:lnRef>
+          <a:fillRef idx="0">
+            <a:schemeClr val="accent1"/>
+          </a:fillRef>
+          <a:effectRef idx="0">
+            <a:schemeClr val="accent1"/>
+          </a:effectRef>
+          <a:fontRef idx="minor">
+            <a:schemeClr val="tx1"/>
+          </a:fontRef>
+        </p:style>
+      </p:cxnSp>
+      <p:sp>
+        <p:nvSpPr>
+          <p:cNvPr id="60" name="椭圆 59"/>
+          <p:cNvSpPr/>
+          <p:nvPr/>
+        </p:nvSpPr>
+        <p:spPr>
+          <a:xfrm>
+            <a:off x="6551206" y="2630080"/>
+            <a:ext cx="144000" cy="144000"/>
+          </a:xfrm>
+          <a:prstGeom prst="ellipse">
+            <a:avLst/>
+          </a:prstGeom>
+          <a:noFill/>
+          <a:ln>
+            <a:solidFill>
+              <a:schemeClr val="tx1"/>
+            </a:solidFill>
+          </a:ln>
+        </p:spPr>
+        <p:style>
+          <a:lnRef idx="2">
+            <a:schemeClr val="accent1">
+              <a:shade val="50000"/>
+            </a:schemeClr>
+          </a:lnRef>
+          <a:fillRef idx="1">
+            <a:schemeClr val="accent1"/>
+          </a:fillRef>
+          <a:effectRef idx="0">
+            <a:schemeClr val="accent1"/>
+          </a:effectRef>
+          <a:fontRef idx="minor">
+            <a:schemeClr val="lt1"/>
+          </a:fontRef>
+        </p:style>
+        <p:txBody>
+          <a:bodyPr rtlCol="0" anchor="ctr"/>
+          <a:lstStyle/>
+          <a:p>
+            <a:pPr algn="ctr"/>
+            <a:endParaRPr lang="zh-CN" altLang="en-US"/>
+          </a:p>
+        </p:txBody>
+      </p:sp>
+      <p:sp>
+        <p:nvSpPr>
+          <p:cNvPr id="62" name="椭圆 61"/>
+          <p:cNvSpPr/>
+          <p:nvPr/>
+        </p:nvSpPr>
+        <p:spPr>
+          <a:xfrm>
+            <a:off x="4555420" y="1814494"/>
+            <a:ext cx="144000" cy="144000"/>
+          </a:xfrm>
+          <a:prstGeom prst="ellipse">
+            <a:avLst/>
+          </a:prstGeom>
+          <a:noFill/>
+          <a:ln>
+            <a:solidFill>
+              <a:schemeClr val="tx1"/>
+            </a:solidFill>
+          </a:ln>
+        </p:spPr>
+        <p:style>
+          <a:lnRef idx="2">
+            <a:schemeClr val="accent1">
+              <a:shade val="50000"/>
+            </a:schemeClr>
+          </a:lnRef>
+          <a:fillRef idx="1">
+            <a:schemeClr val="accent1"/>
+          </a:fillRef>
+          <a:effectRef idx="0">
+            <a:schemeClr val="accent1"/>
+          </a:effectRef>
+          <a:fontRef idx="minor">
+            <a:schemeClr val="lt1"/>
+          </a:fontRef>
+        </p:style>
+        <p:txBody>
+          <a:bodyPr rtlCol="0" anchor="ctr"/>
+          <a:lstStyle/>
+          <a:p>
+            <a:pPr algn="ctr"/>
+            <a:endParaRPr lang="zh-CN" altLang="en-US"/>
+          </a:p>
+        </p:txBody>
+      </p:sp>
+      <p:cxnSp>
+        <p:nvCxnSpPr>
+          <p:cNvPr id="63" name="直接连接符 62"/>
+          <p:cNvCxnSpPr/>
+          <p:nvPr/>
+        </p:nvCxnSpPr>
+        <p:spPr>
+          <a:xfrm flipH="1">
+            <a:off x="4682836" y="1886494"/>
+            <a:ext cx="1893136" cy="0"/>
+          </a:xfrm>
+          <a:prstGeom prst="line">
+            <a:avLst/>
+          </a:prstGeom>
+          <a:ln w="25400">
+            <a:solidFill>
+              <a:schemeClr val="tx1"/>
+            </a:solidFill>
+          </a:ln>
+        </p:spPr>
+        <p:style>
+          <a:lnRef idx="1">
+            <a:schemeClr val="accent1"/>
+          </a:lnRef>
+          <a:fillRef idx="0">
+            <a:schemeClr val="accent1"/>
+          </a:fillRef>
+          <a:effectRef idx="0">
+            <a:schemeClr val="accent1"/>
+          </a:effectRef>
+          <a:fontRef idx="minor">
+            <a:schemeClr val="tx1"/>
+          </a:fontRef>
+        </p:style>
+      </p:cxnSp>
+      <p:sp>
+        <p:nvSpPr>
+          <p:cNvPr id="64" name="椭圆 63"/>
+          <p:cNvSpPr/>
+          <p:nvPr/>
+        </p:nvSpPr>
+        <p:spPr>
+          <a:xfrm>
+            <a:off x="6563589" y="1800639"/>
+            <a:ext cx="144000" cy="144000"/>
+          </a:xfrm>
+          <a:prstGeom prst="ellipse">
+            <a:avLst/>
+          </a:prstGeom>
+          <a:noFill/>
+          <a:ln>
+            <a:solidFill>
+              <a:schemeClr val="tx1"/>
+            </a:solidFill>
+          </a:ln>
+        </p:spPr>
+        <p:style>
+          <a:lnRef idx="2">
+            <a:schemeClr val="accent1">
+              <a:shade val="50000"/>
+            </a:schemeClr>
+          </a:lnRef>
+          <a:fillRef idx="1">
+            <a:schemeClr val="accent1"/>
+          </a:fillRef>
+          <a:effectRef idx="0">
+            <a:schemeClr val="accent1"/>
+          </a:effectRef>
+          <a:fontRef idx="minor">
+            <a:schemeClr val="lt1"/>
+          </a:fontRef>
+        </p:style>
+        <p:txBody>
+          <a:bodyPr rtlCol="0" anchor="ctr"/>
+          <a:lstStyle/>
+          <a:p>
+            <a:pPr algn="ctr"/>
+            <a:endParaRPr lang="zh-CN" altLang="en-US"/>
+          </a:p>
+        </p:txBody>
+      </p:sp>
+      <p:sp>
+        <p:nvSpPr>
+          <p:cNvPr id="69" name="文本框 68"/>
+          <p:cNvSpPr txBox="1"/>
+          <p:nvPr/>
+        </p:nvSpPr>
+        <p:spPr>
+          <a:xfrm>
+            <a:off x="5707107" y="415990"/>
+            <a:ext cx="634436" cy="369332"/>
+          </a:xfrm>
+          <a:prstGeom prst="rect">
+            <a:avLst/>
+          </a:prstGeom>
+          <a:noFill/>
+        </p:spPr>
+        <p:txBody>
+          <a:bodyPr wrap="square" rtlCol="0">
+            <a:spAutoFit/>
+          </a:bodyPr>
+          <a:lstStyle/>
+          <a:p>
+            <a:r>
+              <a:rPr lang="en-US" altLang="zh-CN" dirty="0"/>
+              <a:t>1</a:t>
+            </a:r>
+            <a:endParaRPr lang="zh-CN" altLang="en-US" dirty="0"/>
+          </a:p>
+        </p:txBody>
+      </p:sp>
+      <p:sp>
+        <p:nvSpPr>
+          <p:cNvPr id="70" name="椭圆 69"/>
+          <p:cNvSpPr/>
+          <p:nvPr/>
+        </p:nvSpPr>
+        <p:spPr>
+          <a:xfrm>
+            <a:off x="4555420" y="971198"/>
+            <a:ext cx="144000" cy="144000"/>
+          </a:xfrm>
+          <a:prstGeom prst="ellipse">
+            <a:avLst/>
+          </a:prstGeom>
+          <a:noFill/>
+          <a:ln>
+            <a:solidFill>
+              <a:schemeClr val="tx1"/>
+            </a:solidFill>
+          </a:ln>
+        </p:spPr>
+        <p:style>
+          <a:lnRef idx="2">
+            <a:schemeClr val="accent1">
+              <a:shade val="50000"/>
+            </a:schemeClr>
+          </a:lnRef>
+          <a:fillRef idx="1">
+            <a:schemeClr val="accent1"/>
+          </a:fillRef>
+          <a:effectRef idx="0">
+            <a:schemeClr val="accent1"/>
+          </a:effectRef>
+          <a:fontRef idx="minor">
+            <a:schemeClr val="lt1"/>
+          </a:fontRef>
+        </p:style>
+        <p:txBody>
+          <a:bodyPr rtlCol="0" anchor="ctr"/>
+          <a:lstStyle/>
+          <a:p>
+            <a:pPr algn="ctr"/>
+            <a:endParaRPr lang="zh-CN" altLang="en-US"/>
+          </a:p>
+        </p:txBody>
+      </p:sp>
+      <p:cxnSp>
+        <p:nvCxnSpPr>
+          <p:cNvPr id="71" name="直接连接符 70"/>
+          <p:cNvCxnSpPr/>
+          <p:nvPr/>
+        </p:nvCxnSpPr>
+        <p:spPr>
+          <a:xfrm flipH="1">
+            <a:off x="4682836" y="1043198"/>
+            <a:ext cx="1893136" cy="0"/>
+          </a:xfrm>
+          <a:prstGeom prst="line">
+            <a:avLst/>
+          </a:prstGeom>
+          <a:ln w="25400">
+            <a:solidFill>
+              <a:schemeClr val="tx1"/>
+            </a:solidFill>
+          </a:ln>
+        </p:spPr>
+        <p:style>
+          <a:lnRef idx="1">
+            <a:schemeClr val="accent1"/>
+          </a:lnRef>
+          <a:fillRef idx="0">
+            <a:schemeClr val="accent1"/>
+          </a:fillRef>
+          <a:effectRef idx="0">
+            <a:schemeClr val="accent1"/>
+          </a:effectRef>
+          <a:fontRef idx="minor">
+            <a:schemeClr val="tx1"/>
+          </a:fontRef>
+        </p:style>
+      </p:cxnSp>
+      <p:sp>
+        <p:nvSpPr>
+          <p:cNvPr id="72" name="椭圆 71"/>
+          <p:cNvSpPr/>
+          <p:nvPr/>
+        </p:nvSpPr>
+        <p:spPr>
+          <a:xfrm>
+            <a:off x="6563589" y="957343"/>
+            <a:ext cx="144000" cy="144000"/>
+          </a:xfrm>
+          <a:prstGeom prst="ellipse">
+            <a:avLst/>
+          </a:prstGeom>
+          <a:noFill/>
+          <a:ln>
+            <a:solidFill>
+              <a:schemeClr val="tx1"/>
+            </a:solidFill>
+          </a:ln>
+        </p:spPr>
+        <p:style>
+          <a:lnRef idx="2">
+            <a:schemeClr val="accent1">
+              <a:shade val="50000"/>
+            </a:schemeClr>
+          </a:lnRef>
+          <a:fillRef idx="1">
+            <a:schemeClr val="accent1"/>
+          </a:fillRef>
+          <a:effectRef idx="0">
+            <a:schemeClr val="accent1"/>
+          </a:effectRef>
+          <a:fontRef idx="minor">
+            <a:schemeClr val="lt1"/>
+          </a:fontRef>
+        </p:style>
+        <p:txBody>
+          <a:bodyPr rtlCol="0" anchor="ctr"/>
+          <a:lstStyle/>
+          <a:p>
+            <a:pPr algn="ctr"/>
+            <a:endParaRPr lang="zh-CN" altLang="en-US"/>
+          </a:p>
+        </p:txBody>
+      </p:sp>
+      <p:sp>
+        <p:nvSpPr>
+          <p:cNvPr id="73" name="文本框 72"/>
+          <p:cNvSpPr txBox="1"/>
+          <p:nvPr/>
+        </p:nvSpPr>
+        <p:spPr>
+          <a:xfrm>
+            <a:off x="6672725" y="2497328"/>
+            <a:ext cx="3357966" cy="369332"/>
+          </a:xfrm>
+          <a:prstGeom prst="rect">
+            <a:avLst/>
+          </a:prstGeom>
+          <a:noFill/>
+          <a:ln>
+            <a:solidFill>
+              <a:schemeClr val="tx1"/>
+            </a:solidFill>
+          </a:ln>
+        </p:spPr>
+        <p:txBody>
+          <a:bodyPr wrap="square" rtlCol="0">
+            <a:spAutoFit/>
+          </a:bodyPr>
+          <a:lstStyle/>
+          <a:p>
+            <a:pPr algn="ctr"/>
+            <a:r>
+              <a:rPr lang="en-US" altLang="zh-CN" dirty="0"/>
+              <a:t>IfcPermeableCoveringProperties</a:t>
+            </a:r>
+            <a:endParaRPr lang="zh-CN" altLang="en-US" dirty="0"/>
+          </a:p>
+        </p:txBody>
+      </p:sp>
+      <p:sp>
+        <p:nvSpPr>
+          <p:cNvPr id="74" name="文本框 73"/>
+          <p:cNvSpPr txBox="1"/>
+          <p:nvPr/>
+        </p:nvSpPr>
+        <p:spPr>
+          <a:xfrm>
+            <a:off x="6714511" y="1621315"/>
+            <a:ext cx="2854036" cy="369332"/>
+          </a:xfrm>
+          <a:prstGeom prst="rect">
+            <a:avLst/>
+          </a:prstGeom>
+          <a:noFill/>
+          <a:ln>
+            <a:solidFill>
+              <a:schemeClr val="tx1"/>
+            </a:solidFill>
+          </a:ln>
+        </p:spPr>
+        <p:txBody>
+          <a:bodyPr wrap="square" rtlCol="0">
+            <a:spAutoFit/>
+          </a:bodyPr>
+          <a:lstStyle/>
+          <a:p>
+            <a:pPr algn="ctr"/>
+            <a:r>
+              <a:rPr lang="en-US" altLang="zh-CN" dirty="0"/>
+              <a:t>IfcEnergyProperties</a:t>
+            </a:r>
+            <a:endParaRPr lang="zh-CN" altLang="en-US" dirty="0"/>
+          </a:p>
+        </p:txBody>
+      </p:sp>
+      <p:sp>
+        <p:nvSpPr>
+          <p:cNvPr id="75" name="文本框 74"/>
+          <p:cNvSpPr txBox="1"/>
+          <p:nvPr/>
+        </p:nvSpPr>
+        <p:spPr>
+          <a:xfrm>
+            <a:off x="6703388" y="847167"/>
+            <a:ext cx="2854036" cy="369332"/>
+          </a:xfrm>
+          <a:prstGeom prst="rect">
+            <a:avLst/>
+          </a:prstGeom>
+          <a:noFill/>
+          <a:ln>
+            <a:solidFill>
+              <a:schemeClr val="tx1"/>
+            </a:solidFill>
+          </a:ln>
+        </p:spPr>
+        <p:txBody>
+          <a:bodyPr wrap="square" rtlCol="0">
+            <a:spAutoFit/>
+          </a:bodyPr>
+          <a:lstStyle/>
+          <a:p>
+            <a:pPr algn="ctr"/>
+            <a:r>
+              <a:rPr lang="en-US" altLang="zh-CN" dirty="0"/>
+              <a:t>IfcDoorPanelProperties</a:t>
+            </a:r>
+            <a:endParaRPr lang="zh-CN" altLang="en-US" dirty="0"/>
+          </a:p>
+        </p:txBody>
+      </p:sp>
+      <p:sp>
+        <p:nvSpPr>
+          <p:cNvPr id="76" name="文本框 75"/>
+          <p:cNvSpPr txBox="1"/>
+          <p:nvPr/>
+        </p:nvSpPr>
+        <p:spPr>
+          <a:xfrm>
+            <a:off x="1687529" y="812493"/>
+            <a:ext cx="2854036" cy="369332"/>
+          </a:xfrm>
+          <a:prstGeom prst="rect">
+            <a:avLst/>
+          </a:prstGeom>
+          <a:noFill/>
+          <a:ln>
+            <a:solidFill>
+              <a:schemeClr val="tx1"/>
+            </a:solidFill>
+          </a:ln>
+        </p:spPr>
+        <p:txBody>
+          <a:bodyPr wrap="square" rtlCol="0">
+            <a:spAutoFit/>
+          </a:bodyPr>
+          <a:lstStyle/>
+          <a:p>
+            <a:pPr algn="ctr"/>
+            <a:r>
+              <a:rPr lang="en-US" altLang="zh-CN" dirty="0"/>
+              <a:t>IfcDoorLiningProperties</a:t>
+            </a:r>
+            <a:endParaRPr lang="zh-CN" altLang="en-US" dirty="0"/>
+          </a:p>
+        </p:txBody>
+      </p:sp>
+      <p:sp>
+        <p:nvSpPr>
+          <p:cNvPr id="77" name="文本框 76"/>
+          <p:cNvSpPr txBox="1"/>
+          <p:nvPr/>
+        </p:nvSpPr>
+        <p:spPr>
+          <a:xfrm>
+            <a:off x="1706842" y="1715402"/>
+            <a:ext cx="2854036" cy="369332"/>
+          </a:xfrm>
+          <a:prstGeom prst="rect">
+            <a:avLst/>
+          </a:prstGeom>
+          <a:noFill/>
+          <a:ln>
+            <a:solidFill>
+              <a:schemeClr val="tx1"/>
+            </a:solidFill>
+          </a:ln>
+        </p:spPr>
+        <p:txBody>
+          <a:bodyPr wrap="square" rtlCol="0">
+            <a:spAutoFit/>
+          </a:bodyPr>
+          <a:lstStyle/>
+          <a:p>
+            <a:pPr algn="ctr"/>
+            <a:r>
+              <a:rPr lang="en-US" altLang="zh-CN" dirty="0"/>
+              <a:t>IfcElementQuantity</a:t>
+            </a:r>
+            <a:endParaRPr lang="zh-CN" altLang="en-US" dirty="0"/>
+          </a:p>
+        </p:txBody>
+      </p:sp>
+      <p:sp>
+        <p:nvSpPr>
+          <p:cNvPr id="78" name="文本框 77"/>
+          <p:cNvSpPr txBox="1"/>
+          <p:nvPr/>
+        </p:nvSpPr>
+        <p:spPr>
+          <a:xfrm>
+            <a:off x="1675146" y="2528986"/>
+            <a:ext cx="2854036" cy="369332"/>
+          </a:xfrm>
+          <a:prstGeom prst="rect">
+            <a:avLst/>
+          </a:prstGeom>
+          <a:noFill/>
+          <a:ln>
+            <a:solidFill>
+              <a:schemeClr val="tx1"/>
+            </a:solidFill>
+          </a:ln>
+        </p:spPr>
+        <p:txBody>
+          <a:bodyPr wrap="square" rtlCol="0">
+            <a:spAutoFit/>
+          </a:bodyPr>
+          <a:lstStyle/>
+          <a:p>
+            <a:pPr algn="ctr"/>
+            <a:r>
+              <a:rPr lang="en-US" altLang="zh-CN" dirty="0"/>
+              <a:t>IfcFluidFlowProperties</a:t>
+            </a:r>
+            <a:endParaRPr lang="zh-CN" altLang="en-US" dirty="0"/>
+          </a:p>
+        </p:txBody>
+      </p:sp>
+      <p:sp>
+        <p:nvSpPr>
+          <p:cNvPr id="79" name="文本框 78"/>
+          <p:cNvSpPr txBox="1"/>
+          <p:nvPr/>
+        </p:nvSpPr>
+        <p:spPr>
+          <a:xfrm>
+            <a:off x="1687529" y="3462056"/>
+            <a:ext cx="2854036" cy="369332"/>
+          </a:xfrm>
+          <a:prstGeom prst="rect">
+            <a:avLst/>
+          </a:prstGeom>
+          <a:noFill/>
+          <a:ln>
+            <a:solidFill>
+              <a:schemeClr val="tx1"/>
+            </a:solidFill>
+          </a:ln>
+        </p:spPr>
+        <p:txBody>
+          <a:bodyPr wrap="square" rtlCol="0">
+            <a:spAutoFit/>
+          </a:bodyPr>
+          <a:lstStyle/>
+          <a:p>
+            <a:pPr algn="ctr"/>
+            <a:r>
+              <a:rPr lang="en-US" altLang="zh-CN" dirty="0"/>
+              <a:t>IfcPropertySet</a:t>
+            </a:r>
+            <a:endParaRPr lang="zh-CN" altLang="en-US" dirty="0"/>
+          </a:p>
+        </p:txBody>
+      </p:sp>
+      <p:cxnSp>
+        <p:nvCxnSpPr>
+          <p:cNvPr id="80" name="直接连接符 79"/>
+          <p:cNvCxnSpPr/>
+          <p:nvPr/>
+        </p:nvCxnSpPr>
+        <p:spPr>
+          <a:xfrm flipH="1">
+            <a:off x="8113830" y="2237219"/>
+            <a:ext cx="739233" cy="13536"/>
+          </a:xfrm>
+          <a:prstGeom prst="line">
+            <a:avLst/>
+          </a:prstGeom>
+          <a:ln w="25400">
+            <a:solidFill>
+              <a:schemeClr val="tx1"/>
+            </a:solidFill>
+          </a:ln>
+        </p:spPr>
+        <p:style>
+          <a:lnRef idx="1">
+            <a:schemeClr val="accent1"/>
+          </a:lnRef>
+          <a:fillRef idx="0">
+            <a:schemeClr val="accent1"/>
+          </a:fillRef>
+          <a:effectRef idx="0">
+            <a:schemeClr val="accent1"/>
+          </a:effectRef>
+          <a:fontRef idx="minor">
+            <a:schemeClr val="tx1"/>
+          </a:fontRef>
+        </p:style>
+      </p:cxnSp>
+      <p:cxnSp>
+        <p:nvCxnSpPr>
+          <p:cNvPr id="81" name="直接连接符 80"/>
+          <p:cNvCxnSpPr>
+            <a:endCxn id="74" idx="2"/>
+          </p:cNvCxnSpPr>
+          <p:nvPr/>
+        </p:nvCxnSpPr>
+        <p:spPr>
+          <a:xfrm flipV="1">
+            <a:off x="8141529" y="1990647"/>
+            <a:ext cx="0" cy="238471"/>
+          </a:xfrm>
+          <a:prstGeom prst="line">
+            <a:avLst/>
+          </a:prstGeom>
+          <a:ln w="25400">
+            <a:solidFill>
+              <a:schemeClr val="tx1"/>
+            </a:solidFill>
+          </a:ln>
+        </p:spPr>
+        <p:style>
+          <a:lnRef idx="1">
+            <a:schemeClr val="accent1"/>
+          </a:lnRef>
+          <a:fillRef idx="0">
+            <a:schemeClr val="accent1"/>
+          </a:fillRef>
+          <a:effectRef idx="0">
+            <a:schemeClr val="accent1"/>
+          </a:effectRef>
+          <a:fontRef idx="minor">
+            <a:schemeClr val="tx1"/>
+          </a:fontRef>
+        </p:style>
+      </p:cxnSp>
+      <p:sp>
+        <p:nvSpPr>
+          <p:cNvPr id="82" name="文本框 81"/>
+          <p:cNvSpPr txBox="1"/>
+          <p:nvPr/>
+        </p:nvSpPr>
+        <p:spPr>
+          <a:xfrm>
+            <a:off x="8963891" y="2050340"/>
+            <a:ext cx="2854036" cy="369332"/>
+          </a:xfrm>
+          <a:prstGeom prst="rect">
+            <a:avLst/>
+          </a:prstGeom>
+          <a:noFill/>
+          <a:ln>
+            <a:solidFill>
+              <a:schemeClr val="tx1"/>
+            </a:solidFill>
+          </a:ln>
+        </p:spPr>
+        <p:txBody>
+          <a:bodyPr wrap="square" rtlCol="0">
+            <a:spAutoFit/>
+          </a:bodyPr>
+          <a:lstStyle/>
+          <a:p>
+            <a:pPr algn="ctr"/>
+            <a:r>
+              <a:rPr lang="en-US" altLang="zh-CN" dirty="0"/>
+              <a:t>IfcElectricalBaseProperties</a:t>
+            </a:r>
+            <a:endParaRPr lang="zh-CN" altLang="en-US" dirty="0"/>
+          </a:p>
+        </p:txBody>
+      </p:sp>
+      <p:sp>
+        <p:nvSpPr>
+          <p:cNvPr id="85" name="椭圆 84"/>
+          <p:cNvSpPr/>
+          <p:nvPr/>
+        </p:nvSpPr>
+        <p:spPr>
+          <a:xfrm>
+            <a:off x="8810749" y="2136567"/>
+            <a:ext cx="144000" cy="144000"/>
+          </a:xfrm>
+          <a:prstGeom prst="ellipse">
+            <a:avLst/>
+          </a:prstGeom>
+          <a:noFill/>
+          <a:ln>
+            <a:solidFill>
+              <a:schemeClr val="tx1"/>
+            </a:solidFill>
+          </a:ln>
+        </p:spPr>
+        <p:style>
+          <a:lnRef idx="2">
+            <a:schemeClr val="accent1">
+              <a:shade val="50000"/>
+            </a:schemeClr>
+          </a:lnRef>
+          <a:fillRef idx="1">
+            <a:schemeClr val="accent1"/>
+          </a:fillRef>
+          <a:effectRef idx="0">
+            <a:schemeClr val="accent1"/>
+          </a:effectRef>
+          <a:fontRef idx="minor">
+            <a:schemeClr val="lt1"/>
+          </a:fontRef>
+        </p:style>
+        <p:txBody>
+          <a:bodyPr rtlCol="0" anchor="ctr"/>
+          <a:lstStyle/>
+          <a:p>
+            <a:pPr algn="ctr"/>
+            <a:endParaRPr lang="zh-CN" altLang="en-US"/>
+          </a:p>
+        </p:txBody>
+      </p:sp>
+    </p:spTree>
+    <p:extLst>
+      <p:ext uri="{BB962C8B-B14F-4D97-AF65-F5344CB8AC3E}">
+        <p14:creationId xmlns:p14="http://schemas.microsoft.com/office/powerpoint/2010/main" val="595728491"/>
+      </p:ext>
+    </p:extLst>
+  </p:cSld>
+  <p:clrMapOvr>
+    <a:masterClrMapping/>
+  </p:clrMapOvr>
+</p:sld>
+</file>
+
+<file path=ppt/slides/slide12.xml><?xml version="1.0" encoding="utf-8"?>
+<p:sld xmlns:a="http://schemas.openxmlformats.org/drawingml/2006/main" xmlns:r="http://schemas.openxmlformats.org/officeDocument/2006/relationships" xmlns:p="http://schemas.openxmlformats.org/presentationml/2006/main">
+  <p:cSld>
+    <p:spTree>
+      <p:nvGrpSpPr>
+        <p:cNvPr id="1" name=""/>
+        <p:cNvGrpSpPr/>
+        <p:nvPr/>
+      </p:nvGrpSpPr>
+      <p:grpSpPr>
+        <a:xfrm>
+          <a:off x="0" y="0"/>
+          <a:ext cx="0" cy="0"/>
+          <a:chOff x="0" y="0"/>
+          <a:chExt cx="0" cy="0"/>
+        </a:xfrm>
+      </p:grpSpPr>
+      <p:sp>
+        <p:nvSpPr>
+          <p:cNvPr id="5" name="文本框 4"/>
+          <p:cNvSpPr txBox="1"/>
+          <p:nvPr/>
+        </p:nvSpPr>
+        <p:spPr>
+          <a:xfrm>
+            <a:off x="3920836" y="360218"/>
+            <a:ext cx="3588328" cy="369332"/>
+          </a:xfrm>
+          <a:prstGeom prst="rect">
+            <a:avLst/>
+          </a:prstGeom>
+          <a:noFill/>
+          <a:ln>
+            <a:solidFill>
+              <a:schemeClr val="tx1"/>
+            </a:solidFill>
+          </a:ln>
+        </p:spPr>
+        <p:txBody>
+          <a:bodyPr wrap="square" rtlCol="0">
+            <a:spAutoFit/>
+          </a:bodyPr>
+          <a:lstStyle/>
+          <a:p>
+            <a:pPr algn="ctr"/>
+            <a:r>
+              <a:rPr lang="en-US" altLang="zh-CN" dirty="0" err="1"/>
+              <a:t>IfcRelDefinesByProperties</a:t>
+            </a:r>
+            <a:endParaRPr lang="zh-CN" altLang="en-US" dirty="0"/>
+          </a:p>
+        </p:txBody>
+      </p:sp>
+      <p:cxnSp>
+        <p:nvCxnSpPr>
+          <p:cNvPr id="7" name="直接连接符 6"/>
+          <p:cNvCxnSpPr/>
+          <p:nvPr/>
+        </p:nvCxnSpPr>
+        <p:spPr>
+          <a:xfrm flipH="1">
+            <a:off x="3048000" y="520210"/>
+            <a:ext cx="872835" cy="1"/>
+          </a:xfrm>
+          <a:prstGeom prst="line">
+            <a:avLst/>
+          </a:prstGeom>
+          <a:ln w="25400">
+            <a:solidFill>
+              <a:schemeClr val="tx1"/>
+            </a:solidFill>
+          </a:ln>
+        </p:spPr>
+        <p:style>
+          <a:lnRef idx="1">
+            <a:schemeClr val="accent1"/>
+          </a:lnRef>
+          <a:fillRef idx="0">
+            <a:schemeClr val="accent1"/>
+          </a:fillRef>
+          <a:effectRef idx="0">
+            <a:schemeClr val="accent1"/>
+          </a:effectRef>
+          <a:fontRef idx="minor">
+            <a:schemeClr val="tx1"/>
+          </a:fontRef>
+        </p:style>
+      </p:cxnSp>
+      <p:sp>
+        <p:nvSpPr>
+          <p:cNvPr id="12" name="文本框 11"/>
+          <p:cNvSpPr txBox="1"/>
+          <p:nvPr/>
+        </p:nvSpPr>
+        <p:spPr>
+          <a:xfrm>
+            <a:off x="1752562" y="1901708"/>
+            <a:ext cx="2604655" cy="369332"/>
+          </a:xfrm>
+          <a:prstGeom prst="rect">
+            <a:avLst/>
+          </a:prstGeom>
+          <a:noFill/>
+          <a:ln>
+            <a:solidFill>
+              <a:schemeClr val="tx1"/>
+            </a:solidFill>
+          </a:ln>
+        </p:spPr>
+        <p:txBody>
+          <a:bodyPr wrap="square" rtlCol="0">
+            <a:spAutoFit/>
+          </a:bodyPr>
+          <a:lstStyle/>
+          <a:p>
+            <a:pPr algn="ctr"/>
+            <a:r>
+              <a:rPr lang="en-US" altLang="zh-CN" dirty="0" err="1"/>
+              <a:t>IfcObject</a:t>
+            </a:r>
+            <a:endParaRPr lang="zh-CN" altLang="en-US" dirty="0"/>
+          </a:p>
+        </p:txBody>
+      </p:sp>
+      <p:sp>
+        <p:nvSpPr>
+          <p:cNvPr id="13" name="文本框 12"/>
+          <p:cNvSpPr txBox="1"/>
+          <p:nvPr/>
+        </p:nvSpPr>
+        <p:spPr>
+          <a:xfrm>
+            <a:off x="7157867" y="1901708"/>
+            <a:ext cx="2854036" cy="369332"/>
+          </a:xfrm>
+          <a:prstGeom prst="rect">
+            <a:avLst/>
+          </a:prstGeom>
+          <a:noFill/>
+          <a:ln>
+            <a:solidFill>
+              <a:schemeClr val="tx1"/>
+            </a:solidFill>
+          </a:ln>
+        </p:spPr>
+        <p:txBody>
+          <a:bodyPr wrap="square" rtlCol="0">
+            <a:spAutoFit/>
+          </a:bodyPr>
+          <a:lstStyle/>
+          <a:p>
+            <a:pPr algn="ctr"/>
+            <a:r>
+              <a:rPr lang="en-US" altLang="zh-CN" dirty="0"/>
+              <a:t>IfcPropertySetDefinition</a:t>
+            </a:r>
+            <a:endParaRPr lang="zh-CN" altLang="en-US" dirty="0"/>
+          </a:p>
+        </p:txBody>
+      </p:sp>
+      <p:cxnSp>
+        <p:nvCxnSpPr>
+          <p:cNvPr id="15" name="直接连接符 14"/>
+          <p:cNvCxnSpPr>
+            <a:endCxn id="54" idx="0"/>
+          </p:cNvCxnSpPr>
+          <p:nvPr/>
+        </p:nvCxnSpPr>
+        <p:spPr>
+          <a:xfrm flipH="1">
+            <a:off x="3054890" y="520211"/>
+            <a:ext cx="2947" cy="481255"/>
+          </a:xfrm>
+          <a:prstGeom prst="line">
+            <a:avLst/>
+          </a:prstGeom>
+          <a:ln w="25400">
+            <a:solidFill>
+              <a:schemeClr val="tx1"/>
+            </a:solidFill>
+          </a:ln>
+        </p:spPr>
+        <p:style>
+          <a:lnRef idx="1">
+            <a:schemeClr val="accent1"/>
+          </a:lnRef>
+          <a:fillRef idx="0">
+            <a:schemeClr val="accent1"/>
+          </a:fillRef>
+          <a:effectRef idx="0">
+            <a:schemeClr val="accent1"/>
+          </a:effectRef>
+          <a:fontRef idx="minor">
+            <a:schemeClr val="tx1"/>
+          </a:fontRef>
+        </p:style>
+      </p:cxnSp>
+      <p:cxnSp>
+        <p:nvCxnSpPr>
+          <p:cNvPr id="16" name="直接连接符 15"/>
+          <p:cNvCxnSpPr/>
+          <p:nvPr/>
+        </p:nvCxnSpPr>
+        <p:spPr>
+          <a:xfrm flipH="1">
+            <a:off x="7509164" y="552470"/>
+            <a:ext cx="958616" cy="0"/>
+          </a:xfrm>
+          <a:prstGeom prst="line">
+            <a:avLst/>
+          </a:prstGeom>
+          <a:ln w="25400">
+            <a:solidFill>
+              <a:schemeClr val="tx1"/>
+            </a:solidFill>
+          </a:ln>
+        </p:spPr>
+        <p:style>
+          <a:lnRef idx="1">
+            <a:schemeClr val="accent1"/>
+          </a:lnRef>
+          <a:fillRef idx="0">
+            <a:schemeClr val="accent1"/>
+          </a:fillRef>
+          <a:effectRef idx="0">
+            <a:schemeClr val="accent1"/>
+          </a:effectRef>
+          <a:fontRef idx="minor">
+            <a:schemeClr val="tx1"/>
+          </a:fontRef>
+        </p:style>
+      </p:cxnSp>
+      <p:cxnSp>
+        <p:nvCxnSpPr>
+          <p:cNvPr id="17" name="直接连接符 16"/>
+          <p:cNvCxnSpPr/>
+          <p:nvPr/>
+        </p:nvCxnSpPr>
+        <p:spPr>
+          <a:xfrm>
+            <a:off x="8467780" y="552470"/>
+            <a:ext cx="0" cy="481256"/>
+          </a:xfrm>
+          <a:prstGeom prst="line">
+            <a:avLst/>
+          </a:prstGeom>
+          <a:ln w="25400">
+            <a:solidFill>
+              <a:schemeClr val="tx1"/>
+            </a:solidFill>
+          </a:ln>
+        </p:spPr>
+        <p:style>
+          <a:lnRef idx="1">
+            <a:schemeClr val="accent1"/>
+          </a:lnRef>
+          <a:fillRef idx="0">
+            <a:schemeClr val="accent1"/>
+          </a:fillRef>
+          <a:effectRef idx="0">
+            <a:schemeClr val="accent1"/>
+          </a:effectRef>
+          <a:fontRef idx="minor">
+            <a:schemeClr val="tx1"/>
+          </a:fontRef>
+        </p:style>
+      </p:cxnSp>
+      <p:sp>
+        <p:nvSpPr>
+          <p:cNvPr id="20" name="椭圆 19"/>
+          <p:cNvSpPr/>
+          <p:nvPr/>
+        </p:nvSpPr>
+        <p:spPr>
+          <a:xfrm>
+            <a:off x="8395780" y="1746577"/>
+            <a:ext cx="144000" cy="144000"/>
+          </a:xfrm>
+          <a:prstGeom prst="ellipse">
+            <a:avLst/>
+          </a:prstGeom>
+          <a:noFill/>
+          <a:ln>
+            <a:solidFill>
+              <a:schemeClr val="tx1"/>
+            </a:solidFill>
+          </a:ln>
+        </p:spPr>
+        <p:style>
+          <a:lnRef idx="2">
+            <a:schemeClr val="accent1">
+              <a:shade val="50000"/>
+            </a:schemeClr>
+          </a:lnRef>
+          <a:fillRef idx="1">
+            <a:schemeClr val="accent1"/>
+          </a:fillRef>
+          <a:effectRef idx="0">
+            <a:schemeClr val="accent1"/>
+          </a:effectRef>
+          <a:fontRef idx="minor">
+            <a:schemeClr val="lt1"/>
+          </a:fontRef>
+        </p:style>
+        <p:txBody>
+          <a:bodyPr rtlCol="0" anchor="ctr"/>
+          <a:lstStyle/>
+          <a:p>
+            <a:pPr algn="ctr"/>
+            <a:endParaRPr lang="zh-CN" altLang="en-US"/>
+          </a:p>
+        </p:txBody>
+      </p:sp>
+      <p:sp>
+        <p:nvSpPr>
+          <p:cNvPr id="21" name="椭圆 20"/>
+          <p:cNvSpPr/>
+          <p:nvPr/>
+        </p:nvSpPr>
+        <p:spPr>
+          <a:xfrm>
+            <a:off x="2982890" y="1757697"/>
+            <a:ext cx="144000" cy="144000"/>
+          </a:xfrm>
+          <a:prstGeom prst="ellipse">
+            <a:avLst/>
+          </a:prstGeom>
+          <a:noFill/>
+          <a:ln>
+            <a:solidFill>
+              <a:schemeClr val="tx1"/>
+            </a:solidFill>
+          </a:ln>
+        </p:spPr>
+        <p:style>
+          <a:lnRef idx="2">
+            <a:schemeClr val="accent1">
+              <a:shade val="50000"/>
+            </a:schemeClr>
+          </a:lnRef>
+          <a:fillRef idx="1">
+            <a:schemeClr val="accent1"/>
+          </a:fillRef>
+          <a:effectRef idx="0">
+            <a:schemeClr val="accent1"/>
+          </a:effectRef>
+          <a:fontRef idx="minor">
+            <a:schemeClr val="lt1"/>
+          </a:fontRef>
+        </p:style>
+        <p:txBody>
+          <a:bodyPr rtlCol="0" anchor="ctr"/>
+          <a:lstStyle/>
+          <a:p>
+            <a:pPr algn="ctr"/>
+            <a:endParaRPr lang="zh-CN" altLang="en-US"/>
+          </a:p>
+        </p:txBody>
+      </p:sp>
+      <p:cxnSp>
+        <p:nvCxnSpPr>
+          <p:cNvPr id="53" name="直接连接符 52"/>
+          <p:cNvCxnSpPr/>
+          <p:nvPr/>
+        </p:nvCxnSpPr>
+        <p:spPr>
+          <a:xfrm>
+            <a:off x="3054888" y="1379192"/>
+            <a:ext cx="1" cy="370111"/>
+          </a:xfrm>
+          <a:prstGeom prst="line">
+            <a:avLst/>
+          </a:prstGeom>
+          <a:ln w="25400">
+            <a:solidFill>
+              <a:schemeClr val="tx1"/>
+            </a:solidFill>
+          </a:ln>
+        </p:spPr>
+        <p:style>
+          <a:lnRef idx="1">
+            <a:schemeClr val="accent1"/>
+          </a:lnRef>
+          <a:fillRef idx="0">
+            <a:schemeClr val="accent1"/>
+          </a:fillRef>
+          <a:effectRef idx="0">
+            <a:schemeClr val="accent1"/>
+          </a:effectRef>
+          <a:fontRef idx="minor">
+            <a:schemeClr val="tx1"/>
+          </a:fontRef>
+        </p:style>
+      </p:cxnSp>
+      <p:sp>
+        <p:nvSpPr>
+          <p:cNvPr id="54" name="文本框 53"/>
+          <p:cNvSpPr txBox="1"/>
+          <p:nvPr/>
+        </p:nvSpPr>
+        <p:spPr>
+          <a:xfrm>
+            <a:off x="1752562" y="1001466"/>
+            <a:ext cx="2604655" cy="369332"/>
+          </a:xfrm>
+          <a:prstGeom prst="rect">
+            <a:avLst/>
+          </a:prstGeom>
+          <a:noFill/>
+          <a:ln>
+            <a:noFill/>
+          </a:ln>
+        </p:spPr>
+        <p:txBody>
+          <a:bodyPr wrap="square" rtlCol="0">
+            <a:spAutoFit/>
+          </a:bodyPr>
+          <a:lstStyle/>
+          <a:p>
+            <a:pPr algn="ctr"/>
+            <a:r>
+              <a:rPr lang="en-US" altLang="zh-CN" dirty="0"/>
+              <a:t>RelatedObjects S[1:?]</a:t>
+            </a:r>
+            <a:endParaRPr lang="zh-CN" altLang="en-US" dirty="0"/>
+          </a:p>
+        </p:txBody>
+      </p:sp>
+      <p:cxnSp>
+        <p:nvCxnSpPr>
+          <p:cNvPr id="55" name="直接连接符 54"/>
+          <p:cNvCxnSpPr/>
+          <p:nvPr/>
+        </p:nvCxnSpPr>
+        <p:spPr>
+          <a:xfrm>
+            <a:off x="8467780" y="1403058"/>
+            <a:ext cx="0" cy="343519"/>
+          </a:xfrm>
+          <a:prstGeom prst="line">
+            <a:avLst/>
+          </a:prstGeom>
+          <a:ln w="25400">
+            <a:solidFill>
+              <a:schemeClr val="tx1"/>
+            </a:solidFill>
+          </a:ln>
+        </p:spPr>
+        <p:style>
+          <a:lnRef idx="1">
+            <a:schemeClr val="accent1"/>
+          </a:lnRef>
+          <a:fillRef idx="0">
+            <a:schemeClr val="accent1"/>
+          </a:fillRef>
+          <a:effectRef idx="0">
+            <a:schemeClr val="accent1"/>
+          </a:effectRef>
+          <a:fontRef idx="minor">
+            <a:schemeClr val="tx1"/>
+          </a:fontRef>
+        </p:style>
+      </p:cxnSp>
+      <p:sp>
+        <p:nvSpPr>
+          <p:cNvPr id="58" name="文本框 57"/>
+          <p:cNvSpPr txBox="1"/>
+          <p:nvPr/>
+        </p:nvSpPr>
+        <p:spPr>
+          <a:xfrm>
+            <a:off x="7093452" y="1020820"/>
+            <a:ext cx="2784839" cy="369332"/>
+          </a:xfrm>
+          <a:prstGeom prst="rect">
+            <a:avLst/>
+          </a:prstGeom>
+          <a:noFill/>
+          <a:ln>
+            <a:noFill/>
+          </a:ln>
+        </p:spPr>
+        <p:txBody>
+          <a:bodyPr wrap="square" rtlCol="0">
+            <a:spAutoFit/>
+          </a:bodyPr>
+          <a:lstStyle/>
+          <a:p>
+            <a:pPr algn="ctr"/>
+            <a:r>
+              <a:rPr lang="en-US" altLang="zh-CN" dirty="0"/>
+              <a:t>RelatingPropertyDefnition</a:t>
+            </a:r>
+            <a:endParaRPr lang="zh-CN" altLang="en-US" dirty="0"/>
+          </a:p>
+        </p:txBody>
+      </p:sp>
+      <p:pic>
+        <p:nvPicPr>
+          <p:cNvPr id="27" name="图片 26"/>
+          <p:cNvPicPr>
+            <a:picLocks noChangeAspect="1"/>
+          </p:cNvPicPr>
+          <p:nvPr/>
+        </p:nvPicPr>
+        <p:blipFill>
+          <a:blip r:embed="rId2"/>
+          <a:stretch>
+            <a:fillRect/>
+          </a:stretch>
+        </p:blipFill>
+        <p:spPr>
+          <a:xfrm>
+            <a:off x="166255" y="4305300"/>
+            <a:ext cx="12192000" cy="3429000"/>
+          </a:xfrm>
+          <a:prstGeom prst="rect">
+            <a:avLst/>
+          </a:prstGeom>
+        </p:spPr>
+      </p:pic>
+    </p:spTree>
+    <p:extLst>
+      <p:ext uri="{BB962C8B-B14F-4D97-AF65-F5344CB8AC3E}">
+        <p14:creationId xmlns:p14="http://schemas.microsoft.com/office/powerpoint/2010/main" val="1541365533"/>
+      </p:ext>
+    </p:extLst>
+  </p:cSld>
+  <p:clrMapOvr>
+    <a:masterClrMapping/>
+  </p:clrMapOvr>
+</p:sld>
+</file>
+
+<file path=ppt/slides/slide13.xml><?xml version="1.0" encoding="utf-8"?>
+<p:sld xmlns:a="http://schemas.openxmlformats.org/drawingml/2006/main" xmlns:r="http://schemas.openxmlformats.org/officeDocument/2006/relationships" xmlns:p="http://schemas.openxmlformats.org/presentationml/2006/main">
+  <p:cSld>
+    <p:spTree>
+      <p:nvGrpSpPr>
+        <p:cNvPr id="1" name=""/>
+        <p:cNvGrpSpPr/>
+        <p:nvPr/>
+      </p:nvGrpSpPr>
+      <p:grpSpPr>
+        <a:xfrm>
+          <a:off x="0" y="0"/>
+          <a:ext cx="0" cy="0"/>
+          <a:chOff x="0" y="0"/>
+          <a:chExt cx="0" cy="0"/>
+        </a:xfrm>
+      </p:grpSpPr>
+      <p:sp>
+        <p:nvSpPr>
+          <p:cNvPr id="5" name="文本框 4"/>
+          <p:cNvSpPr txBox="1"/>
+          <p:nvPr/>
+        </p:nvSpPr>
+        <p:spPr>
+          <a:xfrm>
+            <a:off x="4740906" y="387326"/>
+            <a:ext cx="1909276" cy="369332"/>
+          </a:xfrm>
+          <a:prstGeom prst="rect">
+            <a:avLst/>
+          </a:prstGeom>
+          <a:noFill/>
+          <a:ln>
+            <a:solidFill>
+              <a:schemeClr val="tx1"/>
+            </a:solidFill>
+          </a:ln>
+        </p:spPr>
+        <p:txBody>
+          <a:bodyPr wrap="square" rtlCol="0">
+            <a:spAutoFit/>
+          </a:bodyPr>
+          <a:lstStyle/>
+          <a:p>
+            <a:pPr algn="ctr"/>
+            <a:r>
+              <a:rPr lang="en-US" altLang="zh-CN" i="1" dirty="0"/>
+              <a:t>(ABS)</a:t>
+            </a:r>
+            <a:r>
+              <a:rPr lang="en-US" altLang="zh-CN" i="1" dirty="0" err="1"/>
+              <a:t>IfcRoot</a:t>
+            </a:r>
+            <a:endParaRPr lang="zh-CN" altLang="en-US" i="1" dirty="0"/>
+          </a:p>
+        </p:txBody>
+      </p:sp>
+      <p:cxnSp>
+        <p:nvCxnSpPr>
+          <p:cNvPr id="3" name="直接连接符 2"/>
+          <p:cNvCxnSpPr>
+            <a:stCxn id="5" idx="2"/>
+          </p:cNvCxnSpPr>
+          <p:nvPr/>
+        </p:nvCxnSpPr>
+        <p:spPr>
+          <a:xfrm>
+            <a:off x="5695544" y="756658"/>
+            <a:ext cx="0" cy="393269"/>
+          </a:xfrm>
+          <a:prstGeom prst="line">
+            <a:avLst/>
+          </a:prstGeom>
+          <a:ln w="25400">
+            <a:solidFill>
+              <a:schemeClr val="tx1"/>
+            </a:solidFill>
+          </a:ln>
+        </p:spPr>
+        <p:style>
+          <a:lnRef idx="1">
+            <a:schemeClr val="accent1"/>
+          </a:lnRef>
+          <a:fillRef idx="0">
+            <a:schemeClr val="accent1"/>
+          </a:fillRef>
+          <a:effectRef idx="0">
+            <a:schemeClr val="accent1"/>
+          </a:effectRef>
+          <a:fontRef idx="minor">
+            <a:schemeClr val="tx1"/>
+          </a:fontRef>
+        </p:style>
+      </p:cxnSp>
+      <p:cxnSp>
+        <p:nvCxnSpPr>
+          <p:cNvPr id="7" name="直接连接符 6"/>
+          <p:cNvCxnSpPr/>
+          <p:nvPr/>
+        </p:nvCxnSpPr>
+        <p:spPr>
+          <a:xfrm flipH="1">
+            <a:off x="3380509" y="1149927"/>
+            <a:ext cx="2315036" cy="0"/>
+          </a:xfrm>
+          <a:prstGeom prst="line">
+            <a:avLst/>
+          </a:prstGeom>
+          <a:ln w="25400">
+            <a:solidFill>
+              <a:schemeClr val="tx1"/>
+            </a:solidFill>
+          </a:ln>
+        </p:spPr>
+        <p:style>
+          <a:lnRef idx="1">
+            <a:schemeClr val="accent1"/>
+          </a:lnRef>
+          <a:fillRef idx="0">
+            <a:schemeClr val="accent1"/>
+          </a:fillRef>
+          <a:effectRef idx="0">
+            <a:schemeClr val="accent1"/>
+          </a:effectRef>
+          <a:fontRef idx="minor">
+            <a:schemeClr val="tx1"/>
+          </a:fontRef>
+        </p:style>
+      </p:cxnSp>
+      <p:sp>
+        <p:nvSpPr>
+          <p:cNvPr id="12" name="文本框 11"/>
+          <p:cNvSpPr txBox="1"/>
+          <p:nvPr/>
+        </p:nvSpPr>
+        <p:spPr>
+          <a:xfrm>
+            <a:off x="2078181" y="1686298"/>
+            <a:ext cx="2604655" cy="369332"/>
+          </a:xfrm>
+          <a:prstGeom prst="rect">
+            <a:avLst/>
+          </a:prstGeom>
+          <a:noFill/>
+          <a:ln>
+            <a:solidFill>
+              <a:schemeClr val="tx1"/>
+            </a:solidFill>
+          </a:ln>
+        </p:spPr>
+        <p:txBody>
+          <a:bodyPr wrap="square" rtlCol="0">
+            <a:spAutoFit/>
+          </a:bodyPr>
+          <a:lstStyle/>
+          <a:p>
+            <a:pPr algn="ctr"/>
+            <a:r>
+              <a:rPr lang="en-US" altLang="zh-CN" i="1" dirty="0"/>
+              <a:t>(ABS)IfcObjectDefinition</a:t>
+            </a:r>
+            <a:endParaRPr lang="zh-CN" altLang="en-US" i="1" dirty="0"/>
+          </a:p>
+        </p:txBody>
+      </p:sp>
+      <p:sp>
+        <p:nvSpPr>
+          <p:cNvPr id="13" name="文本框 12"/>
+          <p:cNvSpPr txBox="1"/>
+          <p:nvPr/>
+        </p:nvSpPr>
+        <p:spPr>
+          <a:xfrm>
+            <a:off x="4993241" y="1696646"/>
+            <a:ext cx="2854036" cy="369332"/>
+          </a:xfrm>
+          <a:prstGeom prst="rect">
+            <a:avLst/>
+          </a:prstGeom>
+          <a:noFill/>
+          <a:ln>
+            <a:solidFill>
+              <a:schemeClr val="tx1"/>
+            </a:solidFill>
+          </a:ln>
+        </p:spPr>
+        <p:txBody>
+          <a:bodyPr wrap="square" rtlCol="0">
+            <a:spAutoFit/>
+          </a:bodyPr>
+          <a:lstStyle/>
+          <a:p>
+            <a:pPr algn="ctr"/>
+            <a:r>
+              <a:rPr lang="en-US" altLang="zh-CN" i="1" dirty="0"/>
+              <a:t>(ABS)</a:t>
+            </a:r>
+            <a:r>
+              <a:rPr lang="en-US" altLang="zh-CN" i="1" dirty="0" err="1"/>
+              <a:t>IfcPropertyDefinition</a:t>
+            </a:r>
+            <a:endParaRPr lang="zh-CN" altLang="en-US" i="1" dirty="0"/>
+          </a:p>
+        </p:txBody>
+      </p:sp>
+      <p:cxnSp>
+        <p:nvCxnSpPr>
+          <p:cNvPr id="15" name="直接连接符 14"/>
+          <p:cNvCxnSpPr/>
+          <p:nvPr/>
+        </p:nvCxnSpPr>
+        <p:spPr>
+          <a:xfrm>
+            <a:off x="3380509" y="1149928"/>
+            <a:ext cx="0" cy="393268"/>
+          </a:xfrm>
+          <a:prstGeom prst="line">
+            <a:avLst/>
+          </a:prstGeom>
+          <a:ln w="25400">
+            <a:solidFill>
+              <a:schemeClr val="tx1"/>
+            </a:solidFill>
+          </a:ln>
+        </p:spPr>
+        <p:style>
+          <a:lnRef idx="1">
+            <a:schemeClr val="accent1"/>
+          </a:lnRef>
+          <a:fillRef idx="0">
+            <a:schemeClr val="accent1"/>
+          </a:fillRef>
+          <a:effectRef idx="0">
+            <a:schemeClr val="accent1"/>
+          </a:effectRef>
+          <a:fontRef idx="minor">
+            <a:schemeClr val="tx1"/>
+          </a:fontRef>
+        </p:style>
+      </p:cxnSp>
+      <p:cxnSp>
+        <p:nvCxnSpPr>
+          <p:cNvPr id="16" name="直接连接符 15"/>
+          <p:cNvCxnSpPr/>
+          <p:nvPr/>
+        </p:nvCxnSpPr>
+        <p:spPr>
+          <a:xfrm flipH="1">
+            <a:off x="5695545" y="1149927"/>
+            <a:ext cx="3600489" cy="0"/>
+          </a:xfrm>
+          <a:prstGeom prst="line">
+            <a:avLst/>
+          </a:prstGeom>
+          <a:ln w="25400">
+            <a:solidFill>
+              <a:schemeClr val="tx1"/>
+            </a:solidFill>
+          </a:ln>
+        </p:spPr>
+        <p:style>
+          <a:lnRef idx="1">
+            <a:schemeClr val="accent1"/>
+          </a:lnRef>
+          <a:fillRef idx="0">
+            <a:schemeClr val="accent1"/>
+          </a:fillRef>
+          <a:effectRef idx="0">
+            <a:schemeClr val="accent1"/>
+          </a:effectRef>
+          <a:fontRef idx="minor">
+            <a:schemeClr val="tx1"/>
+          </a:fontRef>
+        </p:style>
+      </p:cxnSp>
+      <p:cxnSp>
+        <p:nvCxnSpPr>
+          <p:cNvPr id="17" name="直接连接符 16"/>
+          <p:cNvCxnSpPr/>
+          <p:nvPr/>
+        </p:nvCxnSpPr>
+        <p:spPr>
+          <a:xfrm>
+            <a:off x="6303154" y="1137116"/>
+            <a:ext cx="0" cy="393269"/>
+          </a:xfrm>
+          <a:prstGeom prst="line">
+            <a:avLst/>
+          </a:prstGeom>
+          <a:ln w="25400">
+            <a:solidFill>
+              <a:schemeClr val="tx1"/>
+            </a:solidFill>
+          </a:ln>
+        </p:spPr>
+        <p:style>
+          <a:lnRef idx="1">
+            <a:schemeClr val="accent1"/>
+          </a:lnRef>
+          <a:fillRef idx="0">
+            <a:schemeClr val="accent1"/>
+          </a:fillRef>
+          <a:effectRef idx="0">
+            <a:schemeClr val="accent1"/>
+          </a:effectRef>
+          <a:fontRef idx="minor">
+            <a:schemeClr val="tx1"/>
+          </a:fontRef>
+        </p:style>
+      </p:cxnSp>
+      <p:sp>
+        <p:nvSpPr>
+          <p:cNvPr id="20" name="椭圆 19"/>
+          <p:cNvSpPr/>
+          <p:nvPr/>
+        </p:nvSpPr>
+        <p:spPr>
+          <a:xfrm>
+            <a:off x="6231154" y="1541515"/>
+            <a:ext cx="144000" cy="144000"/>
+          </a:xfrm>
+          <a:prstGeom prst="ellipse">
+            <a:avLst/>
+          </a:prstGeom>
+          <a:noFill/>
+          <a:ln>
+            <a:solidFill>
+              <a:schemeClr val="tx1"/>
+            </a:solidFill>
+          </a:ln>
+        </p:spPr>
+        <p:style>
+          <a:lnRef idx="2">
+            <a:schemeClr val="accent1">
+              <a:shade val="50000"/>
+            </a:schemeClr>
+          </a:lnRef>
+          <a:fillRef idx="1">
+            <a:schemeClr val="accent1"/>
+          </a:fillRef>
+          <a:effectRef idx="0">
+            <a:schemeClr val="accent1"/>
+          </a:effectRef>
+          <a:fontRef idx="minor">
+            <a:schemeClr val="lt1"/>
+          </a:fontRef>
+        </p:style>
+        <p:txBody>
+          <a:bodyPr rtlCol="0" anchor="ctr"/>
+          <a:lstStyle/>
+          <a:p>
+            <a:pPr algn="ctr"/>
+            <a:endParaRPr lang="zh-CN" altLang="en-US"/>
+          </a:p>
+        </p:txBody>
+      </p:sp>
+      <p:sp>
+        <p:nvSpPr>
+          <p:cNvPr id="21" name="椭圆 20"/>
+          <p:cNvSpPr/>
+          <p:nvPr/>
+        </p:nvSpPr>
+        <p:spPr>
+          <a:xfrm>
+            <a:off x="3305564" y="1542298"/>
+            <a:ext cx="144000" cy="144000"/>
+          </a:xfrm>
+          <a:prstGeom prst="ellipse">
+            <a:avLst/>
+          </a:prstGeom>
+          <a:noFill/>
+          <a:ln>
+            <a:solidFill>
+              <a:schemeClr val="tx1"/>
+            </a:solidFill>
+          </a:ln>
+        </p:spPr>
+        <p:style>
+          <a:lnRef idx="2">
+            <a:schemeClr val="accent1">
+              <a:shade val="50000"/>
+            </a:schemeClr>
+          </a:lnRef>
+          <a:fillRef idx="1">
+            <a:schemeClr val="accent1"/>
+          </a:fillRef>
+          <a:effectRef idx="0">
+            <a:schemeClr val="accent1"/>
+          </a:effectRef>
+          <a:fontRef idx="minor">
+            <a:schemeClr val="lt1"/>
+          </a:fontRef>
+        </p:style>
+        <p:txBody>
+          <a:bodyPr rtlCol="0" anchor="ctr"/>
+          <a:lstStyle/>
+          <a:p>
+            <a:pPr algn="ctr"/>
+            <a:endParaRPr lang="zh-CN" altLang="en-US"/>
+          </a:p>
+        </p:txBody>
+      </p:sp>
+      <p:sp>
+        <p:nvSpPr>
+          <p:cNvPr id="22" name="椭圆 21"/>
+          <p:cNvSpPr/>
+          <p:nvPr/>
+        </p:nvSpPr>
+        <p:spPr>
+          <a:xfrm>
+            <a:off x="374075" y="623451"/>
+            <a:ext cx="144000" cy="144000"/>
+          </a:xfrm>
+          <a:prstGeom prst="ellipse">
+            <a:avLst/>
+          </a:prstGeom>
+          <a:noFill/>
+          <a:ln>
+            <a:solidFill>
+              <a:schemeClr val="tx1"/>
+            </a:solidFill>
+          </a:ln>
+        </p:spPr>
+        <p:style>
+          <a:lnRef idx="2">
+            <a:schemeClr val="accent1">
+              <a:shade val="50000"/>
+            </a:schemeClr>
+          </a:lnRef>
+          <a:fillRef idx="1">
+            <a:schemeClr val="accent1"/>
+          </a:fillRef>
+          <a:effectRef idx="0">
+            <a:schemeClr val="accent1"/>
+          </a:effectRef>
+          <a:fontRef idx="minor">
+            <a:schemeClr val="lt1"/>
+          </a:fontRef>
+        </p:style>
+        <p:txBody>
+          <a:bodyPr rtlCol="0" anchor="ctr"/>
+          <a:lstStyle/>
+          <a:p>
+            <a:pPr algn="ctr"/>
+            <a:endParaRPr lang="zh-CN" altLang="en-US"/>
+          </a:p>
+        </p:txBody>
+      </p:sp>
+      <p:sp>
+        <p:nvSpPr>
+          <p:cNvPr id="23" name="椭圆 22"/>
+          <p:cNvSpPr/>
+          <p:nvPr/>
+        </p:nvSpPr>
+        <p:spPr>
+          <a:xfrm>
+            <a:off x="526475" y="775851"/>
+            <a:ext cx="144000" cy="144000"/>
+          </a:xfrm>
+          <a:prstGeom prst="ellipse">
+            <a:avLst/>
+          </a:prstGeom>
+          <a:noFill/>
+          <a:ln>
+            <a:solidFill>
+              <a:schemeClr val="tx1"/>
+            </a:solidFill>
+          </a:ln>
+        </p:spPr>
+        <p:style>
+          <a:lnRef idx="2">
+            <a:schemeClr val="accent1">
+              <a:shade val="50000"/>
+            </a:schemeClr>
+          </a:lnRef>
+          <a:fillRef idx="1">
+            <a:schemeClr val="accent1"/>
+          </a:fillRef>
+          <a:effectRef idx="0">
+            <a:schemeClr val="accent1"/>
+          </a:effectRef>
+          <a:fontRef idx="minor">
+            <a:schemeClr val="lt1"/>
+          </a:fontRef>
+        </p:style>
+        <p:txBody>
+          <a:bodyPr rtlCol="0" anchor="ctr"/>
+          <a:lstStyle/>
+          <a:p>
+            <a:pPr algn="ctr"/>
+            <a:endParaRPr lang="zh-CN" altLang="en-US"/>
+          </a:p>
+        </p:txBody>
+      </p:sp>
+      <p:cxnSp>
+        <p:nvCxnSpPr>
+          <p:cNvPr id="30" name="直接连接符 29"/>
+          <p:cNvCxnSpPr/>
+          <p:nvPr/>
+        </p:nvCxnSpPr>
+        <p:spPr>
+          <a:xfrm>
+            <a:off x="3377564" y="2051079"/>
+            <a:ext cx="0" cy="393268"/>
+          </a:xfrm>
+          <a:prstGeom prst="line">
+            <a:avLst/>
+          </a:prstGeom>
+          <a:ln w="25400">
+            <a:solidFill>
+              <a:schemeClr val="tx1"/>
+            </a:solidFill>
+          </a:ln>
+        </p:spPr>
+        <p:style>
+          <a:lnRef idx="1">
+            <a:schemeClr val="accent1"/>
+          </a:lnRef>
+          <a:fillRef idx="0">
+            <a:schemeClr val="accent1"/>
+          </a:fillRef>
+          <a:effectRef idx="0">
+            <a:schemeClr val="accent1"/>
+          </a:effectRef>
+          <a:fontRef idx="minor">
+            <a:schemeClr val="tx1"/>
+          </a:fontRef>
+        </p:style>
+      </p:cxnSp>
+      <p:cxnSp>
+        <p:nvCxnSpPr>
+          <p:cNvPr id="36" name="直接连接符 35"/>
+          <p:cNvCxnSpPr/>
+          <p:nvPr/>
+        </p:nvCxnSpPr>
+        <p:spPr>
+          <a:xfrm>
+            <a:off x="9296034" y="1149927"/>
+            <a:ext cx="0" cy="393269"/>
+          </a:xfrm>
+          <a:prstGeom prst="line">
+            <a:avLst/>
+          </a:prstGeom>
+          <a:ln w="25400">
+            <a:solidFill>
+              <a:schemeClr val="tx1"/>
+            </a:solidFill>
+          </a:ln>
+        </p:spPr>
+        <p:style>
+          <a:lnRef idx="1">
+            <a:schemeClr val="accent1"/>
+          </a:lnRef>
+          <a:fillRef idx="0">
+            <a:schemeClr val="accent1"/>
+          </a:fillRef>
+          <a:effectRef idx="0">
+            <a:schemeClr val="accent1"/>
+          </a:effectRef>
+          <a:fontRef idx="minor">
+            <a:schemeClr val="tx1"/>
+          </a:fontRef>
+        </p:style>
+      </p:cxnSp>
+      <p:sp>
+        <p:nvSpPr>
+          <p:cNvPr id="37" name="椭圆 36"/>
+          <p:cNvSpPr/>
+          <p:nvPr/>
+        </p:nvSpPr>
+        <p:spPr>
+          <a:xfrm>
+            <a:off x="9224034" y="1554326"/>
+            <a:ext cx="144000" cy="144000"/>
+          </a:xfrm>
+          <a:prstGeom prst="ellipse">
+            <a:avLst/>
+          </a:prstGeom>
+          <a:noFill/>
+          <a:ln>
+            <a:solidFill>
+              <a:schemeClr val="tx1"/>
+            </a:solidFill>
+          </a:ln>
+        </p:spPr>
+        <p:style>
+          <a:lnRef idx="2">
+            <a:schemeClr val="accent1">
+              <a:shade val="50000"/>
+            </a:schemeClr>
+          </a:lnRef>
+          <a:fillRef idx="1">
+            <a:schemeClr val="accent1"/>
+          </a:fillRef>
+          <a:effectRef idx="0">
+            <a:schemeClr val="accent1"/>
+          </a:effectRef>
+          <a:fontRef idx="minor">
+            <a:schemeClr val="lt1"/>
+          </a:fontRef>
+        </p:style>
+        <p:txBody>
+          <a:bodyPr rtlCol="0" anchor="ctr"/>
+          <a:lstStyle/>
+          <a:p>
+            <a:pPr algn="ctr"/>
+            <a:endParaRPr lang="zh-CN" altLang="en-US"/>
+          </a:p>
+        </p:txBody>
+      </p:sp>
+      <p:sp>
+        <p:nvSpPr>
+          <p:cNvPr id="39" name="文本框 38"/>
+          <p:cNvSpPr txBox="1"/>
+          <p:nvPr/>
+        </p:nvSpPr>
+        <p:spPr>
+          <a:xfrm>
+            <a:off x="8155385" y="1709456"/>
+            <a:ext cx="2854036" cy="369332"/>
+          </a:xfrm>
+          <a:prstGeom prst="rect">
+            <a:avLst/>
+          </a:prstGeom>
+          <a:noFill/>
+          <a:ln>
+            <a:solidFill>
+              <a:schemeClr val="tx1"/>
+            </a:solidFill>
+          </a:ln>
+        </p:spPr>
+        <p:txBody>
+          <a:bodyPr wrap="square" rtlCol="0">
+            <a:spAutoFit/>
+          </a:bodyPr>
+          <a:lstStyle/>
+          <a:p>
+            <a:pPr algn="ctr"/>
+            <a:r>
+              <a:rPr lang="en-US" altLang="zh-CN" i="1" dirty="0"/>
+              <a:t>(ABS)</a:t>
+            </a:r>
+            <a:r>
+              <a:rPr lang="en-US" altLang="zh-CN" i="1" dirty="0" err="1"/>
+              <a:t>IfcRelationship</a:t>
+            </a:r>
+            <a:endParaRPr lang="zh-CN" altLang="en-US" i="1" dirty="0"/>
+          </a:p>
+        </p:txBody>
+      </p:sp>
+      <p:cxnSp>
+        <p:nvCxnSpPr>
+          <p:cNvPr id="53" name="直接连接符 52"/>
+          <p:cNvCxnSpPr/>
+          <p:nvPr/>
+        </p:nvCxnSpPr>
+        <p:spPr>
+          <a:xfrm flipH="1">
+            <a:off x="2425870" y="2456387"/>
+            <a:ext cx="2315036" cy="0"/>
+          </a:xfrm>
+          <a:prstGeom prst="line">
+            <a:avLst/>
+          </a:prstGeom>
+          <a:ln w="25400">
+            <a:solidFill>
+              <a:schemeClr val="tx1"/>
+            </a:solidFill>
+          </a:ln>
+        </p:spPr>
+        <p:style>
+          <a:lnRef idx="1">
+            <a:schemeClr val="accent1"/>
+          </a:lnRef>
+          <a:fillRef idx="0">
+            <a:schemeClr val="accent1"/>
+          </a:fillRef>
+          <a:effectRef idx="0">
+            <a:schemeClr val="accent1"/>
+          </a:effectRef>
+          <a:fontRef idx="minor">
+            <a:schemeClr val="tx1"/>
+          </a:fontRef>
+        </p:style>
+      </p:cxnSp>
+      <p:cxnSp>
+        <p:nvCxnSpPr>
+          <p:cNvPr id="54" name="直接连接符 53"/>
+          <p:cNvCxnSpPr/>
+          <p:nvPr/>
+        </p:nvCxnSpPr>
+        <p:spPr>
+          <a:xfrm>
+            <a:off x="2425870" y="2456388"/>
+            <a:ext cx="0" cy="393268"/>
+          </a:xfrm>
+          <a:prstGeom prst="line">
+            <a:avLst/>
+          </a:prstGeom>
+          <a:ln w="25400">
+            <a:solidFill>
+              <a:schemeClr val="tx1"/>
+            </a:solidFill>
+          </a:ln>
+        </p:spPr>
+        <p:style>
+          <a:lnRef idx="1">
+            <a:schemeClr val="accent1"/>
+          </a:lnRef>
+          <a:fillRef idx="0">
+            <a:schemeClr val="accent1"/>
+          </a:fillRef>
+          <a:effectRef idx="0">
+            <a:schemeClr val="accent1"/>
+          </a:effectRef>
+          <a:fontRef idx="minor">
+            <a:schemeClr val="tx1"/>
+          </a:fontRef>
+        </p:style>
+      </p:cxnSp>
+      <p:cxnSp>
+        <p:nvCxnSpPr>
+          <p:cNvPr id="55" name="直接连接符 54"/>
+          <p:cNvCxnSpPr/>
+          <p:nvPr/>
+        </p:nvCxnSpPr>
+        <p:spPr>
+          <a:xfrm>
+            <a:off x="4538027" y="2456387"/>
+            <a:ext cx="202880" cy="0"/>
+          </a:xfrm>
+          <a:prstGeom prst="line">
+            <a:avLst/>
+          </a:prstGeom>
+          <a:ln w="25400">
+            <a:solidFill>
+              <a:schemeClr val="tx1"/>
+            </a:solidFill>
+          </a:ln>
+        </p:spPr>
+        <p:style>
+          <a:lnRef idx="1">
+            <a:schemeClr val="accent1"/>
+          </a:lnRef>
+          <a:fillRef idx="0">
+            <a:schemeClr val="accent1"/>
+          </a:fillRef>
+          <a:effectRef idx="0">
+            <a:schemeClr val="accent1"/>
+          </a:effectRef>
+          <a:fontRef idx="minor">
+            <a:schemeClr val="tx1"/>
+          </a:fontRef>
+        </p:style>
+      </p:cxnSp>
+      <p:cxnSp>
+        <p:nvCxnSpPr>
+          <p:cNvPr id="58" name="直接连接符 57"/>
+          <p:cNvCxnSpPr/>
+          <p:nvPr/>
+        </p:nvCxnSpPr>
+        <p:spPr>
+          <a:xfrm>
+            <a:off x="4738916" y="2443576"/>
+            <a:ext cx="0" cy="393269"/>
+          </a:xfrm>
+          <a:prstGeom prst="line">
+            <a:avLst/>
+          </a:prstGeom>
+          <a:ln w="25400">
+            <a:solidFill>
+              <a:schemeClr val="tx1"/>
+            </a:solidFill>
+          </a:ln>
+        </p:spPr>
+        <p:style>
+          <a:lnRef idx="1">
+            <a:schemeClr val="accent1"/>
+          </a:lnRef>
+          <a:fillRef idx="0">
+            <a:schemeClr val="accent1"/>
+          </a:fillRef>
+          <a:effectRef idx="0">
+            <a:schemeClr val="accent1"/>
+          </a:effectRef>
+          <a:fontRef idx="minor">
+            <a:schemeClr val="tx1"/>
+          </a:fontRef>
+        </p:style>
+      </p:cxnSp>
+      <p:sp>
+        <p:nvSpPr>
+          <p:cNvPr id="59" name="椭圆 58"/>
+          <p:cNvSpPr/>
+          <p:nvPr/>
+        </p:nvSpPr>
+        <p:spPr>
+          <a:xfrm>
+            <a:off x="4666916" y="2847975"/>
+            <a:ext cx="144000" cy="144000"/>
+          </a:xfrm>
+          <a:prstGeom prst="ellipse">
+            <a:avLst/>
+          </a:prstGeom>
+          <a:noFill/>
+          <a:ln>
+            <a:solidFill>
+              <a:schemeClr val="tx1"/>
+            </a:solidFill>
+          </a:ln>
+        </p:spPr>
+        <p:style>
+          <a:lnRef idx="2">
+            <a:schemeClr val="accent1">
+              <a:shade val="50000"/>
+            </a:schemeClr>
+          </a:lnRef>
+          <a:fillRef idx="1">
+            <a:schemeClr val="accent1"/>
+          </a:fillRef>
+          <a:effectRef idx="0">
+            <a:schemeClr val="accent1"/>
+          </a:effectRef>
+          <a:fontRef idx="minor">
+            <a:schemeClr val="lt1"/>
+          </a:fontRef>
+        </p:style>
+        <p:txBody>
+          <a:bodyPr rtlCol="0" anchor="ctr"/>
+          <a:lstStyle/>
+          <a:p>
+            <a:pPr algn="ctr"/>
+            <a:endParaRPr lang="zh-CN" altLang="en-US"/>
+          </a:p>
+        </p:txBody>
+      </p:sp>
+      <p:sp>
+        <p:nvSpPr>
+          <p:cNvPr id="60" name="椭圆 59"/>
+          <p:cNvSpPr/>
+          <p:nvPr/>
+        </p:nvSpPr>
+        <p:spPr>
+          <a:xfrm>
+            <a:off x="2350925" y="2848758"/>
+            <a:ext cx="144000" cy="144000"/>
+          </a:xfrm>
+          <a:prstGeom prst="ellipse">
+            <a:avLst/>
+          </a:prstGeom>
+          <a:noFill/>
+          <a:ln>
+            <a:solidFill>
+              <a:schemeClr val="tx1"/>
+            </a:solidFill>
+          </a:ln>
+        </p:spPr>
+        <p:style>
+          <a:lnRef idx="2">
+            <a:schemeClr val="accent1">
+              <a:shade val="50000"/>
+            </a:schemeClr>
+          </a:lnRef>
+          <a:fillRef idx="1">
+            <a:schemeClr val="accent1"/>
+          </a:fillRef>
+          <a:effectRef idx="0">
+            <a:schemeClr val="accent1"/>
+          </a:effectRef>
+          <a:fontRef idx="minor">
+            <a:schemeClr val="lt1"/>
+          </a:fontRef>
+        </p:style>
+        <p:txBody>
+          <a:bodyPr rtlCol="0" anchor="ctr"/>
+          <a:lstStyle/>
+          <a:p>
+            <a:pPr algn="ctr"/>
+            <a:endParaRPr lang="zh-CN" altLang="en-US"/>
+          </a:p>
+        </p:txBody>
+      </p:sp>
+      <p:sp>
+        <p:nvSpPr>
+          <p:cNvPr id="63" name="文本框 62"/>
+          <p:cNvSpPr txBox="1"/>
+          <p:nvPr/>
+        </p:nvSpPr>
+        <p:spPr>
+          <a:xfrm>
+            <a:off x="1626439" y="2991975"/>
+            <a:ext cx="1679125" cy="369332"/>
+          </a:xfrm>
+          <a:prstGeom prst="rect">
+            <a:avLst/>
+          </a:prstGeom>
+          <a:noFill/>
+          <a:ln>
+            <a:solidFill>
+              <a:schemeClr val="tx1"/>
+            </a:solidFill>
+          </a:ln>
+        </p:spPr>
+        <p:txBody>
+          <a:bodyPr wrap="square" rtlCol="0">
+            <a:spAutoFit/>
+          </a:bodyPr>
+          <a:lstStyle/>
+          <a:p>
+            <a:pPr algn="ctr"/>
+            <a:r>
+              <a:rPr lang="en-US" altLang="zh-CN" i="1" dirty="0"/>
+              <a:t>(ABS)</a:t>
+            </a:r>
+            <a:r>
+              <a:rPr lang="en-US" altLang="zh-CN" i="1" dirty="0" err="1"/>
+              <a:t>IfcObject</a:t>
+            </a:r>
+            <a:endParaRPr lang="en-US" altLang="zh-CN" i="1" dirty="0"/>
+          </a:p>
+        </p:txBody>
+      </p:sp>
+      <p:sp>
+        <p:nvSpPr>
+          <p:cNvPr id="64" name="文本框 63"/>
+          <p:cNvSpPr txBox="1"/>
+          <p:nvPr/>
+        </p:nvSpPr>
+        <p:spPr>
+          <a:xfrm>
+            <a:off x="3908232" y="2977220"/>
+            <a:ext cx="1787312" cy="369332"/>
+          </a:xfrm>
+          <a:prstGeom prst="rect">
+            <a:avLst/>
+          </a:prstGeom>
+          <a:noFill/>
+          <a:ln>
+            <a:solidFill>
+              <a:schemeClr val="tx1"/>
+            </a:solidFill>
+          </a:ln>
+        </p:spPr>
+        <p:txBody>
+          <a:bodyPr wrap="square" rtlCol="0">
+            <a:spAutoFit/>
+          </a:bodyPr>
+          <a:lstStyle/>
+          <a:p>
+            <a:pPr algn="ctr"/>
+            <a:r>
+              <a:rPr lang="en-US" altLang="zh-CN" dirty="0" err="1"/>
+              <a:t>IfcTypeObject</a:t>
+            </a:r>
+            <a:endParaRPr lang="en-US" altLang="zh-CN" dirty="0"/>
+          </a:p>
+        </p:txBody>
+      </p:sp>
+      <p:sp>
+        <p:nvSpPr>
+          <p:cNvPr id="65" name="文本框 64"/>
+          <p:cNvSpPr txBox="1"/>
+          <p:nvPr/>
+        </p:nvSpPr>
+        <p:spPr>
+          <a:xfrm>
+            <a:off x="1626438" y="4404238"/>
+            <a:ext cx="7741595" cy="646331"/>
+          </a:xfrm>
+          <a:prstGeom prst="rect">
+            <a:avLst/>
+          </a:prstGeom>
+          <a:noFill/>
+          <a:ln>
+            <a:solidFill>
+              <a:schemeClr val="tx1"/>
+            </a:solidFill>
+          </a:ln>
+        </p:spPr>
+        <p:txBody>
+          <a:bodyPr wrap="square" rtlCol="0">
+            <a:spAutoFit/>
+          </a:bodyPr>
+          <a:lstStyle/>
+          <a:p>
+            <a:pPr algn="ctr"/>
+            <a:r>
+              <a:rPr lang="zh-CN" altLang="en-US" dirty="0"/>
+              <a:t>要突出是</a:t>
+            </a:r>
+            <a:r>
+              <a:rPr lang="en-US" altLang="zh-CN" dirty="0"/>
+              <a:t>Property</a:t>
+            </a:r>
+            <a:r>
+              <a:rPr lang="zh-CN" altLang="en-US" dirty="0"/>
+              <a:t>的存储，而不是其它什么</a:t>
+            </a:r>
+            <a:r>
+              <a:rPr lang="en-US" altLang="zh-CN" dirty="0"/>
+              <a:t>associates</a:t>
+            </a:r>
+            <a:r>
+              <a:rPr lang="zh-CN" altLang="en-US" dirty="0"/>
+              <a:t>的存储。是否要说一下</a:t>
+            </a:r>
+            <a:r>
+              <a:rPr lang="en-US" altLang="zh-CN" dirty="0" err="1"/>
+              <a:t>Bimserver</a:t>
+            </a:r>
+            <a:r>
+              <a:rPr lang="zh-CN" altLang="en-US" dirty="0"/>
+              <a:t>的在</a:t>
+            </a:r>
+            <a:r>
+              <a:rPr lang="en-US" altLang="zh-CN" dirty="0"/>
+              <a:t>property</a:t>
+            </a:r>
+            <a:r>
+              <a:rPr lang="zh-CN" altLang="en-US" dirty="0"/>
+              <a:t>方面的努力。</a:t>
+            </a:r>
+            <a:endParaRPr lang="en-US" altLang="zh-CN" dirty="0"/>
+          </a:p>
+        </p:txBody>
+      </p:sp>
+    </p:spTree>
+    <p:extLst>
+      <p:ext uri="{BB962C8B-B14F-4D97-AF65-F5344CB8AC3E}">
+        <p14:creationId xmlns:p14="http://schemas.microsoft.com/office/powerpoint/2010/main" val="3525258922"/>
       </p:ext>
     </p:extLst>
   </p:cSld>
@@ -10469,13 +15172,6 @@
                         </a:rPr>
                         <a:t>ProduceResults</a:t>
                       </a:r>
-                      <a:endParaRPr lang="en-US" altLang="zh-CN" dirty="0">
-                        <a:solidFill>
-                          <a:schemeClr val="tx1"/>
-                        </a:solidFill>
-                        <a:latin typeface="+mn-ea"/>
-                        <a:ea typeface="+mn-ea"/>
-                      </a:endParaRPr>
                     </a:p>
                   </a:txBody>
                   <a:tcPr>
@@ -10699,6 +15395,1588 @@
     <p:extLst>
       <p:ext uri="{BB962C8B-B14F-4D97-AF65-F5344CB8AC3E}">
         <p14:creationId xmlns:p14="http://schemas.microsoft.com/office/powerpoint/2010/main" val="2450767698"/>
+      </p:ext>
+    </p:extLst>
+  </p:cSld>
+  <p:clrMapOvr>
+    <a:masterClrMapping/>
+  </p:clrMapOvr>
+</p:sld>
+</file>
+
+<file path=ppt/slides/slide9.xml><?xml version="1.0" encoding="utf-8"?>
+<p:sld xmlns:a="http://schemas.openxmlformats.org/drawingml/2006/main" xmlns:r="http://schemas.openxmlformats.org/officeDocument/2006/relationships" xmlns:p="http://schemas.openxmlformats.org/presentationml/2006/main">
+  <p:cSld>
+    <p:spTree>
+      <p:nvGrpSpPr>
+        <p:cNvPr id="1" name=""/>
+        <p:cNvGrpSpPr/>
+        <p:nvPr/>
+      </p:nvGrpSpPr>
+      <p:grpSpPr>
+        <a:xfrm>
+          <a:off x="0" y="0"/>
+          <a:ext cx="0" cy="0"/>
+          <a:chOff x="0" y="0"/>
+          <a:chExt cx="0" cy="0"/>
+        </a:xfrm>
+      </p:grpSpPr>
+      <p:sp>
+        <p:nvSpPr>
+          <p:cNvPr id="5" name="文本框 4"/>
+          <p:cNvSpPr txBox="1"/>
+          <p:nvPr/>
+        </p:nvSpPr>
+        <p:spPr>
+          <a:xfrm>
+            <a:off x="3153747" y="1031722"/>
+            <a:ext cx="410547" cy="369332"/>
+          </a:xfrm>
+          <a:prstGeom prst="rect">
+            <a:avLst/>
+          </a:prstGeom>
+          <a:noFill/>
+          <a:ln>
+            <a:solidFill>
+              <a:schemeClr val="tx1"/>
+            </a:solidFill>
+          </a:ln>
+        </p:spPr>
+        <p:txBody>
+          <a:bodyPr wrap="square" rtlCol="0">
+            <a:spAutoFit/>
+          </a:bodyPr>
+          <a:lstStyle/>
+          <a:p>
+            <a:pPr algn="ctr"/>
+            <a:r>
+              <a:rPr lang="en-US" altLang="zh-CN" dirty="0"/>
+              <a:t>0</a:t>
+            </a:r>
+            <a:endParaRPr lang="zh-CN" altLang="en-US" dirty="0"/>
+          </a:p>
+        </p:txBody>
+      </p:sp>
+      <p:sp>
+        <p:nvSpPr>
+          <p:cNvPr id="6" name="文本框 5"/>
+          <p:cNvSpPr txBox="1"/>
+          <p:nvPr/>
+        </p:nvSpPr>
+        <p:spPr>
+          <a:xfrm>
+            <a:off x="3564294" y="1031722"/>
+            <a:ext cx="410547" cy="369332"/>
+          </a:xfrm>
+          <a:prstGeom prst="rect">
+            <a:avLst/>
+          </a:prstGeom>
+          <a:noFill/>
+          <a:ln>
+            <a:solidFill>
+              <a:schemeClr val="tx1"/>
+            </a:solidFill>
+          </a:ln>
+        </p:spPr>
+        <p:txBody>
+          <a:bodyPr wrap="square" rtlCol="0">
+            <a:spAutoFit/>
+          </a:bodyPr>
+          <a:lstStyle/>
+          <a:p>
+            <a:pPr algn="ctr"/>
+            <a:r>
+              <a:rPr lang="en-US" altLang="zh-CN" dirty="0"/>
+              <a:t>0</a:t>
+            </a:r>
+            <a:endParaRPr lang="zh-CN" altLang="en-US" dirty="0"/>
+          </a:p>
+        </p:txBody>
+      </p:sp>
+      <p:sp>
+        <p:nvSpPr>
+          <p:cNvPr id="7" name="文本框 6"/>
+          <p:cNvSpPr txBox="1"/>
+          <p:nvPr/>
+        </p:nvSpPr>
+        <p:spPr>
+          <a:xfrm>
+            <a:off x="3974841" y="1031722"/>
+            <a:ext cx="410547" cy="369332"/>
+          </a:xfrm>
+          <a:prstGeom prst="rect">
+            <a:avLst/>
+          </a:prstGeom>
+          <a:noFill/>
+          <a:ln>
+            <a:solidFill>
+              <a:schemeClr val="tx1"/>
+            </a:solidFill>
+          </a:ln>
+        </p:spPr>
+        <p:txBody>
+          <a:bodyPr wrap="square" rtlCol="0">
+            <a:spAutoFit/>
+          </a:bodyPr>
+          <a:lstStyle/>
+          <a:p>
+            <a:pPr algn="ctr"/>
+            <a:r>
+              <a:rPr lang="en-US" altLang="zh-CN" dirty="0"/>
+              <a:t>0</a:t>
+            </a:r>
+            <a:endParaRPr lang="zh-CN" altLang="en-US" dirty="0"/>
+          </a:p>
+        </p:txBody>
+      </p:sp>
+      <p:sp>
+        <p:nvSpPr>
+          <p:cNvPr id="9" name="文本框 8"/>
+          <p:cNvSpPr txBox="1"/>
+          <p:nvPr/>
+        </p:nvSpPr>
+        <p:spPr>
+          <a:xfrm>
+            <a:off x="4385388" y="1031722"/>
+            <a:ext cx="410547" cy="369332"/>
+          </a:xfrm>
+          <a:prstGeom prst="rect">
+            <a:avLst/>
+          </a:prstGeom>
+          <a:noFill/>
+          <a:ln>
+            <a:solidFill>
+              <a:schemeClr val="tx1"/>
+            </a:solidFill>
+          </a:ln>
+        </p:spPr>
+        <p:txBody>
+          <a:bodyPr wrap="square" rtlCol="0">
+            <a:spAutoFit/>
+          </a:bodyPr>
+          <a:lstStyle/>
+          <a:p>
+            <a:pPr algn="ctr"/>
+            <a:r>
+              <a:rPr lang="en-US" altLang="zh-CN" dirty="0"/>
+              <a:t>0</a:t>
+            </a:r>
+            <a:endParaRPr lang="zh-CN" altLang="en-US" dirty="0"/>
+          </a:p>
+        </p:txBody>
+      </p:sp>
+      <p:sp>
+        <p:nvSpPr>
+          <p:cNvPr id="11" name="文本框 10"/>
+          <p:cNvSpPr txBox="1"/>
+          <p:nvPr/>
+        </p:nvSpPr>
+        <p:spPr>
+          <a:xfrm>
+            <a:off x="4795935" y="1031722"/>
+            <a:ext cx="410547" cy="369332"/>
+          </a:xfrm>
+          <a:prstGeom prst="rect">
+            <a:avLst/>
+          </a:prstGeom>
+          <a:noFill/>
+          <a:ln>
+            <a:solidFill>
+              <a:schemeClr val="tx1"/>
+            </a:solidFill>
+          </a:ln>
+        </p:spPr>
+        <p:txBody>
+          <a:bodyPr wrap="square" rtlCol="0">
+            <a:spAutoFit/>
+          </a:bodyPr>
+          <a:lstStyle/>
+          <a:p>
+            <a:pPr algn="ctr"/>
+            <a:r>
+              <a:rPr lang="en-US" altLang="zh-CN" dirty="0"/>
+              <a:t>0</a:t>
+            </a:r>
+            <a:endParaRPr lang="zh-CN" altLang="en-US" dirty="0"/>
+          </a:p>
+        </p:txBody>
+      </p:sp>
+      <p:sp>
+        <p:nvSpPr>
+          <p:cNvPr id="12" name="文本框 11"/>
+          <p:cNvSpPr txBox="1"/>
+          <p:nvPr/>
+        </p:nvSpPr>
+        <p:spPr>
+          <a:xfrm>
+            <a:off x="5206482" y="1031722"/>
+            <a:ext cx="410547" cy="369332"/>
+          </a:xfrm>
+          <a:prstGeom prst="rect">
+            <a:avLst/>
+          </a:prstGeom>
+          <a:noFill/>
+          <a:ln>
+            <a:solidFill>
+              <a:schemeClr val="tx1"/>
+            </a:solidFill>
+          </a:ln>
+        </p:spPr>
+        <p:txBody>
+          <a:bodyPr wrap="square" rtlCol="0">
+            <a:spAutoFit/>
+          </a:bodyPr>
+          <a:lstStyle/>
+          <a:p>
+            <a:pPr algn="ctr"/>
+            <a:r>
+              <a:rPr lang="en-US" altLang="zh-CN" dirty="0"/>
+              <a:t>0</a:t>
+            </a:r>
+            <a:endParaRPr lang="zh-CN" altLang="en-US" dirty="0"/>
+          </a:p>
+        </p:txBody>
+      </p:sp>
+      <p:sp>
+        <p:nvSpPr>
+          <p:cNvPr id="14" name="文本框 13"/>
+          <p:cNvSpPr txBox="1"/>
+          <p:nvPr/>
+        </p:nvSpPr>
+        <p:spPr>
+          <a:xfrm>
+            <a:off x="5617029" y="1031722"/>
+            <a:ext cx="410547" cy="369332"/>
+          </a:xfrm>
+          <a:prstGeom prst="rect">
+            <a:avLst/>
+          </a:prstGeom>
+          <a:noFill/>
+          <a:ln>
+            <a:solidFill>
+              <a:schemeClr val="tx1"/>
+            </a:solidFill>
+          </a:ln>
+        </p:spPr>
+        <p:txBody>
+          <a:bodyPr wrap="square" rtlCol="0">
+            <a:spAutoFit/>
+          </a:bodyPr>
+          <a:lstStyle/>
+          <a:p>
+            <a:pPr algn="ctr"/>
+            <a:r>
+              <a:rPr lang="en-US" altLang="zh-CN" dirty="0"/>
+              <a:t>…</a:t>
+            </a:r>
+            <a:endParaRPr lang="zh-CN" altLang="en-US" dirty="0"/>
+          </a:p>
+        </p:txBody>
+      </p:sp>
+      <p:sp>
+        <p:nvSpPr>
+          <p:cNvPr id="15" name="文本框 14"/>
+          <p:cNvSpPr txBox="1"/>
+          <p:nvPr/>
+        </p:nvSpPr>
+        <p:spPr>
+          <a:xfrm>
+            <a:off x="6027576" y="1031722"/>
+            <a:ext cx="410547" cy="369332"/>
+          </a:xfrm>
+          <a:prstGeom prst="rect">
+            <a:avLst/>
+          </a:prstGeom>
+          <a:noFill/>
+          <a:ln>
+            <a:solidFill>
+              <a:schemeClr val="tx1"/>
+            </a:solidFill>
+          </a:ln>
+        </p:spPr>
+        <p:txBody>
+          <a:bodyPr wrap="square" rtlCol="0">
+            <a:spAutoFit/>
+          </a:bodyPr>
+          <a:lstStyle/>
+          <a:p>
+            <a:pPr algn="ctr"/>
+            <a:r>
+              <a:rPr lang="en-US" altLang="zh-CN" dirty="0"/>
+              <a:t>0</a:t>
+            </a:r>
+            <a:endParaRPr lang="zh-CN" altLang="en-US" dirty="0"/>
+          </a:p>
+        </p:txBody>
+      </p:sp>
+      <p:sp>
+        <p:nvSpPr>
+          <p:cNvPr id="16" name="文本框 15"/>
+          <p:cNvSpPr txBox="1"/>
+          <p:nvPr/>
+        </p:nvSpPr>
+        <p:spPr>
+          <a:xfrm>
+            <a:off x="3153747" y="1401054"/>
+            <a:ext cx="410547" cy="276999"/>
+          </a:xfrm>
+          <a:prstGeom prst="rect">
+            <a:avLst/>
+          </a:prstGeom>
+          <a:noFill/>
+          <a:ln>
+            <a:noFill/>
+          </a:ln>
+        </p:spPr>
+        <p:txBody>
+          <a:bodyPr wrap="square" rtlCol="0">
+            <a:spAutoFit/>
+          </a:bodyPr>
+          <a:lstStyle/>
+          <a:p>
+            <a:pPr algn="ctr"/>
+            <a:r>
+              <a:rPr lang="en-US" altLang="zh-CN" sz="1200" i="1" dirty="0"/>
+              <a:t>1</a:t>
+            </a:r>
+            <a:endParaRPr lang="zh-CN" altLang="en-US" sz="1200" i="1" dirty="0"/>
+          </a:p>
+        </p:txBody>
+      </p:sp>
+      <p:sp>
+        <p:nvSpPr>
+          <p:cNvPr id="17" name="文本框 16"/>
+          <p:cNvSpPr txBox="1"/>
+          <p:nvPr/>
+        </p:nvSpPr>
+        <p:spPr>
+          <a:xfrm>
+            <a:off x="3564294" y="1401054"/>
+            <a:ext cx="410547" cy="276999"/>
+          </a:xfrm>
+          <a:prstGeom prst="rect">
+            <a:avLst/>
+          </a:prstGeom>
+          <a:noFill/>
+          <a:ln>
+            <a:noFill/>
+          </a:ln>
+        </p:spPr>
+        <p:txBody>
+          <a:bodyPr wrap="square" rtlCol="0">
+            <a:spAutoFit/>
+          </a:bodyPr>
+          <a:lstStyle/>
+          <a:p>
+            <a:pPr algn="ctr"/>
+            <a:r>
+              <a:rPr lang="en-US" altLang="zh-CN" sz="1200" i="1" dirty="0"/>
+              <a:t>2</a:t>
+            </a:r>
+            <a:endParaRPr lang="zh-CN" altLang="en-US" sz="1200" i="1" dirty="0"/>
+          </a:p>
+        </p:txBody>
+      </p:sp>
+      <p:sp>
+        <p:nvSpPr>
+          <p:cNvPr id="18" name="文本框 17"/>
+          <p:cNvSpPr txBox="1"/>
+          <p:nvPr/>
+        </p:nvSpPr>
+        <p:spPr>
+          <a:xfrm>
+            <a:off x="3974841" y="1401054"/>
+            <a:ext cx="410547" cy="276999"/>
+          </a:xfrm>
+          <a:prstGeom prst="rect">
+            <a:avLst/>
+          </a:prstGeom>
+          <a:noFill/>
+          <a:ln>
+            <a:noFill/>
+          </a:ln>
+        </p:spPr>
+        <p:txBody>
+          <a:bodyPr wrap="square" rtlCol="0">
+            <a:spAutoFit/>
+          </a:bodyPr>
+          <a:lstStyle/>
+          <a:p>
+            <a:pPr algn="ctr"/>
+            <a:r>
+              <a:rPr lang="en-US" altLang="zh-CN" sz="1200" i="1" dirty="0"/>
+              <a:t>3</a:t>
+            </a:r>
+            <a:endParaRPr lang="zh-CN" altLang="en-US" sz="1200" i="1" dirty="0"/>
+          </a:p>
+        </p:txBody>
+      </p:sp>
+      <p:sp>
+        <p:nvSpPr>
+          <p:cNvPr id="19" name="文本框 18"/>
+          <p:cNvSpPr txBox="1"/>
+          <p:nvPr/>
+        </p:nvSpPr>
+        <p:spPr>
+          <a:xfrm>
+            <a:off x="4385388" y="1401054"/>
+            <a:ext cx="410547" cy="276999"/>
+          </a:xfrm>
+          <a:prstGeom prst="rect">
+            <a:avLst/>
+          </a:prstGeom>
+          <a:noFill/>
+          <a:ln>
+            <a:noFill/>
+          </a:ln>
+        </p:spPr>
+        <p:txBody>
+          <a:bodyPr wrap="square" rtlCol="0">
+            <a:spAutoFit/>
+          </a:bodyPr>
+          <a:lstStyle/>
+          <a:p>
+            <a:pPr algn="ctr"/>
+            <a:r>
+              <a:rPr lang="en-US" altLang="zh-CN" sz="1200" i="1" dirty="0"/>
+              <a:t>4</a:t>
+            </a:r>
+            <a:endParaRPr lang="zh-CN" altLang="en-US" sz="1200" i="1" dirty="0"/>
+          </a:p>
+        </p:txBody>
+      </p:sp>
+      <p:sp>
+        <p:nvSpPr>
+          <p:cNvPr id="20" name="文本框 19"/>
+          <p:cNvSpPr txBox="1"/>
+          <p:nvPr/>
+        </p:nvSpPr>
+        <p:spPr>
+          <a:xfrm>
+            <a:off x="4795935" y="1401054"/>
+            <a:ext cx="410547" cy="276999"/>
+          </a:xfrm>
+          <a:prstGeom prst="rect">
+            <a:avLst/>
+          </a:prstGeom>
+          <a:noFill/>
+          <a:ln>
+            <a:noFill/>
+          </a:ln>
+        </p:spPr>
+        <p:txBody>
+          <a:bodyPr wrap="square" rtlCol="0">
+            <a:spAutoFit/>
+          </a:bodyPr>
+          <a:lstStyle/>
+          <a:p>
+            <a:pPr algn="ctr"/>
+            <a:r>
+              <a:rPr lang="en-US" altLang="zh-CN" sz="1200" i="1" dirty="0"/>
+              <a:t>5</a:t>
+            </a:r>
+            <a:endParaRPr lang="zh-CN" altLang="en-US" sz="1200" i="1" dirty="0"/>
+          </a:p>
+        </p:txBody>
+      </p:sp>
+      <p:sp>
+        <p:nvSpPr>
+          <p:cNvPr id="21" name="文本框 20"/>
+          <p:cNvSpPr txBox="1"/>
+          <p:nvPr/>
+        </p:nvSpPr>
+        <p:spPr>
+          <a:xfrm>
+            <a:off x="5206482" y="1401054"/>
+            <a:ext cx="410547" cy="276999"/>
+          </a:xfrm>
+          <a:prstGeom prst="rect">
+            <a:avLst/>
+          </a:prstGeom>
+          <a:noFill/>
+          <a:ln>
+            <a:noFill/>
+          </a:ln>
+        </p:spPr>
+        <p:txBody>
+          <a:bodyPr wrap="square" rtlCol="0">
+            <a:spAutoFit/>
+          </a:bodyPr>
+          <a:lstStyle/>
+          <a:p>
+            <a:pPr algn="ctr"/>
+            <a:r>
+              <a:rPr lang="en-US" altLang="zh-CN" sz="1200" i="1" dirty="0"/>
+              <a:t>6</a:t>
+            </a:r>
+            <a:endParaRPr lang="zh-CN" altLang="en-US" sz="1200" i="1" dirty="0"/>
+          </a:p>
+        </p:txBody>
+      </p:sp>
+      <p:sp>
+        <p:nvSpPr>
+          <p:cNvPr id="22" name="文本框 21"/>
+          <p:cNvSpPr txBox="1"/>
+          <p:nvPr/>
+        </p:nvSpPr>
+        <p:spPr>
+          <a:xfrm>
+            <a:off x="5617029" y="1401054"/>
+            <a:ext cx="410547" cy="276999"/>
+          </a:xfrm>
+          <a:prstGeom prst="rect">
+            <a:avLst/>
+          </a:prstGeom>
+          <a:noFill/>
+          <a:ln>
+            <a:noFill/>
+          </a:ln>
+        </p:spPr>
+        <p:txBody>
+          <a:bodyPr wrap="square" rtlCol="0">
+            <a:spAutoFit/>
+          </a:bodyPr>
+          <a:lstStyle/>
+          <a:p>
+            <a:pPr algn="ctr"/>
+            <a:r>
+              <a:rPr lang="en-US" altLang="zh-CN" sz="1200" i="1" dirty="0"/>
+              <a:t>…</a:t>
+            </a:r>
+            <a:endParaRPr lang="zh-CN" altLang="en-US" sz="1200" i="1" dirty="0"/>
+          </a:p>
+        </p:txBody>
+      </p:sp>
+      <p:sp>
+        <p:nvSpPr>
+          <p:cNvPr id="23" name="文本框 22"/>
+          <p:cNvSpPr txBox="1"/>
+          <p:nvPr/>
+        </p:nvSpPr>
+        <p:spPr>
+          <a:xfrm>
+            <a:off x="6027576" y="1401054"/>
+            <a:ext cx="410547" cy="276999"/>
+          </a:xfrm>
+          <a:prstGeom prst="rect">
+            <a:avLst/>
+          </a:prstGeom>
+          <a:noFill/>
+          <a:ln>
+            <a:noFill/>
+          </a:ln>
+        </p:spPr>
+        <p:txBody>
+          <a:bodyPr wrap="square" rtlCol="0">
+            <a:spAutoFit/>
+          </a:bodyPr>
+          <a:lstStyle/>
+          <a:p>
+            <a:pPr algn="ctr"/>
+            <a:r>
+              <a:rPr lang="en-US" altLang="zh-CN" sz="1200" i="1" dirty="0"/>
+              <a:t>m</a:t>
+            </a:r>
+            <a:endParaRPr lang="zh-CN" altLang="en-US" sz="1200" i="1" dirty="0"/>
+          </a:p>
+        </p:txBody>
+      </p:sp>
+      <p:sp>
+        <p:nvSpPr>
+          <p:cNvPr id="24" name="文本框 23"/>
+          <p:cNvSpPr txBox="1"/>
+          <p:nvPr/>
+        </p:nvSpPr>
+        <p:spPr>
+          <a:xfrm>
+            <a:off x="3153747" y="3625664"/>
+            <a:ext cx="410547" cy="369332"/>
+          </a:xfrm>
+          <a:prstGeom prst="rect">
+            <a:avLst/>
+          </a:prstGeom>
+          <a:noFill/>
+          <a:ln>
+            <a:solidFill>
+              <a:schemeClr val="tx1"/>
+            </a:solidFill>
+          </a:ln>
+        </p:spPr>
+        <p:txBody>
+          <a:bodyPr wrap="square" rtlCol="0">
+            <a:spAutoFit/>
+          </a:bodyPr>
+          <a:lstStyle/>
+          <a:p>
+            <a:pPr algn="ctr"/>
+            <a:r>
+              <a:rPr lang="en-US" altLang="zh-CN" dirty="0"/>
+              <a:t>1</a:t>
+            </a:r>
+            <a:endParaRPr lang="zh-CN" altLang="en-US" dirty="0"/>
+          </a:p>
+        </p:txBody>
+      </p:sp>
+      <p:sp>
+        <p:nvSpPr>
+          <p:cNvPr id="25" name="文本框 24"/>
+          <p:cNvSpPr txBox="1"/>
+          <p:nvPr/>
+        </p:nvSpPr>
+        <p:spPr>
+          <a:xfrm>
+            <a:off x="3564294" y="3625664"/>
+            <a:ext cx="410547" cy="369332"/>
+          </a:xfrm>
+          <a:prstGeom prst="rect">
+            <a:avLst/>
+          </a:prstGeom>
+          <a:noFill/>
+          <a:ln>
+            <a:solidFill>
+              <a:schemeClr val="tx1"/>
+            </a:solidFill>
+          </a:ln>
+        </p:spPr>
+        <p:txBody>
+          <a:bodyPr wrap="square" rtlCol="0">
+            <a:spAutoFit/>
+          </a:bodyPr>
+          <a:lstStyle/>
+          <a:p>
+            <a:pPr algn="ctr"/>
+            <a:r>
+              <a:rPr lang="en-US" altLang="zh-CN" dirty="0"/>
+              <a:t>0</a:t>
+            </a:r>
+            <a:endParaRPr lang="zh-CN" altLang="en-US" dirty="0"/>
+          </a:p>
+        </p:txBody>
+      </p:sp>
+      <p:sp>
+        <p:nvSpPr>
+          <p:cNvPr id="26" name="文本框 25"/>
+          <p:cNvSpPr txBox="1"/>
+          <p:nvPr/>
+        </p:nvSpPr>
+        <p:spPr>
+          <a:xfrm>
+            <a:off x="3974841" y="3625664"/>
+            <a:ext cx="410547" cy="369332"/>
+          </a:xfrm>
+          <a:prstGeom prst="rect">
+            <a:avLst/>
+          </a:prstGeom>
+          <a:noFill/>
+          <a:ln>
+            <a:solidFill>
+              <a:schemeClr val="tx1"/>
+            </a:solidFill>
+          </a:ln>
+        </p:spPr>
+        <p:txBody>
+          <a:bodyPr wrap="square" rtlCol="0">
+            <a:spAutoFit/>
+          </a:bodyPr>
+          <a:lstStyle/>
+          <a:p>
+            <a:pPr algn="ctr"/>
+            <a:r>
+              <a:rPr lang="en-US" altLang="zh-CN" dirty="0"/>
+              <a:t>1</a:t>
+            </a:r>
+            <a:endParaRPr lang="zh-CN" altLang="en-US" dirty="0"/>
+          </a:p>
+        </p:txBody>
+      </p:sp>
+      <p:sp>
+        <p:nvSpPr>
+          <p:cNvPr id="27" name="文本框 26"/>
+          <p:cNvSpPr txBox="1"/>
+          <p:nvPr/>
+        </p:nvSpPr>
+        <p:spPr>
+          <a:xfrm>
+            <a:off x="4385388" y="3625664"/>
+            <a:ext cx="410547" cy="369332"/>
+          </a:xfrm>
+          <a:prstGeom prst="rect">
+            <a:avLst/>
+          </a:prstGeom>
+          <a:noFill/>
+          <a:ln>
+            <a:solidFill>
+              <a:schemeClr val="tx1"/>
+            </a:solidFill>
+          </a:ln>
+        </p:spPr>
+        <p:txBody>
+          <a:bodyPr wrap="square" rtlCol="0">
+            <a:spAutoFit/>
+          </a:bodyPr>
+          <a:lstStyle/>
+          <a:p>
+            <a:pPr algn="ctr"/>
+            <a:r>
+              <a:rPr lang="en-US" altLang="zh-CN" dirty="0"/>
+              <a:t>1</a:t>
+            </a:r>
+            <a:endParaRPr lang="zh-CN" altLang="en-US" dirty="0"/>
+          </a:p>
+        </p:txBody>
+      </p:sp>
+      <p:sp>
+        <p:nvSpPr>
+          <p:cNvPr id="28" name="文本框 27"/>
+          <p:cNvSpPr txBox="1"/>
+          <p:nvPr/>
+        </p:nvSpPr>
+        <p:spPr>
+          <a:xfrm>
+            <a:off x="4795935" y="3625664"/>
+            <a:ext cx="410547" cy="369332"/>
+          </a:xfrm>
+          <a:prstGeom prst="rect">
+            <a:avLst/>
+          </a:prstGeom>
+          <a:noFill/>
+          <a:ln>
+            <a:solidFill>
+              <a:schemeClr val="tx1"/>
+            </a:solidFill>
+          </a:ln>
+        </p:spPr>
+        <p:txBody>
+          <a:bodyPr wrap="square" rtlCol="0">
+            <a:spAutoFit/>
+          </a:bodyPr>
+          <a:lstStyle/>
+          <a:p>
+            <a:pPr algn="ctr"/>
+            <a:r>
+              <a:rPr lang="en-US" altLang="zh-CN" dirty="0"/>
+              <a:t>1</a:t>
+            </a:r>
+            <a:endParaRPr lang="zh-CN" altLang="en-US" dirty="0"/>
+          </a:p>
+        </p:txBody>
+      </p:sp>
+      <p:sp>
+        <p:nvSpPr>
+          <p:cNvPr id="29" name="文本框 28"/>
+          <p:cNvSpPr txBox="1"/>
+          <p:nvPr/>
+        </p:nvSpPr>
+        <p:spPr>
+          <a:xfrm>
+            <a:off x="5206482" y="3625664"/>
+            <a:ext cx="410547" cy="369332"/>
+          </a:xfrm>
+          <a:prstGeom prst="rect">
+            <a:avLst/>
+          </a:prstGeom>
+          <a:noFill/>
+          <a:ln>
+            <a:solidFill>
+              <a:schemeClr val="tx1"/>
+            </a:solidFill>
+          </a:ln>
+        </p:spPr>
+        <p:txBody>
+          <a:bodyPr wrap="square" rtlCol="0">
+            <a:spAutoFit/>
+          </a:bodyPr>
+          <a:lstStyle/>
+          <a:p>
+            <a:pPr algn="ctr"/>
+            <a:r>
+              <a:rPr lang="en-US" altLang="zh-CN" dirty="0"/>
+              <a:t>1</a:t>
+            </a:r>
+            <a:endParaRPr lang="zh-CN" altLang="en-US" dirty="0"/>
+          </a:p>
+        </p:txBody>
+      </p:sp>
+      <p:sp>
+        <p:nvSpPr>
+          <p:cNvPr id="30" name="文本框 29"/>
+          <p:cNvSpPr txBox="1"/>
+          <p:nvPr/>
+        </p:nvSpPr>
+        <p:spPr>
+          <a:xfrm>
+            <a:off x="5617029" y="3625664"/>
+            <a:ext cx="410547" cy="369332"/>
+          </a:xfrm>
+          <a:prstGeom prst="rect">
+            <a:avLst/>
+          </a:prstGeom>
+          <a:noFill/>
+          <a:ln>
+            <a:solidFill>
+              <a:schemeClr val="tx1"/>
+            </a:solidFill>
+          </a:ln>
+        </p:spPr>
+        <p:txBody>
+          <a:bodyPr wrap="square" rtlCol="0">
+            <a:spAutoFit/>
+          </a:bodyPr>
+          <a:lstStyle/>
+          <a:p>
+            <a:pPr algn="ctr"/>
+            <a:r>
+              <a:rPr lang="en-US" altLang="zh-CN" dirty="0"/>
+              <a:t>…</a:t>
+            </a:r>
+            <a:endParaRPr lang="zh-CN" altLang="en-US" dirty="0"/>
+          </a:p>
+        </p:txBody>
+      </p:sp>
+      <p:sp>
+        <p:nvSpPr>
+          <p:cNvPr id="31" name="文本框 30"/>
+          <p:cNvSpPr txBox="1"/>
+          <p:nvPr/>
+        </p:nvSpPr>
+        <p:spPr>
+          <a:xfrm>
+            <a:off x="6027576" y="3625664"/>
+            <a:ext cx="410547" cy="369332"/>
+          </a:xfrm>
+          <a:prstGeom prst="rect">
+            <a:avLst/>
+          </a:prstGeom>
+          <a:noFill/>
+          <a:ln>
+            <a:solidFill>
+              <a:schemeClr val="tx1"/>
+            </a:solidFill>
+          </a:ln>
+        </p:spPr>
+        <p:txBody>
+          <a:bodyPr wrap="square" rtlCol="0">
+            <a:spAutoFit/>
+          </a:bodyPr>
+          <a:lstStyle/>
+          <a:p>
+            <a:pPr algn="ctr"/>
+            <a:r>
+              <a:rPr lang="en-US" altLang="zh-CN" dirty="0"/>
+              <a:t>0</a:t>
+            </a:r>
+            <a:endParaRPr lang="zh-CN" altLang="en-US" dirty="0"/>
+          </a:p>
+        </p:txBody>
+      </p:sp>
+      <p:sp>
+        <p:nvSpPr>
+          <p:cNvPr id="32" name="文本框 31"/>
+          <p:cNvSpPr txBox="1"/>
+          <p:nvPr/>
+        </p:nvSpPr>
+        <p:spPr>
+          <a:xfrm>
+            <a:off x="3153747" y="3994996"/>
+            <a:ext cx="410547" cy="276999"/>
+          </a:xfrm>
+          <a:prstGeom prst="rect">
+            <a:avLst/>
+          </a:prstGeom>
+          <a:noFill/>
+          <a:ln>
+            <a:noFill/>
+          </a:ln>
+        </p:spPr>
+        <p:txBody>
+          <a:bodyPr wrap="square" rtlCol="0">
+            <a:spAutoFit/>
+          </a:bodyPr>
+          <a:lstStyle/>
+          <a:p>
+            <a:pPr algn="ctr"/>
+            <a:r>
+              <a:rPr lang="en-US" altLang="zh-CN" sz="1200" i="1" dirty="0"/>
+              <a:t>1</a:t>
+            </a:r>
+            <a:endParaRPr lang="zh-CN" altLang="en-US" sz="1200" i="1" dirty="0"/>
+          </a:p>
+        </p:txBody>
+      </p:sp>
+      <p:sp>
+        <p:nvSpPr>
+          <p:cNvPr id="33" name="文本框 32"/>
+          <p:cNvSpPr txBox="1"/>
+          <p:nvPr/>
+        </p:nvSpPr>
+        <p:spPr>
+          <a:xfrm>
+            <a:off x="3564294" y="3994996"/>
+            <a:ext cx="410547" cy="276999"/>
+          </a:xfrm>
+          <a:prstGeom prst="rect">
+            <a:avLst/>
+          </a:prstGeom>
+          <a:noFill/>
+          <a:ln>
+            <a:noFill/>
+          </a:ln>
+        </p:spPr>
+        <p:txBody>
+          <a:bodyPr wrap="square" rtlCol="0">
+            <a:spAutoFit/>
+          </a:bodyPr>
+          <a:lstStyle/>
+          <a:p>
+            <a:pPr algn="ctr"/>
+            <a:r>
+              <a:rPr lang="en-US" altLang="zh-CN" sz="1200" i="1" dirty="0"/>
+              <a:t>2</a:t>
+            </a:r>
+            <a:endParaRPr lang="zh-CN" altLang="en-US" sz="1200" i="1" dirty="0"/>
+          </a:p>
+        </p:txBody>
+      </p:sp>
+      <p:sp>
+        <p:nvSpPr>
+          <p:cNvPr id="34" name="文本框 33"/>
+          <p:cNvSpPr txBox="1"/>
+          <p:nvPr/>
+        </p:nvSpPr>
+        <p:spPr>
+          <a:xfrm>
+            <a:off x="3974841" y="3994996"/>
+            <a:ext cx="410547" cy="276999"/>
+          </a:xfrm>
+          <a:prstGeom prst="rect">
+            <a:avLst/>
+          </a:prstGeom>
+          <a:noFill/>
+          <a:ln>
+            <a:noFill/>
+          </a:ln>
+        </p:spPr>
+        <p:txBody>
+          <a:bodyPr wrap="square" rtlCol="0">
+            <a:spAutoFit/>
+          </a:bodyPr>
+          <a:lstStyle/>
+          <a:p>
+            <a:pPr algn="ctr"/>
+            <a:r>
+              <a:rPr lang="en-US" altLang="zh-CN" sz="1200" i="1" dirty="0"/>
+              <a:t>3</a:t>
+            </a:r>
+            <a:endParaRPr lang="zh-CN" altLang="en-US" sz="1200" i="1" dirty="0"/>
+          </a:p>
+        </p:txBody>
+      </p:sp>
+      <p:sp>
+        <p:nvSpPr>
+          <p:cNvPr id="35" name="文本框 34"/>
+          <p:cNvSpPr txBox="1"/>
+          <p:nvPr/>
+        </p:nvSpPr>
+        <p:spPr>
+          <a:xfrm>
+            <a:off x="4385388" y="3994996"/>
+            <a:ext cx="410547" cy="276999"/>
+          </a:xfrm>
+          <a:prstGeom prst="rect">
+            <a:avLst/>
+          </a:prstGeom>
+          <a:noFill/>
+          <a:ln>
+            <a:noFill/>
+          </a:ln>
+        </p:spPr>
+        <p:txBody>
+          <a:bodyPr wrap="square" rtlCol="0">
+            <a:spAutoFit/>
+          </a:bodyPr>
+          <a:lstStyle/>
+          <a:p>
+            <a:pPr algn="ctr"/>
+            <a:r>
+              <a:rPr lang="en-US" altLang="zh-CN" sz="1200" i="1" dirty="0"/>
+              <a:t>4</a:t>
+            </a:r>
+            <a:endParaRPr lang="zh-CN" altLang="en-US" sz="1200" i="1" dirty="0"/>
+          </a:p>
+        </p:txBody>
+      </p:sp>
+      <p:sp>
+        <p:nvSpPr>
+          <p:cNvPr id="36" name="文本框 35"/>
+          <p:cNvSpPr txBox="1"/>
+          <p:nvPr/>
+        </p:nvSpPr>
+        <p:spPr>
+          <a:xfrm>
+            <a:off x="4795935" y="3994996"/>
+            <a:ext cx="410547" cy="276999"/>
+          </a:xfrm>
+          <a:prstGeom prst="rect">
+            <a:avLst/>
+          </a:prstGeom>
+          <a:noFill/>
+          <a:ln>
+            <a:noFill/>
+          </a:ln>
+        </p:spPr>
+        <p:txBody>
+          <a:bodyPr wrap="square" rtlCol="0">
+            <a:spAutoFit/>
+          </a:bodyPr>
+          <a:lstStyle/>
+          <a:p>
+            <a:pPr algn="ctr"/>
+            <a:r>
+              <a:rPr lang="en-US" altLang="zh-CN" sz="1200" i="1" dirty="0"/>
+              <a:t>5</a:t>
+            </a:r>
+            <a:endParaRPr lang="zh-CN" altLang="en-US" sz="1200" i="1" dirty="0"/>
+          </a:p>
+        </p:txBody>
+      </p:sp>
+      <p:sp>
+        <p:nvSpPr>
+          <p:cNvPr id="37" name="文本框 36"/>
+          <p:cNvSpPr txBox="1"/>
+          <p:nvPr/>
+        </p:nvSpPr>
+        <p:spPr>
+          <a:xfrm>
+            <a:off x="5206482" y="3994996"/>
+            <a:ext cx="410547" cy="276999"/>
+          </a:xfrm>
+          <a:prstGeom prst="rect">
+            <a:avLst/>
+          </a:prstGeom>
+          <a:noFill/>
+          <a:ln>
+            <a:noFill/>
+          </a:ln>
+        </p:spPr>
+        <p:txBody>
+          <a:bodyPr wrap="square" rtlCol="0">
+            <a:spAutoFit/>
+          </a:bodyPr>
+          <a:lstStyle/>
+          <a:p>
+            <a:pPr algn="ctr"/>
+            <a:r>
+              <a:rPr lang="en-US" altLang="zh-CN" sz="1200" i="1" dirty="0"/>
+              <a:t>6</a:t>
+            </a:r>
+            <a:endParaRPr lang="zh-CN" altLang="en-US" sz="1200" i="1" dirty="0"/>
+          </a:p>
+        </p:txBody>
+      </p:sp>
+      <p:sp>
+        <p:nvSpPr>
+          <p:cNvPr id="38" name="文本框 37"/>
+          <p:cNvSpPr txBox="1"/>
+          <p:nvPr/>
+        </p:nvSpPr>
+        <p:spPr>
+          <a:xfrm>
+            <a:off x="5617029" y="3994996"/>
+            <a:ext cx="410547" cy="276999"/>
+          </a:xfrm>
+          <a:prstGeom prst="rect">
+            <a:avLst/>
+          </a:prstGeom>
+          <a:noFill/>
+          <a:ln>
+            <a:noFill/>
+          </a:ln>
+        </p:spPr>
+        <p:txBody>
+          <a:bodyPr wrap="square" rtlCol="0">
+            <a:spAutoFit/>
+          </a:bodyPr>
+          <a:lstStyle/>
+          <a:p>
+            <a:pPr algn="ctr"/>
+            <a:r>
+              <a:rPr lang="en-US" altLang="zh-CN" sz="1200" i="1" dirty="0"/>
+              <a:t>…</a:t>
+            </a:r>
+            <a:endParaRPr lang="zh-CN" altLang="en-US" sz="1200" i="1" dirty="0"/>
+          </a:p>
+        </p:txBody>
+      </p:sp>
+      <p:sp>
+        <p:nvSpPr>
+          <p:cNvPr id="39" name="文本框 38"/>
+          <p:cNvSpPr txBox="1"/>
+          <p:nvPr/>
+        </p:nvSpPr>
+        <p:spPr>
+          <a:xfrm>
+            <a:off x="6027576" y="3994996"/>
+            <a:ext cx="410547" cy="276999"/>
+          </a:xfrm>
+          <a:prstGeom prst="rect">
+            <a:avLst/>
+          </a:prstGeom>
+          <a:noFill/>
+          <a:ln>
+            <a:noFill/>
+          </a:ln>
+        </p:spPr>
+        <p:txBody>
+          <a:bodyPr wrap="square" rtlCol="0">
+            <a:spAutoFit/>
+          </a:bodyPr>
+          <a:lstStyle/>
+          <a:p>
+            <a:pPr algn="ctr"/>
+            <a:r>
+              <a:rPr lang="en-US" altLang="zh-CN" sz="1200" i="1" dirty="0"/>
+              <a:t>m</a:t>
+            </a:r>
+            <a:endParaRPr lang="zh-CN" altLang="en-US" sz="1200" i="1" dirty="0"/>
+          </a:p>
+        </p:txBody>
+      </p:sp>
+      <p:cxnSp>
+        <p:nvCxnSpPr>
+          <p:cNvPr id="3" name="直接箭头连接符 2"/>
+          <p:cNvCxnSpPr>
+            <a:stCxn id="40" idx="2"/>
+            <a:endCxn id="24" idx="0"/>
+          </p:cNvCxnSpPr>
+          <p:nvPr/>
+        </p:nvCxnSpPr>
+        <p:spPr>
+          <a:xfrm flipH="1">
+            <a:off x="3359021" y="3242821"/>
+            <a:ext cx="454699" cy="382843"/>
+          </a:xfrm>
+          <a:prstGeom prst="straightConnector1">
+            <a:avLst/>
+          </a:prstGeom>
+          <a:ln>
+            <a:tailEnd type="triangle"/>
+          </a:ln>
+        </p:spPr>
+        <p:style>
+          <a:lnRef idx="1">
+            <a:schemeClr val="accent1"/>
+          </a:lnRef>
+          <a:fillRef idx="0">
+            <a:schemeClr val="accent1"/>
+          </a:fillRef>
+          <a:effectRef idx="0">
+            <a:schemeClr val="accent1"/>
+          </a:effectRef>
+          <a:fontRef idx="minor">
+            <a:schemeClr val="tx1"/>
+          </a:fontRef>
+        </p:style>
+      </p:cxnSp>
+      <mc:AlternateContent xmlns:mc="http://schemas.openxmlformats.org/markup-compatibility/2006">
+        <mc:Choice xmlns:a14="http://schemas.microsoft.com/office/drawing/2010/main" Requires="a14">
+          <p:sp>
+            <p:nvSpPr>
+              <p:cNvPr id="40" name="文本框 39"/>
+              <p:cNvSpPr txBox="1"/>
+              <p:nvPr/>
+            </p:nvSpPr>
+            <p:spPr>
+              <a:xfrm>
+                <a:off x="3623163" y="2875175"/>
+                <a:ext cx="381113" cy="367646"/>
+              </a:xfrm>
+              <a:prstGeom prst="rect">
+                <a:avLst/>
+              </a:prstGeom>
+              <a:noFill/>
+              <a:ln>
+                <a:solidFill>
+                  <a:schemeClr val="tx1"/>
+                </a:solidFill>
+              </a:ln>
+            </p:spPr>
+            <p:txBody>
+              <a:bodyPr wrap="square" rtlCol="0">
+                <a:spAutoFit/>
+              </a:bodyPr>
+              <a:lstStyle/>
+              <a:p>
+                <a:pPr algn="ctr"/>
+                <a14:m>
+                  <m:oMathPara xmlns:m="http://schemas.openxmlformats.org/officeDocument/2006/math">
+                    <m:oMathParaPr>
+                      <m:jc m:val="centerGroup"/>
+                    </m:oMathParaPr>
+                    <m:oMath xmlns:m="http://schemas.openxmlformats.org/officeDocument/2006/math">
+                      <m:sSub>
+                        <m:sSubPr>
+                          <m:ctrlPr>
+                            <a:rPr lang="zh-CN" altLang="zh-CN" i="1"/>
+                          </m:ctrlPr>
+                        </m:sSubPr>
+                        <m:e>
+                          <m:r>
+                            <a:rPr lang="en-US" altLang="zh-CN" i="1"/>
+                            <m:t>𝑥</m:t>
+                          </m:r>
+                        </m:e>
+                        <m:sub>
+                          <m:r>
+                            <a:rPr lang="en-US" altLang="zh-CN" i="1"/>
+                            <m:t>1</m:t>
+                          </m:r>
+                        </m:sub>
+                      </m:sSub>
+                    </m:oMath>
+                  </m:oMathPara>
+                </a14:m>
+                <a:endParaRPr lang="zh-CN" altLang="en-US" dirty="0"/>
+              </a:p>
+            </p:txBody>
+          </p:sp>
+        </mc:Choice>
+        <mc:Fallback>
+          <p:sp>
+            <p:nvSpPr>
+              <p:cNvPr id="40" name="文本框 39"/>
+              <p:cNvSpPr txBox="1">
+                <a:spLocks noRot="1" noChangeAspect="1" noMove="1" noResize="1" noEditPoints="1" noAdjustHandles="1" noChangeArrowheads="1" noChangeShapeType="1" noTextEdit="1"/>
+              </p:cNvSpPr>
+              <p:nvPr/>
+            </p:nvSpPr>
+            <p:spPr>
+              <a:xfrm>
+                <a:off x="3623163" y="2875175"/>
+                <a:ext cx="381113" cy="367646"/>
+              </a:xfrm>
+              <a:prstGeom prst="rect">
+                <a:avLst/>
+              </a:prstGeom>
+              <a:blipFill>
+                <a:blip r:embed="rId2"/>
+                <a:stretch>
+                  <a:fillRect l="-1538"/>
+                </a:stretch>
+              </a:blipFill>
+              <a:ln>
+                <a:solidFill>
+                  <a:schemeClr val="tx1"/>
+                </a:solidFill>
+              </a:ln>
+            </p:spPr>
+            <p:txBody>
+              <a:bodyPr/>
+              <a:lstStyle/>
+              <a:p>
+                <a:r>
+                  <a:rPr lang="zh-CN" altLang="en-US">
+                    <a:noFill/>
+                  </a:rPr>
+                  <a:t> </a:t>
+                </a:r>
+              </a:p>
+            </p:txBody>
+          </p:sp>
+        </mc:Fallback>
+      </mc:AlternateContent>
+      <p:cxnSp>
+        <p:nvCxnSpPr>
+          <p:cNvPr id="42" name="直接箭头连接符 41"/>
+          <p:cNvCxnSpPr>
+            <a:stCxn id="40" idx="2"/>
+            <a:endCxn id="26" idx="0"/>
+          </p:cNvCxnSpPr>
+          <p:nvPr/>
+        </p:nvCxnSpPr>
+        <p:spPr>
+          <a:xfrm>
+            <a:off x="3813720" y="3242821"/>
+            <a:ext cx="366395" cy="382843"/>
+          </a:xfrm>
+          <a:prstGeom prst="straightConnector1">
+            <a:avLst/>
+          </a:prstGeom>
+          <a:ln>
+            <a:tailEnd type="triangle"/>
+          </a:ln>
+        </p:spPr>
+        <p:style>
+          <a:lnRef idx="1">
+            <a:schemeClr val="accent1"/>
+          </a:lnRef>
+          <a:fillRef idx="0">
+            <a:schemeClr val="accent1"/>
+          </a:fillRef>
+          <a:effectRef idx="0">
+            <a:schemeClr val="accent1"/>
+          </a:effectRef>
+          <a:fontRef idx="minor">
+            <a:schemeClr val="tx1"/>
+          </a:fontRef>
+        </p:style>
+      </p:cxnSp>
+      <p:cxnSp>
+        <p:nvCxnSpPr>
+          <p:cNvPr id="45" name="直接箭头连接符 44"/>
+          <p:cNvCxnSpPr>
+            <a:stCxn id="40" idx="2"/>
+            <a:endCxn id="28" idx="0"/>
+          </p:cNvCxnSpPr>
+          <p:nvPr/>
+        </p:nvCxnSpPr>
+        <p:spPr>
+          <a:xfrm>
+            <a:off x="3813720" y="3242821"/>
+            <a:ext cx="1187489" cy="382843"/>
+          </a:xfrm>
+          <a:prstGeom prst="straightConnector1">
+            <a:avLst/>
+          </a:prstGeom>
+          <a:ln>
+            <a:tailEnd type="triangle"/>
+          </a:ln>
+        </p:spPr>
+        <p:style>
+          <a:lnRef idx="1">
+            <a:schemeClr val="accent1"/>
+          </a:lnRef>
+          <a:fillRef idx="0">
+            <a:schemeClr val="accent1"/>
+          </a:fillRef>
+          <a:effectRef idx="0">
+            <a:schemeClr val="accent1"/>
+          </a:effectRef>
+          <a:fontRef idx="minor">
+            <a:schemeClr val="tx1"/>
+          </a:fontRef>
+        </p:style>
+      </p:cxnSp>
+      <p:cxnSp>
+        <p:nvCxnSpPr>
+          <p:cNvPr id="49" name="直接箭头连接符 48"/>
+          <p:cNvCxnSpPr>
+            <a:stCxn id="50" idx="2"/>
+            <a:endCxn id="26" idx="0"/>
+          </p:cNvCxnSpPr>
+          <p:nvPr/>
+        </p:nvCxnSpPr>
+        <p:spPr>
+          <a:xfrm flipH="1">
+            <a:off x="4180115" y="3240060"/>
+            <a:ext cx="1275793" cy="385604"/>
+          </a:xfrm>
+          <a:prstGeom prst="straightConnector1">
+            <a:avLst/>
+          </a:prstGeom>
+          <a:ln>
+            <a:tailEnd type="triangle"/>
+          </a:ln>
+        </p:spPr>
+        <p:style>
+          <a:lnRef idx="1">
+            <a:schemeClr val="accent1"/>
+          </a:lnRef>
+          <a:fillRef idx="0">
+            <a:schemeClr val="accent1"/>
+          </a:fillRef>
+          <a:effectRef idx="0">
+            <a:schemeClr val="accent1"/>
+          </a:effectRef>
+          <a:fontRef idx="minor">
+            <a:schemeClr val="tx1"/>
+          </a:fontRef>
+        </p:style>
+      </p:cxnSp>
+      <mc:AlternateContent xmlns:mc="http://schemas.openxmlformats.org/markup-compatibility/2006">
+        <mc:Choice xmlns:a14="http://schemas.microsoft.com/office/drawing/2010/main" Requires="a14">
+          <p:sp>
+            <p:nvSpPr>
+              <p:cNvPr id="50" name="文本框 49"/>
+              <p:cNvSpPr txBox="1"/>
+              <p:nvPr/>
+            </p:nvSpPr>
+            <p:spPr>
+              <a:xfrm>
+                <a:off x="5265351" y="2872414"/>
+                <a:ext cx="381113" cy="367646"/>
+              </a:xfrm>
+              <a:prstGeom prst="rect">
+                <a:avLst/>
+              </a:prstGeom>
+              <a:noFill/>
+              <a:ln>
+                <a:solidFill>
+                  <a:schemeClr val="tx1"/>
+                </a:solidFill>
+              </a:ln>
+            </p:spPr>
+            <p:txBody>
+              <a:bodyPr wrap="square" rtlCol="0">
+                <a:spAutoFit/>
+              </a:bodyPr>
+              <a:lstStyle/>
+              <a:p>
+                <a:pPr algn="ctr"/>
+                <a14:m>
+                  <m:oMathPara xmlns:m="http://schemas.openxmlformats.org/officeDocument/2006/math">
+                    <m:oMathParaPr>
+                      <m:jc m:val="centerGroup"/>
+                    </m:oMathParaPr>
+                    <m:oMath xmlns:m="http://schemas.openxmlformats.org/officeDocument/2006/math">
+                      <m:sSub>
+                        <m:sSubPr>
+                          <m:ctrlPr>
+                            <a:rPr lang="zh-CN" altLang="zh-CN" i="1" smtClean="0"/>
+                          </m:ctrlPr>
+                        </m:sSubPr>
+                        <m:e>
+                          <m:r>
+                            <a:rPr lang="en-US" altLang="zh-CN" i="1"/>
+                            <m:t>𝑥</m:t>
+                          </m:r>
+                        </m:e>
+                        <m:sub>
+                          <m:r>
+                            <a:rPr lang="en-US" altLang="zh-CN" b="0" i="1" smtClean="0">
+                              <a:latin typeface="Cambria Math" panose="02040503050406030204" pitchFamily="18" charset="0"/>
+                            </a:rPr>
+                            <m:t>2</m:t>
+                          </m:r>
+                        </m:sub>
+                      </m:sSub>
+                    </m:oMath>
+                  </m:oMathPara>
+                </a14:m>
+                <a:endParaRPr lang="zh-CN" altLang="en-US" dirty="0"/>
+              </a:p>
+            </p:txBody>
+          </p:sp>
+        </mc:Choice>
+        <mc:Fallback>
+          <p:sp>
+            <p:nvSpPr>
+              <p:cNvPr id="50" name="文本框 49"/>
+              <p:cNvSpPr txBox="1">
+                <a:spLocks noRot="1" noChangeAspect="1" noMove="1" noResize="1" noEditPoints="1" noAdjustHandles="1" noChangeArrowheads="1" noChangeShapeType="1" noTextEdit="1"/>
+              </p:cNvSpPr>
+              <p:nvPr/>
+            </p:nvSpPr>
+            <p:spPr>
+              <a:xfrm>
+                <a:off x="5265351" y="2872414"/>
+                <a:ext cx="381113" cy="367646"/>
+              </a:xfrm>
+              <a:prstGeom prst="rect">
+                <a:avLst/>
+              </a:prstGeom>
+              <a:blipFill>
+                <a:blip r:embed="rId3"/>
+                <a:stretch>
+                  <a:fillRect l="-3125"/>
+                </a:stretch>
+              </a:blipFill>
+              <a:ln>
+                <a:solidFill>
+                  <a:schemeClr val="tx1"/>
+                </a:solidFill>
+              </a:ln>
+            </p:spPr>
+            <p:txBody>
+              <a:bodyPr/>
+              <a:lstStyle/>
+              <a:p>
+                <a:r>
+                  <a:rPr lang="zh-CN" altLang="en-US">
+                    <a:noFill/>
+                  </a:rPr>
+                  <a:t> </a:t>
+                </a:r>
+              </a:p>
+            </p:txBody>
+          </p:sp>
+        </mc:Fallback>
+      </mc:AlternateContent>
+      <p:cxnSp>
+        <p:nvCxnSpPr>
+          <p:cNvPr id="51" name="直接箭头连接符 50"/>
+          <p:cNvCxnSpPr>
+            <a:stCxn id="50" idx="2"/>
+            <a:endCxn id="27" idx="0"/>
+          </p:cNvCxnSpPr>
+          <p:nvPr/>
+        </p:nvCxnSpPr>
+        <p:spPr>
+          <a:xfrm flipH="1">
+            <a:off x="4590662" y="3240060"/>
+            <a:ext cx="865246" cy="385604"/>
+          </a:xfrm>
+          <a:prstGeom prst="straightConnector1">
+            <a:avLst/>
+          </a:prstGeom>
+          <a:ln>
+            <a:tailEnd type="triangle"/>
+          </a:ln>
+        </p:spPr>
+        <p:style>
+          <a:lnRef idx="1">
+            <a:schemeClr val="accent1"/>
+          </a:lnRef>
+          <a:fillRef idx="0">
+            <a:schemeClr val="accent1"/>
+          </a:fillRef>
+          <a:effectRef idx="0">
+            <a:schemeClr val="accent1"/>
+          </a:effectRef>
+          <a:fontRef idx="minor">
+            <a:schemeClr val="tx1"/>
+          </a:fontRef>
+        </p:style>
+      </p:cxnSp>
+      <p:cxnSp>
+        <p:nvCxnSpPr>
+          <p:cNvPr id="52" name="直接箭头连接符 51"/>
+          <p:cNvCxnSpPr>
+            <a:stCxn id="50" idx="2"/>
+            <a:endCxn id="29" idx="0"/>
+          </p:cNvCxnSpPr>
+          <p:nvPr/>
+        </p:nvCxnSpPr>
+        <p:spPr>
+          <a:xfrm flipH="1">
+            <a:off x="5411756" y="3240060"/>
+            <a:ext cx="44152" cy="385604"/>
+          </a:xfrm>
+          <a:prstGeom prst="straightConnector1">
+            <a:avLst/>
+          </a:prstGeom>
+          <a:ln>
+            <a:tailEnd type="triangle"/>
+          </a:ln>
+        </p:spPr>
+        <p:style>
+          <a:lnRef idx="1">
+            <a:schemeClr val="accent1"/>
+          </a:lnRef>
+          <a:fillRef idx="0">
+            <a:schemeClr val="accent1"/>
+          </a:fillRef>
+          <a:effectRef idx="0">
+            <a:schemeClr val="accent1"/>
+          </a:effectRef>
+          <a:fontRef idx="minor">
+            <a:schemeClr val="tx1"/>
+          </a:fontRef>
+        </p:style>
+      </p:cxnSp>
+    </p:spTree>
+    <p:extLst>
+      <p:ext uri="{BB962C8B-B14F-4D97-AF65-F5344CB8AC3E}">
+        <p14:creationId xmlns:p14="http://schemas.microsoft.com/office/powerpoint/2010/main" val="1586147044"/>
       </p:ext>
     </p:extLst>
   </p:cSld>

--- a/毕业论文资料/毕业论文图.pptx
+++ b/毕业论文资料/毕业论文图.pptx
@@ -18,6 +18,7 @@
     <p:sldId id="267" r:id="rId12"/>
     <p:sldId id="268" r:id="rId13"/>
     <p:sldId id="269" r:id="rId14"/>
+    <p:sldId id="270" r:id="rId15"/>
   </p:sldIdLst>
   <p:sldSz cx="12192000" cy="6858000"/>
   <p:notesSz cx="6858000" cy="9144000"/>
@@ -253,7 +254,7 @@
           <a:p>
             <a:fld id="{ACE92014-3EEA-4007-B1F6-A2EC48BFC768}" type="datetimeFigureOut">
               <a:rPr lang="zh-CN" altLang="en-US" smtClean="0"/>
-              <a:t>2017/8/29</a:t>
+              <a:t>2017/9/8</a:t>
             </a:fld>
             <a:endParaRPr lang="zh-CN" altLang="en-US"/>
           </a:p>
@@ -421,7 +422,7 @@
           <a:p>
             <a:fld id="{ACE92014-3EEA-4007-B1F6-A2EC48BFC768}" type="datetimeFigureOut">
               <a:rPr lang="zh-CN" altLang="en-US" smtClean="0"/>
-              <a:t>2017/8/29</a:t>
+              <a:t>2017/9/8</a:t>
             </a:fld>
             <a:endParaRPr lang="zh-CN" altLang="en-US"/>
           </a:p>
@@ -599,7 +600,7 @@
           <a:p>
             <a:fld id="{ACE92014-3EEA-4007-B1F6-A2EC48BFC768}" type="datetimeFigureOut">
               <a:rPr lang="zh-CN" altLang="en-US" smtClean="0"/>
-              <a:t>2017/8/29</a:t>
+              <a:t>2017/9/8</a:t>
             </a:fld>
             <a:endParaRPr lang="zh-CN" altLang="en-US"/>
           </a:p>
@@ -767,7 +768,7 @@
           <a:p>
             <a:fld id="{ACE92014-3EEA-4007-B1F6-A2EC48BFC768}" type="datetimeFigureOut">
               <a:rPr lang="zh-CN" altLang="en-US" smtClean="0"/>
-              <a:t>2017/8/29</a:t>
+              <a:t>2017/9/8</a:t>
             </a:fld>
             <a:endParaRPr lang="zh-CN" altLang="en-US"/>
           </a:p>
@@ -1012,7 +1013,7 @@
           <a:p>
             <a:fld id="{ACE92014-3EEA-4007-B1F6-A2EC48BFC768}" type="datetimeFigureOut">
               <a:rPr lang="zh-CN" altLang="en-US" smtClean="0"/>
-              <a:t>2017/8/29</a:t>
+              <a:t>2017/9/8</a:t>
             </a:fld>
             <a:endParaRPr lang="zh-CN" altLang="en-US"/>
           </a:p>
@@ -1241,7 +1242,7 @@
           <a:p>
             <a:fld id="{ACE92014-3EEA-4007-B1F6-A2EC48BFC768}" type="datetimeFigureOut">
               <a:rPr lang="zh-CN" altLang="en-US" smtClean="0"/>
-              <a:t>2017/8/29</a:t>
+              <a:t>2017/9/8</a:t>
             </a:fld>
             <a:endParaRPr lang="zh-CN" altLang="en-US"/>
           </a:p>
@@ -1605,7 +1606,7 @@
           <a:p>
             <a:fld id="{ACE92014-3EEA-4007-B1F6-A2EC48BFC768}" type="datetimeFigureOut">
               <a:rPr lang="zh-CN" altLang="en-US" smtClean="0"/>
-              <a:t>2017/8/29</a:t>
+              <a:t>2017/9/8</a:t>
             </a:fld>
             <a:endParaRPr lang="zh-CN" altLang="en-US"/>
           </a:p>
@@ -1722,7 +1723,7 @@
           <a:p>
             <a:fld id="{ACE92014-3EEA-4007-B1F6-A2EC48BFC768}" type="datetimeFigureOut">
               <a:rPr lang="zh-CN" altLang="en-US" smtClean="0"/>
-              <a:t>2017/8/29</a:t>
+              <a:t>2017/9/8</a:t>
             </a:fld>
             <a:endParaRPr lang="zh-CN" altLang="en-US"/>
           </a:p>
@@ -1817,7 +1818,7 @@
           <a:p>
             <a:fld id="{ACE92014-3EEA-4007-B1F6-A2EC48BFC768}" type="datetimeFigureOut">
               <a:rPr lang="zh-CN" altLang="en-US" smtClean="0"/>
-              <a:t>2017/8/29</a:t>
+              <a:t>2017/9/8</a:t>
             </a:fld>
             <a:endParaRPr lang="zh-CN" altLang="en-US"/>
           </a:p>
@@ -2092,7 +2093,7 @@
           <a:p>
             <a:fld id="{ACE92014-3EEA-4007-B1F6-A2EC48BFC768}" type="datetimeFigureOut">
               <a:rPr lang="zh-CN" altLang="en-US" smtClean="0"/>
-              <a:t>2017/8/29</a:t>
+              <a:t>2017/9/8</a:t>
             </a:fld>
             <a:endParaRPr lang="zh-CN" altLang="en-US"/>
           </a:p>
@@ -2344,7 +2345,7 @@
           <a:p>
             <a:fld id="{ACE92014-3EEA-4007-B1F6-A2EC48BFC768}" type="datetimeFigureOut">
               <a:rPr lang="zh-CN" altLang="en-US" smtClean="0"/>
-              <a:t>2017/8/29</a:t>
+              <a:t>2017/9/8</a:t>
             </a:fld>
             <a:endParaRPr lang="zh-CN" altLang="en-US"/>
           </a:p>
@@ -2555,7 +2556,7 @@
           <a:p>
             <a:fld id="{ACE92014-3EEA-4007-B1F6-A2EC48BFC768}" type="datetimeFigureOut">
               <a:rPr lang="zh-CN" altLang="en-US" smtClean="0"/>
-              <a:t>2017/8/29</a:t>
+              <a:t>2017/9/8</a:t>
             </a:fld>
             <a:endParaRPr lang="zh-CN" altLang="en-US"/>
           </a:p>
@@ -8842,6 +8843,1472 @@
     <p:extLst>
       <p:ext uri="{BB962C8B-B14F-4D97-AF65-F5344CB8AC3E}">
         <p14:creationId xmlns:p14="http://schemas.microsoft.com/office/powerpoint/2010/main" val="3525258922"/>
+      </p:ext>
+    </p:extLst>
+  </p:cSld>
+  <p:clrMapOvr>
+    <a:masterClrMapping/>
+  </p:clrMapOvr>
+</p:sld>
+</file>
+
+<file path=ppt/slides/slide14.xml><?xml version="1.0" encoding="utf-8"?>
+<p:sld xmlns:a="http://schemas.openxmlformats.org/drawingml/2006/main" xmlns:r="http://schemas.openxmlformats.org/officeDocument/2006/relationships" xmlns:p="http://schemas.openxmlformats.org/presentationml/2006/main">
+  <p:cSld>
+    <p:spTree>
+      <p:nvGrpSpPr>
+        <p:cNvPr id="1" name=""/>
+        <p:cNvGrpSpPr/>
+        <p:nvPr/>
+      </p:nvGrpSpPr>
+      <p:grpSpPr>
+        <a:xfrm>
+          <a:off x="0" y="0"/>
+          <a:ext cx="0" cy="0"/>
+          <a:chOff x="0" y="0"/>
+          <a:chExt cx="0" cy="0"/>
+        </a:xfrm>
+      </p:grpSpPr>
+      <p:sp>
+        <p:nvSpPr>
+          <p:cNvPr id="37" name="文本框 36"/>
+          <p:cNvSpPr txBox="1"/>
+          <p:nvPr/>
+        </p:nvSpPr>
+        <p:spPr>
+          <a:xfrm>
+            <a:off x="5776375" y="758757"/>
+            <a:ext cx="861273" cy="369332"/>
+          </a:xfrm>
+          <a:prstGeom prst="rect">
+            <a:avLst/>
+          </a:prstGeom>
+          <a:noFill/>
+          <a:ln>
+            <a:solidFill>
+              <a:schemeClr val="tx1"/>
+            </a:solidFill>
+          </a:ln>
+        </p:spPr>
+        <p:txBody>
+          <a:bodyPr wrap="square" rtlCol="0">
+            <a:spAutoFit/>
+          </a:bodyPr>
+          <a:lstStyle/>
+          <a:p>
+            <a:pPr algn="ctr"/>
+            <a:r>
+              <a:rPr lang="en-US" altLang="zh-CN" i="1" dirty="0"/>
+              <a:t>1</a:t>
+            </a:r>
+            <a:endParaRPr lang="zh-CN" altLang="en-US" i="1" dirty="0"/>
+          </a:p>
+        </p:txBody>
+      </p:sp>
+      <p:sp>
+        <p:nvSpPr>
+          <p:cNvPr id="38" name="文本框 37"/>
+          <p:cNvSpPr txBox="1"/>
+          <p:nvPr/>
+        </p:nvSpPr>
+        <p:spPr>
+          <a:xfrm>
+            <a:off x="5277495" y="2296471"/>
+            <a:ext cx="593022" cy="369332"/>
+          </a:xfrm>
+          <a:prstGeom prst="rect">
+            <a:avLst/>
+          </a:prstGeom>
+          <a:noFill/>
+          <a:ln>
+            <a:solidFill>
+              <a:schemeClr val="tx1"/>
+            </a:solidFill>
+          </a:ln>
+        </p:spPr>
+        <p:txBody>
+          <a:bodyPr wrap="square" rtlCol="0">
+            <a:spAutoFit/>
+          </a:bodyPr>
+          <a:lstStyle/>
+          <a:p>
+            <a:pPr algn="ctr"/>
+            <a:r>
+              <a:rPr lang="en-US" altLang="zh-CN" i="1" dirty="0"/>
+              <a:t>1</a:t>
+            </a:r>
+            <a:endParaRPr lang="zh-CN" altLang="en-US" i="1" dirty="0"/>
+          </a:p>
+        </p:txBody>
+      </p:sp>
+      <p:sp>
+        <p:nvSpPr>
+          <p:cNvPr id="39" name="文本框 38"/>
+          <p:cNvSpPr txBox="1"/>
+          <p:nvPr/>
+        </p:nvSpPr>
+        <p:spPr>
+          <a:xfrm>
+            <a:off x="5573294" y="1505074"/>
+            <a:ext cx="594447" cy="369332"/>
+          </a:xfrm>
+          <a:prstGeom prst="rect">
+            <a:avLst/>
+          </a:prstGeom>
+          <a:noFill/>
+          <a:ln>
+            <a:solidFill>
+              <a:schemeClr val="tx1"/>
+            </a:solidFill>
+          </a:ln>
+        </p:spPr>
+        <p:txBody>
+          <a:bodyPr wrap="square" rtlCol="0">
+            <a:spAutoFit/>
+          </a:bodyPr>
+          <a:lstStyle/>
+          <a:p>
+            <a:pPr algn="ctr"/>
+            <a:r>
+              <a:rPr lang="en-US" altLang="zh-CN" i="1" dirty="0"/>
+              <a:t>1</a:t>
+            </a:r>
+            <a:endParaRPr lang="zh-CN" altLang="en-US" i="1" dirty="0"/>
+          </a:p>
+        </p:txBody>
+      </p:sp>
+      <p:sp>
+        <p:nvSpPr>
+          <p:cNvPr id="40" name="文本框 39"/>
+          <p:cNvSpPr txBox="1"/>
+          <p:nvPr/>
+        </p:nvSpPr>
+        <p:spPr>
+          <a:xfrm>
+            <a:off x="4674840" y="3071281"/>
+            <a:ext cx="688675" cy="369332"/>
+          </a:xfrm>
+          <a:prstGeom prst="rect">
+            <a:avLst/>
+          </a:prstGeom>
+          <a:noFill/>
+          <a:ln>
+            <a:solidFill>
+              <a:schemeClr val="tx1"/>
+            </a:solidFill>
+          </a:ln>
+        </p:spPr>
+        <p:txBody>
+          <a:bodyPr wrap="square" rtlCol="0">
+            <a:spAutoFit/>
+          </a:bodyPr>
+          <a:lstStyle/>
+          <a:p>
+            <a:pPr algn="ctr"/>
+            <a:r>
+              <a:rPr lang="en-US" altLang="zh-CN" i="1" dirty="0"/>
+              <a:t>1</a:t>
+            </a:r>
+            <a:endParaRPr lang="zh-CN" altLang="en-US" i="1" dirty="0"/>
+          </a:p>
+        </p:txBody>
+      </p:sp>
+      <p:sp>
+        <p:nvSpPr>
+          <p:cNvPr id="41" name="文本框 40"/>
+          <p:cNvSpPr txBox="1"/>
+          <p:nvPr/>
+        </p:nvSpPr>
+        <p:spPr>
+          <a:xfrm>
+            <a:off x="6439509" y="1507997"/>
+            <a:ext cx="639765" cy="369332"/>
+          </a:xfrm>
+          <a:prstGeom prst="rect">
+            <a:avLst/>
+          </a:prstGeom>
+          <a:noFill/>
+          <a:ln>
+            <a:solidFill>
+              <a:schemeClr val="tx1"/>
+            </a:solidFill>
+          </a:ln>
+        </p:spPr>
+        <p:txBody>
+          <a:bodyPr wrap="square" rtlCol="0">
+            <a:spAutoFit/>
+          </a:bodyPr>
+          <a:lstStyle/>
+          <a:p>
+            <a:pPr algn="ctr"/>
+            <a:r>
+              <a:rPr lang="en-US" altLang="zh-CN" dirty="0"/>
+              <a:t>2</a:t>
+            </a:r>
+            <a:endParaRPr lang="zh-CN" altLang="en-US" dirty="0"/>
+          </a:p>
+        </p:txBody>
+      </p:sp>
+      <p:sp>
+        <p:nvSpPr>
+          <p:cNvPr id="42" name="文本框 41"/>
+          <p:cNvSpPr txBox="1"/>
+          <p:nvPr/>
+        </p:nvSpPr>
+        <p:spPr>
+          <a:xfrm>
+            <a:off x="7644648" y="1524103"/>
+            <a:ext cx="696628" cy="369332"/>
+          </a:xfrm>
+          <a:prstGeom prst="rect">
+            <a:avLst/>
+          </a:prstGeom>
+          <a:noFill/>
+          <a:ln>
+            <a:solidFill>
+              <a:schemeClr val="tx1"/>
+            </a:solidFill>
+          </a:ln>
+        </p:spPr>
+        <p:txBody>
+          <a:bodyPr wrap="square" rtlCol="0">
+            <a:spAutoFit/>
+          </a:bodyPr>
+          <a:lstStyle/>
+          <a:p>
+            <a:pPr algn="ctr"/>
+            <a:r>
+              <a:rPr lang="en-US" altLang="zh-CN" i="1" dirty="0"/>
+              <a:t>10</a:t>
+            </a:r>
+            <a:endParaRPr lang="zh-CN" altLang="en-US" i="1" dirty="0"/>
+          </a:p>
+        </p:txBody>
+      </p:sp>
+      <p:sp>
+        <p:nvSpPr>
+          <p:cNvPr id="43" name="文本框 42"/>
+          <p:cNvSpPr txBox="1"/>
+          <p:nvPr/>
+        </p:nvSpPr>
+        <p:spPr>
+          <a:xfrm>
+            <a:off x="7092418" y="1602305"/>
+            <a:ext cx="671209" cy="369332"/>
+          </a:xfrm>
+          <a:prstGeom prst="rect">
+            <a:avLst/>
+          </a:prstGeom>
+          <a:noFill/>
+        </p:spPr>
+        <p:txBody>
+          <a:bodyPr wrap="square" rtlCol="0">
+            <a:spAutoFit/>
+          </a:bodyPr>
+          <a:lstStyle/>
+          <a:p>
+            <a:r>
+              <a:rPr lang="en-US" altLang="zh-CN" dirty="0"/>
+              <a:t>……</a:t>
+            </a:r>
+            <a:endParaRPr lang="zh-CN" altLang="en-US" dirty="0"/>
+          </a:p>
+        </p:txBody>
+      </p:sp>
+      <p:cxnSp>
+        <p:nvCxnSpPr>
+          <p:cNvPr id="44" name="直接箭头连接符 43"/>
+          <p:cNvCxnSpPr>
+            <a:stCxn id="37" idx="2"/>
+            <a:endCxn id="39" idx="0"/>
+          </p:cNvCxnSpPr>
+          <p:nvPr/>
+        </p:nvCxnSpPr>
+        <p:spPr>
+          <a:xfrm flipH="1">
+            <a:off x="5870518" y="1128089"/>
+            <a:ext cx="336494" cy="376985"/>
+          </a:xfrm>
+          <a:prstGeom prst="straightConnector1">
+            <a:avLst/>
+          </a:prstGeom>
+          <a:ln>
+            <a:solidFill>
+              <a:schemeClr val="tx1"/>
+            </a:solidFill>
+            <a:tailEnd type="triangle"/>
+          </a:ln>
+        </p:spPr>
+        <p:style>
+          <a:lnRef idx="1">
+            <a:schemeClr val="accent1"/>
+          </a:lnRef>
+          <a:fillRef idx="0">
+            <a:schemeClr val="accent1"/>
+          </a:fillRef>
+          <a:effectRef idx="0">
+            <a:schemeClr val="accent1"/>
+          </a:effectRef>
+          <a:fontRef idx="minor">
+            <a:schemeClr val="tx1"/>
+          </a:fontRef>
+        </p:style>
+      </p:cxnSp>
+      <p:cxnSp>
+        <p:nvCxnSpPr>
+          <p:cNvPr id="45" name="直接箭头连接符 44"/>
+          <p:cNvCxnSpPr>
+            <a:stCxn id="37" idx="2"/>
+            <a:endCxn id="41" idx="0"/>
+          </p:cNvCxnSpPr>
+          <p:nvPr/>
+        </p:nvCxnSpPr>
+        <p:spPr>
+          <a:xfrm>
+            <a:off x="6207012" y="1128089"/>
+            <a:ext cx="552380" cy="379908"/>
+          </a:xfrm>
+          <a:prstGeom prst="straightConnector1">
+            <a:avLst/>
+          </a:prstGeom>
+          <a:ln>
+            <a:solidFill>
+              <a:schemeClr val="tx1"/>
+            </a:solidFill>
+            <a:tailEnd type="triangle"/>
+          </a:ln>
+        </p:spPr>
+        <p:style>
+          <a:lnRef idx="1">
+            <a:schemeClr val="accent1"/>
+          </a:lnRef>
+          <a:fillRef idx="0">
+            <a:schemeClr val="accent1"/>
+          </a:fillRef>
+          <a:effectRef idx="0">
+            <a:schemeClr val="accent1"/>
+          </a:effectRef>
+          <a:fontRef idx="minor">
+            <a:schemeClr val="tx1"/>
+          </a:fontRef>
+        </p:style>
+      </p:cxnSp>
+      <p:cxnSp>
+        <p:nvCxnSpPr>
+          <p:cNvPr id="46" name="直接箭头连接符 45"/>
+          <p:cNvCxnSpPr>
+            <a:stCxn id="37" idx="2"/>
+            <a:endCxn id="42" idx="0"/>
+          </p:cNvCxnSpPr>
+          <p:nvPr/>
+        </p:nvCxnSpPr>
+        <p:spPr>
+          <a:xfrm>
+            <a:off x="6207012" y="1128089"/>
+            <a:ext cx="1785950" cy="396014"/>
+          </a:xfrm>
+          <a:prstGeom prst="straightConnector1">
+            <a:avLst/>
+          </a:prstGeom>
+          <a:ln>
+            <a:solidFill>
+              <a:schemeClr val="tx1"/>
+            </a:solidFill>
+            <a:tailEnd type="triangle"/>
+          </a:ln>
+        </p:spPr>
+        <p:style>
+          <a:lnRef idx="1">
+            <a:schemeClr val="accent1"/>
+          </a:lnRef>
+          <a:fillRef idx="0">
+            <a:schemeClr val="accent1"/>
+          </a:fillRef>
+          <a:effectRef idx="0">
+            <a:schemeClr val="accent1"/>
+          </a:effectRef>
+          <a:fontRef idx="minor">
+            <a:schemeClr val="tx1"/>
+          </a:fontRef>
+        </p:style>
+      </p:cxnSp>
+      <p:sp>
+        <p:nvSpPr>
+          <p:cNvPr id="47" name="文本框 46"/>
+          <p:cNvSpPr txBox="1"/>
+          <p:nvPr/>
+        </p:nvSpPr>
+        <p:spPr>
+          <a:xfrm>
+            <a:off x="6014718" y="2296471"/>
+            <a:ext cx="657136" cy="369332"/>
+          </a:xfrm>
+          <a:prstGeom prst="rect">
+            <a:avLst/>
+          </a:prstGeom>
+          <a:noFill/>
+          <a:ln>
+            <a:solidFill>
+              <a:schemeClr val="tx1"/>
+            </a:solidFill>
+          </a:ln>
+        </p:spPr>
+        <p:txBody>
+          <a:bodyPr wrap="square" rtlCol="0">
+            <a:spAutoFit/>
+          </a:bodyPr>
+          <a:lstStyle/>
+          <a:p>
+            <a:pPr algn="ctr"/>
+            <a:r>
+              <a:rPr lang="en-US" altLang="zh-CN" i="1" dirty="0"/>
+              <a:t>2</a:t>
+            </a:r>
+            <a:endParaRPr lang="zh-CN" altLang="en-US" i="1" dirty="0"/>
+          </a:p>
+        </p:txBody>
+      </p:sp>
+      <p:sp>
+        <p:nvSpPr>
+          <p:cNvPr id="48" name="文本框 47"/>
+          <p:cNvSpPr txBox="1"/>
+          <p:nvPr/>
+        </p:nvSpPr>
+        <p:spPr>
+          <a:xfrm>
+            <a:off x="7264877" y="2303423"/>
+            <a:ext cx="764349" cy="369332"/>
+          </a:xfrm>
+          <a:prstGeom prst="rect">
+            <a:avLst/>
+          </a:prstGeom>
+          <a:noFill/>
+          <a:ln>
+            <a:solidFill>
+              <a:schemeClr val="tx1"/>
+            </a:solidFill>
+          </a:ln>
+        </p:spPr>
+        <p:txBody>
+          <a:bodyPr wrap="square" rtlCol="0">
+            <a:spAutoFit/>
+          </a:bodyPr>
+          <a:lstStyle/>
+          <a:p>
+            <a:pPr algn="ctr"/>
+            <a:r>
+              <a:rPr lang="en-US" altLang="zh-CN" i="1" dirty="0"/>
+              <a:t>10</a:t>
+            </a:r>
+            <a:endParaRPr lang="zh-CN" altLang="en-US" i="1" dirty="0"/>
+          </a:p>
+        </p:txBody>
+      </p:sp>
+      <p:sp>
+        <p:nvSpPr>
+          <p:cNvPr id="49" name="文本框 48"/>
+          <p:cNvSpPr txBox="1"/>
+          <p:nvPr/>
+        </p:nvSpPr>
+        <p:spPr>
+          <a:xfrm>
+            <a:off x="6712705" y="2436269"/>
+            <a:ext cx="671209" cy="369332"/>
+          </a:xfrm>
+          <a:prstGeom prst="rect">
+            <a:avLst/>
+          </a:prstGeom>
+          <a:noFill/>
+        </p:spPr>
+        <p:txBody>
+          <a:bodyPr wrap="square" rtlCol="0">
+            <a:spAutoFit/>
+          </a:bodyPr>
+          <a:lstStyle/>
+          <a:p>
+            <a:r>
+              <a:rPr lang="en-US" altLang="zh-CN" dirty="0"/>
+              <a:t>……</a:t>
+            </a:r>
+            <a:endParaRPr lang="zh-CN" altLang="en-US" dirty="0"/>
+          </a:p>
+        </p:txBody>
+      </p:sp>
+      <p:cxnSp>
+        <p:nvCxnSpPr>
+          <p:cNvPr id="50" name="直接箭头连接符 49"/>
+          <p:cNvCxnSpPr>
+            <a:stCxn id="39" idx="2"/>
+            <a:endCxn id="38" idx="0"/>
+          </p:cNvCxnSpPr>
+          <p:nvPr/>
+        </p:nvCxnSpPr>
+        <p:spPr>
+          <a:xfrm flipH="1">
+            <a:off x="5574006" y="1874406"/>
+            <a:ext cx="296512" cy="422065"/>
+          </a:xfrm>
+          <a:prstGeom prst="straightConnector1">
+            <a:avLst/>
+          </a:prstGeom>
+          <a:ln>
+            <a:solidFill>
+              <a:schemeClr val="tx1"/>
+            </a:solidFill>
+            <a:tailEnd type="triangle"/>
+          </a:ln>
+        </p:spPr>
+        <p:style>
+          <a:lnRef idx="1">
+            <a:schemeClr val="accent1"/>
+          </a:lnRef>
+          <a:fillRef idx="0">
+            <a:schemeClr val="accent1"/>
+          </a:fillRef>
+          <a:effectRef idx="0">
+            <a:schemeClr val="accent1"/>
+          </a:effectRef>
+          <a:fontRef idx="minor">
+            <a:schemeClr val="tx1"/>
+          </a:fontRef>
+        </p:style>
+      </p:cxnSp>
+      <p:cxnSp>
+        <p:nvCxnSpPr>
+          <p:cNvPr id="51" name="直接箭头连接符 50"/>
+          <p:cNvCxnSpPr>
+            <a:stCxn id="39" idx="2"/>
+            <a:endCxn id="47" idx="0"/>
+          </p:cNvCxnSpPr>
+          <p:nvPr/>
+        </p:nvCxnSpPr>
+        <p:spPr>
+          <a:xfrm>
+            <a:off x="5870518" y="1874406"/>
+            <a:ext cx="472768" cy="422065"/>
+          </a:xfrm>
+          <a:prstGeom prst="straightConnector1">
+            <a:avLst/>
+          </a:prstGeom>
+          <a:ln>
+            <a:solidFill>
+              <a:schemeClr val="tx1"/>
+            </a:solidFill>
+            <a:tailEnd type="triangle"/>
+          </a:ln>
+        </p:spPr>
+        <p:style>
+          <a:lnRef idx="1">
+            <a:schemeClr val="accent1"/>
+          </a:lnRef>
+          <a:fillRef idx="0">
+            <a:schemeClr val="accent1"/>
+          </a:fillRef>
+          <a:effectRef idx="0">
+            <a:schemeClr val="accent1"/>
+          </a:effectRef>
+          <a:fontRef idx="minor">
+            <a:schemeClr val="tx1"/>
+          </a:fontRef>
+        </p:style>
+      </p:cxnSp>
+      <p:cxnSp>
+        <p:nvCxnSpPr>
+          <p:cNvPr id="52" name="直接箭头连接符 51"/>
+          <p:cNvCxnSpPr>
+            <a:stCxn id="39" idx="2"/>
+            <a:endCxn id="48" idx="0"/>
+          </p:cNvCxnSpPr>
+          <p:nvPr/>
+        </p:nvCxnSpPr>
+        <p:spPr>
+          <a:xfrm>
+            <a:off x="5870518" y="1874406"/>
+            <a:ext cx="1776534" cy="429017"/>
+          </a:xfrm>
+          <a:prstGeom prst="straightConnector1">
+            <a:avLst/>
+          </a:prstGeom>
+          <a:ln>
+            <a:solidFill>
+              <a:schemeClr val="tx1"/>
+            </a:solidFill>
+            <a:tailEnd type="triangle"/>
+          </a:ln>
+        </p:spPr>
+        <p:style>
+          <a:lnRef idx="1">
+            <a:schemeClr val="accent1"/>
+          </a:lnRef>
+          <a:fillRef idx="0">
+            <a:schemeClr val="accent1"/>
+          </a:fillRef>
+          <a:effectRef idx="0">
+            <a:schemeClr val="accent1"/>
+          </a:effectRef>
+          <a:fontRef idx="minor">
+            <a:schemeClr val="tx1"/>
+          </a:fontRef>
+        </p:style>
+      </p:cxnSp>
+      <p:sp>
+        <p:nvSpPr>
+          <p:cNvPr id="53" name="文本框 52"/>
+          <p:cNvSpPr txBox="1"/>
+          <p:nvPr/>
+        </p:nvSpPr>
+        <p:spPr>
+          <a:xfrm>
+            <a:off x="5573295" y="3077926"/>
+            <a:ext cx="633718" cy="369332"/>
+          </a:xfrm>
+          <a:prstGeom prst="rect">
+            <a:avLst/>
+          </a:prstGeom>
+          <a:noFill/>
+          <a:ln>
+            <a:solidFill>
+              <a:schemeClr val="tx1"/>
+            </a:solidFill>
+          </a:ln>
+        </p:spPr>
+        <p:txBody>
+          <a:bodyPr wrap="square" rtlCol="0">
+            <a:spAutoFit/>
+          </a:bodyPr>
+          <a:lstStyle/>
+          <a:p>
+            <a:pPr algn="ctr"/>
+            <a:r>
+              <a:rPr lang="en-US" altLang="zh-CN" i="1" dirty="0"/>
+              <a:t>2</a:t>
+            </a:r>
+            <a:endParaRPr lang="zh-CN" altLang="en-US" i="1" dirty="0"/>
+          </a:p>
+        </p:txBody>
+      </p:sp>
+      <p:sp>
+        <p:nvSpPr>
+          <p:cNvPr id="54" name="文本框 53"/>
+          <p:cNvSpPr txBox="1"/>
+          <p:nvPr/>
+        </p:nvSpPr>
+        <p:spPr>
+          <a:xfrm>
+            <a:off x="6872837" y="3077926"/>
+            <a:ext cx="664843" cy="369332"/>
+          </a:xfrm>
+          <a:prstGeom prst="rect">
+            <a:avLst/>
+          </a:prstGeom>
+          <a:noFill/>
+          <a:ln>
+            <a:solidFill>
+              <a:schemeClr val="tx1"/>
+            </a:solidFill>
+          </a:ln>
+        </p:spPr>
+        <p:txBody>
+          <a:bodyPr wrap="square" rtlCol="0">
+            <a:spAutoFit/>
+          </a:bodyPr>
+          <a:lstStyle/>
+          <a:p>
+            <a:pPr algn="ctr"/>
+            <a:r>
+              <a:rPr lang="en-US" altLang="zh-CN" i="1" dirty="0"/>
+              <a:t>10</a:t>
+            </a:r>
+            <a:endParaRPr lang="zh-CN" altLang="en-US" i="1" dirty="0"/>
+          </a:p>
+        </p:txBody>
+      </p:sp>
+      <p:cxnSp>
+        <p:nvCxnSpPr>
+          <p:cNvPr id="55" name="直接箭头连接符 54"/>
+          <p:cNvCxnSpPr>
+            <a:stCxn id="38" idx="2"/>
+            <a:endCxn id="40" idx="0"/>
+          </p:cNvCxnSpPr>
+          <p:nvPr/>
+        </p:nvCxnSpPr>
+        <p:spPr>
+          <a:xfrm flipH="1">
+            <a:off x="5019178" y="2665803"/>
+            <a:ext cx="554828" cy="405478"/>
+          </a:xfrm>
+          <a:prstGeom prst="straightConnector1">
+            <a:avLst/>
+          </a:prstGeom>
+          <a:ln>
+            <a:solidFill>
+              <a:schemeClr val="tx1"/>
+            </a:solidFill>
+            <a:tailEnd type="triangle"/>
+          </a:ln>
+        </p:spPr>
+        <p:style>
+          <a:lnRef idx="1">
+            <a:schemeClr val="accent1"/>
+          </a:lnRef>
+          <a:fillRef idx="0">
+            <a:schemeClr val="accent1"/>
+          </a:fillRef>
+          <a:effectRef idx="0">
+            <a:schemeClr val="accent1"/>
+          </a:effectRef>
+          <a:fontRef idx="minor">
+            <a:schemeClr val="tx1"/>
+          </a:fontRef>
+        </p:style>
+      </p:cxnSp>
+      <p:cxnSp>
+        <p:nvCxnSpPr>
+          <p:cNvPr id="56" name="直接箭头连接符 55"/>
+          <p:cNvCxnSpPr>
+            <a:stCxn id="38" idx="2"/>
+            <a:endCxn id="53" idx="0"/>
+          </p:cNvCxnSpPr>
+          <p:nvPr/>
+        </p:nvCxnSpPr>
+        <p:spPr>
+          <a:xfrm>
+            <a:off x="5574006" y="2665803"/>
+            <a:ext cx="316148" cy="412123"/>
+          </a:xfrm>
+          <a:prstGeom prst="straightConnector1">
+            <a:avLst/>
+          </a:prstGeom>
+          <a:ln>
+            <a:solidFill>
+              <a:schemeClr val="tx1"/>
+            </a:solidFill>
+            <a:tailEnd type="triangle"/>
+          </a:ln>
+        </p:spPr>
+        <p:style>
+          <a:lnRef idx="1">
+            <a:schemeClr val="accent1"/>
+          </a:lnRef>
+          <a:fillRef idx="0">
+            <a:schemeClr val="accent1"/>
+          </a:fillRef>
+          <a:effectRef idx="0">
+            <a:schemeClr val="accent1"/>
+          </a:effectRef>
+          <a:fontRef idx="minor">
+            <a:schemeClr val="tx1"/>
+          </a:fontRef>
+        </p:style>
+      </p:cxnSp>
+      <p:cxnSp>
+        <p:nvCxnSpPr>
+          <p:cNvPr id="57" name="直接箭头连接符 56"/>
+          <p:cNvCxnSpPr>
+            <a:stCxn id="38" idx="2"/>
+            <a:endCxn id="54" idx="0"/>
+          </p:cNvCxnSpPr>
+          <p:nvPr/>
+        </p:nvCxnSpPr>
+        <p:spPr>
+          <a:xfrm>
+            <a:off x="5574006" y="2665803"/>
+            <a:ext cx="1631253" cy="412123"/>
+          </a:xfrm>
+          <a:prstGeom prst="straightConnector1">
+            <a:avLst/>
+          </a:prstGeom>
+          <a:ln>
+            <a:solidFill>
+              <a:schemeClr val="tx1"/>
+            </a:solidFill>
+            <a:tailEnd type="triangle"/>
+          </a:ln>
+        </p:spPr>
+        <p:style>
+          <a:lnRef idx="1">
+            <a:schemeClr val="accent1"/>
+          </a:lnRef>
+          <a:fillRef idx="0">
+            <a:schemeClr val="accent1"/>
+          </a:fillRef>
+          <a:effectRef idx="0">
+            <a:schemeClr val="accent1"/>
+          </a:effectRef>
+          <a:fontRef idx="minor">
+            <a:schemeClr val="tx1"/>
+          </a:fontRef>
+        </p:style>
+      </p:cxnSp>
+      <p:sp>
+        <p:nvSpPr>
+          <p:cNvPr id="58" name="文本框 57"/>
+          <p:cNvSpPr txBox="1"/>
+          <p:nvPr/>
+        </p:nvSpPr>
+        <p:spPr>
+          <a:xfrm>
+            <a:off x="6295104" y="3167981"/>
+            <a:ext cx="671209" cy="369332"/>
+          </a:xfrm>
+          <a:prstGeom prst="rect">
+            <a:avLst/>
+          </a:prstGeom>
+          <a:noFill/>
+        </p:spPr>
+        <p:txBody>
+          <a:bodyPr wrap="square" rtlCol="0">
+            <a:spAutoFit/>
+          </a:bodyPr>
+          <a:lstStyle/>
+          <a:p>
+            <a:r>
+              <a:rPr lang="en-US" altLang="zh-CN" dirty="0"/>
+              <a:t>……</a:t>
+            </a:r>
+            <a:endParaRPr lang="zh-CN" altLang="en-US" dirty="0"/>
+          </a:p>
+        </p:txBody>
+      </p:sp>
+      <p:sp>
+        <p:nvSpPr>
+          <p:cNvPr id="59" name="文本框 58"/>
+          <p:cNvSpPr txBox="1"/>
+          <p:nvPr/>
+        </p:nvSpPr>
+        <p:spPr>
+          <a:xfrm>
+            <a:off x="4376057" y="3839139"/>
+            <a:ext cx="599346" cy="369332"/>
+          </a:xfrm>
+          <a:prstGeom prst="rect">
+            <a:avLst/>
+          </a:prstGeom>
+          <a:noFill/>
+          <a:ln>
+            <a:solidFill>
+              <a:schemeClr val="tx1"/>
+            </a:solidFill>
+          </a:ln>
+        </p:spPr>
+        <p:txBody>
+          <a:bodyPr wrap="square" rtlCol="0">
+            <a:spAutoFit/>
+          </a:bodyPr>
+          <a:lstStyle/>
+          <a:p>
+            <a:pPr algn="ctr"/>
+            <a:r>
+              <a:rPr lang="en-US" altLang="zh-CN" i="1" dirty="0"/>
+              <a:t>1</a:t>
+            </a:r>
+            <a:endParaRPr lang="zh-CN" altLang="en-US" i="1" dirty="0"/>
+          </a:p>
+        </p:txBody>
+      </p:sp>
+      <p:sp>
+        <p:nvSpPr>
+          <p:cNvPr id="60" name="文本框 59"/>
+          <p:cNvSpPr txBox="1"/>
+          <p:nvPr/>
+        </p:nvSpPr>
+        <p:spPr>
+          <a:xfrm>
+            <a:off x="5246070" y="3821547"/>
+            <a:ext cx="768648" cy="369332"/>
+          </a:xfrm>
+          <a:prstGeom prst="rect">
+            <a:avLst/>
+          </a:prstGeom>
+          <a:noFill/>
+          <a:ln>
+            <a:solidFill>
+              <a:schemeClr val="tx1"/>
+            </a:solidFill>
+          </a:ln>
+        </p:spPr>
+        <p:txBody>
+          <a:bodyPr wrap="square" rtlCol="0">
+            <a:spAutoFit/>
+          </a:bodyPr>
+          <a:lstStyle/>
+          <a:p>
+            <a:pPr algn="ctr"/>
+            <a:r>
+              <a:rPr lang="en-US" altLang="zh-CN" i="1" dirty="0"/>
+              <a:t>2</a:t>
+            </a:r>
+            <a:endParaRPr lang="zh-CN" altLang="en-US" i="1" dirty="0"/>
+          </a:p>
+        </p:txBody>
+      </p:sp>
+      <p:cxnSp>
+        <p:nvCxnSpPr>
+          <p:cNvPr id="61" name="直接箭头连接符 60"/>
+          <p:cNvCxnSpPr>
+            <a:stCxn id="40" idx="2"/>
+            <a:endCxn id="59" idx="0"/>
+          </p:cNvCxnSpPr>
+          <p:nvPr/>
+        </p:nvCxnSpPr>
+        <p:spPr>
+          <a:xfrm flipH="1">
+            <a:off x="4675730" y="3440613"/>
+            <a:ext cx="343448" cy="398526"/>
+          </a:xfrm>
+          <a:prstGeom prst="straightConnector1">
+            <a:avLst/>
+          </a:prstGeom>
+          <a:ln>
+            <a:solidFill>
+              <a:schemeClr val="tx1"/>
+            </a:solidFill>
+            <a:tailEnd type="triangle"/>
+          </a:ln>
+        </p:spPr>
+        <p:style>
+          <a:lnRef idx="1">
+            <a:schemeClr val="accent1"/>
+          </a:lnRef>
+          <a:fillRef idx="0">
+            <a:schemeClr val="accent1"/>
+          </a:fillRef>
+          <a:effectRef idx="0">
+            <a:schemeClr val="accent1"/>
+          </a:effectRef>
+          <a:fontRef idx="minor">
+            <a:schemeClr val="tx1"/>
+          </a:fontRef>
+        </p:style>
+      </p:cxnSp>
+      <p:cxnSp>
+        <p:nvCxnSpPr>
+          <p:cNvPr id="62" name="直接箭头连接符 61"/>
+          <p:cNvCxnSpPr>
+            <a:stCxn id="40" idx="2"/>
+            <a:endCxn id="60" idx="0"/>
+          </p:cNvCxnSpPr>
+          <p:nvPr/>
+        </p:nvCxnSpPr>
+        <p:spPr>
+          <a:xfrm>
+            <a:off x="5019178" y="3440613"/>
+            <a:ext cx="611216" cy="380934"/>
+          </a:xfrm>
+          <a:prstGeom prst="straightConnector1">
+            <a:avLst/>
+          </a:prstGeom>
+          <a:ln>
+            <a:solidFill>
+              <a:schemeClr val="tx1"/>
+            </a:solidFill>
+            <a:tailEnd type="triangle"/>
+          </a:ln>
+        </p:spPr>
+        <p:style>
+          <a:lnRef idx="1">
+            <a:schemeClr val="accent1"/>
+          </a:lnRef>
+          <a:fillRef idx="0">
+            <a:schemeClr val="accent1"/>
+          </a:fillRef>
+          <a:effectRef idx="0">
+            <a:schemeClr val="accent1"/>
+          </a:effectRef>
+          <a:fontRef idx="minor">
+            <a:schemeClr val="tx1"/>
+          </a:fontRef>
+        </p:style>
+      </p:cxnSp>
+      <p:sp>
+        <p:nvSpPr>
+          <p:cNvPr id="63" name="文本框 62"/>
+          <p:cNvSpPr txBox="1"/>
+          <p:nvPr/>
+        </p:nvSpPr>
+        <p:spPr>
+          <a:xfrm>
+            <a:off x="6902426" y="3821547"/>
+            <a:ext cx="1051191" cy="369332"/>
+          </a:xfrm>
+          <a:prstGeom prst="rect">
+            <a:avLst/>
+          </a:prstGeom>
+          <a:noFill/>
+          <a:ln>
+            <a:solidFill>
+              <a:schemeClr val="tx1"/>
+            </a:solidFill>
+          </a:ln>
+        </p:spPr>
+        <p:txBody>
+          <a:bodyPr wrap="square" rtlCol="0">
+            <a:spAutoFit/>
+          </a:bodyPr>
+          <a:lstStyle/>
+          <a:p>
+            <a:pPr algn="ctr"/>
+            <a:r>
+              <a:rPr lang="en-US" altLang="zh-CN" i="1" dirty="0"/>
+              <a:t>1000</a:t>
+            </a:r>
+            <a:endParaRPr lang="zh-CN" altLang="en-US" i="1" dirty="0"/>
+          </a:p>
+        </p:txBody>
+      </p:sp>
+      <p:sp>
+        <p:nvSpPr>
+          <p:cNvPr id="64" name="文本框 63"/>
+          <p:cNvSpPr txBox="1"/>
+          <p:nvPr/>
+        </p:nvSpPr>
+        <p:spPr>
+          <a:xfrm>
+            <a:off x="6285385" y="3945618"/>
+            <a:ext cx="671209" cy="369332"/>
+          </a:xfrm>
+          <a:prstGeom prst="rect">
+            <a:avLst/>
+          </a:prstGeom>
+          <a:noFill/>
+        </p:spPr>
+        <p:txBody>
+          <a:bodyPr wrap="square" rtlCol="0">
+            <a:spAutoFit/>
+          </a:bodyPr>
+          <a:lstStyle/>
+          <a:p>
+            <a:r>
+              <a:rPr lang="en-US" altLang="zh-CN" dirty="0"/>
+              <a:t>……</a:t>
+            </a:r>
+            <a:endParaRPr lang="zh-CN" altLang="en-US" dirty="0"/>
+          </a:p>
+        </p:txBody>
+      </p:sp>
+      <p:cxnSp>
+        <p:nvCxnSpPr>
+          <p:cNvPr id="65" name="直接箭头连接符 64"/>
+          <p:cNvCxnSpPr>
+            <a:stCxn id="40" idx="2"/>
+            <a:endCxn id="63" idx="0"/>
+          </p:cNvCxnSpPr>
+          <p:nvPr/>
+        </p:nvCxnSpPr>
+        <p:spPr>
+          <a:xfrm>
+            <a:off x="5019178" y="3440613"/>
+            <a:ext cx="2408844" cy="380934"/>
+          </a:xfrm>
+          <a:prstGeom prst="straightConnector1">
+            <a:avLst/>
+          </a:prstGeom>
+          <a:ln>
+            <a:solidFill>
+              <a:schemeClr val="tx1"/>
+            </a:solidFill>
+            <a:tailEnd type="triangle"/>
+          </a:ln>
+        </p:spPr>
+        <p:style>
+          <a:lnRef idx="1">
+            <a:schemeClr val="accent1"/>
+          </a:lnRef>
+          <a:fillRef idx="0">
+            <a:schemeClr val="accent1"/>
+          </a:fillRef>
+          <a:effectRef idx="0">
+            <a:schemeClr val="accent1"/>
+          </a:effectRef>
+          <a:fontRef idx="minor">
+            <a:schemeClr val="tx1"/>
+          </a:fontRef>
+        </p:style>
+      </p:cxnSp>
+      <p:sp>
+        <p:nvSpPr>
+          <p:cNvPr id="73" name="文本框 72"/>
+          <p:cNvSpPr txBox="1"/>
+          <p:nvPr/>
+        </p:nvSpPr>
+        <p:spPr>
+          <a:xfrm>
+            <a:off x="2806669" y="770458"/>
+            <a:ext cx="1216747" cy="369332"/>
+          </a:xfrm>
+          <a:prstGeom prst="rect">
+            <a:avLst/>
+          </a:prstGeom>
+          <a:noFill/>
+          <a:ln>
+            <a:noFill/>
+          </a:ln>
+        </p:spPr>
+        <p:txBody>
+          <a:bodyPr wrap="square" rtlCol="0">
+            <a:spAutoFit/>
+          </a:bodyPr>
+          <a:lstStyle/>
+          <a:p>
+            <a:pPr algn="ctr"/>
+            <a:r>
+              <a:rPr lang="en-US" altLang="zh-CN" dirty="0"/>
+              <a:t>IfcObject0</a:t>
+            </a:r>
+            <a:endParaRPr lang="zh-CN" altLang="en-US" dirty="0"/>
+          </a:p>
+        </p:txBody>
+      </p:sp>
+      <p:cxnSp>
+        <p:nvCxnSpPr>
+          <p:cNvPr id="82" name="直接箭头连接符 81"/>
+          <p:cNvCxnSpPr>
+            <a:stCxn id="73" idx="3"/>
+            <a:endCxn id="37" idx="1"/>
+          </p:cNvCxnSpPr>
+          <p:nvPr/>
+        </p:nvCxnSpPr>
+        <p:spPr>
+          <a:xfrm flipV="1">
+            <a:off x="4023416" y="943423"/>
+            <a:ext cx="1752959" cy="11701"/>
+          </a:xfrm>
+          <a:prstGeom prst="straightConnector1">
+            <a:avLst/>
+          </a:prstGeom>
+          <a:ln w="9525" cap="flat" cmpd="sng" algn="ctr">
+            <a:solidFill>
+              <a:schemeClr val="accent5"/>
+            </a:solidFill>
+            <a:prstDash val="dash"/>
+            <a:round/>
+            <a:headEnd type="none" w="med" len="med"/>
+            <a:tailEnd type="none" w="med" len="med"/>
+          </a:ln>
+        </p:spPr>
+        <p:style>
+          <a:lnRef idx="0">
+            <a:scrgbClr r="0" g="0" b="0"/>
+          </a:lnRef>
+          <a:fillRef idx="0">
+            <a:scrgbClr r="0" g="0" b="0"/>
+          </a:fillRef>
+          <a:effectRef idx="0">
+            <a:scrgbClr r="0" g="0" b="0"/>
+          </a:effectRef>
+          <a:fontRef idx="minor">
+            <a:schemeClr val="tx1"/>
+          </a:fontRef>
+        </p:style>
+      </p:cxnSp>
+      <p:sp>
+        <p:nvSpPr>
+          <p:cNvPr id="84" name="文本框 83"/>
+          <p:cNvSpPr txBox="1"/>
+          <p:nvPr/>
+        </p:nvSpPr>
+        <p:spPr>
+          <a:xfrm>
+            <a:off x="2806669" y="1503275"/>
+            <a:ext cx="1216747" cy="369332"/>
+          </a:xfrm>
+          <a:prstGeom prst="rect">
+            <a:avLst/>
+          </a:prstGeom>
+          <a:noFill/>
+          <a:ln>
+            <a:noFill/>
+          </a:ln>
+        </p:spPr>
+        <p:txBody>
+          <a:bodyPr wrap="square" rtlCol="0">
+            <a:spAutoFit/>
+          </a:bodyPr>
+          <a:lstStyle/>
+          <a:p>
+            <a:pPr algn="ctr"/>
+            <a:r>
+              <a:rPr lang="en-US" altLang="zh-CN" dirty="0"/>
+              <a:t>IfcObject1</a:t>
+            </a:r>
+            <a:endParaRPr lang="zh-CN" altLang="en-US" dirty="0"/>
+          </a:p>
+        </p:txBody>
+      </p:sp>
+      <p:cxnSp>
+        <p:nvCxnSpPr>
+          <p:cNvPr id="85" name="直接箭头连接符 84"/>
+          <p:cNvCxnSpPr>
+            <a:stCxn id="84" idx="3"/>
+            <a:endCxn id="39" idx="1"/>
+          </p:cNvCxnSpPr>
+          <p:nvPr/>
+        </p:nvCxnSpPr>
+        <p:spPr>
+          <a:xfrm>
+            <a:off x="4023416" y="1687941"/>
+            <a:ext cx="1549878" cy="1799"/>
+          </a:xfrm>
+          <a:prstGeom prst="straightConnector1">
+            <a:avLst/>
+          </a:prstGeom>
+          <a:ln w="9525" cap="flat" cmpd="sng" algn="ctr">
+            <a:solidFill>
+              <a:schemeClr val="accent5"/>
+            </a:solidFill>
+            <a:prstDash val="dash"/>
+            <a:round/>
+            <a:headEnd type="none" w="med" len="med"/>
+            <a:tailEnd type="none" w="med" len="med"/>
+          </a:ln>
+        </p:spPr>
+        <p:style>
+          <a:lnRef idx="0">
+            <a:scrgbClr r="0" g="0" b="0"/>
+          </a:lnRef>
+          <a:fillRef idx="0">
+            <a:scrgbClr r="0" g="0" b="0"/>
+          </a:fillRef>
+          <a:effectRef idx="0">
+            <a:scrgbClr r="0" g="0" b="0"/>
+          </a:effectRef>
+          <a:fontRef idx="minor">
+            <a:schemeClr val="tx1"/>
+          </a:fontRef>
+        </p:style>
+      </p:cxnSp>
+      <p:sp>
+        <p:nvSpPr>
+          <p:cNvPr id="86" name="文本框 85"/>
+          <p:cNvSpPr txBox="1"/>
+          <p:nvPr/>
+        </p:nvSpPr>
+        <p:spPr>
+          <a:xfrm>
+            <a:off x="2795323" y="2303423"/>
+            <a:ext cx="1216747" cy="369332"/>
+          </a:xfrm>
+          <a:prstGeom prst="rect">
+            <a:avLst/>
+          </a:prstGeom>
+          <a:noFill/>
+          <a:ln>
+            <a:noFill/>
+          </a:ln>
+        </p:spPr>
+        <p:txBody>
+          <a:bodyPr wrap="square" rtlCol="0">
+            <a:spAutoFit/>
+          </a:bodyPr>
+          <a:lstStyle/>
+          <a:p>
+            <a:pPr algn="ctr"/>
+            <a:r>
+              <a:rPr lang="en-US" altLang="zh-CN" dirty="0"/>
+              <a:t>IfcObject2</a:t>
+            </a:r>
+            <a:endParaRPr lang="zh-CN" altLang="en-US" dirty="0"/>
+          </a:p>
+        </p:txBody>
+      </p:sp>
+      <p:cxnSp>
+        <p:nvCxnSpPr>
+          <p:cNvPr id="87" name="直接箭头连接符 86"/>
+          <p:cNvCxnSpPr>
+            <a:stCxn id="86" idx="3"/>
+            <a:endCxn id="38" idx="1"/>
+          </p:cNvCxnSpPr>
+          <p:nvPr/>
+        </p:nvCxnSpPr>
+        <p:spPr>
+          <a:xfrm flipV="1">
+            <a:off x="4012070" y="2481137"/>
+            <a:ext cx="1265425" cy="6952"/>
+          </a:xfrm>
+          <a:prstGeom prst="straightConnector1">
+            <a:avLst/>
+          </a:prstGeom>
+          <a:ln w="9525" cap="flat" cmpd="sng" algn="ctr">
+            <a:solidFill>
+              <a:schemeClr val="accent5"/>
+            </a:solidFill>
+            <a:prstDash val="dash"/>
+            <a:round/>
+            <a:headEnd type="none" w="med" len="med"/>
+            <a:tailEnd type="none" w="med" len="med"/>
+          </a:ln>
+        </p:spPr>
+        <p:style>
+          <a:lnRef idx="0">
+            <a:scrgbClr r="0" g="0" b="0"/>
+          </a:lnRef>
+          <a:fillRef idx="0">
+            <a:scrgbClr r="0" g="0" b="0"/>
+          </a:fillRef>
+          <a:effectRef idx="0">
+            <a:scrgbClr r="0" g="0" b="0"/>
+          </a:effectRef>
+          <a:fontRef idx="minor">
+            <a:schemeClr val="tx1"/>
+          </a:fontRef>
+        </p:style>
+      </p:cxnSp>
+      <p:sp>
+        <p:nvSpPr>
+          <p:cNvPr id="89" name="文本框 88"/>
+          <p:cNvSpPr txBox="1"/>
+          <p:nvPr/>
+        </p:nvSpPr>
+        <p:spPr>
+          <a:xfrm>
+            <a:off x="2811381" y="3090187"/>
+            <a:ext cx="1216747" cy="369332"/>
+          </a:xfrm>
+          <a:prstGeom prst="rect">
+            <a:avLst/>
+          </a:prstGeom>
+          <a:noFill/>
+          <a:ln>
+            <a:noFill/>
+          </a:ln>
+        </p:spPr>
+        <p:txBody>
+          <a:bodyPr wrap="square" rtlCol="0">
+            <a:spAutoFit/>
+          </a:bodyPr>
+          <a:lstStyle/>
+          <a:p>
+            <a:pPr algn="ctr"/>
+            <a:r>
+              <a:rPr lang="en-US" altLang="zh-CN" dirty="0"/>
+              <a:t>IfcObject3</a:t>
+            </a:r>
+            <a:endParaRPr lang="zh-CN" altLang="en-US" dirty="0"/>
+          </a:p>
+        </p:txBody>
+      </p:sp>
+      <p:cxnSp>
+        <p:nvCxnSpPr>
+          <p:cNvPr id="90" name="直接箭头连接符 89"/>
+          <p:cNvCxnSpPr>
+            <a:stCxn id="89" idx="3"/>
+            <a:endCxn id="40" idx="1"/>
+          </p:cNvCxnSpPr>
+          <p:nvPr/>
+        </p:nvCxnSpPr>
+        <p:spPr>
+          <a:xfrm flipV="1">
+            <a:off x="4028128" y="3255947"/>
+            <a:ext cx="646712" cy="18906"/>
+          </a:xfrm>
+          <a:prstGeom prst="straightConnector1">
+            <a:avLst/>
+          </a:prstGeom>
+          <a:ln w="9525" cap="flat" cmpd="sng" algn="ctr">
+            <a:solidFill>
+              <a:schemeClr val="accent5"/>
+            </a:solidFill>
+            <a:prstDash val="dash"/>
+            <a:round/>
+            <a:headEnd type="none" w="med" len="med"/>
+            <a:tailEnd type="none" w="med" len="med"/>
+          </a:ln>
+        </p:spPr>
+        <p:style>
+          <a:lnRef idx="0">
+            <a:scrgbClr r="0" g="0" b="0"/>
+          </a:lnRef>
+          <a:fillRef idx="0">
+            <a:scrgbClr r="0" g="0" b="0"/>
+          </a:fillRef>
+          <a:effectRef idx="0">
+            <a:scrgbClr r="0" g="0" b="0"/>
+          </a:effectRef>
+          <a:fontRef idx="minor">
+            <a:schemeClr val="tx1"/>
+          </a:fontRef>
+        </p:style>
+      </p:cxnSp>
+      <p:sp>
+        <p:nvSpPr>
+          <p:cNvPr id="91" name="文本框 90"/>
+          <p:cNvSpPr txBox="1"/>
+          <p:nvPr/>
+        </p:nvSpPr>
+        <p:spPr>
+          <a:xfrm>
+            <a:off x="2795324" y="3839139"/>
+            <a:ext cx="1216747" cy="369332"/>
+          </a:xfrm>
+          <a:prstGeom prst="rect">
+            <a:avLst/>
+          </a:prstGeom>
+          <a:noFill/>
+          <a:ln>
+            <a:noFill/>
+          </a:ln>
+        </p:spPr>
+        <p:txBody>
+          <a:bodyPr wrap="square" rtlCol="0">
+            <a:spAutoFit/>
+          </a:bodyPr>
+          <a:lstStyle/>
+          <a:p>
+            <a:pPr algn="ctr"/>
+            <a:r>
+              <a:rPr lang="en-US" altLang="zh-CN" dirty="0"/>
+              <a:t>IfcObject4</a:t>
+            </a:r>
+            <a:endParaRPr lang="zh-CN" altLang="en-US" dirty="0"/>
+          </a:p>
+        </p:txBody>
+      </p:sp>
+      <p:cxnSp>
+        <p:nvCxnSpPr>
+          <p:cNvPr id="92" name="直接箭头连接符 91"/>
+          <p:cNvCxnSpPr>
+            <a:stCxn id="91" idx="3"/>
+            <a:endCxn id="59" idx="1"/>
+          </p:cNvCxnSpPr>
+          <p:nvPr/>
+        </p:nvCxnSpPr>
+        <p:spPr>
+          <a:xfrm>
+            <a:off x="4012071" y="4023805"/>
+            <a:ext cx="363986" cy="0"/>
+          </a:xfrm>
+          <a:prstGeom prst="straightConnector1">
+            <a:avLst/>
+          </a:prstGeom>
+          <a:ln w="9525" cap="flat" cmpd="sng" algn="ctr">
+            <a:solidFill>
+              <a:schemeClr val="accent5"/>
+            </a:solidFill>
+            <a:prstDash val="dash"/>
+            <a:round/>
+            <a:headEnd type="none" w="med" len="med"/>
+            <a:tailEnd type="none" w="med" len="med"/>
+          </a:ln>
+        </p:spPr>
+        <p:style>
+          <a:lnRef idx="0">
+            <a:scrgbClr r="0" g="0" b="0"/>
+          </a:lnRef>
+          <a:fillRef idx="0">
+            <a:scrgbClr r="0" g="0" b="0"/>
+          </a:fillRef>
+          <a:effectRef idx="0">
+            <a:scrgbClr r="0" g="0" b="0"/>
+          </a:effectRef>
+          <a:fontRef idx="minor">
+            <a:schemeClr val="tx1"/>
+          </a:fontRef>
+        </p:style>
+      </p:cxnSp>
+    </p:spTree>
+    <p:extLst>
+      <p:ext uri="{BB962C8B-B14F-4D97-AF65-F5344CB8AC3E}">
+        <p14:creationId xmlns:p14="http://schemas.microsoft.com/office/powerpoint/2010/main" val="1199605115"/>
       </p:ext>
     </p:extLst>
   </p:cSld>
@@ -16577,8 +18044,8 @@
           </a:fontRef>
         </p:style>
       </p:cxnSp>
-      <mc:AlternateContent xmlns:mc="http://schemas.openxmlformats.org/markup-compatibility/2006">
-        <mc:Choice xmlns:a14="http://schemas.microsoft.com/office/drawing/2010/main" Requires="a14">
+      <mc:AlternateContent xmlns:mc="http://schemas.openxmlformats.org/markup-compatibility/2006" xmlns:a14="http://schemas.microsoft.com/office/drawing/2010/main">
+        <mc:Choice Requires="a14">
           <p:sp>
             <p:nvSpPr>
               <p:cNvPr id="40" name="文本框 39"/>
@@ -16616,18 +18083,24 @@
                       <m:sSub>
                         <m:sSubPr>
                           <m:ctrlPr>
-                            <a:rPr lang="zh-CN" altLang="zh-CN" i="1"/>
+                            <a:rPr lang="zh-CN" altLang="zh-CN" i="1">
+                              <a:latin typeface="Cambria Math" panose="02040503050406030204" pitchFamily="18" charset="0"/>
+                            </a:rPr>
                           </m:ctrlPr>
                         </m:sSubPr>
                         <m:e>
                           <m:r>
-                            <a:rPr lang="en-US" altLang="zh-CN" i="1"/>
+                            <a:rPr lang="en-US" altLang="zh-CN" i="1">
+                              <a:latin typeface="Cambria Math" panose="02040503050406030204" pitchFamily="18" charset="0"/>
+                            </a:rPr>
                             <m:t>𝑥</m:t>
                           </m:r>
                         </m:e>
                         <m:sub>
                           <m:r>
-                            <a:rPr lang="en-US" altLang="zh-CN" i="1"/>
+                            <a:rPr lang="en-US" altLang="zh-CN" i="1">
+                              <a:latin typeface="Cambria Math" panose="02040503050406030204" pitchFamily="18" charset="0"/>
+                            </a:rPr>
                             <m:t>1</m:t>
                           </m:r>
                         </m:sub>
@@ -16640,7 +18113,7 @@
             </p:txBody>
           </p:sp>
         </mc:Choice>
-        <mc:Fallback>
+        <mc:Fallback xmlns="">
           <p:sp>
             <p:nvSpPr>
               <p:cNvPr id="40" name="文本框 39"/>
@@ -16792,8 +18265,8 @@
           </a:fontRef>
         </p:style>
       </p:cxnSp>
-      <mc:AlternateContent xmlns:mc="http://schemas.openxmlformats.org/markup-compatibility/2006">
-        <mc:Choice xmlns:a14="http://schemas.microsoft.com/office/drawing/2010/main" Requires="a14">
+      <mc:AlternateContent xmlns:mc="http://schemas.openxmlformats.org/markup-compatibility/2006" xmlns:a14="http://schemas.microsoft.com/office/drawing/2010/main">
+        <mc:Choice Requires="a14">
           <p:sp>
             <p:nvSpPr>
               <p:cNvPr id="50" name="文本框 49"/>
@@ -16831,12 +18304,16 @@
                       <m:sSub>
                         <m:sSubPr>
                           <m:ctrlPr>
-                            <a:rPr lang="zh-CN" altLang="zh-CN" i="1" smtClean="0"/>
+                            <a:rPr lang="zh-CN" altLang="zh-CN" i="1" smtClean="0">
+                              <a:latin typeface="Cambria Math" panose="02040503050406030204" pitchFamily="18" charset="0"/>
+                            </a:rPr>
                           </m:ctrlPr>
                         </m:sSubPr>
                         <m:e>
                           <m:r>
-                            <a:rPr lang="en-US" altLang="zh-CN" i="1"/>
+                            <a:rPr lang="en-US" altLang="zh-CN" i="1">
+                              <a:latin typeface="Cambria Math" panose="02040503050406030204" pitchFamily="18" charset="0"/>
+                            </a:rPr>
                             <m:t>𝑥</m:t>
                           </m:r>
                         </m:e>
@@ -16857,7 +18334,7 @@
             </p:txBody>
           </p:sp>
         </mc:Choice>
-        <mc:Fallback>
+        <mc:Fallback xmlns="">
           <p:sp>
             <p:nvSpPr>
               <p:cNvPr id="50" name="文本框 49"/>

--- a/毕业论文资料/毕业论文图.pptx
+++ b/毕业论文资料/毕业论文图.pptx
@@ -31,6 +31,10 @@
     <p:sldId id="280" r:id="rId25"/>
     <p:sldId id="281" r:id="rId26"/>
     <p:sldId id="282" r:id="rId27"/>
+    <p:sldId id="283" r:id="rId28"/>
+    <p:sldId id="284" r:id="rId29"/>
+    <p:sldId id="285" r:id="rId30"/>
+    <p:sldId id="286" r:id="rId31"/>
   </p:sldIdLst>
   <p:sldSz cx="12192000" cy="6858000"/>
   <p:notesSz cx="6858000" cy="9144000"/>
@@ -270,7 +274,7 @@
           <a:p>
             <a:fld id="{ACE92014-3EEA-4007-B1F6-A2EC48BFC768}" type="datetimeFigureOut">
               <a:rPr lang="zh-CN" altLang="en-US" smtClean="0"/>
-              <a:t>2017/10/7</a:t>
+              <a:t>2017/10/8</a:t>
             </a:fld>
             <a:endParaRPr lang="zh-CN" altLang="en-US"/>
           </a:p>
@@ -438,7 +442,7 @@
           <a:p>
             <a:fld id="{ACE92014-3EEA-4007-B1F6-A2EC48BFC768}" type="datetimeFigureOut">
               <a:rPr lang="zh-CN" altLang="en-US" smtClean="0"/>
-              <a:t>2017/10/7</a:t>
+              <a:t>2017/10/8</a:t>
             </a:fld>
             <a:endParaRPr lang="zh-CN" altLang="en-US"/>
           </a:p>
@@ -616,7 +620,7 @@
           <a:p>
             <a:fld id="{ACE92014-3EEA-4007-B1F6-A2EC48BFC768}" type="datetimeFigureOut">
               <a:rPr lang="zh-CN" altLang="en-US" smtClean="0"/>
-              <a:t>2017/10/7</a:t>
+              <a:t>2017/10/8</a:t>
             </a:fld>
             <a:endParaRPr lang="zh-CN" altLang="en-US"/>
           </a:p>
@@ -784,7 +788,7 @@
           <a:p>
             <a:fld id="{ACE92014-3EEA-4007-B1F6-A2EC48BFC768}" type="datetimeFigureOut">
               <a:rPr lang="zh-CN" altLang="en-US" smtClean="0"/>
-              <a:t>2017/10/7</a:t>
+              <a:t>2017/10/8</a:t>
             </a:fld>
             <a:endParaRPr lang="zh-CN" altLang="en-US"/>
           </a:p>
@@ -1029,7 +1033,7 @@
           <a:p>
             <a:fld id="{ACE92014-3EEA-4007-B1F6-A2EC48BFC768}" type="datetimeFigureOut">
               <a:rPr lang="zh-CN" altLang="en-US" smtClean="0"/>
-              <a:t>2017/10/7</a:t>
+              <a:t>2017/10/8</a:t>
             </a:fld>
             <a:endParaRPr lang="zh-CN" altLang="en-US"/>
           </a:p>
@@ -1258,7 +1262,7 @@
           <a:p>
             <a:fld id="{ACE92014-3EEA-4007-B1F6-A2EC48BFC768}" type="datetimeFigureOut">
               <a:rPr lang="zh-CN" altLang="en-US" smtClean="0"/>
-              <a:t>2017/10/7</a:t>
+              <a:t>2017/10/8</a:t>
             </a:fld>
             <a:endParaRPr lang="zh-CN" altLang="en-US"/>
           </a:p>
@@ -1622,7 +1626,7 @@
           <a:p>
             <a:fld id="{ACE92014-3EEA-4007-B1F6-A2EC48BFC768}" type="datetimeFigureOut">
               <a:rPr lang="zh-CN" altLang="en-US" smtClean="0"/>
-              <a:t>2017/10/7</a:t>
+              <a:t>2017/10/8</a:t>
             </a:fld>
             <a:endParaRPr lang="zh-CN" altLang="en-US"/>
           </a:p>
@@ -1739,7 +1743,7 @@
           <a:p>
             <a:fld id="{ACE92014-3EEA-4007-B1F6-A2EC48BFC768}" type="datetimeFigureOut">
               <a:rPr lang="zh-CN" altLang="en-US" smtClean="0"/>
-              <a:t>2017/10/7</a:t>
+              <a:t>2017/10/8</a:t>
             </a:fld>
             <a:endParaRPr lang="zh-CN" altLang="en-US"/>
           </a:p>
@@ -1834,7 +1838,7 @@
           <a:p>
             <a:fld id="{ACE92014-3EEA-4007-B1F6-A2EC48BFC768}" type="datetimeFigureOut">
               <a:rPr lang="zh-CN" altLang="en-US" smtClean="0"/>
-              <a:t>2017/10/7</a:t>
+              <a:t>2017/10/8</a:t>
             </a:fld>
             <a:endParaRPr lang="zh-CN" altLang="en-US"/>
           </a:p>
@@ -2109,7 +2113,7 @@
           <a:p>
             <a:fld id="{ACE92014-3EEA-4007-B1F6-A2EC48BFC768}" type="datetimeFigureOut">
               <a:rPr lang="zh-CN" altLang="en-US" smtClean="0"/>
-              <a:t>2017/10/7</a:t>
+              <a:t>2017/10/8</a:t>
             </a:fld>
             <a:endParaRPr lang="zh-CN" altLang="en-US"/>
           </a:p>
@@ -2361,7 +2365,7 @@
           <a:p>
             <a:fld id="{ACE92014-3EEA-4007-B1F6-A2EC48BFC768}" type="datetimeFigureOut">
               <a:rPr lang="zh-CN" altLang="en-US" smtClean="0"/>
-              <a:t>2017/10/7</a:t>
+              <a:t>2017/10/8</a:t>
             </a:fld>
             <a:endParaRPr lang="zh-CN" altLang="en-US"/>
           </a:p>
@@ -2572,7 +2576,7 @@
           <a:p>
             <a:fld id="{ACE92014-3EEA-4007-B1F6-A2EC48BFC768}" type="datetimeFigureOut">
               <a:rPr lang="zh-CN" altLang="en-US" smtClean="0"/>
-              <a:t>2017/10/7</a:t>
+              <a:t>2017/10/8</a:t>
             </a:fld>
             <a:endParaRPr lang="zh-CN" altLang="en-US"/>
           </a:p>
@@ -8921,8 +8925,8 @@
         </p:nvSpPr>
         <p:spPr>
           <a:xfrm>
-            <a:off x="3920836" y="360218"/>
-            <a:ext cx="3588328" cy="369332"/>
+            <a:off x="5103960" y="393848"/>
+            <a:ext cx="2405203" cy="253916"/>
           </a:xfrm>
           <a:prstGeom prst="rect">
             <a:avLst/>
@@ -8942,10 +8946,16 @@
           <a:p>
             <a:pPr algn="ctr"/>
             <a:r>
-              <a:rPr lang="en-US" altLang="zh-CN" dirty="0" err="1"/>
+              <a:rPr lang="en-US" altLang="zh-CN" sz="1050" dirty="0" err="1">
+                <a:latin typeface="宋体" panose="02010600030101010101" pitchFamily="2" charset="-122"/>
+                <a:ea typeface="宋体" panose="02010600030101010101" pitchFamily="2" charset="-122"/>
+              </a:rPr>
               <a:t>IfcRelDefinesByProperties</a:t>
             </a:r>
-            <a:endParaRPr lang="zh-CN" altLang="en-US" dirty="0"/>
+            <a:endParaRPr lang="zh-CN" altLang="en-US" sz="1050" dirty="0">
+              <a:latin typeface="宋体" panose="02010600030101010101" pitchFamily="2" charset="-122"/>
+              <a:ea typeface="宋体" panose="02010600030101010101" pitchFamily="2" charset="-122"/>
+            </a:endParaRPr>
           </a:p>
         </p:txBody>
       </p:sp>
@@ -8957,7 +8967,7 @@
         </p:nvCxnSpPr>
         <p:spPr>
           <a:xfrm flipH="1">
-            <a:off x="3048000" y="520210"/>
+            <a:off x="4210456" y="523993"/>
             <a:ext cx="872835" cy="1"/>
           </a:xfrm>
           <a:prstGeom prst="line">
@@ -8992,8 +9002,8 @@
         </p:nvSpPr>
         <p:spPr>
           <a:xfrm>
-            <a:off x="1752562" y="1901708"/>
-            <a:ext cx="2604655" cy="369332"/>
+            <a:off x="3361370" y="1897001"/>
+            <a:ext cx="1698171" cy="253916"/>
           </a:xfrm>
           <a:prstGeom prst="rect">
             <a:avLst/>
@@ -9013,10 +9023,16 @@
           <a:p>
             <a:pPr algn="ctr"/>
             <a:r>
-              <a:rPr lang="en-US" altLang="zh-CN" dirty="0" err="1"/>
+              <a:rPr lang="en-US" altLang="zh-CN" sz="1050" dirty="0" err="1">
+                <a:latin typeface="宋体" panose="02010600030101010101" pitchFamily="2" charset="-122"/>
+                <a:ea typeface="宋体" panose="02010600030101010101" pitchFamily="2" charset="-122"/>
+              </a:rPr>
               <a:t>IfcObject</a:t>
             </a:r>
-            <a:endParaRPr lang="zh-CN" altLang="en-US" dirty="0"/>
+            <a:endParaRPr lang="zh-CN" altLang="en-US" sz="1050" dirty="0">
+              <a:latin typeface="宋体" panose="02010600030101010101" pitchFamily="2" charset="-122"/>
+              <a:ea typeface="宋体" panose="02010600030101010101" pitchFamily="2" charset="-122"/>
+            </a:endParaRPr>
           </a:p>
         </p:txBody>
       </p:sp>
@@ -9028,8 +9044,8 @@
         </p:nvSpPr>
         <p:spPr>
           <a:xfrm>
-            <a:off x="7157867" y="1901708"/>
-            <a:ext cx="2854036" cy="369332"/>
+            <a:off x="7365778" y="1864134"/>
+            <a:ext cx="1961408" cy="253916"/>
           </a:xfrm>
           <a:prstGeom prst="rect">
             <a:avLst/>
@@ -9049,10 +9065,16 @@
           <a:p>
             <a:pPr algn="ctr"/>
             <a:r>
-              <a:rPr lang="en-US" altLang="zh-CN" dirty="0"/>
+              <a:rPr lang="en-US" altLang="zh-CN" sz="1050" dirty="0">
+                <a:latin typeface="宋体" panose="02010600030101010101" pitchFamily="2" charset="-122"/>
+                <a:ea typeface="宋体" panose="02010600030101010101" pitchFamily="2" charset="-122"/>
+              </a:rPr>
               <a:t>IfcPropertySetDefinition</a:t>
             </a:r>
-            <a:endParaRPr lang="zh-CN" altLang="en-US" dirty="0"/>
+            <a:endParaRPr lang="zh-CN" altLang="en-US" sz="1050" dirty="0">
+              <a:latin typeface="宋体" panose="02010600030101010101" pitchFamily="2" charset="-122"/>
+              <a:ea typeface="宋体" panose="02010600030101010101" pitchFamily="2" charset="-122"/>
+            </a:endParaRPr>
           </a:p>
         </p:txBody>
       </p:sp>
@@ -9066,8 +9088,8 @@
         </p:nvCxnSpPr>
         <p:spPr>
           <a:xfrm flipH="1">
-            <a:off x="3054890" y="520211"/>
-            <a:ext cx="2947" cy="481255"/>
+            <a:off x="4217346" y="523994"/>
+            <a:ext cx="2948" cy="481255"/>
           </a:xfrm>
           <a:prstGeom prst="line">
             <a:avLst/>
@@ -9096,13 +9118,16 @@
       <p:cxnSp>
         <p:nvCxnSpPr>
           <p:cNvPr id="16" name="直接连接符 15"/>
-          <p:cNvCxnSpPr/>
+          <p:cNvCxnSpPr>
+            <a:cxnSpLocks/>
+            <a:endCxn id="5" idx="3"/>
+          </p:cNvCxnSpPr>
           <p:nvPr/>
         </p:nvCxnSpPr>
         <p:spPr>
-          <a:xfrm flipH="1">
-            <a:off x="7509164" y="552470"/>
-            <a:ext cx="958616" cy="0"/>
+          <a:xfrm flipH="1" flipV="1">
+            <a:off x="7509163" y="520806"/>
+            <a:ext cx="837320" cy="3188"/>
           </a:xfrm>
           <a:prstGeom prst="line">
             <a:avLst/>
@@ -9131,12 +9156,14 @@
       <p:cxnSp>
         <p:nvCxnSpPr>
           <p:cNvPr id="17" name="直接连接符 16"/>
-          <p:cNvCxnSpPr/>
+          <p:cNvCxnSpPr>
+            <a:cxnSpLocks/>
+          </p:cNvCxnSpPr>
           <p:nvPr/>
         </p:nvCxnSpPr>
         <p:spPr>
           <a:xfrm>
-            <a:off x="8467780" y="552470"/>
+            <a:off x="8346482" y="523993"/>
             <a:ext cx="0" cy="481256"/>
           </a:xfrm>
           <a:prstGeom prst="line">
@@ -9171,7 +9198,7 @@
         </p:nvSpPr>
         <p:spPr>
           <a:xfrm>
-            <a:off x="8395780" y="1746577"/>
+            <a:off x="8274482" y="1718100"/>
             <a:ext cx="144000" cy="144000"/>
           </a:xfrm>
           <a:prstGeom prst="ellipse">
@@ -9205,7 +9232,10 @@
           <a:lstStyle/>
           <a:p>
             <a:pPr algn="ctr"/>
-            <a:endParaRPr lang="zh-CN" altLang="en-US"/>
+            <a:endParaRPr lang="zh-CN" altLang="en-US" sz="1050">
+              <a:latin typeface="宋体" panose="02010600030101010101" pitchFamily="2" charset="-122"/>
+              <a:ea typeface="宋体" panose="02010600030101010101" pitchFamily="2" charset="-122"/>
+            </a:endParaRPr>
           </a:p>
         </p:txBody>
       </p:sp>
@@ -9217,7 +9247,7 @@
         </p:nvSpPr>
         <p:spPr>
           <a:xfrm>
-            <a:off x="2982890" y="1757697"/>
+            <a:off x="4145346" y="1761480"/>
             <a:ext cx="144000" cy="144000"/>
           </a:xfrm>
           <a:prstGeom prst="ellipse">
@@ -9251,7 +9281,10 @@
           <a:lstStyle/>
           <a:p>
             <a:pPr algn="ctr"/>
-            <a:endParaRPr lang="zh-CN" altLang="en-US"/>
+            <a:endParaRPr lang="zh-CN" altLang="en-US" sz="1050">
+              <a:latin typeface="宋体" panose="02010600030101010101" pitchFamily="2" charset="-122"/>
+              <a:ea typeface="宋体" panose="02010600030101010101" pitchFamily="2" charset="-122"/>
+            </a:endParaRPr>
           </a:p>
         </p:txBody>
       </p:sp>
@@ -9263,7 +9296,7 @@
         </p:nvCxnSpPr>
         <p:spPr>
           <a:xfrm>
-            <a:off x="3054888" y="1379192"/>
+            <a:off x="4217344" y="1382975"/>
             <a:ext cx="1" cy="370111"/>
           </a:xfrm>
           <a:prstGeom prst="line">
@@ -9298,8 +9331,8 @@
         </p:nvSpPr>
         <p:spPr>
           <a:xfrm>
-            <a:off x="1752562" y="1001466"/>
-            <a:ext cx="2604655" cy="369332"/>
+            <a:off x="2915018" y="1005249"/>
+            <a:ext cx="2604655" cy="253916"/>
           </a:xfrm>
           <a:prstGeom prst="rect">
             <a:avLst/>
@@ -9317,22 +9350,30 @@
           <a:p>
             <a:pPr algn="ctr"/>
             <a:r>
-              <a:rPr lang="en-US" altLang="zh-CN" dirty="0"/>
+              <a:rPr lang="en-US" altLang="zh-CN" sz="1050" dirty="0">
+                <a:latin typeface="宋体" panose="02010600030101010101" pitchFamily="2" charset="-122"/>
+                <a:ea typeface="宋体" panose="02010600030101010101" pitchFamily="2" charset="-122"/>
+              </a:rPr>
               <a:t>RelatedObjects S[1:?]</a:t>
             </a:r>
-            <a:endParaRPr lang="zh-CN" altLang="en-US" dirty="0"/>
+            <a:endParaRPr lang="zh-CN" altLang="en-US" sz="1050" dirty="0">
+              <a:latin typeface="宋体" panose="02010600030101010101" pitchFamily="2" charset="-122"/>
+              <a:ea typeface="宋体" panose="02010600030101010101" pitchFamily="2" charset="-122"/>
+            </a:endParaRPr>
           </a:p>
         </p:txBody>
       </p:sp>
       <p:cxnSp>
         <p:nvCxnSpPr>
           <p:cNvPr id="55" name="直接连接符 54"/>
-          <p:cNvCxnSpPr/>
+          <p:cNvCxnSpPr>
+            <a:cxnSpLocks/>
+          </p:cNvCxnSpPr>
           <p:nvPr/>
         </p:nvCxnSpPr>
         <p:spPr>
           <a:xfrm>
-            <a:off x="8467780" y="1403058"/>
+            <a:off x="8346482" y="1374581"/>
             <a:ext cx="0" cy="343519"/>
           </a:xfrm>
           <a:prstGeom prst="line">
@@ -9367,8 +9408,8 @@
         </p:nvSpPr>
         <p:spPr>
           <a:xfrm>
-            <a:off x="7093452" y="1020820"/>
-            <a:ext cx="2784839" cy="369332"/>
+            <a:off x="6972154" y="992343"/>
+            <a:ext cx="2784839" cy="253916"/>
           </a:xfrm>
           <a:prstGeom prst="rect">
             <a:avLst/>
@@ -9386,10 +9427,16 @@
           <a:p>
             <a:pPr algn="ctr"/>
             <a:r>
-              <a:rPr lang="en-US" altLang="zh-CN" dirty="0"/>
-              <a:t>RelatingPropertyDefnition</a:t>
-            </a:r>
-            <a:endParaRPr lang="zh-CN" altLang="en-US" dirty="0"/>
+              <a:rPr lang="en-US" altLang="zh-CN" sz="1050" dirty="0" err="1">
+                <a:latin typeface="宋体" panose="02010600030101010101" pitchFamily="2" charset="-122"/>
+                <a:ea typeface="宋体" panose="02010600030101010101" pitchFamily="2" charset="-122"/>
+              </a:rPr>
+              <a:t>RelatingPropertyDefinition</a:t>
+            </a:r>
+            <a:endParaRPr lang="zh-CN" altLang="en-US" sz="1050" dirty="0">
+              <a:latin typeface="宋体" panose="02010600030101010101" pitchFamily="2" charset="-122"/>
+              <a:ea typeface="宋体" panose="02010600030101010101" pitchFamily="2" charset="-122"/>
+            </a:endParaRPr>
           </a:p>
         </p:txBody>
       </p:sp>
@@ -26852,8 +26899,8 @@
         </p:nvSpPr>
         <p:spPr>
           <a:xfrm>
-            <a:off x="8005392" y="3322941"/>
-            <a:ext cx="1525107" cy="992330"/>
+            <a:off x="8010880" y="3133567"/>
+            <a:ext cx="1338393" cy="1371078"/>
           </a:xfrm>
           <a:prstGeom prst="roundRect">
             <a:avLst/>
@@ -26909,8 +26956,28 @@
                 <a:latin typeface="宋体" panose="02010600030101010101" pitchFamily="2" charset="-122"/>
                 <a:ea typeface="宋体" panose="02010600030101010101" pitchFamily="2" charset="-122"/>
               </a:rPr>
-              <a:t>的</a:t>
-            </a:r>
+              <a:t>图数据模型</a:t>
+            </a:r>
+            <a:endParaRPr lang="en-US" altLang="zh-CN" sz="1050" dirty="0">
+              <a:solidFill>
+                <a:schemeClr val="tx1"/>
+              </a:solidFill>
+              <a:latin typeface="宋体" panose="02010600030101010101" pitchFamily="2" charset="-122"/>
+              <a:ea typeface="宋体" panose="02010600030101010101" pitchFamily="2" charset="-122"/>
+            </a:endParaRPr>
+          </a:p>
+          <a:p>
+            <a:pPr algn="ctr"/>
+            <a:endParaRPr lang="en-US" altLang="zh-CN" sz="1050" dirty="0">
+              <a:solidFill>
+                <a:schemeClr val="tx1"/>
+              </a:solidFill>
+              <a:latin typeface="宋体" panose="02010600030101010101" pitchFamily="2" charset="-122"/>
+              <a:ea typeface="宋体" panose="02010600030101010101" pitchFamily="2" charset="-122"/>
+            </a:endParaRPr>
+          </a:p>
+          <a:p>
+            <a:pPr algn="ctr"/>
             <a:r>
               <a:rPr lang="en-US" altLang="zh-CN" sz="1050" dirty="0">
                 <a:solidFill>
@@ -26921,16 +26988,9 @@
               </a:rPr>
               <a:t>Node</a:t>
             </a:r>
-            <a:r>
-              <a:rPr lang="zh-CN" altLang="en-US" sz="1050" dirty="0">
-                <a:solidFill>
-                  <a:schemeClr val="tx1"/>
-                </a:solidFill>
-                <a:latin typeface="宋体" panose="02010600030101010101" pitchFamily="2" charset="-122"/>
-                <a:ea typeface="宋体" panose="02010600030101010101" pitchFamily="2" charset="-122"/>
-              </a:rPr>
-              <a:t>数据、</a:t>
-            </a:r>
+          </a:p>
+          <a:p>
+            <a:pPr algn="ctr"/>
             <a:r>
               <a:rPr lang="en-US" altLang="zh-CN" sz="1050" dirty="0">
                 <a:solidFill>
@@ -26941,23 +27001,6 @@
               </a:rPr>
               <a:t>Relationship</a:t>
             </a:r>
-            <a:r>
-              <a:rPr lang="zh-CN" altLang="en-US" sz="1050" dirty="0">
-                <a:solidFill>
-                  <a:schemeClr val="tx1"/>
-                </a:solidFill>
-                <a:latin typeface="宋体" panose="02010600030101010101" pitchFamily="2" charset="-122"/>
-                <a:ea typeface="宋体" panose="02010600030101010101" pitchFamily="2" charset="-122"/>
-              </a:rPr>
-              <a:t>数据</a:t>
-            </a:r>
-            <a:endParaRPr lang="en-US" altLang="zh-CN" sz="1050" dirty="0">
-              <a:solidFill>
-                <a:schemeClr val="tx1"/>
-              </a:solidFill>
-              <a:latin typeface="宋体" panose="02010600030101010101" pitchFamily="2" charset="-122"/>
-              <a:ea typeface="宋体" panose="02010600030101010101" pitchFamily="2" charset="-122"/>
-            </a:endParaRPr>
           </a:p>
           <a:p>
             <a:pPr algn="ctr"/>
@@ -26971,23 +27014,6 @@
               </a:rPr>
               <a:t>Label</a:t>
             </a:r>
-            <a:r>
-              <a:rPr lang="zh-CN" altLang="en-US" sz="1050" dirty="0">
-                <a:solidFill>
-                  <a:schemeClr val="tx1"/>
-                </a:solidFill>
-                <a:latin typeface="宋体" panose="02010600030101010101" pitchFamily="2" charset="-122"/>
-                <a:ea typeface="宋体" panose="02010600030101010101" pitchFamily="2" charset="-122"/>
-              </a:rPr>
-              <a:t>数据、</a:t>
-            </a:r>
-            <a:endParaRPr lang="en-US" altLang="zh-CN" sz="1050" dirty="0">
-              <a:solidFill>
-                <a:schemeClr val="tx1"/>
-              </a:solidFill>
-              <a:latin typeface="宋体" panose="02010600030101010101" pitchFamily="2" charset="-122"/>
-              <a:ea typeface="宋体" panose="02010600030101010101" pitchFamily="2" charset="-122"/>
-            </a:endParaRPr>
           </a:p>
           <a:p>
             <a:pPr algn="ctr"/>
@@ -27001,23 +27027,19 @@
               </a:rPr>
               <a:t>Property</a:t>
             </a:r>
-            <a:r>
-              <a:rPr lang="zh-CN" altLang="en-US" sz="1050" dirty="0">
+          </a:p>
+          <a:p>
+            <a:pPr algn="ctr"/>
+            <a:r>
+              <a:rPr lang="en-US" altLang="zh-CN" sz="1050" dirty="0">
                 <a:solidFill>
                   <a:schemeClr val="tx1"/>
                 </a:solidFill>
                 <a:latin typeface="宋体" panose="02010600030101010101" pitchFamily="2" charset="-122"/>
                 <a:ea typeface="宋体" panose="02010600030101010101" pitchFamily="2" charset="-122"/>
               </a:rPr>
-              <a:t>数据等</a:t>
-            </a:r>
-            <a:endParaRPr lang="en-US" altLang="zh-CN" sz="1050" dirty="0">
-              <a:solidFill>
-                <a:schemeClr val="tx1"/>
-              </a:solidFill>
-              <a:latin typeface="宋体" panose="02010600030101010101" pitchFamily="2" charset="-122"/>
-              <a:ea typeface="宋体" panose="02010600030101010101" pitchFamily="2" charset="-122"/>
-            </a:endParaRPr>
+              <a:t>…</a:t>
+            </a:r>
           </a:p>
         </p:txBody>
       </p:sp>
@@ -27053,6 +27075,1087 @@
       </p:grpSpPr>
       <p:sp>
         <p:nvSpPr>
+          <p:cNvPr id="92" name="矩形 91">
+            <a:extLst>
+              <a:ext uri="{FF2B5EF4-FFF2-40B4-BE49-F238E27FC236}">
+                <a16:creationId xmlns:a16="http://schemas.microsoft.com/office/drawing/2014/main" id="{7671B1A6-D652-4978-B737-7930EFA848BE}"/>
+              </a:ext>
+            </a:extLst>
+          </p:cNvPr>
+          <p:cNvSpPr/>
+          <p:nvPr/>
+        </p:nvSpPr>
+        <p:spPr>
+          <a:xfrm>
+            <a:off x="5822302" y="3011197"/>
+            <a:ext cx="3237723" cy="2232601"/>
+          </a:xfrm>
+          <a:prstGeom prst="rect">
+            <a:avLst/>
+          </a:prstGeom>
+          <a:solidFill>
+            <a:schemeClr val="bg1"/>
+          </a:solidFill>
+          <a:ln>
+            <a:solidFill>
+              <a:schemeClr val="tx1"/>
+            </a:solidFill>
+          </a:ln>
+        </p:spPr>
+        <p:style>
+          <a:lnRef idx="2">
+            <a:schemeClr val="accent1">
+              <a:shade val="50000"/>
+            </a:schemeClr>
+          </a:lnRef>
+          <a:fillRef idx="1">
+            <a:schemeClr val="accent1"/>
+          </a:fillRef>
+          <a:effectRef idx="0">
+            <a:schemeClr val="accent1"/>
+          </a:effectRef>
+          <a:fontRef idx="minor">
+            <a:schemeClr val="lt1"/>
+          </a:fontRef>
+        </p:style>
+        <p:txBody>
+          <a:bodyPr rtlCol="0" anchor="ctr"/>
+          <a:lstStyle/>
+          <a:p>
+            <a:pPr algn="ctr"/>
+            <a:endParaRPr lang="zh-CN" altLang="en-US" sz="1050" dirty="0">
+              <a:solidFill>
+                <a:schemeClr val="tx1"/>
+              </a:solidFill>
+              <a:latin typeface="宋体" panose="02010600030101010101" pitchFamily="2" charset="-122"/>
+              <a:ea typeface="宋体" panose="02010600030101010101" pitchFamily="2" charset="-122"/>
+            </a:endParaRPr>
+          </a:p>
+        </p:txBody>
+      </p:sp>
+      <p:sp>
+        <p:nvSpPr>
+          <p:cNvPr id="93" name="文本框 92">
+            <a:extLst>
+              <a:ext uri="{FF2B5EF4-FFF2-40B4-BE49-F238E27FC236}">
+                <a16:creationId xmlns:a16="http://schemas.microsoft.com/office/drawing/2014/main" id="{7133587F-C3C2-4745-A73F-A9DB29B74864}"/>
+              </a:ext>
+            </a:extLst>
+          </p:cNvPr>
+          <p:cNvSpPr txBox="1"/>
+          <p:nvPr/>
+        </p:nvSpPr>
+        <p:spPr>
+          <a:xfrm>
+            <a:off x="6708461" y="3059605"/>
+            <a:ext cx="1385710" cy="253916"/>
+          </a:xfrm>
+          <a:prstGeom prst="rect">
+            <a:avLst/>
+          </a:prstGeom>
+          <a:noFill/>
+        </p:spPr>
+        <p:txBody>
+          <a:bodyPr wrap="square" rtlCol="0">
+            <a:spAutoFit/>
+          </a:bodyPr>
+          <a:lstStyle/>
+          <a:p>
+            <a:r>
+              <a:rPr lang="en-US" altLang="zh-CN" sz="1050" dirty="0">
+                <a:latin typeface="宋体" panose="02010600030101010101" pitchFamily="2" charset="-122"/>
+                <a:ea typeface="宋体" panose="02010600030101010101" pitchFamily="2" charset="-122"/>
+              </a:rPr>
+              <a:t>ElasticSearch</a:t>
+            </a:r>
+            <a:r>
+              <a:rPr lang="zh-CN" altLang="en-US" sz="1050" dirty="0">
+                <a:latin typeface="宋体" panose="02010600030101010101" pitchFamily="2" charset="-122"/>
+                <a:ea typeface="宋体" panose="02010600030101010101" pitchFamily="2" charset="-122"/>
+              </a:rPr>
+              <a:t>集群</a:t>
+            </a:r>
+          </a:p>
+        </p:txBody>
+      </p:sp>
+      <p:grpSp>
+        <p:nvGrpSpPr>
+          <p:cNvPr id="94" name="组合 93">
+            <a:extLst>
+              <a:ext uri="{FF2B5EF4-FFF2-40B4-BE49-F238E27FC236}">
+                <a16:creationId xmlns:a16="http://schemas.microsoft.com/office/drawing/2014/main" id="{228A957F-6106-49CC-9853-7D3C19F11E2D}"/>
+              </a:ext>
+            </a:extLst>
+          </p:cNvPr>
+          <p:cNvGrpSpPr/>
+          <p:nvPr/>
+        </p:nvGrpSpPr>
+        <p:grpSpPr>
+          <a:xfrm>
+            <a:off x="5953346" y="3516969"/>
+            <a:ext cx="1324987" cy="601366"/>
+            <a:chOff x="5472257" y="3013512"/>
+            <a:chExt cx="1324987" cy="601366"/>
+          </a:xfrm>
+        </p:grpSpPr>
+        <p:sp>
+          <p:nvSpPr>
+            <p:cNvPr id="95" name="流程图: 过程 94">
+              <a:extLst>
+                <a:ext uri="{FF2B5EF4-FFF2-40B4-BE49-F238E27FC236}">
+                  <a16:creationId xmlns:a16="http://schemas.microsoft.com/office/drawing/2014/main" id="{FCC3398A-E0B7-4A17-BEEF-A1A2C1DDBEF7}"/>
+                </a:ext>
+              </a:extLst>
+            </p:cNvPr>
+            <p:cNvSpPr/>
+            <p:nvPr/>
+          </p:nvSpPr>
+          <p:spPr>
+            <a:xfrm>
+              <a:off x="5472257" y="3013512"/>
+              <a:ext cx="1324987" cy="601366"/>
+            </a:xfrm>
+            <a:prstGeom prst="flowChartProcess">
+              <a:avLst/>
+            </a:prstGeom>
+            <a:solidFill>
+              <a:schemeClr val="bg1"/>
+            </a:solidFill>
+            <a:ln>
+              <a:solidFill>
+                <a:schemeClr val="tx1"/>
+              </a:solidFill>
+            </a:ln>
+          </p:spPr>
+          <p:style>
+            <a:lnRef idx="2">
+              <a:schemeClr val="accent1">
+                <a:shade val="50000"/>
+              </a:schemeClr>
+            </a:lnRef>
+            <a:fillRef idx="1">
+              <a:schemeClr val="accent1"/>
+            </a:fillRef>
+            <a:effectRef idx="0">
+              <a:schemeClr val="accent1"/>
+            </a:effectRef>
+            <a:fontRef idx="minor">
+              <a:schemeClr val="lt1"/>
+            </a:fontRef>
+          </p:style>
+          <p:txBody>
+            <a:bodyPr rtlCol="0" anchor="ctr"/>
+            <a:lstStyle/>
+            <a:p>
+              <a:pPr algn="ctr"/>
+              <a:endParaRPr lang="zh-CN" altLang="en-US" sz="1050" dirty="0">
+                <a:solidFill>
+                  <a:schemeClr val="tx1"/>
+                </a:solidFill>
+                <a:latin typeface="宋体" panose="02010600030101010101" pitchFamily="2" charset="-122"/>
+                <a:ea typeface="宋体" panose="02010600030101010101" pitchFamily="2" charset="-122"/>
+              </a:endParaRPr>
+            </a:p>
+          </p:txBody>
+        </p:sp>
+        <p:sp>
+          <p:nvSpPr>
+            <p:cNvPr id="96" name="文本框 95">
+              <a:extLst>
+                <a:ext uri="{FF2B5EF4-FFF2-40B4-BE49-F238E27FC236}">
+                  <a16:creationId xmlns:a16="http://schemas.microsoft.com/office/drawing/2014/main" id="{5187BE54-8C64-43F6-AE61-D31E0EFDD52E}"/>
+                </a:ext>
+              </a:extLst>
+            </p:cNvPr>
+            <p:cNvSpPr txBox="1"/>
+            <p:nvPr/>
+          </p:nvSpPr>
+          <p:spPr>
+            <a:xfrm>
+              <a:off x="5788797" y="3022842"/>
+              <a:ext cx="689842" cy="253916"/>
+            </a:xfrm>
+            <a:prstGeom prst="rect">
+              <a:avLst/>
+            </a:prstGeom>
+            <a:noFill/>
+          </p:spPr>
+          <p:txBody>
+            <a:bodyPr wrap="square" rtlCol="0">
+              <a:spAutoFit/>
+            </a:bodyPr>
+            <a:lstStyle/>
+            <a:p>
+              <a:pPr algn="ctr"/>
+              <a:r>
+                <a:rPr lang="en-US" altLang="zh-CN" sz="1050" dirty="0">
+                  <a:latin typeface="宋体" panose="02010600030101010101" pitchFamily="2" charset="-122"/>
+                  <a:ea typeface="宋体" panose="02010600030101010101" pitchFamily="2" charset="-122"/>
+                </a:rPr>
+                <a:t>Node 1</a:t>
+              </a:r>
+              <a:endParaRPr lang="zh-CN" altLang="en-US" sz="1050" dirty="0">
+                <a:latin typeface="宋体" panose="02010600030101010101" pitchFamily="2" charset="-122"/>
+                <a:ea typeface="宋体" panose="02010600030101010101" pitchFamily="2" charset="-122"/>
+              </a:endParaRPr>
+            </a:p>
+          </p:txBody>
+        </p:sp>
+        <p:sp>
+          <p:nvSpPr>
+            <p:cNvPr id="97" name="文本框 96">
+              <a:extLst>
+                <a:ext uri="{FF2B5EF4-FFF2-40B4-BE49-F238E27FC236}">
+                  <a16:creationId xmlns:a16="http://schemas.microsoft.com/office/drawing/2014/main" id="{C05C1AD0-381F-4208-9F9F-6DD2588CE289}"/>
+                </a:ext>
+              </a:extLst>
+            </p:cNvPr>
+            <p:cNvSpPr txBox="1"/>
+            <p:nvPr/>
+          </p:nvSpPr>
+          <p:spPr>
+            <a:xfrm>
+              <a:off x="5517972" y="3314195"/>
+              <a:ext cx="528008" cy="253916"/>
+            </a:xfrm>
+            <a:prstGeom prst="rect">
+              <a:avLst/>
+            </a:prstGeom>
+            <a:solidFill>
+              <a:schemeClr val="accent5">
+                <a:lumMod val="20000"/>
+                <a:lumOff val="80000"/>
+              </a:schemeClr>
+            </a:solidFill>
+            <a:ln>
+              <a:solidFill>
+                <a:schemeClr val="tx1"/>
+              </a:solidFill>
+            </a:ln>
+          </p:spPr>
+          <p:txBody>
+            <a:bodyPr wrap="square" rtlCol="0">
+              <a:spAutoFit/>
+            </a:bodyPr>
+            <a:lstStyle/>
+            <a:p>
+              <a:pPr algn="ctr"/>
+              <a:r>
+                <a:rPr lang="zh-CN" altLang="en-US" sz="1050" dirty="0">
+                  <a:latin typeface="宋体" panose="02010600030101010101" pitchFamily="2" charset="-122"/>
+                  <a:ea typeface="宋体" panose="02010600030101010101" pitchFamily="2" charset="-122"/>
+                </a:rPr>
+                <a:t>分片</a:t>
+              </a:r>
+              <a:r>
+                <a:rPr lang="en-US" altLang="zh-CN" sz="1050" dirty="0">
+                  <a:latin typeface="宋体" panose="02010600030101010101" pitchFamily="2" charset="-122"/>
+                  <a:ea typeface="宋体" panose="02010600030101010101" pitchFamily="2" charset="-122"/>
+                </a:rPr>
+                <a:t>1</a:t>
+              </a:r>
+              <a:endParaRPr lang="zh-CN" altLang="en-US" sz="1050" dirty="0">
+                <a:latin typeface="宋体" panose="02010600030101010101" pitchFamily="2" charset="-122"/>
+                <a:ea typeface="宋体" panose="02010600030101010101" pitchFamily="2" charset="-122"/>
+              </a:endParaRPr>
+            </a:p>
+          </p:txBody>
+        </p:sp>
+        <p:sp>
+          <p:nvSpPr>
+            <p:cNvPr id="98" name="文本框 97">
+              <a:extLst>
+                <a:ext uri="{FF2B5EF4-FFF2-40B4-BE49-F238E27FC236}">
+                  <a16:creationId xmlns:a16="http://schemas.microsoft.com/office/drawing/2014/main" id="{BDFA66F5-82F2-48F0-BD1C-58AC9633239D}"/>
+                </a:ext>
+              </a:extLst>
+            </p:cNvPr>
+            <p:cNvSpPr txBox="1"/>
+            <p:nvPr/>
+          </p:nvSpPr>
+          <p:spPr>
+            <a:xfrm>
+              <a:off x="6172719" y="3307979"/>
+              <a:ext cx="565348" cy="253916"/>
+            </a:xfrm>
+            <a:prstGeom prst="rect">
+              <a:avLst/>
+            </a:prstGeom>
+            <a:solidFill>
+              <a:schemeClr val="accent5">
+                <a:lumMod val="20000"/>
+                <a:lumOff val="80000"/>
+              </a:schemeClr>
+            </a:solidFill>
+            <a:ln>
+              <a:solidFill>
+                <a:schemeClr val="tx1"/>
+              </a:solidFill>
+            </a:ln>
+          </p:spPr>
+          <p:txBody>
+            <a:bodyPr wrap="square" rtlCol="0">
+              <a:spAutoFit/>
+            </a:bodyPr>
+            <a:lstStyle/>
+            <a:p>
+              <a:pPr algn="ctr"/>
+              <a:r>
+                <a:rPr lang="zh-CN" altLang="en-US" sz="1050" dirty="0">
+                  <a:latin typeface="宋体" panose="02010600030101010101" pitchFamily="2" charset="-122"/>
+                  <a:ea typeface="宋体" panose="02010600030101010101" pitchFamily="2" charset="-122"/>
+                </a:rPr>
+                <a:t>副本</a:t>
+              </a:r>
+              <a:r>
+                <a:rPr lang="en-US" altLang="zh-CN" sz="1050" dirty="0">
+                  <a:latin typeface="宋体" panose="02010600030101010101" pitchFamily="2" charset="-122"/>
+                  <a:ea typeface="宋体" panose="02010600030101010101" pitchFamily="2" charset="-122"/>
+                </a:rPr>
+                <a:t>2</a:t>
+              </a:r>
+              <a:endParaRPr lang="zh-CN" altLang="en-US" sz="1050" dirty="0">
+                <a:latin typeface="宋体" panose="02010600030101010101" pitchFamily="2" charset="-122"/>
+                <a:ea typeface="宋体" panose="02010600030101010101" pitchFamily="2" charset="-122"/>
+              </a:endParaRPr>
+            </a:p>
+          </p:txBody>
+        </p:sp>
+      </p:grpSp>
+      <p:grpSp>
+        <p:nvGrpSpPr>
+          <p:cNvPr id="99" name="组合 98">
+            <a:extLst>
+              <a:ext uri="{FF2B5EF4-FFF2-40B4-BE49-F238E27FC236}">
+                <a16:creationId xmlns:a16="http://schemas.microsoft.com/office/drawing/2014/main" id="{3F12D71D-223D-4E67-B741-E0968E531BBB}"/>
+              </a:ext>
+            </a:extLst>
+          </p:cNvPr>
+          <p:cNvGrpSpPr/>
+          <p:nvPr/>
+        </p:nvGrpSpPr>
+        <p:grpSpPr>
+          <a:xfrm>
+            <a:off x="7612016" y="3530851"/>
+            <a:ext cx="1324987" cy="601366"/>
+            <a:chOff x="5472257" y="3013512"/>
+            <a:chExt cx="1324987" cy="601366"/>
+          </a:xfrm>
+        </p:grpSpPr>
+        <p:sp>
+          <p:nvSpPr>
+            <p:cNvPr id="100" name="流程图: 过程 99">
+              <a:extLst>
+                <a:ext uri="{FF2B5EF4-FFF2-40B4-BE49-F238E27FC236}">
+                  <a16:creationId xmlns:a16="http://schemas.microsoft.com/office/drawing/2014/main" id="{626AA16C-810D-4A5B-A917-5218AB63E650}"/>
+                </a:ext>
+              </a:extLst>
+            </p:cNvPr>
+            <p:cNvSpPr/>
+            <p:nvPr/>
+          </p:nvSpPr>
+          <p:spPr>
+            <a:xfrm>
+              <a:off x="5472257" y="3013512"/>
+              <a:ext cx="1324987" cy="601366"/>
+            </a:xfrm>
+            <a:prstGeom prst="flowChartProcess">
+              <a:avLst/>
+            </a:prstGeom>
+            <a:solidFill>
+              <a:schemeClr val="bg1"/>
+            </a:solidFill>
+            <a:ln>
+              <a:solidFill>
+                <a:schemeClr val="tx1"/>
+              </a:solidFill>
+            </a:ln>
+          </p:spPr>
+          <p:style>
+            <a:lnRef idx="2">
+              <a:schemeClr val="accent1">
+                <a:shade val="50000"/>
+              </a:schemeClr>
+            </a:lnRef>
+            <a:fillRef idx="1">
+              <a:schemeClr val="accent1"/>
+            </a:fillRef>
+            <a:effectRef idx="0">
+              <a:schemeClr val="accent1"/>
+            </a:effectRef>
+            <a:fontRef idx="minor">
+              <a:schemeClr val="lt1"/>
+            </a:fontRef>
+          </p:style>
+          <p:txBody>
+            <a:bodyPr rtlCol="0" anchor="ctr"/>
+            <a:lstStyle/>
+            <a:p>
+              <a:pPr algn="ctr"/>
+              <a:endParaRPr lang="zh-CN" altLang="en-US" sz="1050" dirty="0">
+                <a:solidFill>
+                  <a:schemeClr val="tx1"/>
+                </a:solidFill>
+                <a:latin typeface="宋体" panose="02010600030101010101" pitchFamily="2" charset="-122"/>
+                <a:ea typeface="宋体" panose="02010600030101010101" pitchFamily="2" charset="-122"/>
+              </a:endParaRPr>
+            </a:p>
+          </p:txBody>
+        </p:sp>
+        <p:sp>
+          <p:nvSpPr>
+            <p:cNvPr id="101" name="文本框 100">
+              <a:extLst>
+                <a:ext uri="{FF2B5EF4-FFF2-40B4-BE49-F238E27FC236}">
+                  <a16:creationId xmlns:a16="http://schemas.microsoft.com/office/drawing/2014/main" id="{1E18005B-2499-425B-B85F-B1CF1588CAA7}"/>
+                </a:ext>
+              </a:extLst>
+            </p:cNvPr>
+            <p:cNvSpPr txBox="1"/>
+            <p:nvPr/>
+          </p:nvSpPr>
+          <p:spPr>
+            <a:xfrm>
+              <a:off x="5788797" y="3022842"/>
+              <a:ext cx="689842" cy="253916"/>
+            </a:xfrm>
+            <a:prstGeom prst="rect">
+              <a:avLst/>
+            </a:prstGeom>
+            <a:noFill/>
+          </p:spPr>
+          <p:txBody>
+            <a:bodyPr wrap="square" rtlCol="0">
+              <a:spAutoFit/>
+            </a:bodyPr>
+            <a:lstStyle/>
+            <a:p>
+              <a:pPr algn="ctr"/>
+              <a:r>
+                <a:rPr lang="en-US" altLang="zh-CN" sz="1050" dirty="0">
+                  <a:latin typeface="宋体" panose="02010600030101010101" pitchFamily="2" charset="-122"/>
+                  <a:ea typeface="宋体" panose="02010600030101010101" pitchFamily="2" charset="-122"/>
+                </a:rPr>
+                <a:t>Node 2</a:t>
+              </a:r>
+              <a:endParaRPr lang="zh-CN" altLang="en-US" sz="1050" dirty="0">
+                <a:latin typeface="宋体" panose="02010600030101010101" pitchFamily="2" charset="-122"/>
+                <a:ea typeface="宋体" panose="02010600030101010101" pitchFamily="2" charset="-122"/>
+              </a:endParaRPr>
+            </a:p>
+          </p:txBody>
+        </p:sp>
+        <p:sp>
+          <p:nvSpPr>
+            <p:cNvPr id="102" name="文本框 101">
+              <a:extLst>
+                <a:ext uri="{FF2B5EF4-FFF2-40B4-BE49-F238E27FC236}">
+                  <a16:creationId xmlns:a16="http://schemas.microsoft.com/office/drawing/2014/main" id="{F6DC5E9E-CA78-49F7-8622-1B0A505CB1BE}"/>
+                </a:ext>
+              </a:extLst>
+            </p:cNvPr>
+            <p:cNvSpPr txBox="1"/>
+            <p:nvPr/>
+          </p:nvSpPr>
+          <p:spPr>
+            <a:xfrm>
+              <a:off x="5517972" y="3314195"/>
+              <a:ext cx="528008" cy="253916"/>
+            </a:xfrm>
+            <a:prstGeom prst="rect">
+              <a:avLst/>
+            </a:prstGeom>
+            <a:solidFill>
+              <a:schemeClr val="accent5">
+                <a:lumMod val="20000"/>
+                <a:lumOff val="80000"/>
+              </a:schemeClr>
+            </a:solidFill>
+            <a:ln>
+              <a:solidFill>
+                <a:schemeClr val="tx1"/>
+              </a:solidFill>
+            </a:ln>
+          </p:spPr>
+          <p:txBody>
+            <a:bodyPr wrap="square" rtlCol="0">
+              <a:spAutoFit/>
+            </a:bodyPr>
+            <a:lstStyle/>
+            <a:p>
+              <a:pPr algn="ctr"/>
+              <a:r>
+                <a:rPr lang="zh-CN" altLang="en-US" sz="1050" dirty="0">
+                  <a:latin typeface="宋体" panose="02010600030101010101" pitchFamily="2" charset="-122"/>
+                  <a:ea typeface="宋体" panose="02010600030101010101" pitchFamily="2" charset="-122"/>
+                </a:rPr>
+                <a:t>分片</a:t>
+              </a:r>
+              <a:r>
+                <a:rPr lang="en-US" altLang="zh-CN" sz="1050" dirty="0">
+                  <a:latin typeface="宋体" panose="02010600030101010101" pitchFamily="2" charset="-122"/>
+                  <a:ea typeface="宋体" panose="02010600030101010101" pitchFamily="2" charset="-122"/>
+                </a:rPr>
+                <a:t>2</a:t>
+              </a:r>
+              <a:endParaRPr lang="zh-CN" altLang="en-US" sz="1050" dirty="0">
+                <a:latin typeface="宋体" panose="02010600030101010101" pitchFamily="2" charset="-122"/>
+                <a:ea typeface="宋体" panose="02010600030101010101" pitchFamily="2" charset="-122"/>
+              </a:endParaRPr>
+            </a:p>
+          </p:txBody>
+        </p:sp>
+        <p:sp>
+          <p:nvSpPr>
+            <p:cNvPr id="103" name="文本框 102">
+              <a:extLst>
+                <a:ext uri="{FF2B5EF4-FFF2-40B4-BE49-F238E27FC236}">
+                  <a16:creationId xmlns:a16="http://schemas.microsoft.com/office/drawing/2014/main" id="{E4CDF511-7032-454F-9D3D-A0E93234F84D}"/>
+                </a:ext>
+              </a:extLst>
+            </p:cNvPr>
+            <p:cNvSpPr txBox="1"/>
+            <p:nvPr/>
+          </p:nvSpPr>
+          <p:spPr>
+            <a:xfrm>
+              <a:off x="6172719" y="3307979"/>
+              <a:ext cx="565348" cy="253916"/>
+            </a:xfrm>
+            <a:prstGeom prst="rect">
+              <a:avLst/>
+            </a:prstGeom>
+            <a:solidFill>
+              <a:schemeClr val="accent5">
+                <a:lumMod val="20000"/>
+                <a:lumOff val="80000"/>
+              </a:schemeClr>
+            </a:solidFill>
+            <a:ln>
+              <a:solidFill>
+                <a:schemeClr val="tx1"/>
+              </a:solidFill>
+            </a:ln>
+          </p:spPr>
+          <p:txBody>
+            <a:bodyPr wrap="square" rtlCol="0">
+              <a:spAutoFit/>
+            </a:bodyPr>
+            <a:lstStyle/>
+            <a:p>
+              <a:pPr algn="ctr"/>
+              <a:r>
+                <a:rPr lang="zh-CN" altLang="en-US" sz="1050" dirty="0">
+                  <a:latin typeface="宋体" panose="02010600030101010101" pitchFamily="2" charset="-122"/>
+                  <a:ea typeface="宋体" panose="02010600030101010101" pitchFamily="2" charset="-122"/>
+                </a:rPr>
+                <a:t>副本</a:t>
+              </a:r>
+              <a:r>
+                <a:rPr lang="en-US" altLang="zh-CN" sz="1050" dirty="0">
+                  <a:latin typeface="宋体" panose="02010600030101010101" pitchFamily="2" charset="-122"/>
+                  <a:ea typeface="宋体" panose="02010600030101010101" pitchFamily="2" charset="-122"/>
+                </a:rPr>
+                <a:t>1</a:t>
+              </a:r>
+              <a:endParaRPr lang="zh-CN" altLang="en-US" sz="1050" dirty="0">
+                <a:latin typeface="宋体" panose="02010600030101010101" pitchFamily="2" charset="-122"/>
+                <a:ea typeface="宋体" panose="02010600030101010101" pitchFamily="2" charset="-122"/>
+              </a:endParaRPr>
+            </a:p>
+          </p:txBody>
+        </p:sp>
+      </p:grpSp>
+      <p:grpSp>
+        <p:nvGrpSpPr>
+          <p:cNvPr id="104" name="组合 103">
+            <a:extLst>
+              <a:ext uri="{FF2B5EF4-FFF2-40B4-BE49-F238E27FC236}">
+                <a16:creationId xmlns:a16="http://schemas.microsoft.com/office/drawing/2014/main" id="{9538ABCB-E6B0-45F6-B82F-2769C641191B}"/>
+              </a:ext>
+            </a:extLst>
+          </p:cNvPr>
+          <p:cNvGrpSpPr/>
+          <p:nvPr/>
+        </p:nvGrpSpPr>
+        <p:grpSpPr>
+          <a:xfrm>
+            <a:off x="5953346" y="4473386"/>
+            <a:ext cx="1324987" cy="601366"/>
+            <a:chOff x="5472257" y="3013512"/>
+            <a:chExt cx="1324987" cy="601366"/>
+          </a:xfrm>
+        </p:grpSpPr>
+        <p:sp>
+          <p:nvSpPr>
+            <p:cNvPr id="105" name="流程图: 过程 104">
+              <a:extLst>
+                <a:ext uri="{FF2B5EF4-FFF2-40B4-BE49-F238E27FC236}">
+                  <a16:creationId xmlns:a16="http://schemas.microsoft.com/office/drawing/2014/main" id="{1E725595-7CDA-49D3-8BDC-1B84C6A26F49}"/>
+                </a:ext>
+              </a:extLst>
+            </p:cNvPr>
+            <p:cNvSpPr/>
+            <p:nvPr/>
+          </p:nvSpPr>
+          <p:spPr>
+            <a:xfrm>
+              <a:off x="5472257" y="3013512"/>
+              <a:ext cx="1324987" cy="601366"/>
+            </a:xfrm>
+            <a:prstGeom prst="flowChartProcess">
+              <a:avLst/>
+            </a:prstGeom>
+            <a:solidFill>
+              <a:schemeClr val="bg1"/>
+            </a:solidFill>
+            <a:ln>
+              <a:solidFill>
+                <a:schemeClr val="tx1"/>
+              </a:solidFill>
+            </a:ln>
+          </p:spPr>
+          <p:style>
+            <a:lnRef idx="2">
+              <a:schemeClr val="accent1">
+                <a:shade val="50000"/>
+              </a:schemeClr>
+            </a:lnRef>
+            <a:fillRef idx="1">
+              <a:schemeClr val="accent1"/>
+            </a:fillRef>
+            <a:effectRef idx="0">
+              <a:schemeClr val="accent1"/>
+            </a:effectRef>
+            <a:fontRef idx="minor">
+              <a:schemeClr val="lt1"/>
+            </a:fontRef>
+          </p:style>
+          <p:txBody>
+            <a:bodyPr rtlCol="0" anchor="ctr"/>
+            <a:lstStyle/>
+            <a:p>
+              <a:pPr algn="ctr"/>
+              <a:endParaRPr lang="zh-CN" altLang="en-US" sz="1050" dirty="0">
+                <a:solidFill>
+                  <a:schemeClr val="tx1"/>
+                </a:solidFill>
+                <a:latin typeface="宋体" panose="02010600030101010101" pitchFamily="2" charset="-122"/>
+                <a:ea typeface="宋体" panose="02010600030101010101" pitchFamily="2" charset="-122"/>
+              </a:endParaRPr>
+            </a:p>
+          </p:txBody>
+        </p:sp>
+        <p:sp>
+          <p:nvSpPr>
+            <p:cNvPr id="106" name="文本框 105">
+              <a:extLst>
+                <a:ext uri="{FF2B5EF4-FFF2-40B4-BE49-F238E27FC236}">
+                  <a16:creationId xmlns:a16="http://schemas.microsoft.com/office/drawing/2014/main" id="{920F154B-8EF6-40BF-B1D4-57DEE482BC23}"/>
+                </a:ext>
+              </a:extLst>
+            </p:cNvPr>
+            <p:cNvSpPr txBox="1"/>
+            <p:nvPr/>
+          </p:nvSpPr>
+          <p:spPr>
+            <a:xfrm>
+              <a:off x="5788797" y="3022842"/>
+              <a:ext cx="689842" cy="253916"/>
+            </a:xfrm>
+            <a:prstGeom prst="rect">
+              <a:avLst/>
+            </a:prstGeom>
+            <a:noFill/>
+          </p:spPr>
+          <p:txBody>
+            <a:bodyPr wrap="square" rtlCol="0">
+              <a:spAutoFit/>
+            </a:bodyPr>
+            <a:lstStyle/>
+            <a:p>
+              <a:pPr algn="ctr"/>
+              <a:r>
+                <a:rPr lang="en-US" altLang="zh-CN" sz="1050" dirty="0">
+                  <a:latin typeface="宋体" panose="02010600030101010101" pitchFamily="2" charset="-122"/>
+                  <a:ea typeface="宋体" panose="02010600030101010101" pitchFamily="2" charset="-122"/>
+                </a:rPr>
+                <a:t>Node 3</a:t>
+              </a:r>
+              <a:endParaRPr lang="zh-CN" altLang="en-US" sz="1050" dirty="0">
+                <a:latin typeface="宋体" panose="02010600030101010101" pitchFamily="2" charset="-122"/>
+                <a:ea typeface="宋体" panose="02010600030101010101" pitchFamily="2" charset="-122"/>
+              </a:endParaRPr>
+            </a:p>
+          </p:txBody>
+        </p:sp>
+        <p:sp>
+          <p:nvSpPr>
+            <p:cNvPr id="107" name="文本框 106">
+              <a:extLst>
+                <a:ext uri="{FF2B5EF4-FFF2-40B4-BE49-F238E27FC236}">
+                  <a16:creationId xmlns:a16="http://schemas.microsoft.com/office/drawing/2014/main" id="{FDAA6E9E-C385-43FD-99C0-7B26D6E58EDF}"/>
+                </a:ext>
+              </a:extLst>
+            </p:cNvPr>
+            <p:cNvSpPr txBox="1"/>
+            <p:nvPr/>
+          </p:nvSpPr>
+          <p:spPr>
+            <a:xfrm>
+              <a:off x="5517972" y="3314195"/>
+              <a:ext cx="528008" cy="253916"/>
+            </a:xfrm>
+            <a:prstGeom prst="rect">
+              <a:avLst/>
+            </a:prstGeom>
+            <a:solidFill>
+              <a:schemeClr val="accent5">
+                <a:lumMod val="20000"/>
+                <a:lumOff val="80000"/>
+              </a:schemeClr>
+            </a:solidFill>
+            <a:ln>
+              <a:solidFill>
+                <a:schemeClr val="tx1"/>
+              </a:solidFill>
+            </a:ln>
+          </p:spPr>
+          <p:txBody>
+            <a:bodyPr wrap="square" rtlCol="0">
+              <a:spAutoFit/>
+            </a:bodyPr>
+            <a:lstStyle/>
+            <a:p>
+              <a:pPr algn="ctr"/>
+              <a:r>
+                <a:rPr lang="zh-CN" altLang="en-US" sz="1050" dirty="0">
+                  <a:latin typeface="宋体" panose="02010600030101010101" pitchFamily="2" charset="-122"/>
+                  <a:ea typeface="宋体" panose="02010600030101010101" pitchFamily="2" charset="-122"/>
+                </a:rPr>
+                <a:t>分片</a:t>
+              </a:r>
+              <a:r>
+                <a:rPr lang="en-US" altLang="zh-CN" sz="1050" dirty="0">
+                  <a:latin typeface="宋体" panose="02010600030101010101" pitchFamily="2" charset="-122"/>
+                  <a:ea typeface="宋体" panose="02010600030101010101" pitchFamily="2" charset="-122"/>
+                </a:rPr>
+                <a:t>3</a:t>
+              </a:r>
+              <a:endParaRPr lang="zh-CN" altLang="en-US" sz="1050" dirty="0">
+                <a:latin typeface="宋体" panose="02010600030101010101" pitchFamily="2" charset="-122"/>
+                <a:ea typeface="宋体" panose="02010600030101010101" pitchFamily="2" charset="-122"/>
+              </a:endParaRPr>
+            </a:p>
+          </p:txBody>
+        </p:sp>
+        <p:sp>
+          <p:nvSpPr>
+            <p:cNvPr id="108" name="文本框 107">
+              <a:extLst>
+                <a:ext uri="{FF2B5EF4-FFF2-40B4-BE49-F238E27FC236}">
+                  <a16:creationId xmlns:a16="http://schemas.microsoft.com/office/drawing/2014/main" id="{3F0A2C49-6849-4169-A003-8C68BAD31E0A}"/>
+                </a:ext>
+              </a:extLst>
+            </p:cNvPr>
+            <p:cNvSpPr txBox="1"/>
+            <p:nvPr/>
+          </p:nvSpPr>
+          <p:spPr>
+            <a:xfrm>
+              <a:off x="6172719" y="3307979"/>
+              <a:ext cx="565348" cy="253916"/>
+            </a:xfrm>
+            <a:prstGeom prst="rect">
+              <a:avLst/>
+            </a:prstGeom>
+            <a:solidFill>
+              <a:schemeClr val="accent5">
+                <a:lumMod val="20000"/>
+                <a:lumOff val="80000"/>
+              </a:schemeClr>
+            </a:solidFill>
+            <a:ln>
+              <a:solidFill>
+                <a:schemeClr val="tx1"/>
+              </a:solidFill>
+            </a:ln>
+          </p:spPr>
+          <p:txBody>
+            <a:bodyPr wrap="square" rtlCol="0">
+              <a:spAutoFit/>
+            </a:bodyPr>
+            <a:lstStyle/>
+            <a:p>
+              <a:pPr algn="ctr"/>
+              <a:r>
+                <a:rPr lang="zh-CN" altLang="en-US" sz="1050" dirty="0">
+                  <a:latin typeface="宋体" panose="02010600030101010101" pitchFamily="2" charset="-122"/>
+                  <a:ea typeface="宋体" panose="02010600030101010101" pitchFamily="2" charset="-122"/>
+                </a:rPr>
+                <a:t>副本</a:t>
+              </a:r>
+              <a:r>
+                <a:rPr lang="en-US" altLang="zh-CN" sz="1050" dirty="0">
+                  <a:latin typeface="宋体" panose="02010600030101010101" pitchFamily="2" charset="-122"/>
+                  <a:ea typeface="宋体" panose="02010600030101010101" pitchFamily="2" charset="-122"/>
+                </a:rPr>
+                <a:t>4</a:t>
+              </a:r>
+              <a:endParaRPr lang="zh-CN" altLang="en-US" sz="1050" dirty="0">
+                <a:latin typeface="宋体" panose="02010600030101010101" pitchFamily="2" charset="-122"/>
+                <a:ea typeface="宋体" panose="02010600030101010101" pitchFamily="2" charset="-122"/>
+              </a:endParaRPr>
+            </a:p>
+          </p:txBody>
+        </p:sp>
+      </p:grpSp>
+      <p:grpSp>
+        <p:nvGrpSpPr>
+          <p:cNvPr id="109" name="组合 108">
+            <a:extLst>
+              <a:ext uri="{FF2B5EF4-FFF2-40B4-BE49-F238E27FC236}">
+                <a16:creationId xmlns:a16="http://schemas.microsoft.com/office/drawing/2014/main" id="{3670D802-745C-4FF9-BBB5-8E2D7DD54E54}"/>
+              </a:ext>
+            </a:extLst>
+          </p:cNvPr>
+          <p:cNvGrpSpPr/>
+          <p:nvPr/>
+        </p:nvGrpSpPr>
+        <p:grpSpPr>
+          <a:xfrm>
+            <a:off x="7612016" y="4454712"/>
+            <a:ext cx="1324987" cy="601366"/>
+            <a:chOff x="5472257" y="3013512"/>
+            <a:chExt cx="1324987" cy="601366"/>
+          </a:xfrm>
+        </p:grpSpPr>
+        <p:sp>
+          <p:nvSpPr>
+            <p:cNvPr id="110" name="流程图: 过程 109">
+              <a:extLst>
+                <a:ext uri="{FF2B5EF4-FFF2-40B4-BE49-F238E27FC236}">
+                  <a16:creationId xmlns:a16="http://schemas.microsoft.com/office/drawing/2014/main" id="{4372E543-791A-4647-97BF-67ABBA724D2F}"/>
+                </a:ext>
+              </a:extLst>
+            </p:cNvPr>
+            <p:cNvSpPr/>
+            <p:nvPr/>
+          </p:nvSpPr>
+          <p:spPr>
+            <a:xfrm>
+              <a:off x="5472257" y="3013512"/>
+              <a:ext cx="1324987" cy="601366"/>
+            </a:xfrm>
+            <a:prstGeom prst="flowChartProcess">
+              <a:avLst/>
+            </a:prstGeom>
+            <a:solidFill>
+              <a:schemeClr val="bg1"/>
+            </a:solidFill>
+            <a:ln>
+              <a:solidFill>
+                <a:schemeClr val="tx1"/>
+              </a:solidFill>
+            </a:ln>
+          </p:spPr>
+          <p:style>
+            <a:lnRef idx="2">
+              <a:schemeClr val="accent1">
+                <a:shade val="50000"/>
+              </a:schemeClr>
+            </a:lnRef>
+            <a:fillRef idx="1">
+              <a:schemeClr val="accent1"/>
+            </a:fillRef>
+            <a:effectRef idx="0">
+              <a:schemeClr val="accent1"/>
+            </a:effectRef>
+            <a:fontRef idx="minor">
+              <a:schemeClr val="lt1"/>
+            </a:fontRef>
+          </p:style>
+          <p:txBody>
+            <a:bodyPr rtlCol="0" anchor="ctr"/>
+            <a:lstStyle/>
+            <a:p>
+              <a:pPr algn="ctr"/>
+              <a:endParaRPr lang="zh-CN" altLang="en-US" sz="1050" dirty="0">
+                <a:solidFill>
+                  <a:schemeClr val="tx1"/>
+                </a:solidFill>
+                <a:latin typeface="宋体" panose="02010600030101010101" pitchFamily="2" charset="-122"/>
+                <a:ea typeface="宋体" panose="02010600030101010101" pitchFamily="2" charset="-122"/>
+              </a:endParaRPr>
+            </a:p>
+          </p:txBody>
+        </p:sp>
+        <p:sp>
+          <p:nvSpPr>
+            <p:cNvPr id="111" name="文本框 110">
+              <a:extLst>
+                <a:ext uri="{FF2B5EF4-FFF2-40B4-BE49-F238E27FC236}">
+                  <a16:creationId xmlns:a16="http://schemas.microsoft.com/office/drawing/2014/main" id="{59586145-6BCF-4650-82DE-D1FBC19F4461}"/>
+                </a:ext>
+              </a:extLst>
+            </p:cNvPr>
+            <p:cNvSpPr txBox="1"/>
+            <p:nvPr/>
+          </p:nvSpPr>
+          <p:spPr>
+            <a:xfrm>
+              <a:off x="5788797" y="3022842"/>
+              <a:ext cx="689842" cy="253916"/>
+            </a:xfrm>
+            <a:prstGeom prst="rect">
+              <a:avLst/>
+            </a:prstGeom>
+            <a:noFill/>
+          </p:spPr>
+          <p:txBody>
+            <a:bodyPr wrap="square" rtlCol="0">
+              <a:spAutoFit/>
+            </a:bodyPr>
+            <a:lstStyle/>
+            <a:p>
+              <a:pPr algn="ctr"/>
+              <a:r>
+                <a:rPr lang="en-US" altLang="zh-CN" sz="1050" dirty="0">
+                  <a:latin typeface="宋体" panose="02010600030101010101" pitchFamily="2" charset="-122"/>
+                  <a:ea typeface="宋体" panose="02010600030101010101" pitchFamily="2" charset="-122"/>
+                </a:rPr>
+                <a:t>Node 4</a:t>
+              </a:r>
+              <a:endParaRPr lang="zh-CN" altLang="en-US" sz="1050" dirty="0">
+                <a:latin typeface="宋体" panose="02010600030101010101" pitchFamily="2" charset="-122"/>
+                <a:ea typeface="宋体" panose="02010600030101010101" pitchFamily="2" charset="-122"/>
+              </a:endParaRPr>
+            </a:p>
+          </p:txBody>
+        </p:sp>
+        <p:sp>
+          <p:nvSpPr>
+            <p:cNvPr id="112" name="文本框 111">
+              <a:extLst>
+                <a:ext uri="{FF2B5EF4-FFF2-40B4-BE49-F238E27FC236}">
+                  <a16:creationId xmlns:a16="http://schemas.microsoft.com/office/drawing/2014/main" id="{6333D88B-D4ED-42D1-A821-AAAE42E6B6E0}"/>
+                </a:ext>
+              </a:extLst>
+            </p:cNvPr>
+            <p:cNvSpPr txBox="1"/>
+            <p:nvPr/>
+          </p:nvSpPr>
+          <p:spPr>
+            <a:xfrm>
+              <a:off x="5517972" y="3314195"/>
+              <a:ext cx="528008" cy="253916"/>
+            </a:xfrm>
+            <a:prstGeom prst="rect">
+              <a:avLst/>
+            </a:prstGeom>
+            <a:solidFill>
+              <a:schemeClr val="accent5">
+                <a:lumMod val="20000"/>
+                <a:lumOff val="80000"/>
+              </a:schemeClr>
+            </a:solidFill>
+            <a:ln>
+              <a:solidFill>
+                <a:schemeClr val="tx1"/>
+              </a:solidFill>
+            </a:ln>
+          </p:spPr>
+          <p:txBody>
+            <a:bodyPr wrap="square" rtlCol="0">
+              <a:spAutoFit/>
+            </a:bodyPr>
+            <a:lstStyle/>
+            <a:p>
+              <a:pPr algn="ctr"/>
+              <a:r>
+                <a:rPr lang="zh-CN" altLang="en-US" sz="1050" dirty="0">
+                  <a:latin typeface="宋体" panose="02010600030101010101" pitchFamily="2" charset="-122"/>
+                  <a:ea typeface="宋体" panose="02010600030101010101" pitchFamily="2" charset="-122"/>
+                </a:rPr>
+                <a:t>分片</a:t>
+              </a:r>
+              <a:r>
+                <a:rPr lang="en-US" altLang="zh-CN" sz="1050" dirty="0">
+                  <a:latin typeface="宋体" panose="02010600030101010101" pitchFamily="2" charset="-122"/>
+                  <a:ea typeface="宋体" panose="02010600030101010101" pitchFamily="2" charset="-122"/>
+                </a:rPr>
+                <a:t>4</a:t>
+              </a:r>
+              <a:endParaRPr lang="zh-CN" altLang="en-US" sz="1050" dirty="0">
+                <a:latin typeface="宋体" panose="02010600030101010101" pitchFamily="2" charset="-122"/>
+                <a:ea typeface="宋体" panose="02010600030101010101" pitchFamily="2" charset="-122"/>
+              </a:endParaRPr>
+            </a:p>
+          </p:txBody>
+        </p:sp>
+        <p:sp>
+          <p:nvSpPr>
+            <p:cNvPr id="113" name="文本框 112">
+              <a:extLst>
+                <a:ext uri="{FF2B5EF4-FFF2-40B4-BE49-F238E27FC236}">
+                  <a16:creationId xmlns:a16="http://schemas.microsoft.com/office/drawing/2014/main" id="{86F7F97F-4C50-42C9-8E14-E26BFAF9FD61}"/>
+                </a:ext>
+              </a:extLst>
+            </p:cNvPr>
+            <p:cNvSpPr txBox="1"/>
+            <p:nvPr/>
+          </p:nvSpPr>
+          <p:spPr>
+            <a:xfrm>
+              <a:off x="6172719" y="3307979"/>
+              <a:ext cx="565348" cy="253916"/>
+            </a:xfrm>
+            <a:prstGeom prst="rect">
+              <a:avLst/>
+            </a:prstGeom>
+            <a:solidFill>
+              <a:schemeClr val="accent5">
+                <a:lumMod val="20000"/>
+                <a:lumOff val="80000"/>
+              </a:schemeClr>
+            </a:solidFill>
+            <a:ln>
+              <a:solidFill>
+                <a:schemeClr val="tx1"/>
+              </a:solidFill>
+            </a:ln>
+          </p:spPr>
+          <p:txBody>
+            <a:bodyPr wrap="square" rtlCol="0">
+              <a:spAutoFit/>
+            </a:bodyPr>
+            <a:lstStyle/>
+            <a:p>
+              <a:pPr algn="ctr"/>
+              <a:r>
+                <a:rPr lang="zh-CN" altLang="en-US" sz="1050" dirty="0">
+                  <a:latin typeface="宋体" panose="02010600030101010101" pitchFamily="2" charset="-122"/>
+                  <a:ea typeface="宋体" panose="02010600030101010101" pitchFamily="2" charset="-122"/>
+                </a:rPr>
+                <a:t>副本</a:t>
+              </a:r>
+              <a:r>
+                <a:rPr lang="en-US" altLang="zh-CN" sz="1050" dirty="0">
+                  <a:latin typeface="宋体" panose="02010600030101010101" pitchFamily="2" charset="-122"/>
+                  <a:ea typeface="宋体" panose="02010600030101010101" pitchFamily="2" charset="-122"/>
+                </a:rPr>
+                <a:t>3</a:t>
+              </a:r>
+              <a:endParaRPr lang="zh-CN" altLang="en-US" sz="1050" dirty="0">
+                <a:latin typeface="宋体" panose="02010600030101010101" pitchFamily="2" charset="-122"/>
+                <a:ea typeface="宋体" panose="02010600030101010101" pitchFamily="2" charset="-122"/>
+              </a:endParaRPr>
+            </a:p>
+          </p:txBody>
+        </p:sp>
+      </p:grpSp>
+      <p:sp>
+        <p:nvSpPr>
           <p:cNvPr id="4" name="矩形: 圆角 3">
             <a:extLst>
               <a:ext uri="{FF2B5EF4-FFF2-40B4-BE49-F238E27FC236}">
@@ -27780,7 +28883,7 @@
         </p:nvSpPr>
         <p:spPr>
           <a:xfrm>
-            <a:off x="2225583" y="2933865"/>
+            <a:off x="2570816" y="3782950"/>
             <a:ext cx="689709" cy="1138335"/>
           </a:xfrm>
           <a:prstGeom prst="flowChartMultidocument">
@@ -27841,10 +28944,5250 @@
           </a:p>
         </p:txBody>
       </p:sp>
+      <p:cxnSp>
+        <p:nvCxnSpPr>
+          <p:cNvPr id="15" name="直接箭头连接符 14">
+            <a:extLst>
+              <a:ext uri="{FF2B5EF4-FFF2-40B4-BE49-F238E27FC236}">
+                <a16:creationId xmlns:a16="http://schemas.microsoft.com/office/drawing/2014/main" id="{6A3AC27E-5CD2-4CE8-9C5C-CC2444AB05F9}"/>
+              </a:ext>
+            </a:extLst>
+          </p:cNvPr>
+          <p:cNvCxnSpPr>
+            <a:cxnSpLocks/>
+          </p:cNvCxnSpPr>
+          <p:nvPr/>
+        </p:nvCxnSpPr>
+        <p:spPr>
+          <a:xfrm flipV="1">
+            <a:off x="3260525" y="4342133"/>
+            <a:ext cx="330466" cy="9984"/>
+          </a:xfrm>
+          <a:prstGeom prst="straightConnector1">
+            <a:avLst/>
+          </a:prstGeom>
+          <a:ln>
+            <a:solidFill>
+              <a:schemeClr val="tx1"/>
+            </a:solidFill>
+            <a:tailEnd type="triangle"/>
+          </a:ln>
+        </p:spPr>
+        <p:style>
+          <a:lnRef idx="1">
+            <a:schemeClr val="accent1"/>
+          </a:lnRef>
+          <a:fillRef idx="0">
+            <a:schemeClr val="accent1"/>
+          </a:fillRef>
+          <a:effectRef idx="0">
+            <a:schemeClr val="accent1"/>
+          </a:effectRef>
+          <a:fontRef idx="minor">
+            <a:schemeClr val="tx1"/>
+          </a:fontRef>
+        </p:style>
+      </p:cxnSp>
+      <p:sp>
+        <p:nvSpPr>
+          <p:cNvPr id="16" name="流程图: 过程 15">
+            <a:extLst>
+              <a:ext uri="{FF2B5EF4-FFF2-40B4-BE49-F238E27FC236}">
+                <a16:creationId xmlns:a16="http://schemas.microsoft.com/office/drawing/2014/main" id="{70BD9EDF-E888-4C5F-BEE8-5412E37F0529}"/>
+              </a:ext>
+            </a:extLst>
+          </p:cNvPr>
+          <p:cNvSpPr/>
+          <p:nvPr/>
+        </p:nvSpPr>
+        <p:spPr>
+          <a:xfrm>
+            <a:off x="3592154" y="4161271"/>
+            <a:ext cx="1135229" cy="361724"/>
+          </a:xfrm>
+          <a:prstGeom prst="flowChartProcess">
+            <a:avLst/>
+          </a:prstGeom>
+          <a:solidFill>
+            <a:schemeClr val="bg1"/>
+          </a:solidFill>
+          <a:ln>
+            <a:solidFill>
+              <a:schemeClr val="tx1"/>
+            </a:solidFill>
+          </a:ln>
+        </p:spPr>
+        <p:style>
+          <a:lnRef idx="2">
+            <a:schemeClr val="accent1">
+              <a:shade val="50000"/>
+            </a:schemeClr>
+          </a:lnRef>
+          <a:fillRef idx="1">
+            <a:schemeClr val="accent1"/>
+          </a:fillRef>
+          <a:effectRef idx="0">
+            <a:schemeClr val="accent1"/>
+          </a:effectRef>
+          <a:fontRef idx="minor">
+            <a:schemeClr val="lt1"/>
+          </a:fontRef>
+        </p:style>
+        <p:txBody>
+          <a:bodyPr rtlCol="0" anchor="ctr"/>
+          <a:lstStyle/>
+          <a:p>
+            <a:pPr algn="ctr"/>
+            <a:r>
+              <a:rPr lang="en-US" altLang="zh-CN" sz="1050" dirty="0">
+                <a:solidFill>
+                  <a:schemeClr val="tx1"/>
+                </a:solidFill>
+                <a:latin typeface="宋体" panose="02010600030101010101" pitchFamily="2" charset="-122"/>
+                <a:ea typeface="宋体" panose="02010600030101010101" pitchFamily="2" charset="-122"/>
+              </a:rPr>
+              <a:t>REST API</a:t>
+            </a:r>
+          </a:p>
+          <a:p>
+            <a:pPr algn="ctr"/>
+            <a:r>
+              <a:rPr lang="zh-CN" altLang="en-US" sz="1050" dirty="0">
+                <a:solidFill>
+                  <a:schemeClr val="tx1"/>
+                </a:solidFill>
+                <a:latin typeface="宋体" panose="02010600030101010101" pitchFamily="2" charset="-122"/>
+                <a:ea typeface="宋体" panose="02010600030101010101" pitchFamily="2" charset="-122"/>
+              </a:rPr>
+              <a:t>访问接口</a:t>
+            </a:r>
+            <a:endParaRPr lang="en-US" altLang="zh-CN" sz="1050" dirty="0">
+              <a:solidFill>
+                <a:schemeClr val="tx1"/>
+              </a:solidFill>
+              <a:latin typeface="宋体" panose="02010600030101010101" pitchFamily="2" charset="-122"/>
+              <a:ea typeface="宋体" panose="02010600030101010101" pitchFamily="2" charset="-122"/>
+            </a:endParaRPr>
+          </a:p>
+        </p:txBody>
+      </p:sp>
+      <p:sp>
+        <p:nvSpPr>
+          <p:cNvPr id="17" name="流程图: 过程 16">
+            <a:extLst>
+              <a:ext uri="{FF2B5EF4-FFF2-40B4-BE49-F238E27FC236}">
+                <a16:creationId xmlns:a16="http://schemas.microsoft.com/office/drawing/2014/main" id="{EB9EE940-1412-4399-BEFC-D5FB8C4824E0}"/>
+              </a:ext>
+            </a:extLst>
+          </p:cNvPr>
+          <p:cNvSpPr/>
+          <p:nvPr/>
+        </p:nvSpPr>
+        <p:spPr>
+          <a:xfrm>
+            <a:off x="3674511" y="3404391"/>
+            <a:ext cx="970516" cy="402605"/>
+          </a:xfrm>
+          <a:prstGeom prst="flowChartProcess">
+            <a:avLst/>
+          </a:prstGeom>
+          <a:solidFill>
+            <a:schemeClr val="bg1"/>
+          </a:solidFill>
+          <a:ln>
+            <a:solidFill>
+              <a:schemeClr val="tx1"/>
+            </a:solidFill>
+          </a:ln>
+        </p:spPr>
+        <p:style>
+          <a:lnRef idx="2">
+            <a:schemeClr val="accent1">
+              <a:shade val="50000"/>
+            </a:schemeClr>
+          </a:lnRef>
+          <a:fillRef idx="1">
+            <a:schemeClr val="accent1"/>
+          </a:fillRef>
+          <a:effectRef idx="0">
+            <a:schemeClr val="accent1"/>
+          </a:effectRef>
+          <a:fontRef idx="minor">
+            <a:schemeClr val="lt1"/>
+          </a:fontRef>
+        </p:style>
+        <p:txBody>
+          <a:bodyPr rtlCol="0" anchor="ctr"/>
+          <a:lstStyle/>
+          <a:p>
+            <a:pPr algn="ctr"/>
+            <a:r>
+              <a:rPr lang="zh-CN" altLang="en-US" sz="1050" dirty="0">
+                <a:solidFill>
+                  <a:schemeClr val="tx1"/>
+                </a:solidFill>
+                <a:latin typeface="宋体" panose="02010600030101010101" pitchFamily="2" charset="-122"/>
+                <a:ea typeface="宋体" panose="02010600030101010101" pitchFamily="2" charset="-122"/>
+              </a:rPr>
+              <a:t>自动化脚本</a:t>
+            </a:r>
+            <a:endParaRPr lang="en-US" altLang="zh-CN" sz="1050" dirty="0">
+              <a:solidFill>
+                <a:schemeClr val="tx1"/>
+              </a:solidFill>
+              <a:latin typeface="宋体" panose="02010600030101010101" pitchFamily="2" charset="-122"/>
+              <a:ea typeface="宋体" panose="02010600030101010101" pitchFamily="2" charset="-122"/>
+            </a:endParaRPr>
+          </a:p>
+        </p:txBody>
+      </p:sp>
+      <p:cxnSp>
+        <p:nvCxnSpPr>
+          <p:cNvPr id="18" name="直接箭头连接符 17">
+            <a:extLst>
+              <a:ext uri="{FF2B5EF4-FFF2-40B4-BE49-F238E27FC236}">
+                <a16:creationId xmlns:a16="http://schemas.microsoft.com/office/drawing/2014/main" id="{CF7E3288-989D-4486-B352-D01A0EFBB2FC}"/>
+              </a:ext>
+            </a:extLst>
+          </p:cNvPr>
+          <p:cNvCxnSpPr>
+            <a:cxnSpLocks/>
+            <a:stCxn id="17" idx="2"/>
+            <a:endCxn id="16" idx="0"/>
+          </p:cNvCxnSpPr>
+          <p:nvPr/>
+        </p:nvCxnSpPr>
+        <p:spPr>
+          <a:xfrm>
+            <a:off x="4159769" y="3806996"/>
+            <a:ext cx="0" cy="354275"/>
+          </a:xfrm>
+          <a:prstGeom prst="straightConnector1">
+            <a:avLst/>
+          </a:prstGeom>
+          <a:ln>
+            <a:solidFill>
+              <a:schemeClr val="tx1"/>
+            </a:solidFill>
+            <a:tailEnd type="triangle"/>
+          </a:ln>
+        </p:spPr>
+        <p:style>
+          <a:lnRef idx="1">
+            <a:schemeClr val="accent1"/>
+          </a:lnRef>
+          <a:fillRef idx="0">
+            <a:schemeClr val="accent1"/>
+          </a:fillRef>
+          <a:effectRef idx="0">
+            <a:schemeClr val="accent1"/>
+          </a:effectRef>
+          <a:fontRef idx="minor">
+            <a:schemeClr val="tx1"/>
+          </a:fontRef>
+        </p:style>
+      </p:cxnSp>
+      <p:cxnSp>
+        <p:nvCxnSpPr>
+          <p:cNvPr id="55" name="连接符: 曲线 54">
+            <a:extLst>
+              <a:ext uri="{FF2B5EF4-FFF2-40B4-BE49-F238E27FC236}">
+                <a16:creationId xmlns:a16="http://schemas.microsoft.com/office/drawing/2014/main" id="{948728BC-2A77-4408-B161-852BA882F928}"/>
+              </a:ext>
+            </a:extLst>
+          </p:cNvPr>
+          <p:cNvCxnSpPr>
+            <a:cxnSpLocks/>
+            <a:stCxn id="16" idx="3"/>
+          </p:cNvCxnSpPr>
+          <p:nvPr/>
+        </p:nvCxnSpPr>
+        <p:spPr>
+          <a:xfrm flipV="1">
+            <a:off x="4727383" y="3817652"/>
+            <a:ext cx="1225963" cy="524481"/>
+          </a:xfrm>
+          <a:prstGeom prst="curvedConnector3">
+            <a:avLst>
+              <a:gd name="adj1" fmla="val 50000"/>
+            </a:avLst>
+          </a:prstGeom>
+          <a:ln>
+            <a:tailEnd type="triangle"/>
+          </a:ln>
+        </p:spPr>
+        <p:style>
+          <a:lnRef idx="1">
+            <a:schemeClr val="accent1"/>
+          </a:lnRef>
+          <a:fillRef idx="0">
+            <a:schemeClr val="accent1"/>
+          </a:fillRef>
+          <a:effectRef idx="0">
+            <a:schemeClr val="accent1"/>
+          </a:effectRef>
+          <a:fontRef idx="minor">
+            <a:schemeClr val="tx1"/>
+          </a:fontRef>
+        </p:style>
+      </p:cxnSp>
+      <p:cxnSp>
+        <p:nvCxnSpPr>
+          <p:cNvPr id="58" name="连接符: 曲线 57">
+            <a:extLst>
+              <a:ext uri="{FF2B5EF4-FFF2-40B4-BE49-F238E27FC236}">
+                <a16:creationId xmlns:a16="http://schemas.microsoft.com/office/drawing/2014/main" id="{BF226B77-FA12-4F6B-87DF-7B95D308C2A8}"/>
+              </a:ext>
+            </a:extLst>
+          </p:cNvPr>
+          <p:cNvCxnSpPr>
+            <a:cxnSpLocks/>
+            <a:stCxn id="16" idx="3"/>
+          </p:cNvCxnSpPr>
+          <p:nvPr/>
+        </p:nvCxnSpPr>
+        <p:spPr>
+          <a:xfrm flipV="1">
+            <a:off x="4727383" y="3540181"/>
+            <a:ext cx="3546094" cy="801952"/>
+          </a:xfrm>
+          <a:prstGeom prst="curvedConnector4">
+            <a:avLst>
+              <a:gd name="adj1" fmla="val 15404"/>
+              <a:gd name="adj2" fmla="val 128505"/>
+            </a:avLst>
+          </a:prstGeom>
+          <a:ln>
+            <a:tailEnd type="triangle"/>
+          </a:ln>
+        </p:spPr>
+        <p:style>
+          <a:lnRef idx="1">
+            <a:schemeClr val="accent1"/>
+          </a:lnRef>
+          <a:fillRef idx="0">
+            <a:schemeClr val="accent1"/>
+          </a:fillRef>
+          <a:effectRef idx="0">
+            <a:schemeClr val="accent1"/>
+          </a:effectRef>
+          <a:fontRef idx="minor">
+            <a:schemeClr val="tx1"/>
+          </a:fontRef>
+        </p:style>
+      </p:cxnSp>
+      <p:cxnSp>
+        <p:nvCxnSpPr>
+          <p:cNvPr id="61" name="连接符: 曲线 60">
+            <a:extLst>
+              <a:ext uri="{FF2B5EF4-FFF2-40B4-BE49-F238E27FC236}">
+                <a16:creationId xmlns:a16="http://schemas.microsoft.com/office/drawing/2014/main" id="{9E72BA2E-2489-430C-A76A-F0F4C45331B4}"/>
+              </a:ext>
+            </a:extLst>
+          </p:cNvPr>
+          <p:cNvCxnSpPr>
+            <a:cxnSpLocks/>
+            <a:stCxn id="16" idx="3"/>
+          </p:cNvCxnSpPr>
+          <p:nvPr/>
+        </p:nvCxnSpPr>
+        <p:spPr>
+          <a:xfrm>
+            <a:off x="4727383" y="4342133"/>
+            <a:ext cx="3547127" cy="713945"/>
+          </a:xfrm>
+          <a:prstGeom prst="curvedConnector4">
+            <a:avLst>
+              <a:gd name="adj1" fmla="val 16199"/>
+              <a:gd name="adj2" fmla="val 132019"/>
+            </a:avLst>
+          </a:prstGeom>
+          <a:ln>
+            <a:tailEnd type="triangle"/>
+          </a:ln>
+        </p:spPr>
+        <p:style>
+          <a:lnRef idx="1">
+            <a:schemeClr val="accent1"/>
+          </a:lnRef>
+          <a:fillRef idx="0">
+            <a:schemeClr val="accent1"/>
+          </a:fillRef>
+          <a:effectRef idx="0">
+            <a:schemeClr val="accent1"/>
+          </a:effectRef>
+          <a:fontRef idx="minor">
+            <a:schemeClr val="tx1"/>
+          </a:fontRef>
+        </p:style>
+      </p:cxnSp>
+      <p:cxnSp>
+        <p:nvCxnSpPr>
+          <p:cNvPr id="64" name="连接符: 曲线 63">
+            <a:extLst>
+              <a:ext uri="{FF2B5EF4-FFF2-40B4-BE49-F238E27FC236}">
+                <a16:creationId xmlns:a16="http://schemas.microsoft.com/office/drawing/2014/main" id="{BE014C59-8A38-48C4-9889-C0F4B6301B3A}"/>
+              </a:ext>
+            </a:extLst>
+          </p:cNvPr>
+          <p:cNvCxnSpPr>
+            <a:cxnSpLocks/>
+            <a:stCxn id="16" idx="3"/>
+          </p:cNvCxnSpPr>
+          <p:nvPr/>
+        </p:nvCxnSpPr>
+        <p:spPr>
+          <a:xfrm>
+            <a:off x="4727383" y="4342133"/>
+            <a:ext cx="1225963" cy="431936"/>
+          </a:xfrm>
+          <a:prstGeom prst="curvedConnector3">
+            <a:avLst>
+              <a:gd name="adj1" fmla="val 50000"/>
+            </a:avLst>
+          </a:prstGeom>
+          <a:ln>
+            <a:tailEnd type="triangle"/>
+          </a:ln>
+        </p:spPr>
+        <p:style>
+          <a:lnRef idx="1">
+            <a:schemeClr val="accent1"/>
+          </a:lnRef>
+          <a:fillRef idx="0">
+            <a:schemeClr val="accent1"/>
+          </a:fillRef>
+          <a:effectRef idx="0">
+            <a:schemeClr val="accent1"/>
+          </a:effectRef>
+          <a:fontRef idx="minor">
+            <a:schemeClr val="tx1"/>
+          </a:fontRef>
+        </p:style>
+      </p:cxnSp>
+      <p:sp>
+        <p:nvSpPr>
+          <p:cNvPr id="87" name="流程图: 过程 86">
+            <a:extLst>
+              <a:ext uri="{FF2B5EF4-FFF2-40B4-BE49-F238E27FC236}">
+                <a16:creationId xmlns:a16="http://schemas.microsoft.com/office/drawing/2014/main" id="{924E44FF-DD46-4626-B4FF-7087FCDC2ADB}"/>
+              </a:ext>
+            </a:extLst>
+          </p:cNvPr>
+          <p:cNvSpPr/>
+          <p:nvPr/>
+        </p:nvSpPr>
+        <p:spPr>
+          <a:xfrm>
+            <a:off x="3724679" y="4841193"/>
+            <a:ext cx="866634" cy="402605"/>
+          </a:xfrm>
+          <a:prstGeom prst="flowChartProcess">
+            <a:avLst/>
+          </a:prstGeom>
+          <a:solidFill>
+            <a:schemeClr val="bg1"/>
+          </a:solidFill>
+          <a:ln>
+            <a:solidFill>
+              <a:schemeClr val="tx1"/>
+            </a:solidFill>
+          </a:ln>
+        </p:spPr>
+        <p:style>
+          <a:lnRef idx="2">
+            <a:schemeClr val="accent1">
+              <a:shade val="50000"/>
+            </a:schemeClr>
+          </a:lnRef>
+          <a:fillRef idx="1">
+            <a:schemeClr val="accent1"/>
+          </a:fillRef>
+          <a:effectRef idx="0">
+            <a:schemeClr val="accent1"/>
+          </a:effectRef>
+          <a:fontRef idx="minor">
+            <a:schemeClr val="lt1"/>
+          </a:fontRef>
+        </p:style>
+        <p:txBody>
+          <a:bodyPr rtlCol="0" anchor="ctr"/>
+          <a:lstStyle/>
+          <a:p>
+            <a:pPr algn="ctr"/>
+            <a:r>
+              <a:rPr lang="zh-CN" altLang="en-US" sz="1050" dirty="0">
+                <a:solidFill>
+                  <a:schemeClr val="tx1"/>
+                </a:solidFill>
+                <a:latin typeface="宋体" panose="02010600030101010101" pitchFamily="2" charset="-122"/>
+                <a:ea typeface="宋体" panose="02010600030101010101" pitchFamily="2" charset="-122"/>
+              </a:rPr>
+              <a:t>轮询机制</a:t>
+            </a:r>
+            <a:endParaRPr lang="en-US" altLang="zh-CN" sz="1050" dirty="0">
+              <a:solidFill>
+                <a:schemeClr val="tx1"/>
+              </a:solidFill>
+              <a:latin typeface="宋体" panose="02010600030101010101" pitchFamily="2" charset="-122"/>
+              <a:ea typeface="宋体" panose="02010600030101010101" pitchFamily="2" charset="-122"/>
+            </a:endParaRPr>
+          </a:p>
+        </p:txBody>
+      </p:sp>
+      <p:cxnSp>
+        <p:nvCxnSpPr>
+          <p:cNvPr id="88" name="直接箭头连接符 87">
+            <a:extLst>
+              <a:ext uri="{FF2B5EF4-FFF2-40B4-BE49-F238E27FC236}">
+                <a16:creationId xmlns:a16="http://schemas.microsoft.com/office/drawing/2014/main" id="{D5BB6151-9B1B-4C2E-BDDA-CD6A738243B8}"/>
+              </a:ext>
+            </a:extLst>
+          </p:cNvPr>
+          <p:cNvCxnSpPr>
+            <a:cxnSpLocks/>
+            <a:stCxn id="87" idx="0"/>
+            <a:endCxn id="16" idx="2"/>
+          </p:cNvCxnSpPr>
+          <p:nvPr/>
+        </p:nvCxnSpPr>
+        <p:spPr>
+          <a:xfrm flipV="1">
+            <a:off x="4157996" y="4522995"/>
+            <a:ext cx="1773" cy="318198"/>
+          </a:xfrm>
+          <a:prstGeom prst="straightConnector1">
+            <a:avLst/>
+          </a:prstGeom>
+          <a:ln>
+            <a:solidFill>
+              <a:schemeClr val="tx1"/>
+            </a:solidFill>
+            <a:tailEnd type="triangle"/>
+          </a:ln>
+        </p:spPr>
+        <p:style>
+          <a:lnRef idx="1">
+            <a:schemeClr val="accent1"/>
+          </a:lnRef>
+          <a:fillRef idx="0">
+            <a:schemeClr val="accent1"/>
+          </a:fillRef>
+          <a:effectRef idx="0">
+            <a:schemeClr val="accent1"/>
+          </a:effectRef>
+          <a:fontRef idx="minor">
+            <a:schemeClr val="tx1"/>
+          </a:fontRef>
+        </p:style>
+      </p:cxnSp>
     </p:spTree>
     <p:extLst>
       <p:ext uri="{BB962C8B-B14F-4D97-AF65-F5344CB8AC3E}">
         <p14:creationId xmlns:p14="http://schemas.microsoft.com/office/powerpoint/2010/main" val="2540202758"/>
+      </p:ext>
+    </p:extLst>
+  </p:cSld>
+  <p:clrMapOvr>
+    <a:masterClrMapping/>
+  </p:clrMapOvr>
+</p:sld>
+</file>
+
+<file path=ppt/slides/slide27.xml><?xml version="1.0" encoding="utf-8"?>
+<p:sld xmlns:a="http://schemas.openxmlformats.org/drawingml/2006/main" xmlns:r="http://schemas.openxmlformats.org/officeDocument/2006/relationships" xmlns:p="http://schemas.openxmlformats.org/presentationml/2006/main">
+  <p:cSld>
+    <p:spTree>
+      <p:nvGrpSpPr>
+        <p:cNvPr id="1" name=""/>
+        <p:cNvGrpSpPr/>
+        <p:nvPr/>
+      </p:nvGrpSpPr>
+      <p:grpSpPr>
+        <a:xfrm>
+          <a:off x="0" y="0"/>
+          <a:ext cx="0" cy="0"/>
+          <a:chOff x="0" y="0"/>
+          <a:chExt cx="0" cy="0"/>
+        </a:xfrm>
+      </p:grpSpPr>
+      <p:cxnSp>
+        <p:nvCxnSpPr>
+          <p:cNvPr id="15" name="直接箭头连接符 14">
+            <a:extLst>
+              <a:ext uri="{FF2B5EF4-FFF2-40B4-BE49-F238E27FC236}">
+                <a16:creationId xmlns:a16="http://schemas.microsoft.com/office/drawing/2014/main" id="{6A3AC27E-5CD2-4CE8-9C5C-CC2444AB05F9}"/>
+              </a:ext>
+            </a:extLst>
+          </p:cNvPr>
+          <p:cNvCxnSpPr>
+            <a:cxnSpLocks/>
+            <a:stCxn id="74" idx="3"/>
+          </p:cNvCxnSpPr>
+          <p:nvPr/>
+        </p:nvCxnSpPr>
+        <p:spPr>
+          <a:xfrm>
+            <a:off x="4255909" y="3876612"/>
+            <a:ext cx="409266" cy="0"/>
+          </a:xfrm>
+          <a:prstGeom prst="straightConnector1">
+            <a:avLst/>
+          </a:prstGeom>
+          <a:ln>
+            <a:solidFill>
+              <a:schemeClr val="tx1"/>
+            </a:solidFill>
+            <a:tailEnd type="triangle"/>
+          </a:ln>
+        </p:spPr>
+        <p:style>
+          <a:lnRef idx="1">
+            <a:schemeClr val="accent1"/>
+          </a:lnRef>
+          <a:fillRef idx="0">
+            <a:schemeClr val="accent1"/>
+          </a:fillRef>
+          <a:effectRef idx="0">
+            <a:schemeClr val="accent1"/>
+          </a:effectRef>
+          <a:fontRef idx="minor">
+            <a:schemeClr val="tx1"/>
+          </a:fontRef>
+        </p:style>
+      </p:cxnSp>
+      <p:sp>
+        <p:nvSpPr>
+          <p:cNvPr id="16" name="流程图: 过程 15">
+            <a:extLst>
+              <a:ext uri="{FF2B5EF4-FFF2-40B4-BE49-F238E27FC236}">
+                <a16:creationId xmlns:a16="http://schemas.microsoft.com/office/drawing/2014/main" id="{70BD9EDF-E888-4C5F-BEE8-5412E37F0529}"/>
+              </a:ext>
+            </a:extLst>
+          </p:cNvPr>
+          <p:cNvSpPr/>
+          <p:nvPr/>
+        </p:nvSpPr>
+        <p:spPr>
+          <a:xfrm>
+            <a:off x="4665175" y="3699330"/>
+            <a:ext cx="1763617" cy="354563"/>
+          </a:xfrm>
+          <a:prstGeom prst="flowChartProcess">
+            <a:avLst/>
+          </a:prstGeom>
+          <a:solidFill>
+            <a:schemeClr val="bg1"/>
+          </a:solidFill>
+          <a:ln>
+            <a:solidFill>
+              <a:schemeClr val="tx1"/>
+            </a:solidFill>
+          </a:ln>
+        </p:spPr>
+        <p:style>
+          <a:lnRef idx="2">
+            <a:schemeClr val="accent1">
+              <a:shade val="50000"/>
+            </a:schemeClr>
+          </a:lnRef>
+          <a:fillRef idx="1">
+            <a:schemeClr val="accent1"/>
+          </a:fillRef>
+          <a:effectRef idx="0">
+            <a:schemeClr val="accent1"/>
+          </a:effectRef>
+          <a:fontRef idx="minor">
+            <a:schemeClr val="lt1"/>
+          </a:fontRef>
+        </p:style>
+        <p:txBody>
+          <a:bodyPr rtlCol="0" anchor="ctr"/>
+          <a:lstStyle/>
+          <a:p>
+            <a:pPr algn="ctr"/>
+            <a:r>
+              <a:rPr lang="zh-CN" altLang="en-US" sz="1050" dirty="0">
+                <a:solidFill>
+                  <a:schemeClr val="tx1"/>
+                </a:solidFill>
+                <a:latin typeface="宋体" panose="02010600030101010101" pitchFamily="2" charset="-122"/>
+                <a:ea typeface="宋体" panose="02010600030101010101" pitchFamily="2" charset="-122"/>
+              </a:rPr>
+              <a:t>嵌入式数据库访问接口</a:t>
+            </a:r>
+            <a:endParaRPr lang="en-US" altLang="zh-CN" sz="1050" dirty="0">
+              <a:solidFill>
+                <a:schemeClr val="tx1"/>
+              </a:solidFill>
+              <a:latin typeface="宋体" panose="02010600030101010101" pitchFamily="2" charset="-122"/>
+              <a:ea typeface="宋体" panose="02010600030101010101" pitchFamily="2" charset="-122"/>
+            </a:endParaRPr>
+          </a:p>
+        </p:txBody>
+      </p:sp>
+      <p:sp>
+        <p:nvSpPr>
+          <p:cNvPr id="67" name="矩形: 圆角 66">
+            <a:extLst>
+              <a:ext uri="{FF2B5EF4-FFF2-40B4-BE49-F238E27FC236}">
+                <a16:creationId xmlns:a16="http://schemas.microsoft.com/office/drawing/2014/main" id="{7A3F9319-F4C8-4CFC-9D95-84EE84CDEF17}"/>
+              </a:ext>
+            </a:extLst>
+          </p:cNvPr>
+          <p:cNvSpPr/>
+          <p:nvPr/>
+        </p:nvSpPr>
+        <p:spPr>
+          <a:xfrm>
+            <a:off x="2772502" y="886931"/>
+            <a:ext cx="1359667" cy="453902"/>
+          </a:xfrm>
+          <a:prstGeom prst="roundRect">
+            <a:avLst/>
+          </a:prstGeom>
+          <a:solidFill>
+            <a:schemeClr val="accent1">
+              <a:lumMod val="20000"/>
+              <a:lumOff val="80000"/>
+            </a:schemeClr>
+          </a:solidFill>
+          <a:ln>
+            <a:solidFill>
+              <a:schemeClr val="tx1"/>
+            </a:solidFill>
+          </a:ln>
+        </p:spPr>
+        <p:style>
+          <a:lnRef idx="2">
+            <a:schemeClr val="accent1">
+              <a:shade val="50000"/>
+            </a:schemeClr>
+          </a:lnRef>
+          <a:fillRef idx="1">
+            <a:schemeClr val="accent1"/>
+          </a:fillRef>
+          <a:effectRef idx="0">
+            <a:schemeClr val="accent1"/>
+          </a:effectRef>
+          <a:fontRef idx="minor">
+            <a:schemeClr val="lt1"/>
+          </a:fontRef>
+        </p:style>
+        <p:txBody>
+          <a:bodyPr rtlCol="0" anchor="ctr"/>
+          <a:lstStyle/>
+          <a:p>
+            <a:pPr algn="ctr"/>
+            <a:r>
+              <a:rPr lang="en-US" altLang="zh-CN" sz="1050" dirty="0">
+                <a:solidFill>
+                  <a:schemeClr val="tx1"/>
+                </a:solidFill>
+                <a:latin typeface="宋体" panose="02010600030101010101" pitchFamily="2" charset="-122"/>
+                <a:ea typeface="宋体" panose="02010600030101010101" pitchFamily="2" charset="-122"/>
+              </a:rPr>
+              <a:t>IFC</a:t>
+            </a:r>
+            <a:r>
+              <a:rPr lang="zh-CN" altLang="en-US" sz="1050" dirty="0">
+                <a:solidFill>
+                  <a:schemeClr val="tx1"/>
+                </a:solidFill>
+                <a:latin typeface="宋体" panose="02010600030101010101" pitchFamily="2" charset="-122"/>
+                <a:ea typeface="宋体" panose="02010600030101010101" pitchFamily="2" charset="-122"/>
+              </a:rPr>
+              <a:t>实体对象集合</a:t>
+            </a:r>
+            <a:endParaRPr lang="en-US" altLang="zh-CN" sz="1050" dirty="0">
+              <a:solidFill>
+                <a:schemeClr val="tx1"/>
+              </a:solidFill>
+              <a:latin typeface="宋体" panose="02010600030101010101" pitchFamily="2" charset="-122"/>
+              <a:ea typeface="宋体" panose="02010600030101010101" pitchFamily="2" charset="-122"/>
+            </a:endParaRPr>
+          </a:p>
+        </p:txBody>
+      </p:sp>
+      <p:cxnSp>
+        <p:nvCxnSpPr>
+          <p:cNvPr id="68" name="直接箭头连接符 67">
+            <a:extLst>
+              <a:ext uri="{FF2B5EF4-FFF2-40B4-BE49-F238E27FC236}">
+                <a16:creationId xmlns:a16="http://schemas.microsoft.com/office/drawing/2014/main" id="{D697DFE8-C8D7-4E62-B6FF-4A8A01358AF4}"/>
+              </a:ext>
+            </a:extLst>
+          </p:cNvPr>
+          <p:cNvCxnSpPr>
+            <a:cxnSpLocks/>
+          </p:cNvCxnSpPr>
+          <p:nvPr/>
+        </p:nvCxnSpPr>
+        <p:spPr>
+          <a:xfrm flipV="1">
+            <a:off x="4132169" y="1113882"/>
+            <a:ext cx="330466" cy="9984"/>
+          </a:xfrm>
+          <a:prstGeom prst="straightConnector1">
+            <a:avLst/>
+          </a:prstGeom>
+          <a:ln>
+            <a:solidFill>
+              <a:schemeClr val="tx1"/>
+            </a:solidFill>
+            <a:tailEnd type="triangle"/>
+          </a:ln>
+        </p:spPr>
+        <p:style>
+          <a:lnRef idx="1">
+            <a:schemeClr val="accent1"/>
+          </a:lnRef>
+          <a:fillRef idx="0">
+            <a:schemeClr val="accent1"/>
+          </a:fillRef>
+          <a:effectRef idx="0">
+            <a:schemeClr val="accent1"/>
+          </a:effectRef>
+          <a:fontRef idx="minor">
+            <a:schemeClr val="tx1"/>
+          </a:fontRef>
+        </p:style>
+      </p:cxnSp>
+      <p:sp>
+        <p:nvSpPr>
+          <p:cNvPr id="69" name="流程图: 过程 68">
+            <a:extLst>
+              <a:ext uri="{FF2B5EF4-FFF2-40B4-BE49-F238E27FC236}">
+                <a16:creationId xmlns:a16="http://schemas.microsoft.com/office/drawing/2014/main" id="{BE091304-01A3-4F7F-8DEC-5F6798CE4A5E}"/>
+              </a:ext>
+            </a:extLst>
+          </p:cNvPr>
+          <p:cNvSpPr/>
+          <p:nvPr/>
+        </p:nvSpPr>
+        <p:spPr>
+          <a:xfrm>
+            <a:off x="4462635" y="933020"/>
+            <a:ext cx="1359667" cy="361724"/>
+          </a:xfrm>
+          <a:prstGeom prst="flowChartProcess">
+            <a:avLst/>
+          </a:prstGeom>
+          <a:solidFill>
+            <a:schemeClr val="bg1"/>
+          </a:solidFill>
+          <a:ln>
+            <a:solidFill>
+              <a:schemeClr val="tx1"/>
+            </a:solidFill>
+          </a:ln>
+        </p:spPr>
+        <p:style>
+          <a:lnRef idx="2">
+            <a:schemeClr val="accent1">
+              <a:shade val="50000"/>
+            </a:schemeClr>
+          </a:lnRef>
+          <a:fillRef idx="1">
+            <a:schemeClr val="accent1"/>
+          </a:fillRef>
+          <a:effectRef idx="0">
+            <a:schemeClr val="accent1"/>
+          </a:effectRef>
+          <a:fontRef idx="minor">
+            <a:schemeClr val="lt1"/>
+          </a:fontRef>
+        </p:style>
+        <p:txBody>
+          <a:bodyPr rtlCol="0" anchor="ctr"/>
+          <a:lstStyle/>
+          <a:p>
+            <a:pPr algn="ctr"/>
+            <a:r>
+              <a:rPr lang="zh-CN" altLang="en-US" sz="1050" dirty="0">
+                <a:solidFill>
+                  <a:schemeClr val="tx1"/>
+                </a:solidFill>
+                <a:latin typeface="宋体" panose="02010600030101010101" pitchFamily="2" charset="-122"/>
+                <a:ea typeface="宋体" panose="02010600030101010101" pitchFamily="2" charset="-122"/>
+              </a:rPr>
+              <a:t>提取空间关系数据</a:t>
+            </a:r>
+            <a:endParaRPr lang="en-US" altLang="zh-CN" sz="1050" dirty="0">
+              <a:solidFill>
+                <a:schemeClr val="tx1"/>
+              </a:solidFill>
+              <a:latin typeface="宋体" panose="02010600030101010101" pitchFamily="2" charset="-122"/>
+              <a:ea typeface="宋体" panose="02010600030101010101" pitchFamily="2" charset="-122"/>
+            </a:endParaRPr>
+          </a:p>
+        </p:txBody>
+      </p:sp>
+      <p:cxnSp>
+        <p:nvCxnSpPr>
+          <p:cNvPr id="70" name="直接箭头连接符 69">
+            <a:extLst>
+              <a:ext uri="{FF2B5EF4-FFF2-40B4-BE49-F238E27FC236}">
+                <a16:creationId xmlns:a16="http://schemas.microsoft.com/office/drawing/2014/main" id="{4F75C4C1-B5A0-4A44-B60A-65E9F7F74FFD}"/>
+              </a:ext>
+            </a:extLst>
+          </p:cNvPr>
+          <p:cNvCxnSpPr>
+            <a:cxnSpLocks/>
+          </p:cNvCxnSpPr>
+          <p:nvPr/>
+        </p:nvCxnSpPr>
+        <p:spPr>
+          <a:xfrm flipV="1">
+            <a:off x="5822302" y="1103898"/>
+            <a:ext cx="330466" cy="9984"/>
+          </a:xfrm>
+          <a:prstGeom prst="straightConnector1">
+            <a:avLst/>
+          </a:prstGeom>
+          <a:ln>
+            <a:solidFill>
+              <a:schemeClr val="tx1"/>
+            </a:solidFill>
+            <a:tailEnd type="triangle"/>
+          </a:ln>
+        </p:spPr>
+        <p:style>
+          <a:lnRef idx="1">
+            <a:schemeClr val="accent1"/>
+          </a:lnRef>
+          <a:fillRef idx="0">
+            <a:schemeClr val="accent1"/>
+          </a:fillRef>
+          <a:effectRef idx="0">
+            <a:schemeClr val="accent1"/>
+          </a:effectRef>
+          <a:fontRef idx="minor">
+            <a:schemeClr val="tx1"/>
+          </a:fontRef>
+        </p:style>
+      </p:cxnSp>
+      <p:sp>
+        <p:nvSpPr>
+          <p:cNvPr id="71" name="流程图: 过程 70">
+            <a:extLst>
+              <a:ext uri="{FF2B5EF4-FFF2-40B4-BE49-F238E27FC236}">
+                <a16:creationId xmlns:a16="http://schemas.microsoft.com/office/drawing/2014/main" id="{20E5C3F6-2431-45F3-9F84-9E5CE67F28AC}"/>
+              </a:ext>
+            </a:extLst>
+          </p:cNvPr>
+          <p:cNvSpPr/>
+          <p:nvPr/>
+        </p:nvSpPr>
+        <p:spPr>
+          <a:xfrm>
+            <a:off x="6152768" y="923036"/>
+            <a:ext cx="1230562" cy="361724"/>
+          </a:xfrm>
+          <a:prstGeom prst="flowChartProcess">
+            <a:avLst/>
+          </a:prstGeom>
+          <a:solidFill>
+            <a:schemeClr val="bg1"/>
+          </a:solidFill>
+          <a:ln>
+            <a:solidFill>
+              <a:schemeClr val="tx1"/>
+            </a:solidFill>
+          </a:ln>
+        </p:spPr>
+        <p:style>
+          <a:lnRef idx="2">
+            <a:schemeClr val="accent1">
+              <a:shade val="50000"/>
+            </a:schemeClr>
+          </a:lnRef>
+          <a:fillRef idx="1">
+            <a:schemeClr val="accent1"/>
+          </a:fillRef>
+          <a:effectRef idx="0">
+            <a:schemeClr val="accent1"/>
+          </a:effectRef>
+          <a:fontRef idx="minor">
+            <a:schemeClr val="lt1"/>
+          </a:fontRef>
+        </p:style>
+        <p:txBody>
+          <a:bodyPr rtlCol="0" anchor="ctr"/>
+          <a:lstStyle/>
+          <a:p>
+            <a:pPr algn="ctr"/>
+            <a:r>
+              <a:rPr lang="zh-CN" altLang="en-US" sz="1050" dirty="0">
+                <a:solidFill>
+                  <a:schemeClr val="tx1"/>
+                </a:solidFill>
+                <a:latin typeface="宋体" panose="02010600030101010101" pitchFamily="2" charset="-122"/>
+                <a:ea typeface="宋体" panose="02010600030101010101" pitchFamily="2" charset="-122"/>
+              </a:rPr>
+              <a:t>数据格式转化</a:t>
+            </a:r>
+            <a:endParaRPr lang="en-US" altLang="zh-CN" sz="1050" dirty="0">
+              <a:solidFill>
+                <a:schemeClr val="tx1"/>
+              </a:solidFill>
+              <a:latin typeface="宋体" panose="02010600030101010101" pitchFamily="2" charset="-122"/>
+              <a:ea typeface="宋体" panose="02010600030101010101" pitchFamily="2" charset="-122"/>
+            </a:endParaRPr>
+          </a:p>
+        </p:txBody>
+      </p:sp>
+      <p:cxnSp>
+        <p:nvCxnSpPr>
+          <p:cNvPr id="72" name="直接箭头连接符 71">
+            <a:extLst>
+              <a:ext uri="{FF2B5EF4-FFF2-40B4-BE49-F238E27FC236}">
+                <a16:creationId xmlns:a16="http://schemas.microsoft.com/office/drawing/2014/main" id="{F71950B9-A03B-45E2-9F99-0827E807F570}"/>
+              </a:ext>
+            </a:extLst>
+          </p:cNvPr>
+          <p:cNvCxnSpPr>
+            <a:cxnSpLocks/>
+          </p:cNvCxnSpPr>
+          <p:nvPr/>
+        </p:nvCxnSpPr>
+        <p:spPr>
+          <a:xfrm flipV="1">
+            <a:off x="7353643" y="1123866"/>
+            <a:ext cx="330466" cy="9984"/>
+          </a:xfrm>
+          <a:prstGeom prst="straightConnector1">
+            <a:avLst/>
+          </a:prstGeom>
+          <a:ln>
+            <a:solidFill>
+              <a:schemeClr val="tx1"/>
+            </a:solidFill>
+            <a:tailEnd type="triangle"/>
+          </a:ln>
+        </p:spPr>
+        <p:style>
+          <a:lnRef idx="1">
+            <a:schemeClr val="accent1"/>
+          </a:lnRef>
+          <a:fillRef idx="0">
+            <a:schemeClr val="accent1"/>
+          </a:fillRef>
+          <a:effectRef idx="0">
+            <a:schemeClr val="accent1"/>
+          </a:effectRef>
+          <a:fontRef idx="minor">
+            <a:schemeClr val="tx1"/>
+          </a:fontRef>
+        </p:style>
+      </p:cxnSp>
+      <p:sp>
+        <p:nvSpPr>
+          <p:cNvPr id="73" name="矩形: 圆角 72">
+            <a:extLst>
+              <a:ext uri="{FF2B5EF4-FFF2-40B4-BE49-F238E27FC236}">
+                <a16:creationId xmlns:a16="http://schemas.microsoft.com/office/drawing/2014/main" id="{79C55B45-479A-460B-B9FB-D0751F6981DE}"/>
+              </a:ext>
+            </a:extLst>
+          </p:cNvPr>
+          <p:cNvSpPr/>
+          <p:nvPr/>
+        </p:nvSpPr>
+        <p:spPr>
+          <a:xfrm>
+            <a:off x="7689597" y="418359"/>
+            <a:ext cx="1338393" cy="1371078"/>
+          </a:xfrm>
+          <a:prstGeom prst="roundRect">
+            <a:avLst/>
+          </a:prstGeom>
+          <a:solidFill>
+            <a:schemeClr val="tx2">
+              <a:lumMod val="40000"/>
+              <a:lumOff val="60000"/>
+            </a:schemeClr>
+          </a:solidFill>
+          <a:ln>
+            <a:solidFill>
+              <a:schemeClr val="tx1"/>
+            </a:solidFill>
+          </a:ln>
+        </p:spPr>
+        <p:style>
+          <a:lnRef idx="2">
+            <a:schemeClr val="accent1">
+              <a:shade val="50000"/>
+            </a:schemeClr>
+          </a:lnRef>
+          <a:fillRef idx="1">
+            <a:schemeClr val="accent1"/>
+          </a:fillRef>
+          <a:effectRef idx="0">
+            <a:schemeClr val="accent1"/>
+          </a:effectRef>
+          <a:fontRef idx="minor">
+            <a:schemeClr val="lt1"/>
+          </a:fontRef>
+        </p:style>
+        <p:txBody>
+          <a:bodyPr rtlCol="0" anchor="ctr"/>
+          <a:lstStyle/>
+          <a:p>
+            <a:pPr algn="ctr"/>
+            <a:r>
+              <a:rPr lang="en-US" altLang="zh-CN" sz="1050" dirty="0">
+                <a:solidFill>
+                  <a:schemeClr val="tx1"/>
+                </a:solidFill>
+                <a:latin typeface="宋体" panose="02010600030101010101" pitchFamily="2" charset="-122"/>
+                <a:ea typeface="宋体" panose="02010600030101010101" pitchFamily="2" charset="-122"/>
+              </a:rPr>
+              <a:t>Neo4j</a:t>
+            </a:r>
+            <a:r>
+              <a:rPr lang="zh-CN" altLang="en-US" sz="1050" dirty="0">
+                <a:solidFill>
+                  <a:schemeClr val="tx1"/>
+                </a:solidFill>
+                <a:latin typeface="宋体" panose="02010600030101010101" pitchFamily="2" charset="-122"/>
+                <a:ea typeface="宋体" panose="02010600030101010101" pitchFamily="2" charset="-122"/>
+              </a:rPr>
+              <a:t>图数据模型</a:t>
+            </a:r>
+            <a:endParaRPr lang="en-US" altLang="zh-CN" sz="1050" dirty="0">
+              <a:solidFill>
+                <a:schemeClr val="tx1"/>
+              </a:solidFill>
+              <a:latin typeface="宋体" panose="02010600030101010101" pitchFamily="2" charset="-122"/>
+              <a:ea typeface="宋体" panose="02010600030101010101" pitchFamily="2" charset="-122"/>
+            </a:endParaRPr>
+          </a:p>
+          <a:p>
+            <a:pPr algn="ctr"/>
+            <a:endParaRPr lang="en-US" altLang="zh-CN" sz="1050" dirty="0">
+              <a:solidFill>
+                <a:schemeClr val="tx1"/>
+              </a:solidFill>
+              <a:latin typeface="宋体" panose="02010600030101010101" pitchFamily="2" charset="-122"/>
+              <a:ea typeface="宋体" panose="02010600030101010101" pitchFamily="2" charset="-122"/>
+            </a:endParaRPr>
+          </a:p>
+          <a:p>
+            <a:pPr algn="ctr"/>
+            <a:r>
+              <a:rPr lang="en-US" altLang="zh-CN" sz="1050" dirty="0">
+                <a:solidFill>
+                  <a:schemeClr val="tx1"/>
+                </a:solidFill>
+                <a:latin typeface="宋体" panose="02010600030101010101" pitchFamily="2" charset="-122"/>
+                <a:ea typeface="宋体" panose="02010600030101010101" pitchFamily="2" charset="-122"/>
+              </a:rPr>
+              <a:t>Node</a:t>
+            </a:r>
+          </a:p>
+          <a:p>
+            <a:pPr algn="ctr"/>
+            <a:r>
+              <a:rPr lang="en-US" altLang="zh-CN" sz="1050" dirty="0">
+                <a:solidFill>
+                  <a:schemeClr val="tx1"/>
+                </a:solidFill>
+                <a:latin typeface="宋体" panose="02010600030101010101" pitchFamily="2" charset="-122"/>
+                <a:ea typeface="宋体" panose="02010600030101010101" pitchFamily="2" charset="-122"/>
+              </a:rPr>
+              <a:t>Relationship</a:t>
+            </a:r>
+          </a:p>
+          <a:p>
+            <a:pPr algn="ctr"/>
+            <a:r>
+              <a:rPr lang="en-US" altLang="zh-CN" sz="1050" dirty="0">
+                <a:solidFill>
+                  <a:schemeClr val="tx1"/>
+                </a:solidFill>
+                <a:latin typeface="宋体" panose="02010600030101010101" pitchFamily="2" charset="-122"/>
+                <a:ea typeface="宋体" panose="02010600030101010101" pitchFamily="2" charset="-122"/>
+              </a:rPr>
+              <a:t>Label</a:t>
+            </a:r>
+          </a:p>
+          <a:p>
+            <a:pPr algn="ctr"/>
+            <a:r>
+              <a:rPr lang="en-US" altLang="zh-CN" sz="1050" dirty="0">
+                <a:solidFill>
+                  <a:schemeClr val="tx1"/>
+                </a:solidFill>
+                <a:latin typeface="宋体" panose="02010600030101010101" pitchFamily="2" charset="-122"/>
+                <a:ea typeface="宋体" panose="02010600030101010101" pitchFamily="2" charset="-122"/>
+              </a:rPr>
+              <a:t>Property</a:t>
+            </a:r>
+          </a:p>
+          <a:p>
+            <a:pPr algn="ctr"/>
+            <a:r>
+              <a:rPr lang="en-US" altLang="zh-CN" sz="1050" dirty="0">
+                <a:solidFill>
+                  <a:schemeClr val="tx1"/>
+                </a:solidFill>
+                <a:latin typeface="宋体" panose="02010600030101010101" pitchFamily="2" charset="-122"/>
+                <a:ea typeface="宋体" panose="02010600030101010101" pitchFamily="2" charset="-122"/>
+              </a:rPr>
+              <a:t>…</a:t>
+            </a:r>
+          </a:p>
+        </p:txBody>
+      </p:sp>
+      <p:sp>
+        <p:nvSpPr>
+          <p:cNvPr id="74" name="矩形: 圆角 73">
+            <a:extLst>
+              <a:ext uri="{FF2B5EF4-FFF2-40B4-BE49-F238E27FC236}">
+                <a16:creationId xmlns:a16="http://schemas.microsoft.com/office/drawing/2014/main" id="{A82C423D-F22B-49AD-BB94-23C97D97745C}"/>
+              </a:ext>
+            </a:extLst>
+          </p:cNvPr>
+          <p:cNvSpPr/>
+          <p:nvPr/>
+        </p:nvSpPr>
+        <p:spPr>
+          <a:xfrm>
+            <a:off x="2917516" y="3191073"/>
+            <a:ext cx="1338393" cy="1371078"/>
+          </a:xfrm>
+          <a:prstGeom prst="roundRect">
+            <a:avLst/>
+          </a:prstGeom>
+          <a:solidFill>
+            <a:schemeClr val="tx2">
+              <a:lumMod val="40000"/>
+              <a:lumOff val="60000"/>
+            </a:schemeClr>
+          </a:solidFill>
+          <a:ln>
+            <a:solidFill>
+              <a:schemeClr val="tx1"/>
+            </a:solidFill>
+          </a:ln>
+        </p:spPr>
+        <p:style>
+          <a:lnRef idx="2">
+            <a:schemeClr val="accent1">
+              <a:shade val="50000"/>
+            </a:schemeClr>
+          </a:lnRef>
+          <a:fillRef idx="1">
+            <a:schemeClr val="accent1"/>
+          </a:fillRef>
+          <a:effectRef idx="0">
+            <a:schemeClr val="accent1"/>
+          </a:effectRef>
+          <a:fontRef idx="minor">
+            <a:schemeClr val="lt1"/>
+          </a:fontRef>
+        </p:style>
+        <p:txBody>
+          <a:bodyPr rtlCol="0" anchor="ctr"/>
+          <a:lstStyle/>
+          <a:p>
+            <a:pPr algn="ctr"/>
+            <a:r>
+              <a:rPr lang="en-US" altLang="zh-CN" sz="1050" dirty="0">
+                <a:solidFill>
+                  <a:schemeClr val="tx1"/>
+                </a:solidFill>
+                <a:latin typeface="宋体" panose="02010600030101010101" pitchFamily="2" charset="-122"/>
+                <a:ea typeface="宋体" panose="02010600030101010101" pitchFamily="2" charset="-122"/>
+              </a:rPr>
+              <a:t>Neo4j</a:t>
+            </a:r>
+            <a:r>
+              <a:rPr lang="zh-CN" altLang="en-US" sz="1050" dirty="0">
+                <a:solidFill>
+                  <a:schemeClr val="tx1"/>
+                </a:solidFill>
+                <a:latin typeface="宋体" panose="02010600030101010101" pitchFamily="2" charset="-122"/>
+                <a:ea typeface="宋体" panose="02010600030101010101" pitchFamily="2" charset="-122"/>
+              </a:rPr>
+              <a:t>图数据模型</a:t>
+            </a:r>
+            <a:endParaRPr lang="en-US" altLang="zh-CN" sz="1050" dirty="0">
+              <a:solidFill>
+                <a:schemeClr val="tx1"/>
+              </a:solidFill>
+              <a:latin typeface="宋体" panose="02010600030101010101" pitchFamily="2" charset="-122"/>
+              <a:ea typeface="宋体" panose="02010600030101010101" pitchFamily="2" charset="-122"/>
+            </a:endParaRPr>
+          </a:p>
+          <a:p>
+            <a:pPr algn="ctr"/>
+            <a:endParaRPr lang="en-US" altLang="zh-CN" sz="1050" dirty="0">
+              <a:solidFill>
+                <a:schemeClr val="tx1"/>
+              </a:solidFill>
+              <a:latin typeface="宋体" panose="02010600030101010101" pitchFamily="2" charset="-122"/>
+              <a:ea typeface="宋体" panose="02010600030101010101" pitchFamily="2" charset="-122"/>
+            </a:endParaRPr>
+          </a:p>
+          <a:p>
+            <a:pPr algn="ctr"/>
+            <a:r>
+              <a:rPr lang="en-US" altLang="zh-CN" sz="1050" dirty="0">
+                <a:solidFill>
+                  <a:schemeClr val="tx1"/>
+                </a:solidFill>
+                <a:latin typeface="宋体" panose="02010600030101010101" pitchFamily="2" charset="-122"/>
+                <a:ea typeface="宋体" panose="02010600030101010101" pitchFamily="2" charset="-122"/>
+              </a:rPr>
+              <a:t>Node</a:t>
+            </a:r>
+          </a:p>
+          <a:p>
+            <a:pPr algn="ctr"/>
+            <a:r>
+              <a:rPr lang="en-US" altLang="zh-CN" sz="1050" dirty="0">
+                <a:solidFill>
+                  <a:schemeClr val="tx1"/>
+                </a:solidFill>
+                <a:latin typeface="宋体" panose="02010600030101010101" pitchFamily="2" charset="-122"/>
+                <a:ea typeface="宋体" panose="02010600030101010101" pitchFamily="2" charset="-122"/>
+              </a:rPr>
+              <a:t>Relationship</a:t>
+            </a:r>
+          </a:p>
+          <a:p>
+            <a:pPr algn="ctr"/>
+            <a:r>
+              <a:rPr lang="en-US" altLang="zh-CN" sz="1050" dirty="0">
+                <a:solidFill>
+                  <a:schemeClr val="tx1"/>
+                </a:solidFill>
+                <a:latin typeface="宋体" panose="02010600030101010101" pitchFamily="2" charset="-122"/>
+                <a:ea typeface="宋体" panose="02010600030101010101" pitchFamily="2" charset="-122"/>
+              </a:rPr>
+              <a:t>Label</a:t>
+            </a:r>
+          </a:p>
+          <a:p>
+            <a:pPr algn="ctr"/>
+            <a:r>
+              <a:rPr lang="en-US" altLang="zh-CN" sz="1050" dirty="0">
+                <a:solidFill>
+                  <a:schemeClr val="tx1"/>
+                </a:solidFill>
+                <a:latin typeface="宋体" panose="02010600030101010101" pitchFamily="2" charset="-122"/>
+                <a:ea typeface="宋体" panose="02010600030101010101" pitchFamily="2" charset="-122"/>
+              </a:rPr>
+              <a:t>Property</a:t>
+            </a:r>
+          </a:p>
+          <a:p>
+            <a:pPr algn="ctr"/>
+            <a:r>
+              <a:rPr lang="en-US" altLang="zh-CN" sz="1050" dirty="0">
+                <a:solidFill>
+                  <a:schemeClr val="tx1"/>
+                </a:solidFill>
+                <a:latin typeface="宋体" panose="02010600030101010101" pitchFamily="2" charset="-122"/>
+                <a:ea typeface="宋体" panose="02010600030101010101" pitchFamily="2" charset="-122"/>
+              </a:rPr>
+              <a:t>…</a:t>
+            </a:r>
+          </a:p>
+        </p:txBody>
+      </p:sp>
+      <p:cxnSp>
+        <p:nvCxnSpPr>
+          <p:cNvPr id="85" name="直接箭头连接符 84">
+            <a:extLst>
+              <a:ext uri="{FF2B5EF4-FFF2-40B4-BE49-F238E27FC236}">
+                <a16:creationId xmlns:a16="http://schemas.microsoft.com/office/drawing/2014/main" id="{6D139CC9-451D-46F0-BE76-9EBEAC02A76A}"/>
+              </a:ext>
+            </a:extLst>
+          </p:cNvPr>
+          <p:cNvCxnSpPr>
+            <a:cxnSpLocks/>
+          </p:cNvCxnSpPr>
+          <p:nvPr/>
+        </p:nvCxnSpPr>
+        <p:spPr>
+          <a:xfrm flipV="1">
+            <a:off x="6428792" y="3876611"/>
+            <a:ext cx="330466" cy="9984"/>
+          </a:xfrm>
+          <a:prstGeom prst="straightConnector1">
+            <a:avLst/>
+          </a:prstGeom>
+          <a:ln>
+            <a:solidFill>
+              <a:schemeClr val="tx1"/>
+            </a:solidFill>
+            <a:tailEnd type="triangle"/>
+          </a:ln>
+        </p:spPr>
+        <p:style>
+          <a:lnRef idx="1">
+            <a:schemeClr val="accent1"/>
+          </a:lnRef>
+          <a:fillRef idx="0">
+            <a:schemeClr val="accent1"/>
+          </a:fillRef>
+          <a:effectRef idx="0">
+            <a:schemeClr val="accent1"/>
+          </a:effectRef>
+          <a:fontRef idx="minor">
+            <a:schemeClr val="tx1"/>
+          </a:fontRef>
+        </p:style>
+      </p:cxnSp>
+      <p:sp>
+        <p:nvSpPr>
+          <p:cNvPr id="86" name="矩形 85">
+            <a:extLst>
+              <a:ext uri="{FF2B5EF4-FFF2-40B4-BE49-F238E27FC236}">
+                <a16:creationId xmlns:a16="http://schemas.microsoft.com/office/drawing/2014/main" id="{B6BE94E1-C41A-4AC3-8599-724D9FC1CA5E}"/>
+              </a:ext>
+            </a:extLst>
+          </p:cNvPr>
+          <p:cNvSpPr/>
+          <p:nvPr/>
+        </p:nvSpPr>
+        <p:spPr>
+          <a:xfrm>
+            <a:off x="6764691" y="3405672"/>
+            <a:ext cx="2024743" cy="895739"/>
+          </a:xfrm>
+          <a:prstGeom prst="rect">
+            <a:avLst/>
+          </a:prstGeom>
+          <a:solidFill>
+            <a:schemeClr val="bg1"/>
+          </a:solidFill>
+          <a:ln>
+            <a:solidFill>
+              <a:schemeClr val="tx1"/>
+            </a:solidFill>
+          </a:ln>
+        </p:spPr>
+        <p:style>
+          <a:lnRef idx="2">
+            <a:schemeClr val="accent1">
+              <a:shade val="50000"/>
+            </a:schemeClr>
+          </a:lnRef>
+          <a:fillRef idx="1">
+            <a:schemeClr val="accent1"/>
+          </a:fillRef>
+          <a:effectRef idx="0">
+            <a:schemeClr val="accent1"/>
+          </a:effectRef>
+          <a:fontRef idx="minor">
+            <a:schemeClr val="lt1"/>
+          </a:fontRef>
+        </p:style>
+        <p:txBody>
+          <a:bodyPr rtlCol="0" anchor="ctr"/>
+          <a:lstStyle/>
+          <a:p>
+            <a:pPr algn="ctr"/>
+            <a:endParaRPr lang="zh-CN" altLang="en-US" sz="1050" dirty="0">
+              <a:solidFill>
+                <a:schemeClr val="tx1"/>
+              </a:solidFill>
+              <a:latin typeface="宋体" panose="02010600030101010101" pitchFamily="2" charset="-122"/>
+              <a:ea typeface="宋体" panose="02010600030101010101" pitchFamily="2" charset="-122"/>
+            </a:endParaRPr>
+          </a:p>
+        </p:txBody>
+      </p:sp>
+      <p:sp>
+        <p:nvSpPr>
+          <p:cNvPr id="89" name="文本框 88">
+            <a:extLst>
+              <a:ext uri="{FF2B5EF4-FFF2-40B4-BE49-F238E27FC236}">
+                <a16:creationId xmlns:a16="http://schemas.microsoft.com/office/drawing/2014/main" id="{AD3FFF67-8D16-472A-A8AB-9C411BAC9342}"/>
+              </a:ext>
+            </a:extLst>
+          </p:cNvPr>
+          <p:cNvSpPr txBox="1"/>
+          <p:nvPr/>
+        </p:nvSpPr>
+        <p:spPr>
+          <a:xfrm>
+            <a:off x="7289238" y="3449592"/>
+            <a:ext cx="975648" cy="253916"/>
+          </a:xfrm>
+          <a:prstGeom prst="rect">
+            <a:avLst/>
+          </a:prstGeom>
+          <a:noFill/>
+        </p:spPr>
+        <p:txBody>
+          <a:bodyPr wrap="square" rtlCol="0">
+            <a:spAutoFit/>
+          </a:bodyPr>
+          <a:lstStyle/>
+          <a:p>
+            <a:r>
+              <a:rPr lang="en-US" altLang="zh-CN" sz="1050" dirty="0">
+                <a:latin typeface="宋体" panose="02010600030101010101" pitchFamily="2" charset="-122"/>
+                <a:ea typeface="宋体" panose="02010600030101010101" pitchFamily="2" charset="-122"/>
+              </a:rPr>
+              <a:t>Neo4j</a:t>
+            </a:r>
+            <a:r>
+              <a:rPr lang="zh-CN" altLang="en-US" sz="1050" dirty="0">
+                <a:latin typeface="宋体" panose="02010600030101010101" pitchFamily="2" charset="-122"/>
+                <a:ea typeface="宋体" panose="02010600030101010101" pitchFamily="2" charset="-122"/>
+              </a:rPr>
+              <a:t>数据库</a:t>
+            </a:r>
+          </a:p>
+        </p:txBody>
+      </p:sp>
+      <p:sp>
+        <p:nvSpPr>
+          <p:cNvPr id="91" name="文本框 90">
+            <a:extLst>
+              <a:ext uri="{FF2B5EF4-FFF2-40B4-BE49-F238E27FC236}">
+                <a16:creationId xmlns:a16="http://schemas.microsoft.com/office/drawing/2014/main" id="{3D14A365-99BF-4E1A-8566-A3D5A3B20161}"/>
+              </a:ext>
+            </a:extLst>
+          </p:cNvPr>
+          <p:cNvSpPr txBox="1"/>
+          <p:nvPr/>
+        </p:nvSpPr>
+        <p:spPr>
+          <a:xfrm>
+            <a:off x="6976579" y="3855703"/>
+            <a:ext cx="721175" cy="253916"/>
+          </a:xfrm>
+          <a:prstGeom prst="rect">
+            <a:avLst/>
+          </a:prstGeom>
+          <a:solidFill>
+            <a:schemeClr val="accent5">
+              <a:lumMod val="20000"/>
+              <a:lumOff val="80000"/>
+            </a:schemeClr>
+          </a:solidFill>
+          <a:ln>
+            <a:solidFill>
+              <a:schemeClr val="tx1"/>
+            </a:solidFill>
+          </a:ln>
+        </p:spPr>
+        <p:txBody>
+          <a:bodyPr wrap="square" rtlCol="0">
+            <a:spAutoFit/>
+          </a:bodyPr>
+          <a:lstStyle/>
+          <a:p>
+            <a:pPr algn="ctr"/>
+            <a:r>
+              <a:rPr lang="zh-CN" altLang="en-US" sz="1050" dirty="0">
+                <a:latin typeface="宋体" panose="02010600030101010101" pitchFamily="2" charset="-122"/>
+                <a:ea typeface="宋体" panose="02010600030101010101" pitchFamily="2" charset="-122"/>
+              </a:rPr>
+              <a:t>数据</a:t>
+            </a:r>
+          </a:p>
+        </p:txBody>
+      </p:sp>
+      <p:sp>
+        <p:nvSpPr>
+          <p:cNvPr id="92" name="文本框 91">
+            <a:extLst>
+              <a:ext uri="{FF2B5EF4-FFF2-40B4-BE49-F238E27FC236}">
+                <a16:creationId xmlns:a16="http://schemas.microsoft.com/office/drawing/2014/main" id="{E4313534-6C51-4239-917C-4938F0320F90}"/>
+              </a:ext>
+            </a:extLst>
+          </p:cNvPr>
+          <p:cNvSpPr txBox="1"/>
+          <p:nvPr/>
+        </p:nvSpPr>
+        <p:spPr>
+          <a:xfrm>
+            <a:off x="7883006" y="3855703"/>
+            <a:ext cx="639869" cy="253916"/>
+          </a:xfrm>
+          <a:prstGeom prst="rect">
+            <a:avLst/>
+          </a:prstGeom>
+          <a:solidFill>
+            <a:schemeClr val="accent5">
+              <a:lumMod val="20000"/>
+              <a:lumOff val="80000"/>
+            </a:schemeClr>
+          </a:solidFill>
+          <a:ln>
+            <a:solidFill>
+              <a:schemeClr val="tx1"/>
+            </a:solidFill>
+          </a:ln>
+        </p:spPr>
+        <p:txBody>
+          <a:bodyPr wrap="square" rtlCol="0">
+            <a:spAutoFit/>
+          </a:bodyPr>
+          <a:lstStyle/>
+          <a:p>
+            <a:pPr algn="ctr"/>
+            <a:r>
+              <a:rPr lang="zh-CN" altLang="en-US" sz="1050" dirty="0">
+                <a:latin typeface="宋体" panose="02010600030101010101" pitchFamily="2" charset="-122"/>
+                <a:ea typeface="宋体" panose="02010600030101010101" pitchFamily="2" charset="-122"/>
+              </a:rPr>
+              <a:t>索引</a:t>
+            </a:r>
+          </a:p>
+        </p:txBody>
+      </p:sp>
+      <p:sp>
+        <p:nvSpPr>
+          <p:cNvPr id="93" name="流程图: 过程 92">
+            <a:extLst>
+              <a:ext uri="{FF2B5EF4-FFF2-40B4-BE49-F238E27FC236}">
+                <a16:creationId xmlns:a16="http://schemas.microsoft.com/office/drawing/2014/main" id="{114E2F6A-A79B-46A6-A813-897B0AD6033A}"/>
+              </a:ext>
+            </a:extLst>
+          </p:cNvPr>
+          <p:cNvSpPr/>
+          <p:nvPr/>
+        </p:nvSpPr>
+        <p:spPr>
+          <a:xfrm>
+            <a:off x="7571930" y="4751442"/>
+            <a:ext cx="1277515" cy="361724"/>
+          </a:xfrm>
+          <a:prstGeom prst="flowChartProcess">
+            <a:avLst/>
+          </a:prstGeom>
+          <a:solidFill>
+            <a:schemeClr val="accent6">
+              <a:lumMod val="40000"/>
+              <a:lumOff val="60000"/>
+            </a:schemeClr>
+          </a:solidFill>
+          <a:ln>
+            <a:solidFill>
+              <a:schemeClr val="tx1"/>
+            </a:solidFill>
+            <a:prstDash val="dashDot"/>
+          </a:ln>
+        </p:spPr>
+        <p:style>
+          <a:lnRef idx="2">
+            <a:schemeClr val="accent1">
+              <a:shade val="50000"/>
+            </a:schemeClr>
+          </a:lnRef>
+          <a:fillRef idx="1">
+            <a:schemeClr val="accent1"/>
+          </a:fillRef>
+          <a:effectRef idx="0">
+            <a:schemeClr val="accent1"/>
+          </a:effectRef>
+          <a:fontRef idx="minor">
+            <a:schemeClr val="lt1"/>
+          </a:fontRef>
+        </p:style>
+        <p:txBody>
+          <a:bodyPr rtlCol="0" anchor="ctr"/>
+          <a:lstStyle/>
+          <a:p>
+            <a:pPr algn="ctr"/>
+            <a:r>
+              <a:rPr lang="zh-CN" altLang="en-US" sz="1050" dirty="0">
+                <a:solidFill>
+                  <a:schemeClr val="tx1"/>
+                </a:solidFill>
+                <a:latin typeface="宋体" panose="02010600030101010101" pitchFamily="2" charset="-122"/>
+                <a:ea typeface="宋体" panose="02010600030101010101" pitchFamily="2" charset="-122"/>
+              </a:rPr>
+              <a:t>动态建立索引算法</a:t>
+            </a:r>
+            <a:endParaRPr lang="en-US" altLang="zh-CN" sz="1050" dirty="0">
+              <a:solidFill>
+                <a:schemeClr val="tx1"/>
+              </a:solidFill>
+              <a:latin typeface="宋体" panose="02010600030101010101" pitchFamily="2" charset="-122"/>
+              <a:ea typeface="宋体" panose="02010600030101010101" pitchFamily="2" charset="-122"/>
+            </a:endParaRPr>
+          </a:p>
+        </p:txBody>
+      </p:sp>
+      <p:cxnSp>
+        <p:nvCxnSpPr>
+          <p:cNvPr id="95" name="直接箭头连接符 94">
+            <a:extLst>
+              <a:ext uri="{FF2B5EF4-FFF2-40B4-BE49-F238E27FC236}">
+                <a16:creationId xmlns:a16="http://schemas.microsoft.com/office/drawing/2014/main" id="{8F3A2B52-1F0B-44A4-ACFA-1C11D43B22A6}"/>
+              </a:ext>
+            </a:extLst>
+          </p:cNvPr>
+          <p:cNvCxnSpPr>
+            <a:cxnSpLocks/>
+            <a:stCxn id="93" idx="0"/>
+          </p:cNvCxnSpPr>
+          <p:nvPr/>
+        </p:nvCxnSpPr>
+        <p:spPr>
+          <a:xfrm flipV="1">
+            <a:off x="8210688" y="4109619"/>
+            <a:ext cx="0" cy="641823"/>
+          </a:xfrm>
+          <a:prstGeom prst="straightConnector1">
+            <a:avLst/>
+          </a:prstGeom>
+          <a:ln>
+            <a:solidFill>
+              <a:schemeClr val="tx1"/>
+            </a:solidFill>
+            <a:tailEnd type="triangle"/>
+          </a:ln>
+        </p:spPr>
+        <p:style>
+          <a:lnRef idx="1">
+            <a:schemeClr val="accent1"/>
+          </a:lnRef>
+          <a:fillRef idx="0">
+            <a:schemeClr val="accent1"/>
+          </a:fillRef>
+          <a:effectRef idx="0">
+            <a:schemeClr val="accent1"/>
+          </a:effectRef>
+          <a:fontRef idx="minor">
+            <a:schemeClr val="tx1"/>
+          </a:fontRef>
+        </p:style>
+      </p:cxnSp>
+      <p:cxnSp>
+        <p:nvCxnSpPr>
+          <p:cNvPr id="97" name="直接箭头连接符 96">
+            <a:extLst>
+              <a:ext uri="{FF2B5EF4-FFF2-40B4-BE49-F238E27FC236}">
+                <a16:creationId xmlns:a16="http://schemas.microsoft.com/office/drawing/2014/main" id="{78A1BCF5-0777-4A66-A790-354FFC930A1D}"/>
+              </a:ext>
+            </a:extLst>
+          </p:cNvPr>
+          <p:cNvCxnSpPr>
+            <a:cxnSpLocks/>
+            <a:endCxn id="16" idx="2"/>
+          </p:cNvCxnSpPr>
+          <p:nvPr/>
+        </p:nvCxnSpPr>
+        <p:spPr>
+          <a:xfrm flipV="1">
+            <a:off x="5546984" y="4053893"/>
+            <a:ext cx="0" cy="697549"/>
+          </a:xfrm>
+          <a:prstGeom prst="straightConnector1">
+            <a:avLst/>
+          </a:prstGeom>
+          <a:ln>
+            <a:solidFill>
+              <a:schemeClr val="tx1"/>
+            </a:solidFill>
+            <a:tailEnd type="triangle"/>
+          </a:ln>
+        </p:spPr>
+        <p:style>
+          <a:lnRef idx="1">
+            <a:schemeClr val="accent1"/>
+          </a:lnRef>
+          <a:fillRef idx="0">
+            <a:schemeClr val="accent1"/>
+          </a:fillRef>
+          <a:effectRef idx="0">
+            <a:schemeClr val="accent1"/>
+          </a:effectRef>
+          <a:fontRef idx="minor">
+            <a:schemeClr val="tx1"/>
+          </a:fontRef>
+        </p:style>
+      </p:cxnSp>
+      <p:sp>
+        <p:nvSpPr>
+          <p:cNvPr id="101" name="流程图: 过程 100">
+            <a:extLst>
+              <a:ext uri="{FF2B5EF4-FFF2-40B4-BE49-F238E27FC236}">
+                <a16:creationId xmlns:a16="http://schemas.microsoft.com/office/drawing/2014/main" id="{DBE1AC1C-4DEC-4C0C-9CE1-14F81A24136A}"/>
+              </a:ext>
+            </a:extLst>
+          </p:cNvPr>
+          <p:cNvSpPr/>
+          <p:nvPr/>
+        </p:nvSpPr>
+        <p:spPr>
+          <a:xfrm>
+            <a:off x="4908225" y="4744280"/>
+            <a:ext cx="1352615" cy="368885"/>
+          </a:xfrm>
+          <a:prstGeom prst="flowChartProcess">
+            <a:avLst/>
+          </a:prstGeom>
+          <a:solidFill>
+            <a:schemeClr val="accent6">
+              <a:lumMod val="40000"/>
+              <a:lumOff val="60000"/>
+            </a:schemeClr>
+          </a:solidFill>
+          <a:ln>
+            <a:solidFill>
+              <a:schemeClr val="tx1"/>
+            </a:solidFill>
+            <a:prstDash val="dashDot"/>
+          </a:ln>
+        </p:spPr>
+        <p:style>
+          <a:lnRef idx="2">
+            <a:schemeClr val="accent1">
+              <a:shade val="50000"/>
+            </a:schemeClr>
+          </a:lnRef>
+          <a:fillRef idx="1">
+            <a:schemeClr val="accent1"/>
+          </a:fillRef>
+          <a:effectRef idx="0">
+            <a:schemeClr val="accent1"/>
+          </a:effectRef>
+          <a:fontRef idx="minor">
+            <a:schemeClr val="lt1"/>
+          </a:fontRef>
+        </p:style>
+        <p:txBody>
+          <a:bodyPr rtlCol="0" anchor="ctr"/>
+          <a:lstStyle/>
+          <a:p>
+            <a:pPr algn="ctr"/>
+            <a:r>
+              <a:rPr lang="zh-CN" altLang="en-US" sz="1050" dirty="0">
+                <a:solidFill>
+                  <a:schemeClr val="tx1"/>
+                </a:solidFill>
+                <a:latin typeface="宋体" panose="02010600030101010101" pitchFamily="2" charset="-122"/>
+                <a:ea typeface="宋体" panose="02010600030101010101" pitchFamily="2" charset="-122"/>
+              </a:rPr>
+              <a:t>基于</a:t>
+            </a:r>
+            <a:r>
+              <a:rPr lang="en-US" altLang="zh-CN" sz="1050" dirty="0" err="1">
+                <a:solidFill>
+                  <a:schemeClr val="tx1"/>
+                </a:solidFill>
+                <a:latin typeface="宋体" panose="02010600030101010101" pitchFamily="2" charset="-122"/>
+                <a:ea typeface="宋体" panose="02010600030101010101" pitchFamily="2" charset="-122"/>
+              </a:rPr>
+              <a:t>BloomFilter</a:t>
+            </a:r>
+            <a:r>
+              <a:rPr lang="zh-CN" altLang="en-US" sz="1050" dirty="0">
+                <a:solidFill>
+                  <a:schemeClr val="tx1"/>
+                </a:solidFill>
+                <a:latin typeface="宋体" panose="02010600030101010101" pitchFamily="2" charset="-122"/>
+                <a:ea typeface="宋体" panose="02010600030101010101" pitchFamily="2" charset="-122"/>
+              </a:rPr>
+              <a:t>的特定路径查询算法</a:t>
+            </a:r>
+            <a:endParaRPr lang="en-US" altLang="zh-CN" sz="1050" dirty="0">
+              <a:solidFill>
+                <a:schemeClr val="tx1"/>
+              </a:solidFill>
+              <a:latin typeface="宋体" panose="02010600030101010101" pitchFamily="2" charset="-122"/>
+              <a:ea typeface="宋体" panose="02010600030101010101" pitchFamily="2" charset="-122"/>
+            </a:endParaRPr>
+          </a:p>
+        </p:txBody>
+      </p:sp>
+    </p:spTree>
+    <p:extLst>
+      <p:ext uri="{BB962C8B-B14F-4D97-AF65-F5344CB8AC3E}">
+        <p14:creationId xmlns:p14="http://schemas.microsoft.com/office/powerpoint/2010/main" val="384632450"/>
+      </p:ext>
+    </p:extLst>
+  </p:cSld>
+  <p:clrMapOvr>
+    <a:masterClrMapping/>
+  </p:clrMapOvr>
+</p:sld>
+</file>
+
+<file path=ppt/slides/slide28.xml><?xml version="1.0" encoding="utf-8"?>
+<p:sld xmlns:a="http://schemas.openxmlformats.org/drawingml/2006/main" xmlns:r="http://schemas.openxmlformats.org/officeDocument/2006/relationships" xmlns:p="http://schemas.openxmlformats.org/presentationml/2006/main">
+  <p:cSld>
+    <p:spTree>
+      <p:nvGrpSpPr>
+        <p:cNvPr id="1" name=""/>
+        <p:cNvGrpSpPr/>
+        <p:nvPr/>
+      </p:nvGrpSpPr>
+      <p:grpSpPr>
+        <a:xfrm>
+          <a:off x="0" y="0"/>
+          <a:ext cx="0" cy="0"/>
+          <a:chOff x="0" y="0"/>
+          <a:chExt cx="0" cy="0"/>
+        </a:xfrm>
+      </p:grpSpPr>
+      <p:sp>
+        <p:nvSpPr>
+          <p:cNvPr id="150" name="流程图: 过程 149">
+            <a:extLst>
+              <a:ext uri="{FF2B5EF4-FFF2-40B4-BE49-F238E27FC236}">
+                <a16:creationId xmlns:a16="http://schemas.microsoft.com/office/drawing/2014/main" id="{A807FB12-6C63-4BB2-9986-AC2D81F4D3B3}"/>
+              </a:ext>
+            </a:extLst>
+          </p:cNvPr>
+          <p:cNvSpPr/>
+          <p:nvPr/>
+        </p:nvSpPr>
+        <p:spPr>
+          <a:xfrm>
+            <a:off x="5346441" y="4665306"/>
+            <a:ext cx="335902" cy="383780"/>
+          </a:xfrm>
+          <a:prstGeom prst="flowChartProcess">
+            <a:avLst/>
+          </a:prstGeom>
+          <a:solidFill>
+            <a:schemeClr val="bg1"/>
+          </a:solidFill>
+          <a:ln>
+            <a:noFill/>
+          </a:ln>
+        </p:spPr>
+        <p:style>
+          <a:lnRef idx="2">
+            <a:schemeClr val="accent1">
+              <a:shade val="50000"/>
+            </a:schemeClr>
+          </a:lnRef>
+          <a:fillRef idx="1">
+            <a:schemeClr val="accent1"/>
+          </a:fillRef>
+          <a:effectRef idx="0">
+            <a:schemeClr val="accent1"/>
+          </a:effectRef>
+          <a:fontRef idx="minor">
+            <a:schemeClr val="lt1"/>
+          </a:fontRef>
+        </p:style>
+        <p:txBody>
+          <a:bodyPr rtlCol="0" anchor="ctr"/>
+          <a:lstStyle/>
+          <a:p>
+            <a:pPr algn="ctr"/>
+            <a:r>
+              <a:rPr lang="zh-CN" altLang="en-US" sz="1050" dirty="0">
+                <a:solidFill>
+                  <a:schemeClr val="tx1"/>
+                </a:solidFill>
+                <a:latin typeface="宋体" panose="02010600030101010101" pitchFamily="2" charset="-122"/>
+                <a:ea typeface="宋体" panose="02010600030101010101" pitchFamily="2" charset="-122"/>
+              </a:rPr>
+              <a:t>否</a:t>
+            </a:r>
+            <a:endParaRPr lang="en-US" altLang="zh-CN" sz="1050" dirty="0">
+              <a:solidFill>
+                <a:schemeClr val="tx1"/>
+              </a:solidFill>
+              <a:latin typeface="宋体" panose="02010600030101010101" pitchFamily="2" charset="-122"/>
+              <a:ea typeface="宋体" panose="02010600030101010101" pitchFamily="2" charset="-122"/>
+            </a:endParaRPr>
+          </a:p>
+        </p:txBody>
+      </p:sp>
+      <p:sp>
+        <p:nvSpPr>
+          <p:cNvPr id="43" name="流程图: 过程 42">
+            <a:extLst>
+              <a:ext uri="{FF2B5EF4-FFF2-40B4-BE49-F238E27FC236}">
+                <a16:creationId xmlns:a16="http://schemas.microsoft.com/office/drawing/2014/main" id="{91BB1933-8D67-4E4D-8BB5-6B40B4DEC780}"/>
+              </a:ext>
+            </a:extLst>
+          </p:cNvPr>
+          <p:cNvSpPr/>
+          <p:nvPr/>
+        </p:nvSpPr>
+        <p:spPr>
+          <a:xfrm>
+            <a:off x="2738797" y="2631416"/>
+            <a:ext cx="2182062" cy="361724"/>
+          </a:xfrm>
+          <a:prstGeom prst="flowChartProcess">
+            <a:avLst/>
+          </a:prstGeom>
+          <a:solidFill>
+            <a:schemeClr val="bg1"/>
+          </a:solidFill>
+          <a:ln>
+            <a:noFill/>
+          </a:ln>
+        </p:spPr>
+        <p:style>
+          <a:lnRef idx="2">
+            <a:schemeClr val="accent1">
+              <a:shade val="50000"/>
+            </a:schemeClr>
+          </a:lnRef>
+          <a:fillRef idx="1">
+            <a:schemeClr val="accent1"/>
+          </a:fillRef>
+          <a:effectRef idx="0">
+            <a:schemeClr val="accent1"/>
+          </a:effectRef>
+          <a:fontRef idx="minor">
+            <a:schemeClr val="lt1"/>
+          </a:fontRef>
+        </p:style>
+        <p:txBody>
+          <a:bodyPr rtlCol="0" anchor="ctr"/>
+          <a:lstStyle/>
+          <a:p>
+            <a:r>
+              <a:rPr lang="en-US" altLang="zh-CN" sz="1050" dirty="0" err="1">
+                <a:solidFill>
+                  <a:schemeClr val="tx1"/>
+                </a:solidFill>
+                <a:latin typeface="宋体" panose="02010600030101010101" pitchFamily="2" charset="-122"/>
+                <a:ea typeface="宋体" panose="02010600030101010101" pitchFamily="2" charset="-122"/>
+              </a:rPr>
+              <a:t>IfcRelDefinesByProperties</a:t>
+            </a:r>
+            <a:r>
+              <a:rPr lang="zh-CN" altLang="en-US" sz="1050" dirty="0">
+                <a:solidFill>
+                  <a:schemeClr val="tx1"/>
+                </a:solidFill>
+                <a:latin typeface="宋体" panose="02010600030101010101" pitchFamily="2" charset="-122"/>
+                <a:ea typeface="宋体" panose="02010600030101010101" pitchFamily="2" charset="-122"/>
+              </a:rPr>
+              <a:t>对象</a:t>
+            </a:r>
+            <a:endParaRPr lang="en-US" altLang="zh-CN" sz="1050" dirty="0">
+              <a:solidFill>
+                <a:schemeClr val="tx1"/>
+              </a:solidFill>
+              <a:latin typeface="宋体" panose="02010600030101010101" pitchFamily="2" charset="-122"/>
+              <a:ea typeface="宋体" panose="02010600030101010101" pitchFamily="2" charset="-122"/>
+            </a:endParaRPr>
+          </a:p>
+        </p:txBody>
+      </p:sp>
+      <p:sp>
+        <p:nvSpPr>
+          <p:cNvPr id="23" name="矩形: 圆角 22">
+            <a:extLst>
+              <a:ext uri="{FF2B5EF4-FFF2-40B4-BE49-F238E27FC236}">
+                <a16:creationId xmlns:a16="http://schemas.microsoft.com/office/drawing/2014/main" id="{D615B054-A8B3-4C4A-A159-887857671C97}"/>
+              </a:ext>
+            </a:extLst>
+          </p:cNvPr>
+          <p:cNvSpPr/>
+          <p:nvPr/>
+        </p:nvSpPr>
+        <p:spPr>
+          <a:xfrm>
+            <a:off x="3154276" y="80221"/>
+            <a:ext cx="1359667" cy="453902"/>
+          </a:xfrm>
+          <a:prstGeom prst="roundRect">
+            <a:avLst/>
+          </a:prstGeom>
+          <a:solidFill>
+            <a:schemeClr val="accent1">
+              <a:lumMod val="20000"/>
+              <a:lumOff val="80000"/>
+            </a:schemeClr>
+          </a:solidFill>
+          <a:ln>
+            <a:solidFill>
+              <a:schemeClr val="tx1"/>
+            </a:solidFill>
+          </a:ln>
+        </p:spPr>
+        <p:style>
+          <a:lnRef idx="2">
+            <a:schemeClr val="accent1">
+              <a:shade val="50000"/>
+            </a:schemeClr>
+          </a:lnRef>
+          <a:fillRef idx="1">
+            <a:schemeClr val="accent1"/>
+          </a:fillRef>
+          <a:effectRef idx="0">
+            <a:schemeClr val="accent1"/>
+          </a:effectRef>
+          <a:fontRef idx="minor">
+            <a:schemeClr val="lt1"/>
+          </a:fontRef>
+        </p:style>
+        <p:txBody>
+          <a:bodyPr rtlCol="0" anchor="ctr"/>
+          <a:lstStyle/>
+          <a:p>
+            <a:pPr algn="ctr"/>
+            <a:r>
+              <a:rPr lang="en-US" altLang="zh-CN" sz="1050" dirty="0">
+                <a:solidFill>
+                  <a:schemeClr val="tx1"/>
+                </a:solidFill>
+                <a:latin typeface="宋体" panose="02010600030101010101" pitchFamily="2" charset="-122"/>
+                <a:ea typeface="宋体" panose="02010600030101010101" pitchFamily="2" charset="-122"/>
+              </a:rPr>
+              <a:t>IFC</a:t>
+            </a:r>
+            <a:r>
+              <a:rPr lang="zh-CN" altLang="en-US" sz="1050" dirty="0">
+                <a:solidFill>
+                  <a:schemeClr val="tx1"/>
+                </a:solidFill>
+                <a:latin typeface="宋体" panose="02010600030101010101" pitchFamily="2" charset="-122"/>
+                <a:ea typeface="宋体" panose="02010600030101010101" pitchFamily="2" charset="-122"/>
+              </a:rPr>
+              <a:t>实体对象集合</a:t>
+            </a:r>
+            <a:endParaRPr lang="en-US" altLang="zh-CN" sz="1050" dirty="0">
+              <a:solidFill>
+                <a:schemeClr val="tx1"/>
+              </a:solidFill>
+              <a:latin typeface="宋体" panose="02010600030101010101" pitchFamily="2" charset="-122"/>
+              <a:ea typeface="宋体" panose="02010600030101010101" pitchFamily="2" charset="-122"/>
+            </a:endParaRPr>
+          </a:p>
+        </p:txBody>
+      </p:sp>
+      <p:cxnSp>
+        <p:nvCxnSpPr>
+          <p:cNvPr id="24" name="直接箭头连接符 23">
+            <a:extLst>
+              <a:ext uri="{FF2B5EF4-FFF2-40B4-BE49-F238E27FC236}">
+                <a16:creationId xmlns:a16="http://schemas.microsoft.com/office/drawing/2014/main" id="{E9BBD417-2064-444D-8F5F-C65C6A0C0C16}"/>
+              </a:ext>
+            </a:extLst>
+          </p:cNvPr>
+          <p:cNvCxnSpPr>
+            <a:cxnSpLocks/>
+            <a:stCxn id="23" idx="2"/>
+            <a:endCxn id="25" idx="0"/>
+          </p:cNvCxnSpPr>
+          <p:nvPr/>
+        </p:nvCxnSpPr>
+        <p:spPr>
+          <a:xfrm flipH="1">
+            <a:off x="3828142" y="534123"/>
+            <a:ext cx="5968" cy="366628"/>
+          </a:xfrm>
+          <a:prstGeom prst="straightConnector1">
+            <a:avLst/>
+          </a:prstGeom>
+          <a:ln>
+            <a:solidFill>
+              <a:schemeClr val="tx1"/>
+            </a:solidFill>
+            <a:tailEnd type="triangle"/>
+          </a:ln>
+        </p:spPr>
+        <p:style>
+          <a:lnRef idx="1">
+            <a:schemeClr val="accent1"/>
+          </a:lnRef>
+          <a:fillRef idx="0">
+            <a:schemeClr val="accent1"/>
+          </a:fillRef>
+          <a:effectRef idx="0">
+            <a:schemeClr val="accent1"/>
+          </a:effectRef>
+          <a:fontRef idx="minor">
+            <a:schemeClr val="tx1"/>
+          </a:fontRef>
+        </p:style>
+      </p:cxnSp>
+      <p:sp>
+        <p:nvSpPr>
+          <p:cNvPr id="25" name="流程图: 过程 24">
+            <a:extLst>
+              <a:ext uri="{FF2B5EF4-FFF2-40B4-BE49-F238E27FC236}">
+                <a16:creationId xmlns:a16="http://schemas.microsoft.com/office/drawing/2014/main" id="{ED9EC202-001E-4A34-A480-6882E0342737}"/>
+              </a:ext>
+            </a:extLst>
+          </p:cNvPr>
+          <p:cNvSpPr/>
+          <p:nvPr/>
+        </p:nvSpPr>
+        <p:spPr>
+          <a:xfrm>
+            <a:off x="3198326" y="900751"/>
+            <a:ext cx="1259632" cy="361724"/>
+          </a:xfrm>
+          <a:prstGeom prst="flowChartProcess">
+            <a:avLst/>
+          </a:prstGeom>
+          <a:solidFill>
+            <a:schemeClr val="bg1"/>
+          </a:solidFill>
+          <a:ln>
+            <a:solidFill>
+              <a:schemeClr val="tx1"/>
+            </a:solidFill>
+          </a:ln>
+        </p:spPr>
+        <p:style>
+          <a:lnRef idx="2">
+            <a:schemeClr val="accent1">
+              <a:shade val="50000"/>
+            </a:schemeClr>
+          </a:lnRef>
+          <a:fillRef idx="1">
+            <a:schemeClr val="accent1"/>
+          </a:fillRef>
+          <a:effectRef idx="0">
+            <a:schemeClr val="accent1"/>
+          </a:effectRef>
+          <a:fontRef idx="minor">
+            <a:schemeClr val="lt1"/>
+          </a:fontRef>
+        </p:style>
+        <p:txBody>
+          <a:bodyPr rtlCol="0" anchor="ctr"/>
+          <a:lstStyle/>
+          <a:p>
+            <a:pPr algn="ctr"/>
+            <a:r>
+              <a:rPr lang="zh-CN" altLang="en-US" sz="1050" dirty="0">
+                <a:solidFill>
+                  <a:schemeClr val="tx1"/>
+                </a:solidFill>
+                <a:latin typeface="宋体" panose="02010600030101010101" pitchFamily="2" charset="-122"/>
+                <a:ea typeface="宋体" panose="02010600030101010101" pitchFamily="2" charset="-122"/>
+              </a:rPr>
+              <a:t>获取单个</a:t>
+            </a:r>
+            <a:r>
+              <a:rPr lang="en-US" altLang="zh-CN" sz="1050" dirty="0">
+                <a:solidFill>
+                  <a:schemeClr val="tx1"/>
+                </a:solidFill>
+                <a:latin typeface="宋体" panose="02010600030101010101" pitchFamily="2" charset="-122"/>
+                <a:ea typeface="宋体" panose="02010600030101010101" pitchFamily="2" charset="-122"/>
+              </a:rPr>
+              <a:t>IFC</a:t>
+            </a:r>
+            <a:r>
+              <a:rPr lang="zh-CN" altLang="en-US" sz="1050" dirty="0">
+                <a:solidFill>
+                  <a:schemeClr val="tx1"/>
+                </a:solidFill>
+                <a:latin typeface="宋体" panose="02010600030101010101" pitchFamily="2" charset="-122"/>
+                <a:ea typeface="宋体" panose="02010600030101010101" pitchFamily="2" charset="-122"/>
+              </a:rPr>
+              <a:t>对象</a:t>
+            </a:r>
+            <a:endParaRPr lang="en-US" altLang="zh-CN" sz="1050" dirty="0">
+              <a:solidFill>
+                <a:schemeClr val="tx1"/>
+              </a:solidFill>
+              <a:latin typeface="宋体" panose="02010600030101010101" pitchFamily="2" charset="-122"/>
+              <a:ea typeface="宋体" panose="02010600030101010101" pitchFamily="2" charset="-122"/>
+            </a:endParaRPr>
+          </a:p>
+        </p:txBody>
+      </p:sp>
+      <p:cxnSp>
+        <p:nvCxnSpPr>
+          <p:cNvPr id="26" name="直接箭头连接符 25">
+            <a:extLst>
+              <a:ext uri="{FF2B5EF4-FFF2-40B4-BE49-F238E27FC236}">
+                <a16:creationId xmlns:a16="http://schemas.microsoft.com/office/drawing/2014/main" id="{C54B368D-BC22-4C15-AE44-A99371CF0815}"/>
+              </a:ext>
+            </a:extLst>
+          </p:cNvPr>
+          <p:cNvCxnSpPr>
+            <a:cxnSpLocks/>
+          </p:cNvCxnSpPr>
+          <p:nvPr/>
+        </p:nvCxnSpPr>
+        <p:spPr>
+          <a:xfrm>
+            <a:off x="2099390" y="2947420"/>
+            <a:ext cx="0" cy="583819"/>
+          </a:xfrm>
+          <a:prstGeom prst="straightConnector1">
+            <a:avLst/>
+          </a:prstGeom>
+          <a:ln>
+            <a:tailEnd type="triangle"/>
+          </a:ln>
+        </p:spPr>
+        <p:style>
+          <a:lnRef idx="1">
+            <a:schemeClr val="dk1"/>
+          </a:lnRef>
+          <a:fillRef idx="0">
+            <a:schemeClr val="dk1"/>
+          </a:fillRef>
+          <a:effectRef idx="0">
+            <a:schemeClr val="dk1"/>
+          </a:effectRef>
+          <a:fontRef idx="minor">
+            <a:schemeClr val="tx1"/>
+          </a:fontRef>
+        </p:style>
+      </p:cxnSp>
+      <p:cxnSp>
+        <p:nvCxnSpPr>
+          <p:cNvPr id="13" name="直接连接符 12">
+            <a:extLst>
+              <a:ext uri="{FF2B5EF4-FFF2-40B4-BE49-F238E27FC236}">
+                <a16:creationId xmlns:a16="http://schemas.microsoft.com/office/drawing/2014/main" id="{DBDF9F21-7D88-4F42-A9C0-1F5A7A8566B8}"/>
+              </a:ext>
+            </a:extLst>
+          </p:cNvPr>
+          <p:cNvCxnSpPr>
+            <a:cxnSpLocks/>
+            <a:stCxn id="25" idx="2"/>
+            <a:endCxn id="34" idx="0"/>
+          </p:cNvCxnSpPr>
+          <p:nvPr/>
+        </p:nvCxnSpPr>
+        <p:spPr>
+          <a:xfrm>
+            <a:off x="3828142" y="1262475"/>
+            <a:ext cx="0" cy="366628"/>
+          </a:xfrm>
+          <a:prstGeom prst="line">
+            <a:avLst/>
+          </a:prstGeom>
+        </p:spPr>
+        <p:style>
+          <a:lnRef idx="1">
+            <a:schemeClr val="dk1"/>
+          </a:lnRef>
+          <a:fillRef idx="0">
+            <a:schemeClr val="dk1"/>
+          </a:fillRef>
+          <a:effectRef idx="0">
+            <a:schemeClr val="dk1"/>
+          </a:effectRef>
+          <a:fontRef idx="minor">
+            <a:schemeClr val="tx1"/>
+          </a:fontRef>
+        </p:style>
+      </p:cxnSp>
+      <p:sp>
+        <p:nvSpPr>
+          <p:cNvPr id="54" name="流程图: 过程 53">
+            <a:extLst>
+              <a:ext uri="{FF2B5EF4-FFF2-40B4-BE49-F238E27FC236}">
+                <a16:creationId xmlns:a16="http://schemas.microsoft.com/office/drawing/2014/main" id="{6EF238A8-0B9D-4A85-A911-9C719126A7A2}"/>
+              </a:ext>
+            </a:extLst>
+          </p:cNvPr>
+          <p:cNvSpPr/>
+          <p:nvPr/>
+        </p:nvSpPr>
+        <p:spPr>
+          <a:xfrm>
+            <a:off x="10168294" y="1746832"/>
+            <a:ext cx="1259632" cy="361724"/>
+          </a:xfrm>
+          <a:prstGeom prst="flowChartProcess">
+            <a:avLst/>
+          </a:prstGeom>
+          <a:solidFill>
+            <a:schemeClr val="bg1"/>
+          </a:solidFill>
+          <a:ln>
+            <a:solidFill>
+              <a:schemeClr val="tx1"/>
+            </a:solidFill>
+          </a:ln>
+        </p:spPr>
+        <p:style>
+          <a:lnRef idx="2">
+            <a:schemeClr val="accent1">
+              <a:shade val="50000"/>
+            </a:schemeClr>
+          </a:lnRef>
+          <a:fillRef idx="1">
+            <a:schemeClr val="accent1"/>
+          </a:fillRef>
+          <a:effectRef idx="0">
+            <a:schemeClr val="accent1"/>
+          </a:effectRef>
+          <a:fontRef idx="minor">
+            <a:schemeClr val="lt1"/>
+          </a:fontRef>
+        </p:style>
+        <p:txBody>
+          <a:bodyPr rtlCol="0" anchor="ctr"/>
+          <a:lstStyle/>
+          <a:p>
+            <a:pPr algn="ctr"/>
+            <a:r>
+              <a:rPr lang="zh-CN" altLang="en-US" sz="1050" dirty="0">
+                <a:solidFill>
+                  <a:schemeClr val="tx1"/>
+                </a:solidFill>
+                <a:latin typeface="宋体" panose="02010600030101010101" pitchFamily="2" charset="-122"/>
+                <a:ea typeface="宋体" panose="02010600030101010101" pitchFamily="2" charset="-122"/>
+              </a:rPr>
+              <a:t>对象类型判断</a:t>
+            </a:r>
+            <a:endParaRPr lang="en-US" altLang="zh-CN" sz="1050" dirty="0">
+              <a:solidFill>
+                <a:schemeClr val="tx1"/>
+              </a:solidFill>
+              <a:latin typeface="宋体" panose="02010600030101010101" pitchFamily="2" charset="-122"/>
+              <a:ea typeface="宋体" panose="02010600030101010101" pitchFamily="2" charset="-122"/>
+            </a:endParaRPr>
+          </a:p>
+        </p:txBody>
+      </p:sp>
+      <p:sp>
+        <p:nvSpPr>
+          <p:cNvPr id="34" name="菱形 33">
+            <a:extLst>
+              <a:ext uri="{FF2B5EF4-FFF2-40B4-BE49-F238E27FC236}">
+                <a16:creationId xmlns:a16="http://schemas.microsoft.com/office/drawing/2014/main" id="{1D17C3E1-7BE3-4714-B1D7-EF3C4F5F130E}"/>
+              </a:ext>
+            </a:extLst>
+          </p:cNvPr>
+          <p:cNvSpPr/>
+          <p:nvPr/>
+        </p:nvSpPr>
+        <p:spPr>
+          <a:xfrm>
+            <a:off x="2801774" y="1629103"/>
+            <a:ext cx="2052735" cy="631853"/>
+          </a:xfrm>
+          <a:prstGeom prst="diamond">
+            <a:avLst/>
+          </a:prstGeom>
+          <a:solidFill>
+            <a:schemeClr val="bg1"/>
+          </a:solidFill>
+          <a:ln>
+            <a:solidFill>
+              <a:schemeClr val="tx1"/>
+            </a:solidFill>
+          </a:ln>
+        </p:spPr>
+        <p:style>
+          <a:lnRef idx="2">
+            <a:schemeClr val="accent1">
+              <a:shade val="50000"/>
+            </a:schemeClr>
+          </a:lnRef>
+          <a:fillRef idx="1">
+            <a:schemeClr val="accent1"/>
+          </a:fillRef>
+          <a:effectRef idx="0">
+            <a:schemeClr val="accent1"/>
+          </a:effectRef>
+          <a:fontRef idx="minor">
+            <a:schemeClr val="lt1"/>
+          </a:fontRef>
+        </p:style>
+        <p:txBody>
+          <a:bodyPr rtlCol="0" anchor="ctr"/>
+          <a:lstStyle/>
+          <a:p>
+            <a:pPr algn="ctr"/>
+            <a:r>
+              <a:rPr lang="zh-CN" altLang="en-US" sz="1050" dirty="0">
+                <a:solidFill>
+                  <a:schemeClr val="tx1"/>
+                </a:solidFill>
+                <a:latin typeface="宋体" panose="02010600030101010101" pitchFamily="2" charset="-122"/>
+                <a:ea typeface="宋体" panose="02010600030101010101" pitchFamily="2" charset="-122"/>
+              </a:rPr>
+              <a:t>对象类型判断</a:t>
+            </a:r>
+          </a:p>
+        </p:txBody>
+      </p:sp>
+      <p:cxnSp>
+        <p:nvCxnSpPr>
+          <p:cNvPr id="60" name="直接连接符 59">
+            <a:extLst>
+              <a:ext uri="{FF2B5EF4-FFF2-40B4-BE49-F238E27FC236}">
+                <a16:creationId xmlns:a16="http://schemas.microsoft.com/office/drawing/2014/main" id="{22EBEC92-0BCB-4418-B2E9-ECA1E7C2CF5E}"/>
+              </a:ext>
+            </a:extLst>
+          </p:cNvPr>
+          <p:cNvCxnSpPr>
+            <a:cxnSpLocks/>
+          </p:cNvCxnSpPr>
+          <p:nvPr/>
+        </p:nvCxnSpPr>
+        <p:spPr>
+          <a:xfrm flipH="1">
+            <a:off x="2099390" y="1940950"/>
+            <a:ext cx="1" cy="718963"/>
+          </a:xfrm>
+          <a:prstGeom prst="line">
+            <a:avLst/>
+          </a:prstGeom>
+        </p:spPr>
+        <p:style>
+          <a:lnRef idx="1">
+            <a:schemeClr val="dk1"/>
+          </a:lnRef>
+          <a:fillRef idx="0">
+            <a:schemeClr val="dk1"/>
+          </a:fillRef>
+          <a:effectRef idx="0">
+            <a:schemeClr val="dk1"/>
+          </a:effectRef>
+          <a:fontRef idx="minor">
+            <a:schemeClr val="tx1"/>
+          </a:fontRef>
+        </p:style>
+      </p:cxnSp>
+      <p:cxnSp>
+        <p:nvCxnSpPr>
+          <p:cNvPr id="62" name="直接连接符 61">
+            <a:extLst>
+              <a:ext uri="{FF2B5EF4-FFF2-40B4-BE49-F238E27FC236}">
+                <a16:creationId xmlns:a16="http://schemas.microsoft.com/office/drawing/2014/main" id="{87B98A5B-39B9-42ED-8B12-B6C97ADFCA16}"/>
+              </a:ext>
+            </a:extLst>
+          </p:cNvPr>
+          <p:cNvCxnSpPr>
+            <a:cxnSpLocks/>
+            <a:stCxn id="34" idx="1"/>
+          </p:cNvCxnSpPr>
+          <p:nvPr/>
+        </p:nvCxnSpPr>
+        <p:spPr>
+          <a:xfrm flipH="1">
+            <a:off x="2117629" y="1945030"/>
+            <a:ext cx="684145" cy="0"/>
+          </a:xfrm>
+          <a:prstGeom prst="line">
+            <a:avLst/>
+          </a:prstGeom>
+        </p:spPr>
+        <p:style>
+          <a:lnRef idx="1">
+            <a:schemeClr val="dk1"/>
+          </a:lnRef>
+          <a:fillRef idx="0">
+            <a:schemeClr val="dk1"/>
+          </a:fillRef>
+          <a:effectRef idx="0">
+            <a:schemeClr val="dk1"/>
+          </a:effectRef>
+          <a:fontRef idx="minor">
+            <a:schemeClr val="tx1"/>
+          </a:fontRef>
+        </p:style>
+      </p:cxnSp>
+      <p:cxnSp>
+        <p:nvCxnSpPr>
+          <p:cNvPr id="75" name="直接连接符 74">
+            <a:extLst>
+              <a:ext uri="{FF2B5EF4-FFF2-40B4-BE49-F238E27FC236}">
+                <a16:creationId xmlns:a16="http://schemas.microsoft.com/office/drawing/2014/main" id="{2C3B958E-D85F-46DE-96B0-A15EA8C31A57}"/>
+              </a:ext>
+            </a:extLst>
+          </p:cNvPr>
+          <p:cNvCxnSpPr>
+            <a:cxnSpLocks/>
+            <a:stCxn id="34" idx="2"/>
+            <a:endCxn id="43" idx="0"/>
+          </p:cNvCxnSpPr>
+          <p:nvPr/>
+        </p:nvCxnSpPr>
+        <p:spPr>
+          <a:xfrm>
+            <a:off x="3828142" y="2260956"/>
+            <a:ext cx="1686" cy="370460"/>
+          </a:xfrm>
+          <a:prstGeom prst="line">
+            <a:avLst/>
+          </a:prstGeom>
+        </p:spPr>
+        <p:style>
+          <a:lnRef idx="1">
+            <a:schemeClr val="dk1"/>
+          </a:lnRef>
+          <a:fillRef idx="0">
+            <a:schemeClr val="dk1"/>
+          </a:fillRef>
+          <a:effectRef idx="0">
+            <a:schemeClr val="dk1"/>
+          </a:effectRef>
+          <a:fontRef idx="minor">
+            <a:schemeClr val="tx1"/>
+          </a:fontRef>
+        </p:style>
+      </p:cxnSp>
+      <p:cxnSp>
+        <p:nvCxnSpPr>
+          <p:cNvPr id="77" name="直接连接符 76">
+            <a:extLst>
+              <a:ext uri="{FF2B5EF4-FFF2-40B4-BE49-F238E27FC236}">
+                <a16:creationId xmlns:a16="http://schemas.microsoft.com/office/drawing/2014/main" id="{BF1E761C-C62E-4318-9925-93CD5AAB3573}"/>
+              </a:ext>
+            </a:extLst>
+          </p:cNvPr>
+          <p:cNvCxnSpPr>
+            <a:cxnSpLocks/>
+            <a:endCxn id="81" idx="0"/>
+          </p:cNvCxnSpPr>
+          <p:nvPr/>
+        </p:nvCxnSpPr>
+        <p:spPr>
+          <a:xfrm>
+            <a:off x="5515695" y="1940950"/>
+            <a:ext cx="0" cy="690466"/>
+          </a:xfrm>
+          <a:prstGeom prst="line">
+            <a:avLst/>
+          </a:prstGeom>
+        </p:spPr>
+        <p:style>
+          <a:lnRef idx="1">
+            <a:schemeClr val="dk1"/>
+          </a:lnRef>
+          <a:fillRef idx="0">
+            <a:schemeClr val="dk1"/>
+          </a:fillRef>
+          <a:effectRef idx="0">
+            <a:schemeClr val="dk1"/>
+          </a:effectRef>
+          <a:fontRef idx="minor">
+            <a:schemeClr val="tx1"/>
+          </a:fontRef>
+        </p:style>
+      </p:cxnSp>
+      <p:cxnSp>
+        <p:nvCxnSpPr>
+          <p:cNvPr id="78" name="直接连接符 77">
+            <a:extLst>
+              <a:ext uri="{FF2B5EF4-FFF2-40B4-BE49-F238E27FC236}">
+                <a16:creationId xmlns:a16="http://schemas.microsoft.com/office/drawing/2014/main" id="{A1BDE94E-86BD-4A7E-9569-3D320206A533}"/>
+              </a:ext>
+            </a:extLst>
+          </p:cNvPr>
+          <p:cNvCxnSpPr>
+            <a:cxnSpLocks/>
+          </p:cNvCxnSpPr>
+          <p:nvPr/>
+        </p:nvCxnSpPr>
+        <p:spPr>
+          <a:xfrm flipH="1">
+            <a:off x="10244494" y="2987532"/>
+            <a:ext cx="1" cy="718963"/>
+          </a:xfrm>
+          <a:prstGeom prst="line">
+            <a:avLst/>
+          </a:prstGeom>
+        </p:spPr>
+        <p:style>
+          <a:lnRef idx="1">
+            <a:schemeClr val="dk1"/>
+          </a:lnRef>
+          <a:fillRef idx="0">
+            <a:schemeClr val="dk1"/>
+          </a:fillRef>
+          <a:effectRef idx="0">
+            <a:schemeClr val="dk1"/>
+          </a:effectRef>
+          <a:fontRef idx="minor">
+            <a:schemeClr val="tx1"/>
+          </a:fontRef>
+        </p:style>
+      </p:cxnSp>
+      <p:sp>
+        <p:nvSpPr>
+          <p:cNvPr id="79" name="流程图: 过程 78">
+            <a:extLst>
+              <a:ext uri="{FF2B5EF4-FFF2-40B4-BE49-F238E27FC236}">
+                <a16:creationId xmlns:a16="http://schemas.microsoft.com/office/drawing/2014/main" id="{7D660800-FA7F-4DC5-A6D1-4139842D6267}"/>
+              </a:ext>
+            </a:extLst>
+          </p:cNvPr>
+          <p:cNvSpPr/>
+          <p:nvPr/>
+        </p:nvSpPr>
+        <p:spPr>
+          <a:xfrm>
+            <a:off x="10320694" y="1899232"/>
+            <a:ext cx="1259632" cy="361724"/>
+          </a:xfrm>
+          <a:prstGeom prst="flowChartProcess">
+            <a:avLst/>
+          </a:prstGeom>
+          <a:solidFill>
+            <a:schemeClr val="bg1"/>
+          </a:solidFill>
+          <a:ln>
+            <a:solidFill>
+              <a:schemeClr val="tx1"/>
+            </a:solidFill>
+          </a:ln>
+        </p:spPr>
+        <p:style>
+          <a:lnRef idx="2">
+            <a:schemeClr val="accent1">
+              <a:shade val="50000"/>
+            </a:schemeClr>
+          </a:lnRef>
+          <a:fillRef idx="1">
+            <a:schemeClr val="accent1"/>
+          </a:fillRef>
+          <a:effectRef idx="0">
+            <a:schemeClr val="accent1"/>
+          </a:effectRef>
+          <a:fontRef idx="minor">
+            <a:schemeClr val="lt1"/>
+          </a:fontRef>
+        </p:style>
+        <p:txBody>
+          <a:bodyPr rtlCol="0" anchor="ctr"/>
+          <a:lstStyle/>
+          <a:p>
+            <a:pPr algn="ctr"/>
+            <a:r>
+              <a:rPr lang="zh-CN" altLang="en-US" sz="1050" dirty="0">
+                <a:solidFill>
+                  <a:schemeClr val="tx1"/>
+                </a:solidFill>
+                <a:latin typeface="宋体" panose="02010600030101010101" pitchFamily="2" charset="-122"/>
+                <a:ea typeface="宋体" panose="02010600030101010101" pitchFamily="2" charset="-122"/>
+              </a:rPr>
+              <a:t>对象类型判断</a:t>
+            </a:r>
+            <a:endParaRPr lang="en-US" altLang="zh-CN" sz="1050" dirty="0">
+              <a:solidFill>
+                <a:schemeClr val="tx1"/>
+              </a:solidFill>
+              <a:latin typeface="宋体" panose="02010600030101010101" pitchFamily="2" charset="-122"/>
+              <a:ea typeface="宋体" panose="02010600030101010101" pitchFamily="2" charset="-122"/>
+            </a:endParaRPr>
+          </a:p>
+        </p:txBody>
+      </p:sp>
+      <p:sp>
+        <p:nvSpPr>
+          <p:cNvPr id="80" name="流程图: 过程 79">
+            <a:extLst>
+              <a:ext uri="{FF2B5EF4-FFF2-40B4-BE49-F238E27FC236}">
+                <a16:creationId xmlns:a16="http://schemas.microsoft.com/office/drawing/2014/main" id="{21211F7C-F6DA-441B-81D2-831AD78829CE}"/>
+              </a:ext>
+            </a:extLst>
+          </p:cNvPr>
+          <p:cNvSpPr/>
+          <p:nvPr/>
+        </p:nvSpPr>
+        <p:spPr>
+          <a:xfrm>
+            <a:off x="1469574" y="3531239"/>
+            <a:ext cx="1259632" cy="361724"/>
+          </a:xfrm>
+          <a:prstGeom prst="flowChartProcess">
+            <a:avLst/>
+          </a:prstGeom>
+          <a:solidFill>
+            <a:schemeClr val="bg1"/>
+          </a:solidFill>
+          <a:ln>
+            <a:solidFill>
+              <a:schemeClr val="tx1"/>
+            </a:solidFill>
+          </a:ln>
+        </p:spPr>
+        <p:style>
+          <a:lnRef idx="2">
+            <a:schemeClr val="accent1">
+              <a:shade val="50000"/>
+            </a:schemeClr>
+          </a:lnRef>
+          <a:fillRef idx="1">
+            <a:schemeClr val="accent1"/>
+          </a:fillRef>
+          <a:effectRef idx="0">
+            <a:schemeClr val="accent1"/>
+          </a:effectRef>
+          <a:fontRef idx="minor">
+            <a:schemeClr val="lt1"/>
+          </a:fontRef>
+        </p:style>
+        <p:txBody>
+          <a:bodyPr rtlCol="0" anchor="ctr"/>
+          <a:lstStyle/>
+          <a:p>
+            <a:pPr algn="ctr"/>
+            <a:r>
+              <a:rPr lang="en-US" altLang="zh-CN" sz="1050" dirty="0">
+                <a:solidFill>
+                  <a:schemeClr val="tx1"/>
+                </a:solidFill>
+                <a:latin typeface="宋体" panose="02010600030101010101" pitchFamily="2" charset="-122"/>
+                <a:ea typeface="宋体" panose="02010600030101010101" pitchFamily="2" charset="-122"/>
+              </a:rPr>
+              <a:t>JSON</a:t>
+            </a:r>
+            <a:r>
+              <a:rPr lang="zh-CN" altLang="en-US" sz="1050" dirty="0">
+                <a:solidFill>
+                  <a:schemeClr val="tx1"/>
+                </a:solidFill>
+                <a:latin typeface="宋体" panose="02010600030101010101" pitchFamily="2" charset="-122"/>
+                <a:ea typeface="宋体" panose="02010600030101010101" pitchFamily="2" charset="-122"/>
+              </a:rPr>
+              <a:t>映射算法</a:t>
+            </a:r>
+            <a:r>
+              <a:rPr lang="en-US" altLang="zh-CN" sz="1050" dirty="0">
+                <a:solidFill>
+                  <a:schemeClr val="tx1"/>
+                </a:solidFill>
+                <a:latin typeface="宋体" panose="02010600030101010101" pitchFamily="2" charset="-122"/>
+                <a:ea typeface="宋体" panose="02010600030101010101" pitchFamily="2" charset="-122"/>
+              </a:rPr>
+              <a:t>1</a:t>
+            </a:r>
+          </a:p>
+        </p:txBody>
+      </p:sp>
+      <p:sp>
+        <p:nvSpPr>
+          <p:cNvPr id="81" name="流程图: 过程 80">
+            <a:extLst>
+              <a:ext uri="{FF2B5EF4-FFF2-40B4-BE49-F238E27FC236}">
+                <a16:creationId xmlns:a16="http://schemas.microsoft.com/office/drawing/2014/main" id="{5D906CC8-CD7F-4718-846D-C6091A57E3E6}"/>
+              </a:ext>
+            </a:extLst>
+          </p:cNvPr>
+          <p:cNvSpPr/>
+          <p:nvPr/>
+        </p:nvSpPr>
+        <p:spPr>
+          <a:xfrm>
+            <a:off x="4810197" y="2631416"/>
+            <a:ext cx="1410996" cy="361724"/>
+          </a:xfrm>
+          <a:prstGeom prst="flowChartProcess">
+            <a:avLst/>
+          </a:prstGeom>
+          <a:solidFill>
+            <a:schemeClr val="bg1"/>
+          </a:solidFill>
+          <a:ln>
+            <a:noFill/>
+          </a:ln>
+        </p:spPr>
+        <p:style>
+          <a:lnRef idx="2">
+            <a:schemeClr val="accent1">
+              <a:shade val="50000"/>
+            </a:schemeClr>
+          </a:lnRef>
+          <a:fillRef idx="1">
+            <a:schemeClr val="accent1"/>
+          </a:fillRef>
+          <a:effectRef idx="0">
+            <a:schemeClr val="accent1"/>
+          </a:effectRef>
+          <a:fontRef idx="minor">
+            <a:schemeClr val="lt1"/>
+          </a:fontRef>
+        </p:style>
+        <p:txBody>
+          <a:bodyPr rtlCol="0" anchor="ctr"/>
+          <a:lstStyle/>
+          <a:p>
+            <a:r>
+              <a:rPr lang="en-US" altLang="zh-CN" sz="1050" dirty="0" err="1">
+                <a:solidFill>
+                  <a:schemeClr val="tx1"/>
+                </a:solidFill>
+                <a:latin typeface="宋体" panose="02010600030101010101" pitchFamily="2" charset="-122"/>
+                <a:ea typeface="宋体" panose="02010600030101010101" pitchFamily="2" charset="-122"/>
+              </a:rPr>
+              <a:t>IfcTypeObject</a:t>
+            </a:r>
+            <a:r>
+              <a:rPr lang="zh-CN" altLang="en-US" sz="1050" dirty="0">
+                <a:solidFill>
+                  <a:schemeClr val="tx1"/>
+                </a:solidFill>
+                <a:latin typeface="宋体" panose="02010600030101010101" pitchFamily="2" charset="-122"/>
+                <a:ea typeface="宋体" panose="02010600030101010101" pitchFamily="2" charset="-122"/>
+              </a:rPr>
+              <a:t>对象</a:t>
+            </a:r>
+            <a:endParaRPr lang="en-US" altLang="zh-CN" sz="1050" dirty="0">
+              <a:solidFill>
+                <a:schemeClr val="tx1"/>
+              </a:solidFill>
+              <a:latin typeface="宋体" panose="02010600030101010101" pitchFamily="2" charset="-122"/>
+              <a:ea typeface="宋体" panose="02010600030101010101" pitchFamily="2" charset="-122"/>
+            </a:endParaRPr>
+          </a:p>
+        </p:txBody>
+      </p:sp>
+      <p:cxnSp>
+        <p:nvCxnSpPr>
+          <p:cNvPr id="82" name="直接箭头连接符 81">
+            <a:extLst>
+              <a:ext uri="{FF2B5EF4-FFF2-40B4-BE49-F238E27FC236}">
+                <a16:creationId xmlns:a16="http://schemas.microsoft.com/office/drawing/2014/main" id="{C8E39081-2494-417F-A029-E3CAD906B733}"/>
+              </a:ext>
+            </a:extLst>
+          </p:cNvPr>
+          <p:cNvCxnSpPr>
+            <a:cxnSpLocks/>
+            <a:stCxn id="43" idx="2"/>
+            <a:endCxn id="83" idx="0"/>
+          </p:cNvCxnSpPr>
+          <p:nvPr/>
+        </p:nvCxnSpPr>
+        <p:spPr>
+          <a:xfrm flipH="1">
+            <a:off x="3823944" y="2993140"/>
+            <a:ext cx="5884" cy="534997"/>
+          </a:xfrm>
+          <a:prstGeom prst="straightConnector1">
+            <a:avLst/>
+          </a:prstGeom>
+          <a:ln>
+            <a:tailEnd type="triangle"/>
+          </a:ln>
+        </p:spPr>
+        <p:style>
+          <a:lnRef idx="1">
+            <a:schemeClr val="dk1"/>
+          </a:lnRef>
+          <a:fillRef idx="0">
+            <a:schemeClr val="dk1"/>
+          </a:fillRef>
+          <a:effectRef idx="0">
+            <a:schemeClr val="dk1"/>
+          </a:effectRef>
+          <a:fontRef idx="minor">
+            <a:schemeClr val="tx1"/>
+          </a:fontRef>
+        </p:style>
+      </p:cxnSp>
+      <p:sp>
+        <p:nvSpPr>
+          <p:cNvPr id="83" name="流程图: 过程 82">
+            <a:extLst>
+              <a:ext uri="{FF2B5EF4-FFF2-40B4-BE49-F238E27FC236}">
+                <a16:creationId xmlns:a16="http://schemas.microsoft.com/office/drawing/2014/main" id="{79B6187D-A635-4C3F-8017-0CC11D2AEC90}"/>
+              </a:ext>
+            </a:extLst>
+          </p:cNvPr>
+          <p:cNvSpPr/>
+          <p:nvPr/>
+        </p:nvSpPr>
+        <p:spPr>
+          <a:xfrm>
+            <a:off x="3194128" y="3528137"/>
+            <a:ext cx="1259632" cy="361724"/>
+          </a:xfrm>
+          <a:prstGeom prst="flowChartProcess">
+            <a:avLst/>
+          </a:prstGeom>
+          <a:solidFill>
+            <a:schemeClr val="bg1"/>
+          </a:solidFill>
+          <a:ln>
+            <a:solidFill>
+              <a:schemeClr val="tx1"/>
+            </a:solidFill>
+          </a:ln>
+        </p:spPr>
+        <p:style>
+          <a:lnRef idx="2">
+            <a:schemeClr val="accent1">
+              <a:shade val="50000"/>
+            </a:schemeClr>
+          </a:lnRef>
+          <a:fillRef idx="1">
+            <a:schemeClr val="accent1"/>
+          </a:fillRef>
+          <a:effectRef idx="0">
+            <a:schemeClr val="accent1"/>
+          </a:effectRef>
+          <a:fontRef idx="minor">
+            <a:schemeClr val="lt1"/>
+          </a:fontRef>
+        </p:style>
+        <p:txBody>
+          <a:bodyPr rtlCol="0" anchor="ctr"/>
+          <a:lstStyle/>
+          <a:p>
+            <a:pPr algn="ctr"/>
+            <a:r>
+              <a:rPr lang="en-US" altLang="zh-CN" sz="1050" dirty="0">
+                <a:solidFill>
+                  <a:schemeClr val="tx1"/>
+                </a:solidFill>
+                <a:latin typeface="宋体" panose="02010600030101010101" pitchFamily="2" charset="-122"/>
+                <a:ea typeface="宋体" panose="02010600030101010101" pitchFamily="2" charset="-122"/>
+              </a:rPr>
+              <a:t>JSON</a:t>
+            </a:r>
+            <a:r>
+              <a:rPr lang="zh-CN" altLang="en-US" sz="1050" dirty="0">
+                <a:solidFill>
+                  <a:schemeClr val="tx1"/>
+                </a:solidFill>
+                <a:latin typeface="宋体" panose="02010600030101010101" pitchFamily="2" charset="-122"/>
+                <a:ea typeface="宋体" panose="02010600030101010101" pitchFamily="2" charset="-122"/>
+              </a:rPr>
+              <a:t>映射算法</a:t>
+            </a:r>
+            <a:r>
+              <a:rPr lang="en-US" altLang="zh-CN" sz="1050" dirty="0">
+                <a:solidFill>
+                  <a:schemeClr val="tx1"/>
+                </a:solidFill>
+                <a:latin typeface="宋体" panose="02010600030101010101" pitchFamily="2" charset="-122"/>
+                <a:ea typeface="宋体" panose="02010600030101010101" pitchFamily="2" charset="-122"/>
+              </a:rPr>
+              <a:t>2</a:t>
+            </a:r>
+          </a:p>
+        </p:txBody>
+      </p:sp>
+      <p:sp>
+        <p:nvSpPr>
+          <p:cNvPr id="84" name="流程图: 过程 83">
+            <a:extLst>
+              <a:ext uri="{FF2B5EF4-FFF2-40B4-BE49-F238E27FC236}">
+                <a16:creationId xmlns:a16="http://schemas.microsoft.com/office/drawing/2014/main" id="{6C0916FA-9DEF-4195-912E-C9B087258321}"/>
+              </a:ext>
+            </a:extLst>
+          </p:cNvPr>
+          <p:cNvSpPr/>
+          <p:nvPr/>
+        </p:nvSpPr>
+        <p:spPr>
+          <a:xfrm>
+            <a:off x="1672544" y="2631416"/>
+            <a:ext cx="1077152" cy="361724"/>
+          </a:xfrm>
+          <a:prstGeom prst="flowChartProcess">
+            <a:avLst/>
+          </a:prstGeom>
+          <a:solidFill>
+            <a:schemeClr val="bg1"/>
+          </a:solidFill>
+          <a:ln>
+            <a:noFill/>
+          </a:ln>
+        </p:spPr>
+        <p:style>
+          <a:lnRef idx="2">
+            <a:schemeClr val="accent1">
+              <a:shade val="50000"/>
+            </a:schemeClr>
+          </a:lnRef>
+          <a:fillRef idx="1">
+            <a:schemeClr val="accent1"/>
+          </a:fillRef>
+          <a:effectRef idx="0">
+            <a:schemeClr val="accent1"/>
+          </a:effectRef>
+          <a:fontRef idx="minor">
+            <a:schemeClr val="lt1"/>
+          </a:fontRef>
+        </p:style>
+        <p:txBody>
+          <a:bodyPr rtlCol="0" anchor="ctr"/>
+          <a:lstStyle/>
+          <a:p>
+            <a:r>
+              <a:rPr lang="zh-CN" altLang="en-US" sz="1050" dirty="0">
+                <a:solidFill>
+                  <a:schemeClr val="tx1"/>
+                </a:solidFill>
+                <a:latin typeface="宋体" panose="02010600030101010101" pitchFamily="2" charset="-122"/>
+                <a:ea typeface="宋体" panose="02010600030101010101" pitchFamily="2" charset="-122"/>
+              </a:rPr>
+              <a:t>其它类型对象</a:t>
+            </a:r>
+            <a:endParaRPr lang="en-US" altLang="zh-CN" sz="1050" dirty="0">
+              <a:solidFill>
+                <a:schemeClr val="tx1"/>
+              </a:solidFill>
+              <a:latin typeface="宋体" panose="02010600030101010101" pitchFamily="2" charset="-122"/>
+              <a:ea typeface="宋体" panose="02010600030101010101" pitchFamily="2" charset="-122"/>
+            </a:endParaRPr>
+          </a:p>
+        </p:txBody>
+      </p:sp>
+      <p:sp>
+        <p:nvSpPr>
+          <p:cNvPr id="87" name="流程图: 过程 86">
+            <a:extLst>
+              <a:ext uri="{FF2B5EF4-FFF2-40B4-BE49-F238E27FC236}">
+                <a16:creationId xmlns:a16="http://schemas.microsoft.com/office/drawing/2014/main" id="{6A15837D-00FD-4A83-8A42-FEDEA4470DF1}"/>
+              </a:ext>
+            </a:extLst>
+          </p:cNvPr>
+          <p:cNvSpPr/>
+          <p:nvPr/>
+        </p:nvSpPr>
+        <p:spPr>
+          <a:xfrm>
+            <a:off x="4885879" y="3518806"/>
+            <a:ext cx="1259632" cy="361724"/>
+          </a:xfrm>
+          <a:prstGeom prst="flowChartProcess">
+            <a:avLst/>
+          </a:prstGeom>
+          <a:solidFill>
+            <a:schemeClr val="bg1"/>
+          </a:solidFill>
+          <a:ln>
+            <a:solidFill>
+              <a:schemeClr val="tx1"/>
+            </a:solidFill>
+          </a:ln>
+        </p:spPr>
+        <p:style>
+          <a:lnRef idx="2">
+            <a:schemeClr val="accent1">
+              <a:shade val="50000"/>
+            </a:schemeClr>
+          </a:lnRef>
+          <a:fillRef idx="1">
+            <a:schemeClr val="accent1"/>
+          </a:fillRef>
+          <a:effectRef idx="0">
+            <a:schemeClr val="accent1"/>
+          </a:effectRef>
+          <a:fontRef idx="minor">
+            <a:schemeClr val="lt1"/>
+          </a:fontRef>
+        </p:style>
+        <p:txBody>
+          <a:bodyPr rtlCol="0" anchor="ctr"/>
+          <a:lstStyle/>
+          <a:p>
+            <a:pPr algn="ctr"/>
+            <a:r>
+              <a:rPr lang="en-US" altLang="zh-CN" sz="1050" dirty="0">
+                <a:solidFill>
+                  <a:schemeClr val="tx1"/>
+                </a:solidFill>
+                <a:latin typeface="宋体" panose="02010600030101010101" pitchFamily="2" charset="-122"/>
+                <a:ea typeface="宋体" panose="02010600030101010101" pitchFamily="2" charset="-122"/>
+              </a:rPr>
+              <a:t>JSON</a:t>
+            </a:r>
+            <a:r>
+              <a:rPr lang="zh-CN" altLang="en-US" sz="1050" dirty="0">
+                <a:solidFill>
+                  <a:schemeClr val="tx1"/>
+                </a:solidFill>
+                <a:latin typeface="宋体" panose="02010600030101010101" pitchFamily="2" charset="-122"/>
+                <a:ea typeface="宋体" panose="02010600030101010101" pitchFamily="2" charset="-122"/>
+              </a:rPr>
+              <a:t>映射算法</a:t>
+            </a:r>
+            <a:r>
+              <a:rPr lang="en-US" altLang="zh-CN" sz="1050" dirty="0">
+                <a:solidFill>
+                  <a:schemeClr val="tx1"/>
+                </a:solidFill>
+                <a:latin typeface="宋体" panose="02010600030101010101" pitchFamily="2" charset="-122"/>
+                <a:ea typeface="宋体" panose="02010600030101010101" pitchFamily="2" charset="-122"/>
+              </a:rPr>
+              <a:t>3</a:t>
+            </a:r>
+          </a:p>
+        </p:txBody>
+      </p:sp>
+      <p:cxnSp>
+        <p:nvCxnSpPr>
+          <p:cNvPr id="88" name="直接箭头连接符 87">
+            <a:extLst>
+              <a:ext uri="{FF2B5EF4-FFF2-40B4-BE49-F238E27FC236}">
+                <a16:creationId xmlns:a16="http://schemas.microsoft.com/office/drawing/2014/main" id="{44425475-0970-4268-BF35-A0DD663B4378}"/>
+              </a:ext>
+            </a:extLst>
+          </p:cNvPr>
+          <p:cNvCxnSpPr>
+            <a:cxnSpLocks/>
+            <a:stCxn id="81" idx="2"/>
+            <a:endCxn id="87" idx="0"/>
+          </p:cNvCxnSpPr>
+          <p:nvPr/>
+        </p:nvCxnSpPr>
+        <p:spPr>
+          <a:xfrm>
+            <a:off x="5515695" y="2993140"/>
+            <a:ext cx="0" cy="525666"/>
+          </a:xfrm>
+          <a:prstGeom prst="straightConnector1">
+            <a:avLst/>
+          </a:prstGeom>
+          <a:ln>
+            <a:tailEnd type="triangle"/>
+          </a:ln>
+        </p:spPr>
+        <p:style>
+          <a:lnRef idx="1">
+            <a:schemeClr val="dk1"/>
+          </a:lnRef>
+          <a:fillRef idx="0">
+            <a:schemeClr val="dk1"/>
+          </a:fillRef>
+          <a:effectRef idx="0">
+            <a:schemeClr val="dk1"/>
+          </a:effectRef>
+          <a:fontRef idx="minor">
+            <a:schemeClr val="tx1"/>
+          </a:fontRef>
+        </p:style>
+      </p:cxnSp>
+      <p:cxnSp>
+        <p:nvCxnSpPr>
+          <p:cNvPr id="94" name="直接连接符 93">
+            <a:extLst>
+              <a:ext uri="{FF2B5EF4-FFF2-40B4-BE49-F238E27FC236}">
+                <a16:creationId xmlns:a16="http://schemas.microsoft.com/office/drawing/2014/main" id="{A0125F87-D067-4DC9-8478-AF5F722592E9}"/>
+              </a:ext>
+            </a:extLst>
+          </p:cNvPr>
+          <p:cNvCxnSpPr>
+            <a:cxnSpLocks/>
+          </p:cNvCxnSpPr>
+          <p:nvPr/>
+        </p:nvCxnSpPr>
+        <p:spPr>
+          <a:xfrm flipH="1">
+            <a:off x="4831969" y="1945030"/>
+            <a:ext cx="683726" cy="0"/>
+          </a:xfrm>
+          <a:prstGeom prst="line">
+            <a:avLst/>
+          </a:prstGeom>
+        </p:spPr>
+        <p:style>
+          <a:lnRef idx="1">
+            <a:schemeClr val="dk1"/>
+          </a:lnRef>
+          <a:fillRef idx="0">
+            <a:schemeClr val="dk1"/>
+          </a:fillRef>
+          <a:effectRef idx="0">
+            <a:schemeClr val="dk1"/>
+          </a:effectRef>
+          <a:fontRef idx="minor">
+            <a:schemeClr val="tx1"/>
+          </a:fontRef>
+        </p:style>
+      </p:cxnSp>
+      <p:cxnSp>
+        <p:nvCxnSpPr>
+          <p:cNvPr id="96" name="直接箭头连接符 95">
+            <a:extLst>
+              <a:ext uri="{FF2B5EF4-FFF2-40B4-BE49-F238E27FC236}">
+                <a16:creationId xmlns:a16="http://schemas.microsoft.com/office/drawing/2014/main" id="{B40C11FB-03E9-44B7-A549-209E63B597B5}"/>
+              </a:ext>
+            </a:extLst>
+          </p:cNvPr>
+          <p:cNvCxnSpPr>
+            <a:cxnSpLocks/>
+            <a:stCxn id="80" idx="2"/>
+          </p:cNvCxnSpPr>
+          <p:nvPr/>
+        </p:nvCxnSpPr>
+        <p:spPr>
+          <a:xfrm>
+            <a:off x="2099390" y="3892963"/>
+            <a:ext cx="1716102" cy="664580"/>
+          </a:xfrm>
+          <a:prstGeom prst="straightConnector1">
+            <a:avLst/>
+          </a:prstGeom>
+          <a:ln>
+            <a:tailEnd type="triangle"/>
+          </a:ln>
+        </p:spPr>
+        <p:style>
+          <a:lnRef idx="1">
+            <a:schemeClr val="dk1"/>
+          </a:lnRef>
+          <a:fillRef idx="0">
+            <a:schemeClr val="dk1"/>
+          </a:fillRef>
+          <a:effectRef idx="0">
+            <a:schemeClr val="dk1"/>
+          </a:effectRef>
+          <a:fontRef idx="minor">
+            <a:schemeClr val="tx1"/>
+          </a:fontRef>
+        </p:style>
+      </p:cxnSp>
+      <p:cxnSp>
+        <p:nvCxnSpPr>
+          <p:cNvPr id="99" name="直接箭头连接符 98">
+            <a:extLst>
+              <a:ext uri="{FF2B5EF4-FFF2-40B4-BE49-F238E27FC236}">
+                <a16:creationId xmlns:a16="http://schemas.microsoft.com/office/drawing/2014/main" id="{70E8C33A-8488-4017-BAE5-43A47A98AA3D}"/>
+              </a:ext>
+            </a:extLst>
+          </p:cNvPr>
+          <p:cNvCxnSpPr>
+            <a:cxnSpLocks/>
+            <a:stCxn id="83" idx="2"/>
+          </p:cNvCxnSpPr>
+          <p:nvPr/>
+        </p:nvCxnSpPr>
+        <p:spPr>
+          <a:xfrm flipH="1">
+            <a:off x="3815492" y="3889861"/>
+            <a:ext cx="8452" cy="667682"/>
+          </a:xfrm>
+          <a:prstGeom prst="straightConnector1">
+            <a:avLst/>
+          </a:prstGeom>
+          <a:ln>
+            <a:tailEnd type="triangle"/>
+          </a:ln>
+        </p:spPr>
+        <p:style>
+          <a:lnRef idx="1">
+            <a:schemeClr val="dk1"/>
+          </a:lnRef>
+          <a:fillRef idx="0">
+            <a:schemeClr val="dk1"/>
+          </a:fillRef>
+          <a:effectRef idx="0">
+            <a:schemeClr val="dk1"/>
+          </a:effectRef>
+          <a:fontRef idx="minor">
+            <a:schemeClr val="tx1"/>
+          </a:fontRef>
+        </p:style>
+      </p:cxnSp>
+      <p:cxnSp>
+        <p:nvCxnSpPr>
+          <p:cNvPr id="102" name="直接箭头连接符 101">
+            <a:extLst>
+              <a:ext uri="{FF2B5EF4-FFF2-40B4-BE49-F238E27FC236}">
+                <a16:creationId xmlns:a16="http://schemas.microsoft.com/office/drawing/2014/main" id="{16E29A67-FEFA-4A64-9EA0-8165E645BA3B}"/>
+              </a:ext>
+            </a:extLst>
+          </p:cNvPr>
+          <p:cNvCxnSpPr>
+            <a:cxnSpLocks/>
+            <a:stCxn id="87" idx="2"/>
+          </p:cNvCxnSpPr>
+          <p:nvPr/>
+        </p:nvCxnSpPr>
+        <p:spPr>
+          <a:xfrm flipH="1">
+            <a:off x="3828142" y="3880530"/>
+            <a:ext cx="1687553" cy="677013"/>
+          </a:xfrm>
+          <a:prstGeom prst="straightConnector1">
+            <a:avLst/>
+          </a:prstGeom>
+          <a:ln>
+            <a:tailEnd type="triangle"/>
+          </a:ln>
+        </p:spPr>
+        <p:style>
+          <a:lnRef idx="1">
+            <a:schemeClr val="dk1"/>
+          </a:lnRef>
+          <a:fillRef idx="0">
+            <a:schemeClr val="dk1"/>
+          </a:fillRef>
+          <a:effectRef idx="0">
+            <a:schemeClr val="dk1"/>
+          </a:effectRef>
+          <a:fontRef idx="minor">
+            <a:schemeClr val="tx1"/>
+          </a:fontRef>
+        </p:style>
+      </p:cxnSp>
+      <p:sp>
+        <p:nvSpPr>
+          <p:cNvPr id="107" name="菱形 106">
+            <a:extLst>
+              <a:ext uri="{FF2B5EF4-FFF2-40B4-BE49-F238E27FC236}">
+                <a16:creationId xmlns:a16="http://schemas.microsoft.com/office/drawing/2014/main" id="{7B0F7156-5B1D-4566-8664-BA9DEB0709F0}"/>
+              </a:ext>
+            </a:extLst>
+          </p:cNvPr>
+          <p:cNvSpPr/>
+          <p:nvPr/>
+        </p:nvSpPr>
+        <p:spPr>
+          <a:xfrm>
+            <a:off x="2779234" y="4576620"/>
+            <a:ext cx="2052735" cy="583209"/>
+          </a:xfrm>
+          <a:prstGeom prst="diamond">
+            <a:avLst/>
+          </a:prstGeom>
+          <a:solidFill>
+            <a:schemeClr val="bg1"/>
+          </a:solidFill>
+          <a:ln>
+            <a:solidFill>
+              <a:schemeClr val="tx1"/>
+            </a:solidFill>
+          </a:ln>
+        </p:spPr>
+        <p:style>
+          <a:lnRef idx="2">
+            <a:schemeClr val="accent1">
+              <a:shade val="50000"/>
+            </a:schemeClr>
+          </a:lnRef>
+          <a:fillRef idx="1">
+            <a:schemeClr val="accent1"/>
+          </a:fillRef>
+          <a:effectRef idx="0">
+            <a:schemeClr val="accent1"/>
+          </a:effectRef>
+          <a:fontRef idx="minor">
+            <a:schemeClr val="lt1"/>
+          </a:fontRef>
+        </p:style>
+        <p:txBody>
+          <a:bodyPr rtlCol="0" anchor="ctr"/>
+          <a:lstStyle/>
+          <a:p>
+            <a:pPr algn="ctr"/>
+            <a:r>
+              <a:rPr lang="zh-CN" altLang="en-US" sz="1050" dirty="0">
+                <a:solidFill>
+                  <a:schemeClr val="tx1"/>
+                </a:solidFill>
+                <a:latin typeface="宋体" panose="02010600030101010101" pitchFamily="2" charset="-122"/>
+                <a:ea typeface="宋体" panose="02010600030101010101" pitchFamily="2" charset="-122"/>
+              </a:rPr>
+              <a:t>是否结束</a:t>
+            </a:r>
+          </a:p>
+        </p:txBody>
+      </p:sp>
+      <p:cxnSp>
+        <p:nvCxnSpPr>
+          <p:cNvPr id="131" name="直接箭头连接符 130">
+            <a:extLst>
+              <a:ext uri="{FF2B5EF4-FFF2-40B4-BE49-F238E27FC236}">
+                <a16:creationId xmlns:a16="http://schemas.microsoft.com/office/drawing/2014/main" id="{B7339FC3-5C54-4A71-A688-2489E8014564}"/>
+              </a:ext>
+            </a:extLst>
+          </p:cNvPr>
+          <p:cNvCxnSpPr>
+            <a:cxnSpLocks/>
+            <a:stCxn id="133" idx="2"/>
+          </p:cNvCxnSpPr>
+          <p:nvPr/>
+        </p:nvCxnSpPr>
+        <p:spPr>
+          <a:xfrm>
+            <a:off x="3806161" y="5774959"/>
+            <a:ext cx="0" cy="253406"/>
+          </a:xfrm>
+          <a:prstGeom prst="straightConnector1">
+            <a:avLst/>
+          </a:prstGeom>
+          <a:ln>
+            <a:tailEnd type="triangle"/>
+          </a:ln>
+        </p:spPr>
+        <p:style>
+          <a:lnRef idx="1">
+            <a:schemeClr val="dk1"/>
+          </a:lnRef>
+          <a:fillRef idx="0">
+            <a:schemeClr val="dk1"/>
+          </a:fillRef>
+          <a:effectRef idx="0">
+            <a:schemeClr val="dk1"/>
+          </a:effectRef>
+          <a:fontRef idx="minor">
+            <a:schemeClr val="tx1"/>
+          </a:fontRef>
+        </p:style>
+      </p:cxnSp>
+      <p:cxnSp>
+        <p:nvCxnSpPr>
+          <p:cNvPr id="132" name="直接连接符 131">
+            <a:extLst>
+              <a:ext uri="{FF2B5EF4-FFF2-40B4-BE49-F238E27FC236}">
+                <a16:creationId xmlns:a16="http://schemas.microsoft.com/office/drawing/2014/main" id="{F74B26CF-2983-4551-9392-779B0ECBB992}"/>
+              </a:ext>
+            </a:extLst>
+          </p:cNvPr>
+          <p:cNvCxnSpPr>
+            <a:cxnSpLocks/>
+            <a:stCxn id="107" idx="2"/>
+            <a:endCxn id="133" idx="0"/>
+          </p:cNvCxnSpPr>
+          <p:nvPr/>
+        </p:nvCxnSpPr>
+        <p:spPr>
+          <a:xfrm>
+            <a:off x="3805602" y="5159829"/>
+            <a:ext cx="559" cy="253406"/>
+          </a:xfrm>
+          <a:prstGeom prst="line">
+            <a:avLst/>
+          </a:prstGeom>
+        </p:spPr>
+        <p:style>
+          <a:lnRef idx="1">
+            <a:schemeClr val="dk1"/>
+          </a:lnRef>
+          <a:fillRef idx="0">
+            <a:schemeClr val="dk1"/>
+          </a:fillRef>
+          <a:effectRef idx="0">
+            <a:schemeClr val="dk1"/>
+          </a:effectRef>
+          <a:fontRef idx="minor">
+            <a:schemeClr val="tx1"/>
+          </a:fontRef>
+        </p:style>
+      </p:cxnSp>
+      <p:sp>
+        <p:nvSpPr>
+          <p:cNvPr id="133" name="流程图: 过程 132">
+            <a:extLst>
+              <a:ext uri="{FF2B5EF4-FFF2-40B4-BE49-F238E27FC236}">
+                <a16:creationId xmlns:a16="http://schemas.microsoft.com/office/drawing/2014/main" id="{5FC4B738-EDE3-483F-84CC-B2F00F415ACF}"/>
+              </a:ext>
+            </a:extLst>
+          </p:cNvPr>
+          <p:cNvSpPr/>
+          <p:nvPr/>
+        </p:nvSpPr>
+        <p:spPr>
+          <a:xfrm>
+            <a:off x="3267585" y="5413235"/>
+            <a:ext cx="1077152" cy="361724"/>
+          </a:xfrm>
+          <a:prstGeom prst="flowChartProcess">
+            <a:avLst/>
+          </a:prstGeom>
+          <a:solidFill>
+            <a:schemeClr val="bg1"/>
+          </a:solidFill>
+          <a:ln>
+            <a:noFill/>
+          </a:ln>
+        </p:spPr>
+        <p:style>
+          <a:lnRef idx="2">
+            <a:schemeClr val="accent1">
+              <a:shade val="50000"/>
+            </a:schemeClr>
+          </a:lnRef>
+          <a:fillRef idx="1">
+            <a:schemeClr val="accent1"/>
+          </a:fillRef>
+          <a:effectRef idx="0">
+            <a:schemeClr val="accent1"/>
+          </a:effectRef>
+          <a:fontRef idx="minor">
+            <a:schemeClr val="lt1"/>
+          </a:fontRef>
+        </p:style>
+        <p:txBody>
+          <a:bodyPr rtlCol="0" anchor="ctr"/>
+          <a:lstStyle/>
+          <a:p>
+            <a:pPr algn="ctr"/>
+            <a:r>
+              <a:rPr lang="zh-CN" altLang="en-US" sz="1050" dirty="0">
+                <a:solidFill>
+                  <a:schemeClr val="tx1"/>
+                </a:solidFill>
+                <a:latin typeface="宋体" panose="02010600030101010101" pitchFamily="2" charset="-122"/>
+                <a:ea typeface="宋体" panose="02010600030101010101" pitchFamily="2" charset="-122"/>
+              </a:rPr>
+              <a:t>是</a:t>
+            </a:r>
+            <a:endParaRPr lang="en-US" altLang="zh-CN" sz="1050" dirty="0">
+              <a:solidFill>
+                <a:schemeClr val="tx1"/>
+              </a:solidFill>
+              <a:latin typeface="宋体" panose="02010600030101010101" pitchFamily="2" charset="-122"/>
+              <a:ea typeface="宋体" panose="02010600030101010101" pitchFamily="2" charset="-122"/>
+            </a:endParaRPr>
+          </a:p>
+        </p:txBody>
+      </p:sp>
+      <p:sp>
+        <p:nvSpPr>
+          <p:cNvPr id="140" name="矩形: 圆角 139">
+            <a:extLst>
+              <a:ext uri="{FF2B5EF4-FFF2-40B4-BE49-F238E27FC236}">
+                <a16:creationId xmlns:a16="http://schemas.microsoft.com/office/drawing/2014/main" id="{F40AF28A-F8E8-462B-81B6-C59CBF0445F1}"/>
+              </a:ext>
+            </a:extLst>
+          </p:cNvPr>
+          <p:cNvSpPr/>
+          <p:nvPr/>
+        </p:nvSpPr>
+        <p:spPr>
+          <a:xfrm>
+            <a:off x="3436696" y="6010493"/>
+            <a:ext cx="737812" cy="338516"/>
+          </a:xfrm>
+          <a:prstGeom prst="roundRect">
+            <a:avLst/>
+          </a:prstGeom>
+          <a:solidFill>
+            <a:schemeClr val="bg1"/>
+          </a:solidFill>
+          <a:ln>
+            <a:solidFill>
+              <a:schemeClr val="tx1"/>
+            </a:solidFill>
+          </a:ln>
+        </p:spPr>
+        <p:style>
+          <a:lnRef idx="2">
+            <a:schemeClr val="accent1">
+              <a:shade val="50000"/>
+            </a:schemeClr>
+          </a:lnRef>
+          <a:fillRef idx="1">
+            <a:schemeClr val="accent1"/>
+          </a:fillRef>
+          <a:effectRef idx="0">
+            <a:schemeClr val="accent1"/>
+          </a:effectRef>
+          <a:fontRef idx="minor">
+            <a:schemeClr val="lt1"/>
+          </a:fontRef>
+        </p:style>
+        <p:txBody>
+          <a:bodyPr rtlCol="0" anchor="ctr"/>
+          <a:lstStyle/>
+          <a:p>
+            <a:pPr algn="ctr"/>
+            <a:r>
+              <a:rPr lang="zh-CN" altLang="en-US" sz="1050" dirty="0">
+                <a:solidFill>
+                  <a:schemeClr val="tx1"/>
+                </a:solidFill>
+                <a:latin typeface="宋体" panose="02010600030101010101" pitchFamily="2" charset="-122"/>
+                <a:ea typeface="宋体" panose="02010600030101010101" pitchFamily="2" charset="-122"/>
+              </a:rPr>
+              <a:t>结束</a:t>
+            </a:r>
+            <a:endParaRPr lang="en-US" altLang="zh-CN" sz="1050" dirty="0">
+              <a:solidFill>
+                <a:schemeClr val="tx1"/>
+              </a:solidFill>
+              <a:latin typeface="宋体" panose="02010600030101010101" pitchFamily="2" charset="-122"/>
+              <a:ea typeface="宋体" panose="02010600030101010101" pitchFamily="2" charset="-122"/>
+            </a:endParaRPr>
+          </a:p>
+        </p:txBody>
+      </p:sp>
+      <p:cxnSp>
+        <p:nvCxnSpPr>
+          <p:cNvPr id="141" name="直接连接符 140">
+            <a:extLst>
+              <a:ext uri="{FF2B5EF4-FFF2-40B4-BE49-F238E27FC236}">
+                <a16:creationId xmlns:a16="http://schemas.microsoft.com/office/drawing/2014/main" id="{80184751-7DDE-4528-9B3E-6FE21F291FC1}"/>
+              </a:ext>
+            </a:extLst>
+          </p:cNvPr>
+          <p:cNvCxnSpPr>
+            <a:cxnSpLocks/>
+            <a:stCxn id="107" idx="3"/>
+          </p:cNvCxnSpPr>
+          <p:nvPr/>
+        </p:nvCxnSpPr>
+        <p:spPr>
+          <a:xfrm>
+            <a:off x="4831969" y="4868225"/>
+            <a:ext cx="514472" cy="0"/>
+          </a:xfrm>
+          <a:prstGeom prst="line">
+            <a:avLst/>
+          </a:prstGeom>
+        </p:spPr>
+        <p:style>
+          <a:lnRef idx="1">
+            <a:schemeClr val="dk1"/>
+          </a:lnRef>
+          <a:fillRef idx="0">
+            <a:schemeClr val="dk1"/>
+          </a:fillRef>
+          <a:effectRef idx="0">
+            <a:schemeClr val="dk1"/>
+          </a:effectRef>
+          <a:fontRef idx="minor">
+            <a:schemeClr val="tx1"/>
+          </a:fontRef>
+        </p:style>
+      </p:cxnSp>
+      <p:cxnSp>
+        <p:nvCxnSpPr>
+          <p:cNvPr id="152" name="连接符: 肘形 151">
+            <a:extLst>
+              <a:ext uri="{FF2B5EF4-FFF2-40B4-BE49-F238E27FC236}">
+                <a16:creationId xmlns:a16="http://schemas.microsoft.com/office/drawing/2014/main" id="{6456B653-444C-4BB7-B03C-9DBA7E2C6AD0}"/>
+              </a:ext>
+            </a:extLst>
+          </p:cNvPr>
+          <p:cNvCxnSpPr>
+            <a:cxnSpLocks/>
+            <a:stCxn id="150" idx="3"/>
+            <a:endCxn id="25" idx="3"/>
+          </p:cNvCxnSpPr>
+          <p:nvPr/>
+        </p:nvCxnSpPr>
+        <p:spPr>
+          <a:xfrm flipH="1" flipV="1">
+            <a:off x="4457958" y="1081613"/>
+            <a:ext cx="1224385" cy="3775583"/>
+          </a:xfrm>
+          <a:prstGeom prst="bentConnector3">
+            <a:avLst>
+              <a:gd name="adj1" fmla="val -49916"/>
+            </a:avLst>
+          </a:prstGeom>
+          <a:ln>
+            <a:tailEnd type="triangle"/>
+          </a:ln>
+        </p:spPr>
+        <p:style>
+          <a:lnRef idx="1">
+            <a:schemeClr val="dk1"/>
+          </a:lnRef>
+          <a:fillRef idx="0">
+            <a:schemeClr val="dk1"/>
+          </a:fillRef>
+          <a:effectRef idx="0">
+            <a:schemeClr val="dk1"/>
+          </a:effectRef>
+          <a:fontRef idx="minor">
+            <a:schemeClr val="tx1"/>
+          </a:fontRef>
+        </p:style>
+      </p:cxnSp>
+    </p:spTree>
+    <p:extLst>
+      <p:ext uri="{BB962C8B-B14F-4D97-AF65-F5344CB8AC3E}">
+        <p14:creationId xmlns:p14="http://schemas.microsoft.com/office/powerpoint/2010/main" val="2282897089"/>
+      </p:ext>
+    </p:extLst>
+  </p:cSld>
+  <p:clrMapOvr>
+    <a:masterClrMapping/>
+  </p:clrMapOvr>
+</p:sld>
+</file>
+
+<file path=ppt/slides/slide29.xml><?xml version="1.0" encoding="utf-8"?>
+<p:sld xmlns:a="http://schemas.openxmlformats.org/drawingml/2006/main" xmlns:r="http://schemas.openxmlformats.org/officeDocument/2006/relationships" xmlns:p="http://schemas.openxmlformats.org/presentationml/2006/main">
+  <p:cSld>
+    <p:spTree>
+      <p:nvGrpSpPr>
+        <p:cNvPr id="1" name=""/>
+        <p:cNvGrpSpPr/>
+        <p:nvPr/>
+      </p:nvGrpSpPr>
+      <p:grpSpPr>
+        <a:xfrm>
+          <a:off x="0" y="0"/>
+          <a:ext cx="0" cy="0"/>
+          <a:chOff x="0" y="0"/>
+          <a:chExt cx="0" cy="0"/>
+        </a:xfrm>
+      </p:grpSpPr>
+      <p:sp>
+        <p:nvSpPr>
+          <p:cNvPr id="66" name="流程图: 过程 65">
+            <a:extLst>
+              <a:ext uri="{FF2B5EF4-FFF2-40B4-BE49-F238E27FC236}">
+                <a16:creationId xmlns:a16="http://schemas.microsoft.com/office/drawing/2014/main" id="{D446DBA1-3884-467D-915D-49BECF52F873}"/>
+              </a:ext>
+            </a:extLst>
+          </p:cNvPr>
+          <p:cNvSpPr/>
+          <p:nvPr/>
+        </p:nvSpPr>
+        <p:spPr>
+          <a:xfrm>
+            <a:off x="3545635" y="2834587"/>
+            <a:ext cx="743337" cy="324632"/>
+          </a:xfrm>
+          <a:prstGeom prst="flowChartProcess">
+            <a:avLst/>
+          </a:prstGeom>
+          <a:solidFill>
+            <a:schemeClr val="bg1"/>
+          </a:solidFill>
+          <a:ln>
+            <a:noFill/>
+          </a:ln>
+        </p:spPr>
+        <p:style>
+          <a:lnRef idx="2">
+            <a:schemeClr val="accent1">
+              <a:shade val="50000"/>
+            </a:schemeClr>
+          </a:lnRef>
+          <a:fillRef idx="1">
+            <a:schemeClr val="accent1"/>
+          </a:fillRef>
+          <a:effectRef idx="0">
+            <a:schemeClr val="accent1"/>
+          </a:effectRef>
+          <a:fontRef idx="minor">
+            <a:schemeClr val="lt1"/>
+          </a:fontRef>
+        </p:style>
+        <p:txBody>
+          <a:bodyPr rtlCol="0" anchor="ctr"/>
+          <a:lstStyle/>
+          <a:p>
+            <a:pPr algn="ctr"/>
+            <a:r>
+              <a:rPr lang="zh-CN" altLang="en-US" sz="1050" dirty="0">
+                <a:solidFill>
+                  <a:schemeClr val="tx1"/>
+                </a:solidFill>
+                <a:latin typeface="宋体" panose="02010600030101010101" pitchFamily="2" charset="-122"/>
+                <a:ea typeface="宋体" panose="02010600030101010101" pitchFamily="2" charset="-122"/>
+              </a:rPr>
+              <a:t>一一对应</a:t>
+            </a:r>
+            <a:endParaRPr lang="en-US" altLang="zh-CN" sz="1050" dirty="0">
+              <a:solidFill>
+                <a:schemeClr val="tx1"/>
+              </a:solidFill>
+              <a:latin typeface="宋体" panose="02010600030101010101" pitchFamily="2" charset="-122"/>
+              <a:ea typeface="宋体" panose="02010600030101010101" pitchFamily="2" charset="-122"/>
+            </a:endParaRPr>
+          </a:p>
+        </p:txBody>
+      </p:sp>
+      <p:sp>
+        <p:nvSpPr>
+          <p:cNvPr id="79" name="流程图: 过程 78">
+            <a:extLst>
+              <a:ext uri="{FF2B5EF4-FFF2-40B4-BE49-F238E27FC236}">
+                <a16:creationId xmlns:a16="http://schemas.microsoft.com/office/drawing/2014/main" id="{7D660800-FA7F-4DC5-A6D1-4139842D6267}"/>
+              </a:ext>
+            </a:extLst>
+          </p:cNvPr>
+          <p:cNvSpPr/>
+          <p:nvPr/>
+        </p:nvSpPr>
+        <p:spPr>
+          <a:xfrm>
+            <a:off x="2382805" y="1157080"/>
+            <a:ext cx="2418959" cy="902774"/>
+          </a:xfrm>
+          <a:prstGeom prst="flowChartProcess">
+            <a:avLst/>
+          </a:prstGeom>
+          <a:solidFill>
+            <a:schemeClr val="bg1"/>
+          </a:solidFill>
+          <a:ln>
+            <a:solidFill>
+              <a:schemeClr val="tx1"/>
+            </a:solidFill>
+          </a:ln>
+        </p:spPr>
+        <p:style>
+          <a:lnRef idx="2">
+            <a:schemeClr val="accent1">
+              <a:shade val="50000"/>
+            </a:schemeClr>
+          </a:lnRef>
+          <a:fillRef idx="1">
+            <a:schemeClr val="accent1"/>
+          </a:fillRef>
+          <a:effectRef idx="0">
+            <a:schemeClr val="accent1"/>
+          </a:effectRef>
+          <a:fontRef idx="minor">
+            <a:schemeClr val="lt1"/>
+          </a:fontRef>
+        </p:style>
+        <p:txBody>
+          <a:bodyPr rtlCol="0" anchor="ctr"/>
+          <a:lstStyle/>
+          <a:p>
+            <a:pPr algn="ctr"/>
+            <a:r>
+              <a:rPr lang="fr-FR" altLang="zh-CN" sz="1050" dirty="0">
+                <a:solidFill>
+                  <a:schemeClr val="tx1"/>
+                </a:solidFill>
+                <a:latin typeface="宋体" panose="02010600030101010101" pitchFamily="2" charset="-122"/>
+                <a:ea typeface="宋体" panose="02010600030101010101" pitchFamily="2" charset="-122"/>
+              </a:rPr>
+              <a:t>"</a:t>
+            </a:r>
+            <a:r>
+              <a:rPr lang="en-US" altLang="zh-CN" sz="1050" dirty="0" err="1">
+                <a:solidFill>
+                  <a:schemeClr val="tx1"/>
+                </a:solidFill>
+                <a:latin typeface="宋体" panose="02010600030101010101" pitchFamily="2" charset="-122"/>
+                <a:ea typeface="宋体" panose="02010600030101010101" pitchFamily="2" charset="-122"/>
+              </a:rPr>
+              <a:t>ApplicationDeveloper</a:t>
+            </a:r>
+            <a:r>
+              <a:rPr lang="fr-FR" altLang="zh-CN" sz="1050" dirty="0">
+                <a:solidFill>
+                  <a:schemeClr val="tx1"/>
+                </a:solidFill>
+                <a:latin typeface="宋体" panose="02010600030101010101" pitchFamily="2" charset="-122"/>
+                <a:ea typeface="宋体" panose="02010600030101010101" pitchFamily="2" charset="-122"/>
+              </a:rPr>
+              <a:t>"</a:t>
+            </a:r>
+            <a:r>
+              <a:rPr lang="en-US" altLang="zh-CN" sz="1050" dirty="0">
+                <a:solidFill>
+                  <a:schemeClr val="tx1"/>
+                </a:solidFill>
+                <a:latin typeface="宋体" panose="02010600030101010101" pitchFamily="2" charset="-122"/>
+                <a:ea typeface="宋体" panose="02010600030101010101" pitchFamily="2" charset="-122"/>
+              </a:rPr>
+              <a:t>,</a:t>
+            </a:r>
+          </a:p>
+          <a:p>
+            <a:pPr algn="ctr"/>
+            <a:r>
+              <a:rPr lang="fr-FR" altLang="zh-CN" sz="1050" dirty="0">
+                <a:solidFill>
+                  <a:schemeClr val="tx1"/>
+                </a:solidFill>
+                <a:latin typeface="宋体" panose="02010600030101010101" pitchFamily="2" charset="-122"/>
+                <a:ea typeface="宋体" panose="02010600030101010101" pitchFamily="2" charset="-122"/>
+              </a:rPr>
+              <a:t>"</a:t>
+            </a:r>
+            <a:r>
+              <a:rPr lang="en-US" altLang="zh-CN" sz="1050" dirty="0">
+                <a:solidFill>
+                  <a:schemeClr val="tx1"/>
+                </a:solidFill>
+                <a:latin typeface="宋体" panose="02010600030101010101" pitchFamily="2" charset="-122"/>
+                <a:ea typeface="宋体" panose="02010600030101010101" pitchFamily="2" charset="-122"/>
+              </a:rPr>
+              <a:t>Version</a:t>
+            </a:r>
+            <a:r>
+              <a:rPr lang="fr-FR" altLang="zh-CN" sz="1050" dirty="0">
+                <a:solidFill>
+                  <a:schemeClr val="tx1"/>
+                </a:solidFill>
+                <a:latin typeface="宋体" panose="02010600030101010101" pitchFamily="2" charset="-122"/>
+                <a:ea typeface="宋体" panose="02010600030101010101" pitchFamily="2" charset="-122"/>
+              </a:rPr>
+              <a:t>"</a:t>
+            </a:r>
+            <a:endParaRPr lang="en-US" altLang="zh-CN" sz="1050" dirty="0">
+              <a:solidFill>
+                <a:schemeClr val="tx1"/>
+              </a:solidFill>
+              <a:latin typeface="宋体" panose="02010600030101010101" pitchFamily="2" charset="-122"/>
+              <a:ea typeface="宋体" panose="02010600030101010101" pitchFamily="2" charset="-122"/>
+            </a:endParaRPr>
+          </a:p>
+          <a:p>
+            <a:pPr algn="ctr"/>
+            <a:r>
+              <a:rPr lang="fr-FR" altLang="zh-CN" sz="1050" dirty="0">
+                <a:solidFill>
+                  <a:schemeClr val="tx1"/>
+                </a:solidFill>
+                <a:latin typeface="宋体" panose="02010600030101010101" pitchFamily="2" charset="-122"/>
+                <a:ea typeface="宋体" panose="02010600030101010101" pitchFamily="2" charset="-122"/>
+              </a:rPr>
+              <a:t>"</a:t>
+            </a:r>
+            <a:r>
+              <a:rPr lang="en-US" altLang="zh-CN" sz="1050" dirty="0" err="1">
+                <a:solidFill>
+                  <a:schemeClr val="tx1"/>
+                </a:solidFill>
+                <a:latin typeface="宋体" panose="02010600030101010101" pitchFamily="2" charset="-122"/>
+                <a:ea typeface="宋体" panose="02010600030101010101" pitchFamily="2" charset="-122"/>
+              </a:rPr>
+              <a:t>ApplicationFullName</a:t>
+            </a:r>
+            <a:r>
+              <a:rPr lang="fr-FR" altLang="zh-CN" sz="1050" dirty="0">
+                <a:solidFill>
+                  <a:schemeClr val="tx1"/>
+                </a:solidFill>
+                <a:latin typeface="宋体" panose="02010600030101010101" pitchFamily="2" charset="-122"/>
+                <a:ea typeface="宋体" panose="02010600030101010101" pitchFamily="2" charset="-122"/>
+              </a:rPr>
+              <a:t>"</a:t>
+            </a:r>
+            <a:endParaRPr lang="en-US" altLang="zh-CN" sz="1050" dirty="0">
+              <a:solidFill>
+                <a:schemeClr val="tx1"/>
+              </a:solidFill>
+              <a:latin typeface="宋体" panose="02010600030101010101" pitchFamily="2" charset="-122"/>
+              <a:ea typeface="宋体" panose="02010600030101010101" pitchFamily="2" charset="-122"/>
+            </a:endParaRPr>
+          </a:p>
+          <a:p>
+            <a:pPr algn="ctr"/>
+            <a:r>
+              <a:rPr lang="fr-FR" altLang="zh-CN" sz="1050" dirty="0">
+                <a:solidFill>
+                  <a:schemeClr val="tx1"/>
+                </a:solidFill>
+                <a:latin typeface="宋体" panose="02010600030101010101" pitchFamily="2" charset="-122"/>
+                <a:ea typeface="宋体" panose="02010600030101010101" pitchFamily="2" charset="-122"/>
+              </a:rPr>
+              <a:t>"</a:t>
+            </a:r>
+            <a:r>
+              <a:rPr lang="en-US" altLang="zh-CN" sz="1050" dirty="0" err="1">
+                <a:solidFill>
+                  <a:schemeClr val="tx1"/>
+                </a:solidFill>
+                <a:latin typeface="宋体" panose="02010600030101010101" pitchFamily="2" charset="-122"/>
+                <a:ea typeface="宋体" panose="02010600030101010101" pitchFamily="2" charset="-122"/>
+              </a:rPr>
+              <a:t>ApplicationIdentifier</a:t>
+            </a:r>
+            <a:r>
+              <a:rPr lang="fr-FR" altLang="zh-CN" sz="1050" dirty="0">
+                <a:solidFill>
+                  <a:schemeClr val="tx1"/>
+                </a:solidFill>
+                <a:latin typeface="宋体" panose="02010600030101010101" pitchFamily="2" charset="-122"/>
+                <a:ea typeface="宋体" panose="02010600030101010101" pitchFamily="2" charset="-122"/>
+              </a:rPr>
+              <a:t>"</a:t>
+            </a:r>
+            <a:endParaRPr lang="en-US" altLang="zh-CN" sz="1050" dirty="0">
+              <a:solidFill>
+                <a:schemeClr val="tx1"/>
+              </a:solidFill>
+              <a:latin typeface="宋体" panose="02010600030101010101" pitchFamily="2" charset="-122"/>
+              <a:ea typeface="宋体" panose="02010600030101010101" pitchFamily="2" charset="-122"/>
+            </a:endParaRPr>
+          </a:p>
+        </p:txBody>
+      </p:sp>
+      <p:cxnSp>
+        <p:nvCxnSpPr>
+          <p:cNvPr id="3" name="直接箭头连接符 2">
+            <a:extLst>
+              <a:ext uri="{FF2B5EF4-FFF2-40B4-BE49-F238E27FC236}">
+                <a16:creationId xmlns:a16="http://schemas.microsoft.com/office/drawing/2014/main" id="{529C6A83-6231-4207-93BB-5AA534AD5AD8}"/>
+              </a:ext>
+            </a:extLst>
+          </p:cNvPr>
+          <p:cNvCxnSpPr>
+            <a:cxnSpLocks/>
+            <a:stCxn id="59" idx="3"/>
+            <a:endCxn id="38" idx="1"/>
+          </p:cNvCxnSpPr>
+          <p:nvPr/>
+        </p:nvCxnSpPr>
+        <p:spPr>
+          <a:xfrm>
+            <a:off x="2586653" y="3421661"/>
+            <a:ext cx="609601" cy="4955"/>
+          </a:xfrm>
+          <a:prstGeom prst="straightConnector1">
+            <a:avLst/>
+          </a:prstGeom>
+          <a:ln>
+            <a:tailEnd type="triangle"/>
+          </a:ln>
+        </p:spPr>
+        <p:style>
+          <a:lnRef idx="1">
+            <a:schemeClr val="dk1"/>
+          </a:lnRef>
+          <a:fillRef idx="0">
+            <a:schemeClr val="dk1"/>
+          </a:fillRef>
+          <a:effectRef idx="0">
+            <a:schemeClr val="dk1"/>
+          </a:effectRef>
+          <a:fontRef idx="minor">
+            <a:schemeClr val="tx1"/>
+          </a:fontRef>
+        </p:style>
+      </p:cxnSp>
+      <p:sp>
+        <p:nvSpPr>
+          <p:cNvPr id="38" name="流程图: 过程 37">
+            <a:extLst>
+              <a:ext uri="{FF2B5EF4-FFF2-40B4-BE49-F238E27FC236}">
+                <a16:creationId xmlns:a16="http://schemas.microsoft.com/office/drawing/2014/main" id="{FF88E1D8-6D06-414D-AC22-79556673B33E}"/>
+              </a:ext>
+            </a:extLst>
+          </p:cNvPr>
+          <p:cNvSpPr/>
+          <p:nvPr/>
+        </p:nvSpPr>
+        <p:spPr>
+          <a:xfrm>
+            <a:off x="3196254" y="3251893"/>
+            <a:ext cx="792066" cy="349446"/>
+          </a:xfrm>
+          <a:prstGeom prst="flowChartProcess">
+            <a:avLst/>
+          </a:prstGeom>
+          <a:solidFill>
+            <a:schemeClr val="bg1"/>
+          </a:solidFill>
+          <a:ln>
+            <a:solidFill>
+              <a:schemeClr val="tx1"/>
+            </a:solidFill>
+          </a:ln>
+        </p:spPr>
+        <p:style>
+          <a:lnRef idx="2">
+            <a:schemeClr val="accent1">
+              <a:shade val="50000"/>
+            </a:schemeClr>
+          </a:lnRef>
+          <a:fillRef idx="1">
+            <a:schemeClr val="accent1"/>
+          </a:fillRef>
+          <a:effectRef idx="0">
+            <a:schemeClr val="accent1"/>
+          </a:effectRef>
+          <a:fontRef idx="minor">
+            <a:schemeClr val="lt1"/>
+          </a:fontRef>
+        </p:style>
+        <p:txBody>
+          <a:bodyPr rtlCol="0" anchor="ctr"/>
+          <a:lstStyle/>
+          <a:p>
+            <a:pPr algn="ctr"/>
+            <a:r>
+              <a:rPr lang="zh-CN" altLang="en-US" sz="1050" dirty="0">
+                <a:solidFill>
+                  <a:schemeClr val="tx1"/>
+                </a:solidFill>
+                <a:latin typeface="宋体" panose="02010600030101010101" pitchFamily="2" charset="-122"/>
+                <a:ea typeface="宋体" panose="02010600030101010101" pitchFamily="2" charset="-122"/>
+              </a:rPr>
+              <a:t>字段值</a:t>
+            </a:r>
+            <a:endParaRPr lang="en-US" altLang="zh-CN" sz="1050" dirty="0">
+              <a:solidFill>
+                <a:schemeClr val="tx1"/>
+              </a:solidFill>
+              <a:latin typeface="宋体" panose="02010600030101010101" pitchFamily="2" charset="-122"/>
+              <a:ea typeface="宋体" panose="02010600030101010101" pitchFamily="2" charset="-122"/>
+            </a:endParaRPr>
+          </a:p>
+        </p:txBody>
+      </p:sp>
+      <p:sp>
+        <p:nvSpPr>
+          <p:cNvPr id="48" name="流程图: 过程 47">
+            <a:extLst>
+              <a:ext uri="{FF2B5EF4-FFF2-40B4-BE49-F238E27FC236}">
+                <a16:creationId xmlns:a16="http://schemas.microsoft.com/office/drawing/2014/main" id="{906D2370-5ED0-423A-8F2A-1764767E5D08}"/>
+              </a:ext>
+            </a:extLst>
+          </p:cNvPr>
+          <p:cNvSpPr/>
+          <p:nvPr/>
+        </p:nvSpPr>
+        <p:spPr>
+          <a:xfrm>
+            <a:off x="1340757" y="2397308"/>
+            <a:ext cx="1120193" cy="349446"/>
+          </a:xfrm>
+          <a:prstGeom prst="flowChartProcess">
+            <a:avLst/>
+          </a:prstGeom>
+          <a:solidFill>
+            <a:schemeClr val="bg1"/>
+          </a:solidFill>
+          <a:ln>
+            <a:solidFill>
+              <a:schemeClr val="tx1"/>
+            </a:solidFill>
+          </a:ln>
+        </p:spPr>
+        <p:style>
+          <a:lnRef idx="2">
+            <a:schemeClr val="accent1">
+              <a:shade val="50000"/>
+            </a:schemeClr>
+          </a:lnRef>
+          <a:fillRef idx="1">
+            <a:schemeClr val="accent1"/>
+          </a:fillRef>
+          <a:effectRef idx="0">
+            <a:schemeClr val="accent1"/>
+          </a:effectRef>
+          <a:fontRef idx="minor">
+            <a:schemeClr val="lt1"/>
+          </a:fontRef>
+        </p:style>
+        <p:txBody>
+          <a:bodyPr rtlCol="0" anchor="ctr"/>
+          <a:lstStyle/>
+          <a:p>
+            <a:pPr algn="ctr"/>
+            <a:r>
+              <a:rPr lang="en-US" altLang="zh-CN" sz="1050" dirty="0">
+                <a:solidFill>
+                  <a:schemeClr val="tx1"/>
+                </a:solidFill>
+                <a:latin typeface="宋体" panose="02010600030101010101" pitchFamily="2" charset="-122"/>
+                <a:ea typeface="宋体" panose="02010600030101010101" pitchFamily="2" charset="-122"/>
+              </a:rPr>
+              <a:t>IFC Schema</a:t>
+            </a:r>
+            <a:r>
+              <a:rPr lang="zh-CN" altLang="en-US" sz="1050" dirty="0">
+                <a:solidFill>
+                  <a:schemeClr val="tx1"/>
+                </a:solidFill>
+                <a:latin typeface="宋体" panose="02010600030101010101" pitchFamily="2" charset="-122"/>
+                <a:ea typeface="宋体" panose="02010600030101010101" pitchFamily="2" charset="-122"/>
+              </a:rPr>
+              <a:t>定义</a:t>
+            </a:r>
+            <a:endParaRPr lang="en-US" altLang="zh-CN" sz="1050" dirty="0">
+              <a:solidFill>
+                <a:schemeClr val="tx1"/>
+              </a:solidFill>
+              <a:latin typeface="宋体" panose="02010600030101010101" pitchFamily="2" charset="-122"/>
+              <a:ea typeface="宋体" panose="02010600030101010101" pitchFamily="2" charset="-122"/>
+            </a:endParaRPr>
+          </a:p>
+        </p:txBody>
+      </p:sp>
+      <p:sp>
+        <p:nvSpPr>
+          <p:cNvPr id="49" name="流程图: 过程 48">
+            <a:extLst>
+              <a:ext uri="{FF2B5EF4-FFF2-40B4-BE49-F238E27FC236}">
+                <a16:creationId xmlns:a16="http://schemas.microsoft.com/office/drawing/2014/main" id="{906D2370-5ED0-423A-8F2A-1764767E5D08}"/>
+              </a:ext>
+            </a:extLst>
+          </p:cNvPr>
+          <p:cNvSpPr/>
+          <p:nvPr/>
+        </p:nvSpPr>
+        <p:spPr>
+          <a:xfrm>
+            <a:off x="3032191" y="2397308"/>
+            <a:ext cx="1120193" cy="349446"/>
+          </a:xfrm>
+          <a:prstGeom prst="flowChartProcess">
+            <a:avLst/>
+          </a:prstGeom>
+          <a:solidFill>
+            <a:schemeClr val="bg1"/>
+          </a:solidFill>
+          <a:ln>
+            <a:solidFill>
+              <a:schemeClr val="tx1"/>
+            </a:solidFill>
+          </a:ln>
+        </p:spPr>
+        <p:style>
+          <a:lnRef idx="2">
+            <a:schemeClr val="accent1">
+              <a:shade val="50000"/>
+            </a:schemeClr>
+          </a:lnRef>
+          <a:fillRef idx="1">
+            <a:schemeClr val="accent1"/>
+          </a:fillRef>
+          <a:effectRef idx="0">
+            <a:schemeClr val="accent1"/>
+          </a:effectRef>
+          <a:fontRef idx="minor">
+            <a:schemeClr val="lt1"/>
+          </a:fontRef>
+        </p:style>
+        <p:txBody>
+          <a:bodyPr rtlCol="0" anchor="ctr"/>
+          <a:lstStyle>
+            <a:defPPr>
+              <a:defRPr lang="zh-CN"/>
+            </a:defPPr>
+            <a:lvl1pPr marL="0" algn="l" defTabSz="914400" rtl="0" eaLnBrk="1" latinLnBrk="0" hangingPunct="1">
+              <a:defRPr sz="1800" kern="1200">
+                <a:solidFill>
+                  <a:schemeClr val="lt1"/>
+                </a:solidFill>
+                <a:latin typeface="+mn-lt"/>
+                <a:ea typeface="+mn-ea"/>
+                <a:cs typeface="+mn-cs"/>
+              </a:defRPr>
+            </a:lvl1pPr>
+            <a:lvl2pPr marL="457200" algn="l" defTabSz="914400" rtl="0" eaLnBrk="1" latinLnBrk="0" hangingPunct="1">
+              <a:defRPr sz="1800" kern="1200">
+                <a:solidFill>
+                  <a:schemeClr val="lt1"/>
+                </a:solidFill>
+                <a:latin typeface="+mn-lt"/>
+                <a:ea typeface="+mn-ea"/>
+                <a:cs typeface="+mn-cs"/>
+              </a:defRPr>
+            </a:lvl2pPr>
+            <a:lvl3pPr marL="914400" algn="l" defTabSz="914400" rtl="0" eaLnBrk="1" latinLnBrk="0" hangingPunct="1">
+              <a:defRPr sz="1800" kern="1200">
+                <a:solidFill>
+                  <a:schemeClr val="lt1"/>
+                </a:solidFill>
+                <a:latin typeface="+mn-lt"/>
+                <a:ea typeface="+mn-ea"/>
+                <a:cs typeface="+mn-cs"/>
+              </a:defRPr>
+            </a:lvl3pPr>
+            <a:lvl4pPr marL="1371600" algn="l" defTabSz="914400" rtl="0" eaLnBrk="1" latinLnBrk="0" hangingPunct="1">
+              <a:defRPr sz="1800" kern="1200">
+                <a:solidFill>
+                  <a:schemeClr val="lt1"/>
+                </a:solidFill>
+                <a:latin typeface="+mn-lt"/>
+                <a:ea typeface="+mn-ea"/>
+                <a:cs typeface="+mn-cs"/>
+              </a:defRPr>
+            </a:lvl4pPr>
+            <a:lvl5pPr marL="1828800" algn="l" defTabSz="914400" rtl="0" eaLnBrk="1" latinLnBrk="0" hangingPunct="1">
+              <a:defRPr sz="1800" kern="1200">
+                <a:solidFill>
+                  <a:schemeClr val="lt1"/>
+                </a:solidFill>
+                <a:latin typeface="+mn-lt"/>
+                <a:ea typeface="+mn-ea"/>
+                <a:cs typeface="+mn-cs"/>
+              </a:defRPr>
+            </a:lvl5pPr>
+            <a:lvl6pPr marL="2286000" algn="l" defTabSz="914400" rtl="0" eaLnBrk="1" latinLnBrk="0" hangingPunct="1">
+              <a:defRPr sz="1800" kern="1200">
+                <a:solidFill>
+                  <a:schemeClr val="lt1"/>
+                </a:solidFill>
+                <a:latin typeface="+mn-lt"/>
+                <a:ea typeface="+mn-ea"/>
+                <a:cs typeface="+mn-cs"/>
+              </a:defRPr>
+            </a:lvl6pPr>
+            <a:lvl7pPr marL="2743200" algn="l" defTabSz="914400" rtl="0" eaLnBrk="1" latinLnBrk="0" hangingPunct="1">
+              <a:defRPr sz="1800" kern="1200">
+                <a:solidFill>
+                  <a:schemeClr val="lt1"/>
+                </a:solidFill>
+                <a:latin typeface="+mn-lt"/>
+                <a:ea typeface="+mn-ea"/>
+                <a:cs typeface="+mn-cs"/>
+              </a:defRPr>
+            </a:lvl7pPr>
+            <a:lvl8pPr marL="3200400" algn="l" defTabSz="914400" rtl="0" eaLnBrk="1" latinLnBrk="0" hangingPunct="1">
+              <a:defRPr sz="1800" kern="1200">
+                <a:solidFill>
+                  <a:schemeClr val="lt1"/>
+                </a:solidFill>
+                <a:latin typeface="+mn-lt"/>
+                <a:ea typeface="+mn-ea"/>
+                <a:cs typeface="+mn-cs"/>
+              </a:defRPr>
+            </a:lvl8pPr>
+            <a:lvl9pPr marL="3657600" algn="l" defTabSz="914400" rtl="0" eaLnBrk="1" latinLnBrk="0" hangingPunct="1">
+              <a:defRPr sz="1800" kern="1200">
+                <a:solidFill>
+                  <a:schemeClr val="lt1"/>
+                </a:solidFill>
+                <a:latin typeface="+mn-lt"/>
+                <a:ea typeface="+mn-ea"/>
+                <a:cs typeface="+mn-cs"/>
+              </a:defRPr>
+            </a:lvl9pPr>
+          </a:lstStyle>
+          <a:p>
+            <a:pPr algn="ctr"/>
+            <a:r>
+              <a:rPr lang="zh-CN" altLang="en-US" sz="1050" dirty="0">
+                <a:solidFill>
+                  <a:schemeClr val="tx1"/>
+                </a:solidFill>
+                <a:latin typeface="宋体" panose="02010600030101010101" pitchFamily="2" charset="-122"/>
+                <a:ea typeface="宋体" panose="02010600030101010101" pitchFamily="2" charset="-122"/>
+              </a:rPr>
+              <a:t>字段名</a:t>
+            </a:r>
+            <a:endParaRPr lang="en-US" altLang="zh-CN" sz="1050" dirty="0">
+              <a:solidFill>
+                <a:schemeClr val="tx1"/>
+              </a:solidFill>
+              <a:latin typeface="宋体" panose="02010600030101010101" pitchFamily="2" charset="-122"/>
+              <a:ea typeface="宋体" panose="02010600030101010101" pitchFamily="2" charset="-122"/>
+            </a:endParaRPr>
+          </a:p>
+        </p:txBody>
+      </p:sp>
+      <p:cxnSp>
+        <p:nvCxnSpPr>
+          <p:cNvPr id="50" name="直接箭头连接符 49">
+            <a:extLst>
+              <a:ext uri="{FF2B5EF4-FFF2-40B4-BE49-F238E27FC236}">
+                <a16:creationId xmlns:a16="http://schemas.microsoft.com/office/drawing/2014/main" id="{BE7F1937-9C33-4CF9-B53B-D7F3F2514B77}"/>
+              </a:ext>
+            </a:extLst>
+          </p:cNvPr>
+          <p:cNvCxnSpPr>
+            <a:cxnSpLocks/>
+            <a:stCxn id="48" idx="3"/>
+            <a:endCxn id="49" idx="1"/>
+          </p:cNvCxnSpPr>
+          <p:nvPr/>
+        </p:nvCxnSpPr>
+        <p:spPr>
+          <a:xfrm>
+            <a:off x="2460950" y="2572031"/>
+            <a:ext cx="571241" cy="0"/>
+          </a:xfrm>
+          <a:prstGeom prst="straightConnector1">
+            <a:avLst/>
+          </a:prstGeom>
+          <a:ln>
+            <a:tailEnd type="triangle"/>
+          </a:ln>
+        </p:spPr>
+        <p:style>
+          <a:lnRef idx="1">
+            <a:schemeClr val="dk1"/>
+          </a:lnRef>
+          <a:fillRef idx="0">
+            <a:schemeClr val="dk1"/>
+          </a:fillRef>
+          <a:effectRef idx="0">
+            <a:schemeClr val="dk1"/>
+          </a:effectRef>
+          <a:fontRef idx="minor">
+            <a:schemeClr val="tx1"/>
+          </a:fontRef>
+        </p:style>
+      </p:cxnSp>
+      <p:sp>
+        <p:nvSpPr>
+          <p:cNvPr id="59" name="流程图: 过程 58">
+            <a:extLst>
+              <a:ext uri="{FF2B5EF4-FFF2-40B4-BE49-F238E27FC236}">
+                <a16:creationId xmlns:a16="http://schemas.microsoft.com/office/drawing/2014/main" id="{59E525B6-8D76-4F64-9067-02DA050D49B6}"/>
+              </a:ext>
+            </a:extLst>
+          </p:cNvPr>
+          <p:cNvSpPr/>
+          <p:nvPr/>
+        </p:nvSpPr>
+        <p:spPr>
+          <a:xfrm>
+            <a:off x="1215053" y="3246938"/>
+            <a:ext cx="1371600" cy="349446"/>
+          </a:xfrm>
+          <a:prstGeom prst="flowChartProcess">
+            <a:avLst/>
+          </a:prstGeom>
+          <a:solidFill>
+            <a:schemeClr val="bg1"/>
+          </a:solidFill>
+          <a:ln>
+            <a:solidFill>
+              <a:schemeClr val="tx1"/>
+            </a:solidFill>
+          </a:ln>
+        </p:spPr>
+        <p:style>
+          <a:lnRef idx="2">
+            <a:schemeClr val="accent1">
+              <a:shade val="50000"/>
+            </a:schemeClr>
+          </a:lnRef>
+          <a:fillRef idx="1">
+            <a:schemeClr val="accent1"/>
+          </a:fillRef>
+          <a:effectRef idx="0">
+            <a:schemeClr val="accent1"/>
+          </a:effectRef>
+          <a:fontRef idx="minor">
+            <a:schemeClr val="lt1"/>
+          </a:fontRef>
+        </p:style>
+        <p:txBody>
+          <a:bodyPr rtlCol="0" anchor="ctr"/>
+          <a:lstStyle/>
+          <a:p>
+            <a:pPr algn="ctr"/>
+            <a:r>
+              <a:rPr lang="en-US" altLang="zh-CN" sz="1050" dirty="0" err="1">
+                <a:solidFill>
+                  <a:schemeClr val="tx1"/>
+                </a:solidFill>
+                <a:latin typeface="宋体" panose="02010600030101010101" pitchFamily="2" charset="-122"/>
+                <a:ea typeface="宋体" panose="02010600030101010101" pitchFamily="2" charset="-122"/>
+              </a:rPr>
+              <a:t>IfcApplication</a:t>
+            </a:r>
+            <a:r>
+              <a:rPr lang="en-US" altLang="zh-CN" sz="1050" dirty="0">
+                <a:solidFill>
+                  <a:schemeClr val="tx1"/>
+                </a:solidFill>
+                <a:latin typeface="宋体" panose="02010600030101010101" pitchFamily="2" charset="-122"/>
+                <a:ea typeface="宋体" panose="02010600030101010101" pitchFamily="2" charset="-122"/>
+              </a:rPr>
+              <a:t> Java</a:t>
+            </a:r>
+            <a:r>
+              <a:rPr lang="zh-CN" altLang="en-US" sz="1050" dirty="0">
+                <a:solidFill>
+                  <a:schemeClr val="tx1"/>
+                </a:solidFill>
+                <a:latin typeface="宋体" panose="02010600030101010101" pitchFamily="2" charset="-122"/>
+                <a:ea typeface="宋体" panose="02010600030101010101" pitchFamily="2" charset="-122"/>
+              </a:rPr>
+              <a:t>类对象</a:t>
+            </a:r>
+            <a:endParaRPr lang="en-US" altLang="zh-CN" sz="1050" dirty="0">
+              <a:solidFill>
+                <a:schemeClr val="tx1"/>
+              </a:solidFill>
+              <a:latin typeface="宋体" panose="02010600030101010101" pitchFamily="2" charset="-122"/>
+              <a:ea typeface="宋体" panose="02010600030101010101" pitchFamily="2" charset="-122"/>
+            </a:endParaRPr>
+          </a:p>
+        </p:txBody>
+      </p:sp>
+      <p:sp>
+        <p:nvSpPr>
+          <p:cNvPr id="31" name="箭头: 上下 30">
+            <a:extLst>
+              <a:ext uri="{FF2B5EF4-FFF2-40B4-BE49-F238E27FC236}">
+                <a16:creationId xmlns:a16="http://schemas.microsoft.com/office/drawing/2014/main" id="{FA78246A-4A18-47DA-B386-47F6C2B7291E}"/>
+              </a:ext>
+            </a:extLst>
+          </p:cNvPr>
+          <p:cNvSpPr/>
+          <p:nvPr/>
+        </p:nvSpPr>
+        <p:spPr>
+          <a:xfrm>
+            <a:off x="3536304" y="2746754"/>
+            <a:ext cx="121298" cy="500299"/>
+          </a:xfrm>
+          <a:prstGeom prst="upDownArrow">
+            <a:avLst/>
+          </a:prstGeom>
+          <a:solidFill>
+            <a:schemeClr val="bg1"/>
+          </a:solidFill>
+          <a:ln>
+            <a:solidFill>
+              <a:schemeClr val="tx1"/>
+            </a:solidFill>
+          </a:ln>
+        </p:spPr>
+        <p:style>
+          <a:lnRef idx="2">
+            <a:schemeClr val="accent1">
+              <a:shade val="50000"/>
+            </a:schemeClr>
+          </a:lnRef>
+          <a:fillRef idx="1">
+            <a:schemeClr val="accent1"/>
+          </a:fillRef>
+          <a:effectRef idx="0">
+            <a:schemeClr val="accent1"/>
+          </a:effectRef>
+          <a:fontRef idx="minor">
+            <a:schemeClr val="lt1"/>
+          </a:fontRef>
+        </p:style>
+        <p:txBody>
+          <a:bodyPr rtlCol="0" anchor="ctr"/>
+          <a:lstStyle/>
+          <a:p>
+            <a:pPr algn="ctr"/>
+            <a:endParaRPr lang="zh-CN" altLang="en-US"/>
+          </a:p>
+        </p:txBody>
+      </p:sp>
+      <p:cxnSp>
+        <p:nvCxnSpPr>
+          <p:cNvPr id="33" name="直接连接符 32">
+            <a:extLst>
+              <a:ext uri="{FF2B5EF4-FFF2-40B4-BE49-F238E27FC236}">
+                <a16:creationId xmlns:a16="http://schemas.microsoft.com/office/drawing/2014/main" id="{7C9CE71B-8948-4FC1-BDE8-6F209969AA93}"/>
+              </a:ext>
+            </a:extLst>
+          </p:cNvPr>
+          <p:cNvCxnSpPr>
+            <a:cxnSpLocks/>
+            <a:stCxn id="79" idx="2"/>
+            <a:endCxn id="49" idx="0"/>
+          </p:cNvCxnSpPr>
+          <p:nvPr/>
+        </p:nvCxnSpPr>
+        <p:spPr>
+          <a:xfrm>
+            <a:off x="3592285" y="2059854"/>
+            <a:ext cx="3" cy="337454"/>
+          </a:xfrm>
+          <a:prstGeom prst="line">
+            <a:avLst/>
+          </a:prstGeom>
+          <a:ln w="19050">
+            <a:prstDash val="sysDot"/>
+          </a:ln>
+        </p:spPr>
+        <p:style>
+          <a:lnRef idx="1">
+            <a:schemeClr val="accent1"/>
+          </a:lnRef>
+          <a:fillRef idx="0">
+            <a:schemeClr val="accent1"/>
+          </a:fillRef>
+          <a:effectRef idx="0">
+            <a:schemeClr val="accent1"/>
+          </a:effectRef>
+          <a:fontRef idx="minor">
+            <a:schemeClr val="tx1"/>
+          </a:fontRef>
+        </p:style>
+      </p:cxnSp>
+      <p:sp>
+        <p:nvSpPr>
+          <p:cNvPr id="85" name="流程图: 过程 84">
+            <a:extLst>
+              <a:ext uri="{FF2B5EF4-FFF2-40B4-BE49-F238E27FC236}">
+                <a16:creationId xmlns:a16="http://schemas.microsoft.com/office/drawing/2014/main" id="{A9526357-0AF0-4551-95E3-B0449A805E11}"/>
+              </a:ext>
+            </a:extLst>
+          </p:cNvPr>
+          <p:cNvSpPr/>
+          <p:nvPr/>
+        </p:nvSpPr>
+        <p:spPr>
+          <a:xfrm>
+            <a:off x="2382807" y="3933952"/>
+            <a:ext cx="2418959" cy="902774"/>
+          </a:xfrm>
+          <a:prstGeom prst="flowChartProcess">
+            <a:avLst/>
+          </a:prstGeom>
+          <a:solidFill>
+            <a:schemeClr val="bg1"/>
+          </a:solidFill>
+          <a:ln>
+            <a:solidFill>
+              <a:schemeClr val="tx1"/>
+            </a:solidFill>
+          </a:ln>
+        </p:spPr>
+        <p:style>
+          <a:lnRef idx="2">
+            <a:schemeClr val="accent1">
+              <a:shade val="50000"/>
+            </a:schemeClr>
+          </a:lnRef>
+          <a:fillRef idx="1">
+            <a:schemeClr val="accent1"/>
+          </a:fillRef>
+          <a:effectRef idx="0">
+            <a:schemeClr val="accent1"/>
+          </a:effectRef>
+          <a:fontRef idx="minor">
+            <a:schemeClr val="lt1"/>
+          </a:fontRef>
+        </p:style>
+        <p:txBody>
+          <a:bodyPr rtlCol="0" anchor="ctr"/>
+          <a:lstStyle/>
+          <a:p>
+            <a:pPr algn="ctr"/>
+            <a:r>
+              <a:rPr lang="en-US" altLang="zh-CN" sz="1050" dirty="0">
+                <a:solidFill>
+                  <a:schemeClr val="tx1"/>
+                </a:solidFill>
+                <a:latin typeface="宋体" panose="02010600030101010101" pitchFamily="2" charset="-122"/>
+                <a:ea typeface="宋体" panose="02010600030101010101" pitchFamily="2" charset="-122"/>
+              </a:rPr>
+              <a:t>1,</a:t>
+            </a:r>
+          </a:p>
+          <a:p>
+            <a:pPr algn="ctr"/>
+            <a:r>
+              <a:rPr lang="fr-FR" altLang="zh-CN" sz="1050" dirty="0">
+                <a:solidFill>
+                  <a:schemeClr val="tx1"/>
+                </a:solidFill>
+                <a:latin typeface="宋体" panose="02010600030101010101" pitchFamily="2" charset="-122"/>
+                <a:ea typeface="宋体" panose="02010600030101010101" pitchFamily="2" charset="-122"/>
+              </a:rPr>
+              <a:t>"</a:t>
+            </a:r>
+            <a:r>
+              <a:rPr lang="en-US" altLang="zh-CN" sz="1050" dirty="0">
+                <a:solidFill>
+                  <a:schemeClr val="tx1"/>
+                </a:solidFill>
+                <a:latin typeface="宋体" panose="02010600030101010101" pitchFamily="2" charset="-122"/>
+                <a:ea typeface="宋体" panose="02010600030101010101" pitchFamily="2" charset="-122"/>
+              </a:rPr>
+              <a:t>11.0</a:t>
+            </a:r>
+            <a:r>
+              <a:rPr lang="fr-FR" altLang="zh-CN" sz="1050" dirty="0">
+                <a:solidFill>
+                  <a:schemeClr val="tx1"/>
+                </a:solidFill>
+                <a:latin typeface="宋体" panose="02010600030101010101" pitchFamily="2" charset="-122"/>
+                <a:ea typeface="宋体" panose="02010600030101010101" pitchFamily="2" charset="-122"/>
+              </a:rPr>
+              <a:t>"</a:t>
+            </a:r>
+            <a:endParaRPr lang="en-US" altLang="zh-CN" sz="1050" dirty="0">
+              <a:solidFill>
+                <a:schemeClr val="tx1"/>
+              </a:solidFill>
+              <a:latin typeface="宋体" panose="02010600030101010101" pitchFamily="2" charset="-122"/>
+              <a:ea typeface="宋体" panose="02010600030101010101" pitchFamily="2" charset="-122"/>
+            </a:endParaRPr>
+          </a:p>
+          <a:p>
+            <a:pPr algn="ctr"/>
+            <a:r>
+              <a:rPr lang="fr-FR" altLang="zh-CN" sz="1050" dirty="0">
+                <a:solidFill>
+                  <a:schemeClr val="tx1"/>
+                </a:solidFill>
+                <a:latin typeface="宋体" panose="02010600030101010101" pitchFamily="2" charset="-122"/>
+                <a:ea typeface="宋体" panose="02010600030101010101" pitchFamily="2" charset="-122"/>
+              </a:rPr>
+              <a:t>"</a:t>
+            </a:r>
+            <a:r>
+              <a:rPr lang="en-US" altLang="zh-CN" sz="1050" dirty="0" err="1">
+                <a:solidFill>
+                  <a:schemeClr val="tx1"/>
+                </a:solidFill>
+                <a:latin typeface="宋体" panose="02010600030101010101" pitchFamily="2" charset="-122"/>
+                <a:ea typeface="宋体" panose="02010600030101010101" pitchFamily="2" charset="-122"/>
+              </a:rPr>
+              <a:t>ArchiCAD</a:t>
+            </a:r>
+            <a:r>
+              <a:rPr lang="en-US" altLang="zh-CN" sz="1050" dirty="0">
+                <a:solidFill>
+                  <a:schemeClr val="tx1"/>
+                </a:solidFill>
+                <a:latin typeface="宋体" panose="02010600030101010101" pitchFamily="2" charset="-122"/>
+                <a:ea typeface="宋体" panose="02010600030101010101" pitchFamily="2" charset="-122"/>
+              </a:rPr>
+              <a:t> 11.0</a:t>
+            </a:r>
+            <a:r>
+              <a:rPr lang="fr-FR" altLang="zh-CN" sz="1050" dirty="0">
+                <a:solidFill>
+                  <a:schemeClr val="tx1"/>
+                </a:solidFill>
+                <a:latin typeface="宋体" panose="02010600030101010101" pitchFamily="2" charset="-122"/>
+                <a:ea typeface="宋体" panose="02010600030101010101" pitchFamily="2" charset="-122"/>
+              </a:rPr>
+              <a:t>"</a:t>
+            </a:r>
+            <a:endParaRPr lang="en-US" altLang="zh-CN" sz="1050" dirty="0">
+              <a:solidFill>
+                <a:schemeClr val="tx1"/>
+              </a:solidFill>
+              <a:latin typeface="宋体" panose="02010600030101010101" pitchFamily="2" charset="-122"/>
+              <a:ea typeface="宋体" panose="02010600030101010101" pitchFamily="2" charset="-122"/>
+            </a:endParaRPr>
+          </a:p>
+          <a:p>
+            <a:pPr algn="ctr"/>
+            <a:r>
+              <a:rPr lang="fr-FR" altLang="zh-CN" sz="1050" dirty="0">
+                <a:solidFill>
+                  <a:schemeClr val="tx1"/>
+                </a:solidFill>
+                <a:latin typeface="宋体" panose="02010600030101010101" pitchFamily="2" charset="-122"/>
+                <a:ea typeface="宋体" panose="02010600030101010101" pitchFamily="2" charset="-122"/>
+              </a:rPr>
+              <a:t>"</a:t>
+            </a:r>
+            <a:r>
+              <a:rPr lang="en-US" altLang="zh-CN" sz="1050" dirty="0" err="1">
+                <a:solidFill>
+                  <a:schemeClr val="tx1"/>
+                </a:solidFill>
+                <a:latin typeface="宋体" panose="02010600030101010101" pitchFamily="2" charset="-122"/>
+                <a:ea typeface="宋体" panose="02010600030101010101" pitchFamily="2" charset="-122"/>
+              </a:rPr>
+              <a:t>ArchiCAD</a:t>
+            </a:r>
+            <a:r>
+              <a:rPr lang="fr-FR" altLang="zh-CN" sz="1050" dirty="0">
+                <a:solidFill>
+                  <a:schemeClr val="tx1"/>
+                </a:solidFill>
+                <a:latin typeface="宋体" panose="02010600030101010101" pitchFamily="2" charset="-122"/>
+                <a:ea typeface="宋体" panose="02010600030101010101" pitchFamily="2" charset="-122"/>
+              </a:rPr>
+              <a:t>"</a:t>
+            </a:r>
+            <a:endParaRPr lang="en-US" altLang="zh-CN" sz="1050" dirty="0">
+              <a:solidFill>
+                <a:schemeClr val="tx1"/>
+              </a:solidFill>
+              <a:latin typeface="宋体" panose="02010600030101010101" pitchFamily="2" charset="-122"/>
+              <a:ea typeface="宋体" panose="02010600030101010101" pitchFamily="2" charset="-122"/>
+            </a:endParaRPr>
+          </a:p>
+        </p:txBody>
+      </p:sp>
+      <p:cxnSp>
+        <p:nvCxnSpPr>
+          <p:cNvPr id="89" name="直接连接符 88">
+            <a:extLst>
+              <a:ext uri="{FF2B5EF4-FFF2-40B4-BE49-F238E27FC236}">
+                <a16:creationId xmlns:a16="http://schemas.microsoft.com/office/drawing/2014/main" id="{A07544B7-9BDB-4A5C-9F67-5DD911104052}"/>
+              </a:ext>
+            </a:extLst>
+          </p:cNvPr>
+          <p:cNvCxnSpPr>
+            <a:cxnSpLocks/>
+            <a:stCxn id="85" idx="0"/>
+            <a:endCxn id="38" idx="2"/>
+          </p:cNvCxnSpPr>
+          <p:nvPr/>
+        </p:nvCxnSpPr>
+        <p:spPr>
+          <a:xfrm flipV="1">
+            <a:off x="3592287" y="3601339"/>
+            <a:ext cx="0" cy="332613"/>
+          </a:xfrm>
+          <a:prstGeom prst="line">
+            <a:avLst/>
+          </a:prstGeom>
+          <a:ln w="19050">
+            <a:prstDash val="sysDot"/>
+          </a:ln>
+        </p:spPr>
+        <p:style>
+          <a:lnRef idx="1">
+            <a:schemeClr val="accent1"/>
+          </a:lnRef>
+          <a:fillRef idx="0">
+            <a:schemeClr val="accent1"/>
+          </a:fillRef>
+          <a:effectRef idx="0">
+            <a:schemeClr val="accent1"/>
+          </a:effectRef>
+          <a:fontRef idx="minor">
+            <a:schemeClr val="tx1"/>
+          </a:fontRef>
+        </p:style>
+      </p:cxnSp>
+      <p:cxnSp>
+        <p:nvCxnSpPr>
+          <p:cNvPr id="90" name="直接箭头连接符 89">
+            <a:extLst>
+              <a:ext uri="{FF2B5EF4-FFF2-40B4-BE49-F238E27FC236}">
+                <a16:creationId xmlns:a16="http://schemas.microsoft.com/office/drawing/2014/main" id="{830B9337-A918-4882-A009-64D119C38A3E}"/>
+              </a:ext>
+            </a:extLst>
+          </p:cNvPr>
+          <p:cNvCxnSpPr>
+            <a:cxnSpLocks/>
+            <a:stCxn id="49" idx="3"/>
+          </p:cNvCxnSpPr>
+          <p:nvPr/>
+        </p:nvCxnSpPr>
+        <p:spPr>
+          <a:xfrm>
+            <a:off x="4152384" y="2572031"/>
+            <a:ext cx="454869" cy="507336"/>
+          </a:xfrm>
+          <a:prstGeom prst="straightConnector1">
+            <a:avLst/>
+          </a:prstGeom>
+          <a:ln>
+            <a:tailEnd type="triangle"/>
+          </a:ln>
+        </p:spPr>
+        <p:style>
+          <a:lnRef idx="1">
+            <a:schemeClr val="dk1"/>
+          </a:lnRef>
+          <a:fillRef idx="0">
+            <a:schemeClr val="dk1"/>
+          </a:fillRef>
+          <a:effectRef idx="0">
+            <a:schemeClr val="dk1"/>
+          </a:effectRef>
+          <a:fontRef idx="minor">
+            <a:schemeClr val="tx1"/>
+          </a:fontRef>
+        </p:style>
+      </p:cxnSp>
+      <p:cxnSp>
+        <p:nvCxnSpPr>
+          <p:cNvPr id="91" name="直接箭头连接符 90">
+            <a:extLst>
+              <a:ext uri="{FF2B5EF4-FFF2-40B4-BE49-F238E27FC236}">
+                <a16:creationId xmlns:a16="http://schemas.microsoft.com/office/drawing/2014/main" id="{FC3B8D85-D3CD-4B9E-A475-DCBAD830F172}"/>
+              </a:ext>
+            </a:extLst>
+          </p:cNvPr>
+          <p:cNvCxnSpPr>
+            <a:cxnSpLocks/>
+            <a:stCxn id="38" idx="3"/>
+          </p:cNvCxnSpPr>
+          <p:nvPr/>
+        </p:nvCxnSpPr>
+        <p:spPr>
+          <a:xfrm flipV="1">
+            <a:off x="3988320" y="3079367"/>
+            <a:ext cx="618933" cy="347249"/>
+          </a:xfrm>
+          <a:prstGeom prst="straightConnector1">
+            <a:avLst/>
+          </a:prstGeom>
+          <a:ln>
+            <a:tailEnd type="triangle"/>
+          </a:ln>
+        </p:spPr>
+        <p:style>
+          <a:lnRef idx="1">
+            <a:schemeClr val="dk1"/>
+          </a:lnRef>
+          <a:fillRef idx="0">
+            <a:schemeClr val="dk1"/>
+          </a:fillRef>
+          <a:effectRef idx="0">
+            <a:schemeClr val="dk1"/>
+          </a:effectRef>
+          <a:fontRef idx="minor">
+            <a:schemeClr val="tx1"/>
+          </a:fontRef>
+        </p:style>
+      </p:cxnSp>
+      <p:sp>
+        <p:nvSpPr>
+          <p:cNvPr id="95" name="流程图: 过程 94">
+            <a:extLst>
+              <a:ext uri="{FF2B5EF4-FFF2-40B4-BE49-F238E27FC236}">
+                <a16:creationId xmlns:a16="http://schemas.microsoft.com/office/drawing/2014/main" id="{57B6FD12-566A-4167-8230-D5970EE91CA8}"/>
+              </a:ext>
+            </a:extLst>
+          </p:cNvPr>
+          <p:cNvSpPr/>
+          <p:nvPr/>
+        </p:nvSpPr>
+        <p:spPr>
+          <a:xfrm>
+            <a:off x="4607253" y="2879151"/>
+            <a:ext cx="1120193" cy="361724"/>
+          </a:xfrm>
+          <a:prstGeom prst="flowChartProcess">
+            <a:avLst/>
+          </a:prstGeom>
+          <a:solidFill>
+            <a:schemeClr val="bg1"/>
+          </a:solidFill>
+          <a:ln>
+            <a:solidFill>
+              <a:schemeClr val="tx1"/>
+            </a:solidFill>
+          </a:ln>
+        </p:spPr>
+        <p:style>
+          <a:lnRef idx="2">
+            <a:schemeClr val="accent1">
+              <a:shade val="50000"/>
+            </a:schemeClr>
+          </a:lnRef>
+          <a:fillRef idx="1">
+            <a:schemeClr val="accent1"/>
+          </a:fillRef>
+          <a:effectRef idx="0">
+            <a:schemeClr val="accent1"/>
+          </a:effectRef>
+          <a:fontRef idx="minor">
+            <a:schemeClr val="lt1"/>
+          </a:fontRef>
+        </p:style>
+        <p:txBody>
+          <a:bodyPr rtlCol="0" anchor="ctr"/>
+          <a:lstStyle/>
+          <a:p>
+            <a:pPr algn="ctr"/>
+            <a:r>
+              <a:rPr lang="en-US" altLang="zh-CN" sz="1050" dirty="0">
+                <a:solidFill>
+                  <a:schemeClr val="tx1"/>
+                </a:solidFill>
+                <a:latin typeface="宋体" panose="02010600030101010101" pitchFamily="2" charset="-122"/>
+                <a:ea typeface="宋体" panose="02010600030101010101" pitchFamily="2" charset="-122"/>
+              </a:rPr>
+              <a:t>JSON</a:t>
+            </a:r>
+            <a:r>
+              <a:rPr lang="zh-CN" altLang="en-US" sz="1050" dirty="0">
+                <a:solidFill>
+                  <a:schemeClr val="tx1"/>
+                </a:solidFill>
+                <a:latin typeface="宋体" panose="02010600030101010101" pitchFamily="2" charset="-122"/>
+                <a:ea typeface="宋体" panose="02010600030101010101" pitchFamily="2" charset="-122"/>
+              </a:rPr>
+              <a:t>字符串</a:t>
+            </a:r>
+            <a:endParaRPr lang="en-US" altLang="zh-CN" sz="1050" dirty="0">
+              <a:solidFill>
+                <a:schemeClr val="tx1"/>
+              </a:solidFill>
+              <a:latin typeface="宋体" panose="02010600030101010101" pitchFamily="2" charset="-122"/>
+              <a:ea typeface="宋体" panose="02010600030101010101" pitchFamily="2" charset="-122"/>
+            </a:endParaRPr>
+          </a:p>
+        </p:txBody>
+      </p:sp>
+      <p:cxnSp>
+        <p:nvCxnSpPr>
+          <p:cNvPr id="100" name="直接连接符 99">
+            <a:extLst>
+              <a:ext uri="{FF2B5EF4-FFF2-40B4-BE49-F238E27FC236}">
+                <a16:creationId xmlns:a16="http://schemas.microsoft.com/office/drawing/2014/main" id="{709BFFEC-21C6-40FE-896E-9553BE5EC1B0}"/>
+              </a:ext>
+            </a:extLst>
+          </p:cNvPr>
+          <p:cNvCxnSpPr>
+            <a:cxnSpLocks/>
+            <a:stCxn id="95" idx="3"/>
+          </p:cNvCxnSpPr>
+          <p:nvPr/>
+        </p:nvCxnSpPr>
+        <p:spPr>
+          <a:xfrm>
+            <a:off x="5727446" y="3060013"/>
+            <a:ext cx="318791" cy="0"/>
+          </a:xfrm>
+          <a:prstGeom prst="line">
+            <a:avLst/>
+          </a:prstGeom>
+          <a:ln w="19050">
+            <a:prstDash val="sysDot"/>
+          </a:ln>
+        </p:spPr>
+        <p:style>
+          <a:lnRef idx="1">
+            <a:schemeClr val="accent1"/>
+          </a:lnRef>
+          <a:fillRef idx="0">
+            <a:schemeClr val="accent1"/>
+          </a:fillRef>
+          <a:effectRef idx="0">
+            <a:schemeClr val="accent1"/>
+          </a:effectRef>
+          <a:fontRef idx="minor">
+            <a:schemeClr val="tx1"/>
+          </a:fontRef>
+        </p:style>
+      </p:cxnSp>
+      <p:sp>
+        <p:nvSpPr>
+          <p:cNvPr id="103" name="流程图: 过程 102">
+            <a:extLst>
+              <a:ext uri="{FF2B5EF4-FFF2-40B4-BE49-F238E27FC236}">
+                <a16:creationId xmlns:a16="http://schemas.microsoft.com/office/drawing/2014/main" id="{E4A1BC2F-755C-4595-8B63-194D3828F57B}"/>
+              </a:ext>
+            </a:extLst>
+          </p:cNvPr>
+          <p:cNvSpPr/>
+          <p:nvPr/>
+        </p:nvSpPr>
+        <p:spPr>
+          <a:xfrm>
+            <a:off x="6073721" y="2627980"/>
+            <a:ext cx="2418959" cy="902774"/>
+          </a:xfrm>
+          <a:prstGeom prst="flowChartProcess">
+            <a:avLst/>
+          </a:prstGeom>
+          <a:solidFill>
+            <a:schemeClr val="bg1"/>
+          </a:solidFill>
+          <a:ln>
+            <a:solidFill>
+              <a:schemeClr val="tx1"/>
+            </a:solidFill>
+          </a:ln>
+        </p:spPr>
+        <p:style>
+          <a:lnRef idx="2">
+            <a:schemeClr val="accent1">
+              <a:shade val="50000"/>
+            </a:schemeClr>
+          </a:lnRef>
+          <a:fillRef idx="1">
+            <a:schemeClr val="accent1"/>
+          </a:fillRef>
+          <a:effectRef idx="0">
+            <a:schemeClr val="accent1"/>
+          </a:effectRef>
+          <a:fontRef idx="minor">
+            <a:schemeClr val="lt1"/>
+          </a:fontRef>
+        </p:style>
+        <p:txBody>
+          <a:bodyPr rtlCol="0" anchor="ctr"/>
+          <a:lstStyle/>
+          <a:p>
+            <a:pPr algn="ctr"/>
+            <a:r>
+              <a:rPr lang="fr-FR" altLang="zh-CN" sz="1050" dirty="0">
+                <a:solidFill>
+                  <a:schemeClr val="tx1"/>
+                </a:solidFill>
+                <a:latin typeface="宋体" panose="02010600030101010101" pitchFamily="2" charset="-122"/>
+                <a:ea typeface="宋体" panose="02010600030101010101" pitchFamily="2" charset="-122"/>
+              </a:rPr>
+              <a:t>{"ApplicationDeveloper":1,“Version”:"11</a:t>
+            </a:r>
+            <a:r>
+              <a:rPr lang="en-US" altLang="zh-CN" sz="1050" dirty="0">
+                <a:solidFill>
+                  <a:schemeClr val="tx1"/>
+                </a:solidFill>
+                <a:latin typeface="宋体" panose="02010600030101010101" pitchFamily="2" charset="-122"/>
+                <a:ea typeface="宋体" panose="02010600030101010101" pitchFamily="2" charset="-122"/>
+              </a:rPr>
+              <a:t>.0</a:t>
+            </a:r>
+            <a:r>
+              <a:rPr lang="fr-FR" altLang="zh-CN" sz="1050" dirty="0">
+                <a:solidFill>
+                  <a:schemeClr val="tx1"/>
+                </a:solidFill>
+                <a:latin typeface="宋体" panose="02010600030101010101" pitchFamily="2" charset="-122"/>
+                <a:ea typeface="宋体" panose="02010600030101010101" pitchFamily="2" charset="-122"/>
+              </a:rPr>
+              <a:t>","ApplicationFullName":"</a:t>
+            </a:r>
+            <a:r>
+              <a:rPr lang="en-US" altLang="zh-CN" sz="1050" dirty="0" err="1">
+                <a:solidFill>
+                  <a:schemeClr val="tx1"/>
+                </a:solidFill>
+                <a:latin typeface="宋体" panose="02010600030101010101" pitchFamily="2" charset="-122"/>
+                <a:ea typeface="宋体" panose="02010600030101010101" pitchFamily="2" charset="-122"/>
+              </a:rPr>
+              <a:t>ArchiCAD</a:t>
+            </a:r>
+            <a:r>
+              <a:rPr lang="en-US" altLang="zh-CN" sz="1050" dirty="0">
+                <a:solidFill>
+                  <a:schemeClr val="tx1"/>
+                </a:solidFill>
+                <a:latin typeface="宋体" panose="02010600030101010101" pitchFamily="2" charset="-122"/>
+                <a:ea typeface="宋体" panose="02010600030101010101" pitchFamily="2" charset="-122"/>
+              </a:rPr>
+              <a:t> 11.0</a:t>
+            </a:r>
+            <a:r>
+              <a:rPr lang="fr-FR" altLang="zh-CN" sz="1050" dirty="0">
+                <a:solidFill>
+                  <a:schemeClr val="tx1"/>
+                </a:solidFill>
+                <a:latin typeface="宋体" panose="02010600030101010101" pitchFamily="2" charset="-122"/>
+                <a:ea typeface="宋体" panose="02010600030101010101" pitchFamily="2" charset="-122"/>
+              </a:rPr>
+              <a:t>","ApplicationIdentifier":"</a:t>
+            </a:r>
+            <a:r>
+              <a:rPr lang="en-US" altLang="zh-CN" sz="1050" dirty="0">
+                <a:solidFill>
+                  <a:schemeClr val="tx1"/>
+                </a:solidFill>
+                <a:latin typeface="宋体" panose="02010600030101010101" pitchFamily="2" charset="-122"/>
+                <a:ea typeface="宋体" panose="02010600030101010101" pitchFamily="2" charset="-122"/>
+              </a:rPr>
+              <a:t> </a:t>
+            </a:r>
+            <a:r>
+              <a:rPr lang="en-US" altLang="zh-CN" sz="1050" dirty="0" err="1">
+                <a:solidFill>
+                  <a:schemeClr val="tx1"/>
+                </a:solidFill>
+                <a:latin typeface="宋体" panose="02010600030101010101" pitchFamily="2" charset="-122"/>
+                <a:ea typeface="宋体" panose="02010600030101010101" pitchFamily="2" charset="-122"/>
+              </a:rPr>
+              <a:t>ArchiCAD</a:t>
+            </a:r>
+            <a:r>
+              <a:rPr lang="en-US" altLang="zh-CN" sz="1050" dirty="0">
+                <a:solidFill>
+                  <a:schemeClr val="tx1"/>
+                </a:solidFill>
+                <a:latin typeface="宋体" panose="02010600030101010101" pitchFamily="2" charset="-122"/>
+                <a:ea typeface="宋体" panose="02010600030101010101" pitchFamily="2" charset="-122"/>
+              </a:rPr>
+              <a:t> </a:t>
+            </a:r>
+            <a:r>
+              <a:rPr lang="fr-FR" altLang="zh-CN" sz="1050" dirty="0">
+                <a:solidFill>
+                  <a:schemeClr val="tx1"/>
+                </a:solidFill>
+                <a:latin typeface="宋体" panose="02010600030101010101" pitchFamily="2" charset="-122"/>
+                <a:ea typeface="宋体" panose="02010600030101010101" pitchFamily="2" charset="-122"/>
+              </a:rPr>
+              <a:t>"}</a:t>
+            </a:r>
+            <a:endParaRPr lang="en-US" altLang="zh-CN" sz="1050" dirty="0">
+              <a:solidFill>
+                <a:schemeClr val="tx1"/>
+              </a:solidFill>
+              <a:latin typeface="宋体" panose="02010600030101010101" pitchFamily="2" charset="-122"/>
+              <a:ea typeface="宋体" panose="02010600030101010101" pitchFamily="2" charset="-122"/>
+            </a:endParaRPr>
+          </a:p>
+        </p:txBody>
+      </p:sp>
+    </p:spTree>
+    <p:extLst>
+      <p:ext uri="{BB962C8B-B14F-4D97-AF65-F5344CB8AC3E}">
+        <p14:creationId xmlns:p14="http://schemas.microsoft.com/office/powerpoint/2010/main" val="1516492018"/>
       </p:ext>
     </p:extLst>
   </p:cSld>
@@ -29163,6 +35506,312 @@
     <p:extLst>
       <p:ext uri="{BB962C8B-B14F-4D97-AF65-F5344CB8AC3E}">
         <p14:creationId xmlns:p14="http://schemas.microsoft.com/office/powerpoint/2010/main" val="1197646503"/>
+      </p:ext>
+    </p:extLst>
+  </p:cSld>
+  <p:clrMapOvr>
+    <a:masterClrMapping/>
+  </p:clrMapOvr>
+</p:sld>
+</file>
+
+<file path=ppt/slides/slide30.xml><?xml version="1.0" encoding="utf-8"?>
+<p:sld xmlns:a="http://schemas.openxmlformats.org/drawingml/2006/main" xmlns:r="http://schemas.openxmlformats.org/officeDocument/2006/relationships" xmlns:p="http://schemas.openxmlformats.org/presentationml/2006/main">
+  <p:cSld>
+    <p:spTree>
+      <p:nvGrpSpPr>
+        <p:cNvPr id="1" name=""/>
+        <p:cNvGrpSpPr/>
+        <p:nvPr/>
+      </p:nvGrpSpPr>
+      <p:grpSpPr>
+        <a:xfrm>
+          <a:off x="0" y="0"/>
+          <a:ext cx="0" cy="0"/>
+          <a:chOff x="0" y="0"/>
+          <a:chExt cx="0" cy="0"/>
+        </a:xfrm>
+      </p:grpSpPr>
+      <p:sp>
+        <p:nvSpPr>
+          <p:cNvPr id="21" name="流程图: 过程 20">
+            <a:extLst>
+              <a:ext uri="{FF2B5EF4-FFF2-40B4-BE49-F238E27FC236}">
+                <a16:creationId xmlns:a16="http://schemas.microsoft.com/office/drawing/2014/main" id="{2B04B089-72D8-4954-AAB0-0F9822515639}"/>
+              </a:ext>
+            </a:extLst>
+          </p:cNvPr>
+          <p:cNvSpPr/>
+          <p:nvPr/>
+        </p:nvSpPr>
+        <p:spPr>
+          <a:xfrm>
+            <a:off x="1121745" y="2416513"/>
+            <a:ext cx="2274598" cy="349446"/>
+          </a:xfrm>
+          <a:prstGeom prst="flowChartProcess">
+            <a:avLst/>
+          </a:prstGeom>
+          <a:solidFill>
+            <a:schemeClr val="bg1"/>
+          </a:solidFill>
+          <a:ln>
+            <a:solidFill>
+              <a:schemeClr val="tx1"/>
+            </a:solidFill>
+          </a:ln>
+        </p:spPr>
+        <p:style>
+          <a:lnRef idx="2">
+            <a:schemeClr val="accent1">
+              <a:shade val="50000"/>
+            </a:schemeClr>
+          </a:lnRef>
+          <a:fillRef idx="1">
+            <a:schemeClr val="accent1"/>
+          </a:fillRef>
+          <a:effectRef idx="0">
+            <a:schemeClr val="accent1"/>
+          </a:effectRef>
+          <a:fontRef idx="minor">
+            <a:schemeClr val="lt1"/>
+          </a:fontRef>
+        </p:style>
+        <p:txBody>
+          <a:bodyPr rtlCol="0" anchor="ctr"/>
+          <a:lstStyle/>
+          <a:p>
+            <a:pPr algn="ctr"/>
+            <a:r>
+              <a:rPr lang="en-US" altLang="zh-CN" sz="1050" dirty="0" err="1">
+                <a:solidFill>
+                  <a:schemeClr val="tx1"/>
+                </a:solidFill>
+                <a:latin typeface="宋体" panose="02010600030101010101" pitchFamily="2" charset="-122"/>
+                <a:ea typeface="宋体" panose="02010600030101010101" pitchFamily="2" charset="-122"/>
+              </a:rPr>
+              <a:t>IfcRelDefiniesByProperties</a:t>
+            </a:r>
+            <a:r>
+              <a:rPr lang="zh-CN" altLang="en-US" sz="1050" dirty="0">
+                <a:solidFill>
+                  <a:schemeClr val="tx1"/>
+                </a:solidFill>
+                <a:latin typeface="宋体" panose="02010600030101010101" pitchFamily="2" charset="-122"/>
+                <a:ea typeface="宋体" panose="02010600030101010101" pitchFamily="2" charset="-122"/>
+              </a:rPr>
+              <a:t>对象</a:t>
+            </a:r>
+            <a:endParaRPr lang="en-US" altLang="zh-CN" sz="1050" dirty="0">
+              <a:solidFill>
+                <a:schemeClr val="tx1"/>
+              </a:solidFill>
+              <a:latin typeface="宋体" panose="02010600030101010101" pitchFamily="2" charset="-122"/>
+              <a:ea typeface="宋体" panose="02010600030101010101" pitchFamily="2" charset="-122"/>
+            </a:endParaRPr>
+          </a:p>
+        </p:txBody>
+      </p:sp>
+      <p:cxnSp>
+        <p:nvCxnSpPr>
+          <p:cNvPr id="32" name="直接箭头连接符 31">
+            <a:extLst>
+              <a:ext uri="{FF2B5EF4-FFF2-40B4-BE49-F238E27FC236}">
+                <a16:creationId xmlns:a16="http://schemas.microsoft.com/office/drawing/2014/main" id="{741FD68B-62CC-4C1E-BD60-C796E185CF32}"/>
+              </a:ext>
+            </a:extLst>
+          </p:cNvPr>
+          <p:cNvCxnSpPr>
+            <a:cxnSpLocks/>
+            <a:endCxn id="34" idx="1"/>
+          </p:cNvCxnSpPr>
+          <p:nvPr/>
+        </p:nvCxnSpPr>
+        <p:spPr>
+          <a:xfrm>
+            <a:off x="3396343" y="2600023"/>
+            <a:ext cx="970384" cy="0"/>
+          </a:xfrm>
+          <a:prstGeom prst="straightConnector1">
+            <a:avLst/>
+          </a:prstGeom>
+          <a:ln>
+            <a:tailEnd type="triangle"/>
+          </a:ln>
+        </p:spPr>
+        <p:style>
+          <a:lnRef idx="1">
+            <a:schemeClr val="dk1"/>
+          </a:lnRef>
+          <a:fillRef idx="0">
+            <a:schemeClr val="dk1"/>
+          </a:fillRef>
+          <a:effectRef idx="0">
+            <a:schemeClr val="dk1"/>
+          </a:effectRef>
+          <a:fontRef idx="minor">
+            <a:schemeClr val="tx1"/>
+          </a:fontRef>
+        </p:style>
+      </p:cxnSp>
+      <p:sp>
+        <p:nvSpPr>
+          <p:cNvPr id="34" name="流程图: 过程 33">
+            <a:extLst>
+              <a:ext uri="{FF2B5EF4-FFF2-40B4-BE49-F238E27FC236}">
+                <a16:creationId xmlns:a16="http://schemas.microsoft.com/office/drawing/2014/main" id="{D847D20D-1EB8-4FC8-9DCD-D22AEFEEE857}"/>
+              </a:ext>
+            </a:extLst>
+          </p:cNvPr>
+          <p:cNvSpPr/>
+          <p:nvPr/>
+        </p:nvSpPr>
+        <p:spPr>
+          <a:xfrm>
+            <a:off x="4366727" y="2425300"/>
+            <a:ext cx="1390261" cy="349446"/>
+          </a:xfrm>
+          <a:prstGeom prst="flowChartProcess">
+            <a:avLst/>
+          </a:prstGeom>
+          <a:solidFill>
+            <a:schemeClr val="bg1"/>
+          </a:solidFill>
+          <a:ln>
+            <a:solidFill>
+              <a:schemeClr val="tx1"/>
+            </a:solidFill>
+          </a:ln>
+        </p:spPr>
+        <p:style>
+          <a:lnRef idx="2">
+            <a:schemeClr val="accent1">
+              <a:shade val="50000"/>
+            </a:schemeClr>
+          </a:lnRef>
+          <a:fillRef idx="1">
+            <a:schemeClr val="accent1"/>
+          </a:fillRef>
+          <a:effectRef idx="0">
+            <a:schemeClr val="accent1"/>
+          </a:effectRef>
+          <a:fontRef idx="minor">
+            <a:schemeClr val="lt1"/>
+          </a:fontRef>
+        </p:style>
+        <p:txBody>
+          <a:bodyPr rtlCol="0" anchor="ctr"/>
+          <a:lstStyle/>
+          <a:p>
+            <a:pPr algn="ctr"/>
+            <a:r>
+              <a:rPr lang="en-US" altLang="zh-CN" sz="1050" dirty="0" err="1">
+                <a:solidFill>
+                  <a:schemeClr val="tx1"/>
+                </a:solidFill>
+                <a:latin typeface="宋体" panose="02010600030101010101" pitchFamily="2" charset="-122"/>
+                <a:ea typeface="宋体" panose="02010600030101010101" pitchFamily="2" charset="-122"/>
+              </a:rPr>
+              <a:t>IfcObjects</a:t>
+            </a:r>
+            <a:r>
+              <a:rPr lang="zh-CN" altLang="en-US" sz="1050" dirty="0">
+                <a:solidFill>
+                  <a:schemeClr val="tx1"/>
+                </a:solidFill>
+                <a:latin typeface="宋体" panose="02010600030101010101" pitchFamily="2" charset="-122"/>
+                <a:ea typeface="宋体" panose="02010600030101010101" pitchFamily="2" charset="-122"/>
+              </a:rPr>
+              <a:t>集合</a:t>
+            </a:r>
+            <a:endParaRPr lang="en-US" altLang="zh-CN" sz="1050" dirty="0">
+              <a:solidFill>
+                <a:schemeClr val="tx1"/>
+              </a:solidFill>
+              <a:latin typeface="宋体" panose="02010600030101010101" pitchFamily="2" charset="-122"/>
+              <a:ea typeface="宋体" panose="02010600030101010101" pitchFamily="2" charset="-122"/>
+            </a:endParaRPr>
+          </a:p>
+        </p:txBody>
+      </p:sp>
+      <p:sp>
+        <p:nvSpPr>
+          <p:cNvPr id="35" name="流程图: 过程 34">
+            <a:extLst>
+              <a:ext uri="{FF2B5EF4-FFF2-40B4-BE49-F238E27FC236}">
+                <a16:creationId xmlns:a16="http://schemas.microsoft.com/office/drawing/2014/main" id="{80B47D1C-E74F-415F-8063-7CD51A631F6B}"/>
+              </a:ext>
+            </a:extLst>
+          </p:cNvPr>
+          <p:cNvSpPr/>
+          <p:nvPr/>
+        </p:nvSpPr>
+        <p:spPr>
+          <a:xfrm>
+            <a:off x="3509866" y="2266604"/>
+            <a:ext cx="743337" cy="324632"/>
+          </a:xfrm>
+          <a:prstGeom prst="flowChartProcess">
+            <a:avLst/>
+          </a:prstGeom>
+          <a:solidFill>
+            <a:schemeClr val="bg1"/>
+          </a:solidFill>
+          <a:ln>
+            <a:noFill/>
+          </a:ln>
+        </p:spPr>
+        <p:style>
+          <a:lnRef idx="2">
+            <a:schemeClr val="accent1">
+              <a:shade val="50000"/>
+            </a:schemeClr>
+          </a:lnRef>
+          <a:fillRef idx="1">
+            <a:schemeClr val="accent1"/>
+          </a:fillRef>
+          <a:effectRef idx="0">
+            <a:schemeClr val="accent1"/>
+          </a:effectRef>
+          <a:fontRef idx="minor">
+            <a:schemeClr val="lt1"/>
+          </a:fontRef>
+        </p:style>
+        <p:txBody>
+          <a:bodyPr rtlCol="0" anchor="ctr"/>
+          <a:lstStyle/>
+          <a:p>
+            <a:pPr algn="ctr"/>
+            <a:r>
+              <a:rPr lang="en-US" altLang="zh-CN" sz="1050" dirty="0">
+                <a:solidFill>
+                  <a:schemeClr val="tx1"/>
+                </a:solidFill>
+                <a:latin typeface="宋体" panose="02010600030101010101" pitchFamily="2" charset="-122"/>
+                <a:ea typeface="宋体" panose="02010600030101010101" pitchFamily="2" charset="-122"/>
+              </a:rPr>
+              <a:t>Related</a:t>
+            </a:r>
+          </a:p>
+          <a:p>
+            <a:pPr algn="ctr"/>
+            <a:r>
+              <a:rPr lang="en-US" altLang="zh-CN" sz="1050" dirty="0">
+                <a:solidFill>
+                  <a:schemeClr val="tx1"/>
+                </a:solidFill>
+                <a:latin typeface="宋体" panose="02010600030101010101" pitchFamily="2" charset="-122"/>
+                <a:ea typeface="宋体" panose="02010600030101010101" pitchFamily="2" charset="-122"/>
+              </a:rPr>
+              <a:t>Objects</a:t>
+            </a:r>
+          </a:p>
+        </p:txBody>
+      </p:sp>
+    </p:spTree>
+    <p:extLst>
+      <p:ext uri="{BB962C8B-B14F-4D97-AF65-F5344CB8AC3E}">
+        <p14:creationId xmlns:p14="http://schemas.microsoft.com/office/powerpoint/2010/main" val="3613756739"/>
       </p:ext>
     </p:extLst>
   </p:cSld>

--- a/毕业论文资料/毕业论文图.pptx
+++ b/毕业论文资料/毕业论文图.pptx
@@ -274,7 +274,7 @@
           <a:p>
             <a:fld id="{ACE92014-3EEA-4007-B1F6-A2EC48BFC768}" type="datetimeFigureOut">
               <a:rPr lang="zh-CN" altLang="en-US" smtClean="0"/>
-              <a:t>2017/10/8</a:t>
+              <a:t>2018/3/25</a:t>
             </a:fld>
             <a:endParaRPr lang="zh-CN" altLang="en-US"/>
           </a:p>
@@ -442,7 +442,7 @@
           <a:p>
             <a:fld id="{ACE92014-3EEA-4007-B1F6-A2EC48BFC768}" type="datetimeFigureOut">
               <a:rPr lang="zh-CN" altLang="en-US" smtClean="0"/>
-              <a:t>2017/10/8</a:t>
+              <a:t>2018/3/25</a:t>
             </a:fld>
             <a:endParaRPr lang="zh-CN" altLang="en-US"/>
           </a:p>
@@ -620,7 +620,7 @@
           <a:p>
             <a:fld id="{ACE92014-3EEA-4007-B1F6-A2EC48BFC768}" type="datetimeFigureOut">
               <a:rPr lang="zh-CN" altLang="en-US" smtClean="0"/>
-              <a:t>2017/10/8</a:t>
+              <a:t>2018/3/25</a:t>
             </a:fld>
             <a:endParaRPr lang="zh-CN" altLang="en-US"/>
           </a:p>
@@ -788,7 +788,7 @@
           <a:p>
             <a:fld id="{ACE92014-3EEA-4007-B1F6-A2EC48BFC768}" type="datetimeFigureOut">
               <a:rPr lang="zh-CN" altLang="en-US" smtClean="0"/>
-              <a:t>2017/10/8</a:t>
+              <a:t>2018/3/25</a:t>
             </a:fld>
             <a:endParaRPr lang="zh-CN" altLang="en-US"/>
           </a:p>
@@ -1033,7 +1033,7 @@
           <a:p>
             <a:fld id="{ACE92014-3EEA-4007-B1F6-A2EC48BFC768}" type="datetimeFigureOut">
               <a:rPr lang="zh-CN" altLang="en-US" smtClean="0"/>
-              <a:t>2017/10/8</a:t>
+              <a:t>2018/3/25</a:t>
             </a:fld>
             <a:endParaRPr lang="zh-CN" altLang="en-US"/>
           </a:p>
@@ -1262,7 +1262,7 @@
           <a:p>
             <a:fld id="{ACE92014-3EEA-4007-B1F6-A2EC48BFC768}" type="datetimeFigureOut">
               <a:rPr lang="zh-CN" altLang="en-US" smtClean="0"/>
-              <a:t>2017/10/8</a:t>
+              <a:t>2018/3/25</a:t>
             </a:fld>
             <a:endParaRPr lang="zh-CN" altLang="en-US"/>
           </a:p>
@@ -1626,7 +1626,7 @@
           <a:p>
             <a:fld id="{ACE92014-3EEA-4007-B1F6-A2EC48BFC768}" type="datetimeFigureOut">
               <a:rPr lang="zh-CN" altLang="en-US" smtClean="0"/>
-              <a:t>2017/10/8</a:t>
+              <a:t>2018/3/25</a:t>
             </a:fld>
             <a:endParaRPr lang="zh-CN" altLang="en-US"/>
           </a:p>
@@ -1743,7 +1743,7 @@
           <a:p>
             <a:fld id="{ACE92014-3EEA-4007-B1F6-A2EC48BFC768}" type="datetimeFigureOut">
               <a:rPr lang="zh-CN" altLang="en-US" smtClean="0"/>
-              <a:t>2017/10/8</a:t>
+              <a:t>2018/3/25</a:t>
             </a:fld>
             <a:endParaRPr lang="zh-CN" altLang="en-US"/>
           </a:p>
@@ -1838,7 +1838,7 @@
           <a:p>
             <a:fld id="{ACE92014-3EEA-4007-B1F6-A2EC48BFC768}" type="datetimeFigureOut">
               <a:rPr lang="zh-CN" altLang="en-US" smtClean="0"/>
-              <a:t>2017/10/8</a:t>
+              <a:t>2018/3/25</a:t>
             </a:fld>
             <a:endParaRPr lang="zh-CN" altLang="en-US"/>
           </a:p>
@@ -2113,7 +2113,7 @@
           <a:p>
             <a:fld id="{ACE92014-3EEA-4007-B1F6-A2EC48BFC768}" type="datetimeFigureOut">
               <a:rPr lang="zh-CN" altLang="en-US" smtClean="0"/>
-              <a:t>2017/10/8</a:t>
+              <a:t>2018/3/25</a:t>
             </a:fld>
             <a:endParaRPr lang="zh-CN" altLang="en-US"/>
           </a:p>
@@ -2365,7 +2365,7 @@
           <a:p>
             <a:fld id="{ACE92014-3EEA-4007-B1F6-A2EC48BFC768}" type="datetimeFigureOut">
               <a:rPr lang="zh-CN" altLang="en-US" smtClean="0"/>
-              <a:t>2017/10/8</a:t>
+              <a:t>2018/3/25</a:t>
             </a:fld>
             <a:endParaRPr lang="zh-CN" altLang="en-US"/>
           </a:p>
@@ -2576,7 +2576,7 @@
           <a:p>
             <a:fld id="{ACE92014-3EEA-4007-B1F6-A2EC48BFC768}" type="datetimeFigureOut">
               <a:rPr lang="zh-CN" altLang="en-US" smtClean="0"/>
-              <a:t>2017/10/8</a:t>
+              <a:t>2018/3/25</a:t>
             </a:fld>
             <a:endParaRPr lang="zh-CN" altLang="en-US"/>
           </a:p>
@@ -5753,6 +5753,946 @@
           </a:fontRef>
         </p:style>
       </p:cxnSp>
+      <p:sp>
+        <p:nvSpPr>
+          <p:cNvPr id="43" name="文本框 42">
+            <a:extLst>
+              <a:ext uri="{FF2B5EF4-FFF2-40B4-BE49-F238E27FC236}">
+                <a16:creationId xmlns:a16="http://schemas.microsoft.com/office/drawing/2014/main" id="{B134A3CC-3726-4F38-BFB1-7D421952B13E}"/>
+              </a:ext>
+            </a:extLst>
+          </p:cNvPr>
+          <p:cNvSpPr txBox="1"/>
+          <p:nvPr/>
+        </p:nvSpPr>
+        <p:spPr>
+          <a:xfrm>
+            <a:off x="2055845" y="4861283"/>
+            <a:ext cx="407439" cy="253916"/>
+          </a:xfrm>
+          <a:prstGeom prst="rect">
+            <a:avLst/>
+          </a:prstGeom>
+          <a:noFill/>
+          <a:ln>
+            <a:solidFill>
+              <a:schemeClr val="tx1"/>
+            </a:solidFill>
+          </a:ln>
+        </p:spPr>
+        <p:txBody>
+          <a:bodyPr wrap="square" rtlCol="0">
+            <a:spAutoFit/>
+          </a:bodyPr>
+          <a:lstStyle/>
+          <a:p>
+            <a:pPr algn="ctr"/>
+            <a:r>
+              <a:rPr lang="en-US" altLang="zh-CN" sz="1050" dirty="0">
+                <a:latin typeface="宋体" panose="02010600030101010101" pitchFamily="2" charset="-122"/>
+                <a:ea typeface="宋体" panose="02010600030101010101" pitchFamily="2" charset="-122"/>
+              </a:rPr>
+              <a:t>0</a:t>
+            </a:r>
+            <a:endParaRPr lang="zh-CN" altLang="en-US" sz="1050" dirty="0">
+              <a:latin typeface="宋体" panose="02010600030101010101" pitchFamily="2" charset="-122"/>
+              <a:ea typeface="宋体" panose="02010600030101010101" pitchFamily="2" charset="-122"/>
+            </a:endParaRPr>
+          </a:p>
+        </p:txBody>
+      </p:sp>
+      <p:sp>
+        <p:nvSpPr>
+          <p:cNvPr id="44" name="文本框 43">
+            <a:extLst>
+              <a:ext uri="{FF2B5EF4-FFF2-40B4-BE49-F238E27FC236}">
+                <a16:creationId xmlns:a16="http://schemas.microsoft.com/office/drawing/2014/main" id="{9883628B-2D24-4581-8E7B-BE7F97B5035E}"/>
+              </a:ext>
+            </a:extLst>
+          </p:cNvPr>
+          <p:cNvSpPr txBox="1"/>
+          <p:nvPr/>
+        </p:nvSpPr>
+        <p:spPr>
+          <a:xfrm>
+            <a:off x="2466392" y="4861283"/>
+            <a:ext cx="407439" cy="253916"/>
+          </a:xfrm>
+          <a:prstGeom prst="rect">
+            <a:avLst/>
+          </a:prstGeom>
+          <a:noFill/>
+          <a:ln>
+            <a:solidFill>
+              <a:schemeClr val="tx1"/>
+            </a:solidFill>
+          </a:ln>
+        </p:spPr>
+        <p:txBody>
+          <a:bodyPr wrap="square" rtlCol="0">
+            <a:spAutoFit/>
+          </a:bodyPr>
+          <a:lstStyle/>
+          <a:p>
+            <a:pPr algn="ctr"/>
+            <a:r>
+              <a:rPr lang="en-US" altLang="zh-CN" sz="1050" dirty="0">
+                <a:latin typeface="宋体" panose="02010600030101010101" pitchFamily="2" charset="-122"/>
+                <a:ea typeface="宋体" panose="02010600030101010101" pitchFamily="2" charset="-122"/>
+              </a:rPr>
+              <a:t>1</a:t>
+            </a:r>
+            <a:endParaRPr lang="zh-CN" altLang="en-US" sz="1050" dirty="0">
+              <a:latin typeface="宋体" panose="02010600030101010101" pitchFamily="2" charset="-122"/>
+              <a:ea typeface="宋体" panose="02010600030101010101" pitchFamily="2" charset="-122"/>
+            </a:endParaRPr>
+          </a:p>
+        </p:txBody>
+      </p:sp>
+      <p:sp>
+        <p:nvSpPr>
+          <p:cNvPr id="46" name="文本框 45">
+            <a:extLst>
+              <a:ext uri="{FF2B5EF4-FFF2-40B4-BE49-F238E27FC236}">
+                <a16:creationId xmlns:a16="http://schemas.microsoft.com/office/drawing/2014/main" id="{115033BC-E996-41B5-9989-F8DC35FECAC6}"/>
+              </a:ext>
+            </a:extLst>
+          </p:cNvPr>
+          <p:cNvSpPr txBox="1"/>
+          <p:nvPr/>
+        </p:nvSpPr>
+        <p:spPr>
+          <a:xfrm>
+            <a:off x="2876939" y="4861283"/>
+            <a:ext cx="407439" cy="253916"/>
+          </a:xfrm>
+          <a:prstGeom prst="rect">
+            <a:avLst/>
+          </a:prstGeom>
+          <a:noFill/>
+          <a:ln>
+            <a:solidFill>
+              <a:schemeClr val="tx1"/>
+            </a:solidFill>
+          </a:ln>
+        </p:spPr>
+        <p:txBody>
+          <a:bodyPr wrap="square" rtlCol="0">
+            <a:spAutoFit/>
+          </a:bodyPr>
+          <a:lstStyle/>
+          <a:p>
+            <a:pPr algn="ctr"/>
+            <a:r>
+              <a:rPr lang="en-US" altLang="zh-CN" sz="1050" dirty="0">
+                <a:latin typeface="宋体" panose="02010600030101010101" pitchFamily="2" charset="-122"/>
+                <a:ea typeface="宋体" panose="02010600030101010101" pitchFamily="2" charset="-122"/>
+              </a:rPr>
+              <a:t>0</a:t>
+            </a:r>
+            <a:endParaRPr lang="zh-CN" altLang="en-US" sz="1050" dirty="0">
+              <a:latin typeface="宋体" panose="02010600030101010101" pitchFamily="2" charset="-122"/>
+              <a:ea typeface="宋体" panose="02010600030101010101" pitchFamily="2" charset="-122"/>
+            </a:endParaRPr>
+          </a:p>
+        </p:txBody>
+      </p:sp>
+      <p:sp>
+        <p:nvSpPr>
+          <p:cNvPr id="47" name="文本框 46">
+            <a:extLst>
+              <a:ext uri="{FF2B5EF4-FFF2-40B4-BE49-F238E27FC236}">
+                <a16:creationId xmlns:a16="http://schemas.microsoft.com/office/drawing/2014/main" id="{736251BF-8EEC-4417-AFAA-42ECE263149D}"/>
+              </a:ext>
+            </a:extLst>
+          </p:cNvPr>
+          <p:cNvSpPr txBox="1"/>
+          <p:nvPr/>
+        </p:nvSpPr>
+        <p:spPr>
+          <a:xfrm>
+            <a:off x="3287486" y="4861283"/>
+            <a:ext cx="407439" cy="253916"/>
+          </a:xfrm>
+          <a:prstGeom prst="rect">
+            <a:avLst/>
+          </a:prstGeom>
+          <a:noFill/>
+          <a:ln>
+            <a:solidFill>
+              <a:schemeClr val="tx1"/>
+            </a:solidFill>
+          </a:ln>
+        </p:spPr>
+        <p:txBody>
+          <a:bodyPr wrap="square" rtlCol="0">
+            <a:spAutoFit/>
+          </a:bodyPr>
+          <a:lstStyle/>
+          <a:p>
+            <a:pPr algn="ctr"/>
+            <a:r>
+              <a:rPr lang="en-US" altLang="zh-CN" sz="1050" dirty="0">
+                <a:latin typeface="宋体" panose="02010600030101010101" pitchFamily="2" charset="-122"/>
+                <a:ea typeface="宋体" panose="02010600030101010101" pitchFamily="2" charset="-122"/>
+              </a:rPr>
+              <a:t>1</a:t>
+            </a:r>
+            <a:endParaRPr lang="zh-CN" altLang="en-US" sz="1050" dirty="0">
+              <a:latin typeface="宋体" panose="02010600030101010101" pitchFamily="2" charset="-122"/>
+              <a:ea typeface="宋体" panose="02010600030101010101" pitchFamily="2" charset="-122"/>
+            </a:endParaRPr>
+          </a:p>
+        </p:txBody>
+      </p:sp>
+      <p:sp>
+        <p:nvSpPr>
+          <p:cNvPr id="48" name="文本框 47">
+            <a:extLst>
+              <a:ext uri="{FF2B5EF4-FFF2-40B4-BE49-F238E27FC236}">
+                <a16:creationId xmlns:a16="http://schemas.microsoft.com/office/drawing/2014/main" id="{92D519C9-EEFD-49B4-A9B3-00B35FA4628F}"/>
+              </a:ext>
+            </a:extLst>
+          </p:cNvPr>
+          <p:cNvSpPr txBox="1"/>
+          <p:nvPr/>
+        </p:nvSpPr>
+        <p:spPr>
+          <a:xfrm>
+            <a:off x="3698033" y="4861283"/>
+            <a:ext cx="407439" cy="253916"/>
+          </a:xfrm>
+          <a:prstGeom prst="rect">
+            <a:avLst/>
+          </a:prstGeom>
+          <a:noFill/>
+          <a:ln>
+            <a:solidFill>
+              <a:schemeClr val="tx1"/>
+            </a:solidFill>
+          </a:ln>
+        </p:spPr>
+        <p:txBody>
+          <a:bodyPr wrap="square" rtlCol="0">
+            <a:spAutoFit/>
+          </a:bodyPr>
+          <a:lstStyle/>
+          <a:p>
+            <a:pPr algn="ctr"/>
+            <a:r>
+              <a:rPr lang="en-US" altLang="zh-CN" sz="1050" dirty="0">
+                <a:latin typeface="宋体" panose="02010600030101010101" pitchFamily="2" charset="-122"/>
+                <a:ea typeface="宋体" panose="02010600030101010101" pitchFamily="2" charset="-122"/>
+              </a:rPr>
+              <a:t>0</a:t>
+            </a:r>
+            <a:endParaRPr lang="zh-CN" altLang="en-US" sz="1050" dirty="0">
+              <a:latin typeface="宋体" panose="02010600030101010101" pitchFamily="2" charset="-122"/>
+              <a:ea typeface="宋体" panose="02010600030101010101" pitchFamily="2" charset="-122"/>
+            </a:endParaRPr>
+          </a:p>
+        </p:txBody>
+      </p:sp>
+      <p:sp>
+        <p:nvSpPr>
+          <p:cNvPr id="53" name="文本框 52">
+            <a:extLst>
+              <a:ext uri="{FF2B5EF4-FFF2-40B4-BE49-F238E27FC236}">
+                <a16:creationId xmlns:a16="http://schemas.microsoft.com/office/drawing/2014/main" id="{E2DCC7F8-0343-414C-A2C8-564FB1F3A791}"/>
+              </a:ext>
+            </a:extLst>
+          </p:cNvPr>
+          <p:cNvSpPr txBox="1"/>
+          <p:nvPr/>
+        </p:nvSpPr>
+        <p:spPr>
+          <a:xfrm>
+            <a:off x="4108580" y="4861283"/>
+            <a:ext cx="407439" cy="253916"/>
+          </a:xfrm>
+          <a:prstGeom prst="rect">
+            <a:avLst/>
+          </a:prstGeom>
+          <a:noFill/>
+          <a:ln>
+            <a:solidFill>
+              <a:schemeClr val="tx1"/>
+            </a:solidFill>
+          </a:ln>
+        </p:spPr>
+        <p:txBody>
+          <a:bodyPr wrap="square" rtlCol="0">
+            <a:spAutoFit/>
+          </a:bodyPr>
+          <a:lstStyle/>
+          <a:p>
+            <a:pPr algn="ctr"/>
+            <a:r>
+              <a:rPr lang="en-US" altLang="zh-CN" sz="1050" dirty="0">
+                <a:latin typeface="宋体" panose="02010600030101010101" pitchFamily="2" charset="-122"/>
+                <a:ea typeface="宋体" panose="02010600030101010101" pitchFamily="2" charset="-122"/>
+              </a:rPr>
+              <a:t>0</a:t>
+            </a:r>
+            <a:endParaRPr lang="zh-CN" altLang="en-US" sz="1050" dirty="0">
+              <a:latin typeface="宋体" panose="02010600030101010101" pitchFamily="2" charset="-122"/>
+              <a:ea typeface="宋体" panose="02010600030101010101" pitchFamily="2" charset="-122"/>
+            </a:endParaRPr>
+          </a:p>
+        </p:txBody>
+      </p:sp>
+      <p:sp>
+        <p:nvSpPr>
+          <p:cNvPr id="56" name="文本框 55">
+            <a:extLst>
+              <a:ext uri="{FF2B5EF4-FFF2-40B4-BE49-F238E27FC236}">
+                <a16:creationId xmlns:a16="http://schemas.microsoft.com/office/drawing/2014/main" id="{6D6FAF27-5E49-48E4-84D5-EE1C5DE41B29}"/>
+              </a:ext>
+            </a:extLst>
+          </p:cNvPr>
+          <p:cNvSpPr txBox="1"/>
+          <p:nvPr/>
+        </p:nvSpPr>
+        <p:spPr>
+          <a:xfrm>
+            <a:off x="2055845" y="5103840"/>
+            <a:ext cx="407439" cy="253916"/>
+          </a:xfrm>
+          <a:prstGeom prst="rect">
+            <a:avLst/>
+          </a:prstGeom>
+          <a:noFill/>
+          <a:ln>
+            <a:noFill/>
+          </a:ln>
+        </p:spPr>
+        <p:txBody>
+          <a:bodyPr wrap="square" rtlCol="0">
+            <a:spAutoFit/>
+          </a:bodyPr>
+          <a:lstStyle/>
+          <a:p>
+            <a:pPr algn="ctr"/>
+            <a:r>
+              <a:rPr lang="en-US" altLang="zh-CN" sz="1050" i="1" dirty="0">
+                <a:latin typeface="宋体" panose="02010600030101010101" pitchFamily="2" charset="-122"/>
+                <a:ea typeface="宋体" panose="02010600030101010101" pitchFamily="2" charset="-122"/>
+              </a:rPr>
+              <a:t>1</a:t>
+            </a:r>
+            <a:endParaRPr lang="zh-CN" altLang="en-US" sz="1050" i="1" dirty="0">
+              <a:latin typeface="宋体" panose="02010600030101010101" pitchFamily="2" charset="-122"/>
+              <a:ea typeface="宋体" panose="02010600030101010101" pitchFamily="2" charset="-122"/>
+            </a:endParaRPr>
+          </a:p>
+        </p:txBody>
+      </p:sp>
+      <p:sp>
+        <p:nvSpPr>
+          <p:cNvPr id="57" name="文本框 56">
+            <a:extLst>
+              <a:ext uri="{FF2B5EF4-FFF2-40B4-BE49-F238E27FC236}">
+                <a16:creationId xmlns:a16="http://schemas.microsoft.com/office/drawing/2014/main" id="{E06F4283-ECA4-4A58-BAEA-B6743ED663B8}"/>
+              </a:ext>
+            </a:extLst>
+          </p:cNvPr>
+          <p:cNvSpPr txBox="1"/>
+          <p:nvPr/>
+        </p:nvSpPr>
+        <p:spPr>
+          <a:xfrm>
+            <a:off x="2466392" y="5103840"/>
+            <a:ext cx="407439" cy="253916"/>
+          </a:xfrm>
+          <a:prstGeom prst="rect">
+            <a:avLst/>
+          </a:prstGeom>
+          <a:noFill/>
+          <a:ln>
+            <a:noFill/>
+          </a:ln>
+        </p:spPr>
+        <p:txBody>
+          <a:bodyPr wrap="square" rtlCol="0">
+            <a:spAutoFit/>
+          </a:bodyPr>
+          <a:lstStyle/>
+          <a:p>
+            <a:pPr algn="ctr"/>
+            <a:r>
+              <a:rPr lang="en-US" altLang="zh-CN" sz="1050" i="1" dirty="0">
+                <a:latin typeface="宋体" panose="02010600030101010101" pitchFamily="2" charset="-122"/>
+                <a:ea typeface="宋体" panose="02010600030101010101" pitchFamily="2" charset="-122"/>
+              </a:rPr>
+              <a:t>2</a:t>
+            </a:r>
+            <a:endParaRPr lang="zh-CN" altLang="en-US" sz="1050" i="1" dirty="0">
+              <a:latin typeface="宋体" panose="02010600030101010101" pitchFamily="2" charset="-122"/>
+              <a:ea typeface="宋体" panose="02010600030101010101" pitchFamily="2" charset="-122"/>
+            </a:endParaRPr>
+          </a:p>
+        </p:txBody>
+      </p:sp>
+      <p:sp>
+        <p:nvSpPr>
+          <p:cNvPr id="58" name="文本框 57">
+            <a:extLst>
+              <a:ext uri="{FF2B5EF4-FFF2-40B4-BE49-F238E27FC236}">
+                <a16:creationId xmlns:a16="http://schemas.microsoft.com/office/drawing/2014/main" id="{2D135E9F-C4BA-4E67-A6C1-68DB9DDBC891}"/>
+              </a:ext>
+            </a:extLst>
+          </p:cNvPr>
+          <p:cNvSpPr txBox="1"/>
+          <p:nvPr/>
+        </p:nvSpPr>
+        <p:spPr>
+          <a:xfrm>
+            <a:off x="2876939" y="5103840"/>
+            <a:ext cx="407439" cy="253916"/>
+          </a:xfrm>
+          <a:prstGeom prst="rect">
+            <a:avLst/>
+          </a:prstGeom>
+          <a:noFill/>
+          <a:ln>
+            <a:noFill/>
+          </a:ln>
+        </p:spPr>
+        <p:txBody>
+          <a:bodyPr wrap="square" rtlCol="0">
+            <a:spAutoFit/>
+          </a:bodyPr>
+          <a:lstStyle/>
+          <a:p>
+            <a:pPr algn="ctr"/>
+            <a:r>
+              <a:rPr lang="en-US" altLang="zh-CN" sz="1050" i="1" dirty="0">
+                <a:latin typeface="宋体" panose="02010600030101010101" pitchFamily="2" charset="-122"/>
+                <a:ea typeface="宋体" panose="02010600030101010101" pitchFamily="2" charset="-122"/>
+              </a:rPr>
+              <a:t>3</a:t>
+            </a:r>
+            <a:endParaRPr lang="zh-CN" altLang="en-US" sz="1050" i="1" dirty="0">
+              <a:latin typeface="宋体" panose="02010600030101010101" pitchFamily="2" charset="-122"/>
+              <a:ea typeface="宋体" panose="02010600030101010101" pitchFamily="2" charset="-122"/>
+            </a:endParaRPr>
+          </a:p>
+        </p:txBody>
+      </p:sp>
+      <p:sp>
+        <p:nvSpPr>
+          <p:cNvPr id="59" name="文本框 58">
+            <a:extLst>
+              <a:ext uri="{FF2B5EF4-FFF2-40B4-BE49-F238E27FC236}">
+                <a16:creationId xmlns:a16="http://schemas.microsoft.com/office/drawing/2014/main" id="{1DD168A5-0950-4227-BB34-36AFB0236229}"/>
+              </a:ext>
+            </a:extLst>
+          </p:cNvPr>
+          <p:cNvSpPr txBox="1"/>
+          <p:nvPr/>
+        </p:nvSpPr>
+        <p:spPr>
+          <a:xfrm>
+            <a:off x="3287486" y="5103840"/>
+            <a:ext cx="407439" cy="253916"/>
+          </a:xfrm>
+          <a:prstGeom prst="rect">
+            <a:avLst/>
+          </a:prstGeom>
+          <a:noFill/>
+          <a:ln>
+            <a:noFill/>
+          </a:ln>
+        </p:spPr>
+        <p:txBody>
+          <a:bodyPr wrap="square" rtlCol="0">
+            <a:spAutoFit/>
+          </a:bodyPr>
+          <a:lstStyle/>
+          <a:p>
+            <a:pPr algn="ctr"/>
+            <a:r>
+              <a:rPr lang="en-US" altLang="zh-CN" sz="1050" i="1" dirty="0">
+                <a:latin typeface="宋体" panose="02010600030101010101" pitchFamily="2" charset="-122"/>
+                <a:ea typeface="宋体" panose="02010600030101010101" pitchFamily="2" charset="-122"/>
+              </a:rPr>
+              <a:t>4</a:t>
+            </a:r>
+            <a:endParaRPr lang="zh-CN" altLang="en-US" sz="1050" i="1" dirty="0">
+              <a:latin typeface="宋体" panose="02010600030101010101" pitchFamily="2" charset="-122"/>
+              <a:ea typeface="宋体" panose="02010600030101010101" pitchFamily="2" charset="-122"/>
+            </a:endParaRPr>
+          </a:p>
+        </p:txBody>
+      </p:sp>
+      <p:sp>
+        <p:nvSpPr>
+          <p:cNvPr id="60" name="文本框 59">
+            <a:extLst>
+              <a:ext uri="{FF2B5EF4-FFF2-40B4-BE49-F238E27FC236}">
+                <a16:creationId xmlns:a16="http://schemas.microsoft.com/office/drawing/2014/main" id="{5C822F14-E6F1-4D9F-8671-57C3A9162AAF}"/>
+              </a:ext>
+            </a:extLst>
+          </p:cNvPr>
+          <p:cNvSpPr txBox="1"/>
+          <p:nvPr/>
+        </p:nvSpPr>
+        <p:spPr>
+          <a:xfrm>
+            <a:off x="3698033" y="5103840"/>
+            <a:ext cx="407439" cy="253916"/>
+          </a:xfrm>
+          <a:prstGeom prst="rect">
+            <a:avLst/>
+          </a:prstGeom>
+          <a:noFill/>
+          <a:ln>
+            <a:noFill/>
+          </a:ln>
+        </p:spPr>
+        <p:txBody>
+          <a:bodyPr wrap="square" rtlCol="0">
+            <a:spAutoFit/>
+          </a:bodyPr>
+          <a:lstStyle/>
+          <a:p>
+            <a:pPr algn="ctr"/>
+            <a:r>
+              <a:rPr lang="en-US" altLang="zh-CN" sz="1050" i="1" dirty="0">
+                <a:latin typeface="宋体" panose="02010600030101010101" pitchFamily="2" charset="-122"/>
+                <a:ea typeface="宋体" panose="02010600030101010101" pitchFamily="2" charset="-122"/>
+              </a:rPr>
+              <a:t>5</a:t>
+            </a:r>
+            <a:endParaRPr lang="zh-CN" altLang="en-US" sz="1050" i="1" dirty="0">
+              <a:latin typeface="宋体" panose="02010600030101010101" pitchFamily="2" charset="-122"/>
+              <a:ea typeface="宋体" panose="02010600030101010101" pitchFamily="2" charset="-122"/>
+            </a:endParaRPr>
+          </a:p>
+        </p:txBody>
+      </p:sp>
+      <p:sp>
+        <p:nvSpPr>
+          <p:cNvPr id="61" name="文本框 60">
+            <a:extLst>
+              <a:ext uri="{FF2B5EF4-FFF2-40B4-BE49-F238E27FC236}">
+                <a16:creationId xmlns:a16="http://schemas.microsoft.com/office/drawing/2014/main" id="{86EE2DB0-266C-4555-8A64-3CB69B6680D8}"/>
+              </a:ext>
+            </a:extLst>
+          </p:cNvPr>
+          <p:cNvSpPr txBox="1"/>
+          <p:nvPr/>
+        </p:nvSpPr>
+        <p:spPr>
+          <a:xfrm>
+            <a:off x="4108580" y="5103840"/>
+            <a:ext cx="407439" cy="253916"/>
+          </a:xfrm>
+          <a:prstGeom prst="rect">
+            <a:avLst/>
+          </a:prstGeom>
+          <a:noFill/>
+          <a:ln>
+            <a:noFill/>
+          </a:ln>
+        </p:spPr>
+        <p:txBody>
+          <a:bodyPr wrap="square" rtlCol="0">
+            <a:spAutoFit/>
+          </a:bodyPr>
+          <a:lstStyle/>
+          <a:p>
+            <a:pPr algn="ctr"/>
+            <a:r>
+              <a:rPr lang="en-US" altLang="zh-CN" sz="1050" i="1" dirty="0">
+                <a:latin typeface="宋体" panose="02010600030101010101" pitchFamily="2" charset="-122"/>
+                <a:ea typeface="宋体" panose="02010600030101010101" pitchFamily="2" charset="-122"/>
+              </a:rPr>
+              <a:t>6</a:t>
+            </a:r>
+            <a:endParaRPr lang="zh-CN" altLang="en-US" sz="1050" i="1" dirty="0">
+              <a:latin typeface="宋体" panose="02010600030101010101" pitchFamily="2" charset="-122"/>
+              <a:ea typeface="宋体" panose="02010600030101010101" pitchFamily="2" charset="-122"/>
+            </a:endParaRPr>
+          </a:p>
+        </p:txBody>
+      </p:sp>
+      <p:sp>
+        <p:nvSpPr>
+          <p:cNvPr id="66" name="文本框 65">
+            <a:extLst>
+              <a:ext uri="{FF2B5EF4-FFF2-40B4-BE49-F238E27FC236}">
+                <a16:creationId xmlns:a16="http://schemas.microsoft.com/office/drawing/2014/main" id="{4B0D88DF-93B5-408F-AAD2-B199C9450D09}"/>
+              </a:ext>
+            </a:extLst>
+          </p:cNvPr>
+          <p:cNvSpPr txBox="1"/>
+          <p:nvPr/>
+        </p:nvSpPr>
+        <p:spPr>
+          <a:xfrm>
+            <a:off x="4519124" y="4861283"/>
+            <a:ext cx="407439" cy="253916"/>
+          </a:xfrm>
+          <a:prstGeom prst="rect">
+            <a:avLst/>
+          </a:prstGeom>
+          <a:noFill/>
+          <a:ln>
+            <a:solidFill>
+              <a:schemeClr val="tx1"/>
+            </a:solidFill>
+          </a:ln>
+        </p:spPr>
+        <p:txBody>
+          <a:bodyPr wrap="square" rtlCol="0">
+            <a:spAutoFit/>
+          </a:bodyPr>
+          <a:lstStyle/>
+          <a:p>
+            <a:pPr algn="ctr"/>
+            <a:r>
+              <a:rPr lang="en-US" altLang="zh-CN" sz="1050" dirty="0">
+                <a:latin typeface="宋体" panose="02010600030101010101" pitchFamily="2" charset="-122"/>
+                <a:ea typeface="宋体" panose="02010600030101010101" pitchFamily="2" charset="-122"/>
+              </a:rPr>
+              <a:t>1</a:t>
+            </a:r>
+            <a:endParaRPr lang="zh-CN" altLang="en-US" sz="1050" dirty="0">
+              <a:latin typeface="宋体" panose="02010600030101010101" pitchFamily="2" charset="-122"/>
+              <a:ea typeface="宋体" panose="02010600030101010101" pitchFamily="2" charset="-122"/>
+            </a:endParaRPr>
+          </a:p>
+        </p:txBody>
+      </p:sp>
+      <p:sp>
+        <p:nvSpPr>
+          <p:cNvPr id="70" name="文本框 69">
+            <a:extLst>
+              <a:ext uri="{FF2B5EF4-FFF2-40B4-BE49-F238E27FC236}">
+                <a16:creationId xmlns:a16="http://schemas.microsoft.com/office/drawing/2014/main" id="{281049E1-0BC0-46D3-B890-6D8CF43B40BA}"/>
+              </a:ext>
+            </a:extLst>
+          </p:cNvPr>
+          <p:cNvSpPr txBox="1"/>
+          <p:nvPr/>
+        </p:nvSpPr>
+        <p:spPr>
+          <a:xfrm>
+            <a:off x="5340220" y="4861283"/>
+            <a:ext cx="407439" cy="253916"/>
+          </a:xfrm>
+          <a:prstGeom prst="rect">
+            <a:avLst/>
+          </a:prstGeom>
+          <a:noFill/>
+          <a:ln>
+            <a:solidFill>
+              <a:schemeClr val="tx1"/>
+            </a:solidFill>
+          </a:ln>
+        </p:spPr>
+        <p:txBody>
+          <a:bodyPr wrap="square" rtlCol="0">
+            <a:spAutoFit/>
+          </a:bodyPr>
+          <a:lstStyle/>
+          <a:p>
+            <a:pPr algn="ctr"/>
+            <a:r>
+              <a:rPr lang="en-US" altLang="zh-CN" sz="1050" dirty="0">
+                <a:latin typeface="宋体" panose="02010600030101010101" pitchFamily="2" charset="-122"/>
+                <a:ea typeface="宋体" panose="02010600030101010101" pitchFamily="2" charset="-122"/>
+              </a:rPr>
+              <a:t>…</a:t>
+            </a:r>
+            <a:endParaRPr lang="zh-CN" altLang="en-US" sz="1050" dirty="0">
+              <a:latin typeface="宋体" panose="02010600030101010101" pitchFamily="2" charset="-122"/>
+              <a:ea typeface="宋体" panose="02010600030101010101" pitchFamily="2" charset="-122"/>
+            </a:endParaRPr>
+          </a:p>
+        </p:txBody>
+      </p:sp>
+      <p:sp>
+        <p:nvSpPr>
+          <p:cNvPr id="71" name="文本框 70">
+            <a:extLst>
+              <a:ext uri="{FF2B5EF4-FFF2-40B4-BE49-F238E27FC236}">
+                <a16:creationId xmlns:a16="http://schemas.microsoft.com/office/drawing/2014/main" id="{159E2876-0609-43D6-992B-C49877E0E1B1}"/>
+              </a:ext>
+            </a:extLst>
+          </p:cNvPr>
+          <p:cNvSpPr txBox="1"/>
+          <p:nvPr/>
+        </p:nvSpPr>
+        <p:spPr>
+          <a:xfrm>
+            <a:off x="5750767" y="4861283"/>
+            <a:ext cx="407439" cy="253916"/>
+          </a:xfrm>
+          <a:prstGeom prst="rect">
+            <a:avLst/>
+          </a:prstGeom>
+          <a:noFill/>
+          <a:ln>
+            <a:solidFill>
+              <a:schemeClr val="tx1"/>
+            </a:solidFill>
+          </a:ln>
+        </p:spPr>
+        <p:txBody>
+          <a:bodyPr wrap="square" rtlCol="0">
+            <a:spAutoFit/>
+          </a:bodyPr>
+          <a:lstStyle/>
+          <a:p>
+            <a:pPr algn="ctr"/>
+            <a:r>
+              <a:rPr lang="en-US" altLang="zh-CN" sz="1050" dirty="0">
+                <a:latin typeface="宋体" panose="02010600030101010101" pitchFamily="2" charset="-122"/>
+                <a:ea typeface="宋体" panose="02010600030101010101" pitchFamily="2" charset="-122"/>
+              </a:rPr>
+              <a:t>0</a:t>
+            </a:r>
+            <a:endParaRPr lang="zh-CN" altLang="en-US" sz="1050" dirty="0">
+              <a:latin typeface="宋体" panose="02010600030101010101" pitchFamily="2" charset="-122"/>
+              <a:ea typeface="宋体" panose="02010600030101010101" pitchFamily="2" charset="-122"/>
+            </a:endParaRPr>
+          </a:p>
+        </p:txBody>
+      </p:sp>
+      <p:sp>
+        <p:nvSpPr>
+          <p:cNvPr id="74" name="文本框 73">
+            <a:extLst>
+              <a:ext uri="{FF2B5EF4-FFF2-40B4-BE49-F238E27FC236}">
+                <a16:creationId xmlns:a16="http://schemas.microsoft.com/office/drawing/2014/main" id="{8C12A355-25E2-4912-9E71-313343D5F8B8}"/>
+              </a:ext>
+            </a:extLst>
+          </p:cNvPr>
+          <p:cNvSpPr txBox="1"/>
+          <p:nvPr/>
+        </p:nvSpPr>
+        <p:spPr>
+          <a:xfrm>
+            <a:off x="4519124" y="5103840"/>
+            <a:ext cx="407439" cy="253916"/>
+          </a:xfrm>
+          <a:prstGeom prst="rect">
+            <a:avLst/>
+          </a:prstGeom>
+          <a:noFill/>
+          <a:ln>
+            <a:noFill/>
+          </a:ln>
+        </p:spPr>
+        <p:txBody>
+          <a:bodyPr wrap="square" rtlCol="0">
+            <a:spAutoFit/>
+          </a:bodyPr>
+          <a:lstStyle/>
+          <a:p>
+            <a:pPr algn="ctr"/>
+            <a:r>
+              <a:rPr lang="en-US" altLang="zh-CN" sz="1050" i="1" dirty="0">
+                <a:latin typeface="宋体" panose="02010600030101010101" pitchFamily="2" charset="-122"/>
+                <a:ea typeface="宋体" panose="02010600030101010101" pitchFamily="2" charset="-122"/>
+              </a:rPr>
+              <a:t>7</a:t>
+            </a:r>
+            <a:endParaRPr lang="zh-CN" altLang="en-US" sz="1050" i="1" dirty="0">
+              <a:latin typeface="宋体" panose="02010600030101010101" pitchFamily="2" charset="-122"/>
+              <a:ea typeface="宋体" panose="02010600030101010101" pitchFamily="2" charset="-122"/>
+            </a:endParaRPr>
+          </a:p>
+        </p:txBody>
+      </p:sp>
+      <p:sp>
+        <p:nvSpPr>
+          <p:cNvPr id="75" name="文本框 74">
+            <a:extLst>
+              <a:ext uri="{FF2B5EF4-FFF2-40B4-BE49-F238E27FC236}">
+                <a16:creationId xmlns:a16="http://schemas.microsoft.com/office/drawing/2014/main" id="{53488846-E33A-4DA4-AAAB-3E68EB5A185A}"/>
+              </a:ext>
+            </a:extLst>
+          </p:cNvPr>
+          <p:cNvSpPr txBox="1"/>
+          <p:nvPr/>
+        </p:nvSpPr>
+        <p:spPr>
+          <a:xfrm>
+            <a:off x="4929671" y="5103840"/>
+            <a:ext cx="407439" cy="253916"/>
+          </a:xfrm>
+          <a:prstGeom prst="rect">
+            <a:avLst/>
+          </a:prstGeom>
+          <a:noFill/>
+          <a:ln>
+            <a:noFill/>
+          </a:ln>
+        </p:spPr>
+        <p:txBody>
+          <a:bodyPr wrap="square" rtlCol="0">
+            <a:spAutoFit/>
+          </a:bodyPr>
+          <a:lstStyle/>
+          <a:p>
+            <a:pPr algn="ctr"/>
+            <a:r>
+              <a:rPr lang="en-US" altLang="zh-CN" sz="1050" i="1" dirty="0">
+                <a:latin typeface="宋体" panose="02010600030101010101" pitchFamily="2" charset="-122"/>
+                <a:ea typeface="宋体" panose="02010600030101010101" pitchFamily="2" charset="-122"/>
+              </a:rPr>
+              <a:t>8</a:t>
+            </a:r>
+            <a:endParaRPr lang="zh-CN" altLang="en-US" sz="1050" i="1" dirty="0">
+              <a:latin typeface="宋体" panose="02010600030101010101" pitchFamily="2" charset="-122"/>
+              <a:ea typeface="宋体" panose="02010600030101010101" pitchFamily="2" charset="-122"/>
+            </a:endParaRPr>
+          </a:p>
+        </p:txBody>
+      </p:sp>
+      <p:sp>
+        <p:nvSpPr>
+          <p:cNvPr id="78" name="文本框 77">
+            <a:extLst>
+              <a:ext uri="{FF2B5EF4-FFF2-40B4-BE49-F238E27FC236}">
+                <a16:creationId xmlns:a16="http://schemas.microsoft.com/office/drawing/2014/main" id="{55C0B67E-A90A-4E89-82EE-F0AC710D2F11}"/>
+              </a:ext>
+            </a:extLst>
+          </p:cNvPr>
+          <p:cNvSpPr txBox="1"/>
+          <p:nvPr/>
+        </p:nvSpPr>
+        <p:spPr>
+          <a:xfrm>
+            <a:off x="5340220" y="5103840"/>
+            <a:ext cx="407439" cy="253916"/>
+          </a:xfrm>
+          <a:prstGeom prst="rect">
+            <a:avLst/>
+          </a:prstGeom>
+          <a:noFill/>
+          <a:ln>
+            <a:noFill/>
+          </a:ln>
+        </p:spPr>
+        <p:txBody>
+          <a:bodyPr wrap="square" rtlCol="0">
+            <a:spAutoFit/>
+          </a:bodyPr>
+          <a:lstStyle/>
+          <a:p>
+            <a:pPr algn="ctr"/>
+            <a:r>
+              <a:rPr lang="en-US" altLang="zh-CN" sz="1050" i="1" dirty="0">
+                <a:latin typeface="宋体" panose="02010600030101010101" pitchFamily="2" charset="-122"/>
+                <a:ea typeface="宋体" panose="02010600030101010101" pitchFamily="2" charset="-122"/>
+              </a:rPr>
+              <a:t>…</a:t>
+            </a:r>
+            <a:endParaRPr lang="zh-CN" altLang="en-US" sz="1050" i="1" dirty="0">
+              <a:latin typeface="宋体" panose="02010600030101010101" pitchFamily="2" charset="-122"/>
+              <a:ea typeface="宋体" panose="02010600030101010101" pitchFamily="2" charset="-122"/>
+            </a:endParaRPr>
+          </a:p>
+        </p:txBody>
+      </p:sp>
+      <p:sp>
+        <p:nvSpPr>
+          <p:cNvPr id="79" name="文本框 78">
+            <a:extLst>
+              <a:ext uri="{FF2B5EF4-FFF2-40B4-BE49-F238E27FC236}">
+                <a16:creationId xmlns:a16="http://schemas.microsoft.com/office/drawing/2014/main" id="{7D637DE3-CCE3-4D6D-BF31-7DD83F77AAC4}"/>
+              </a:ext>
+            </a:extLst>
+          </p:cNvPr>
+          <p:cNvSpPr txBox="1"/>
+          <p:nvPr/>
+        </p:nvSpPr>
+        <p:spPr>
+          <a:xfrm>
+            <a:off x="5750767" y="5103840"/>
+            <a:ext cx="407439" cy="253916"/>
+          </a:xfrm>
+          <a:prstGeom prst="rect">
+            <a:avLst/>
+          </a:prstGeom>
+          <a:noFill/>
+          <a:ln>
+            <a:noFill/>
+          </a:ln>
+        </p:spPr>
+        <p:txBody>
+          <a:bodyPr wrap="square" rtlCol="0">
+            <a:spAutoFit/>
+          </a:bodyPr>
+          <a:lstStyle/>
+          <a:p>
+            <a:pPr algn="ctr"/>
+            <a:r>
+              <a:rPr lang="en-US" altLang="zh-CN" sz="1050" i="1" dirty="0">
+                <a:latin typeface="宋体" panose="02010600030101010101" pitchFamily="2" charset="-122"/>
+                <a:ea typeface="宋体" panose="02010600030101010101" pitchFamily="2" charset="-122"/>
+              </a:rPr>
+              <a:t>m</a:t>
+            </a:r>
+            <a:endParaRPr lang="zh-CN" altLang="en-US" sz="1050" i="1" dirty="0">
+              <a:latin typeface="宋体" panose="02010600030101010101" pitchFamily="2" charset="-122"/>
+              <a:ea typeface="宋体" panose="02010600030101010101" pitchFamily="2" charset="-122"/>
+            </a:endParaRPr>
+          </a:p>
+        </p:txBody>
+      </p:sp>
+      <p:sp>
+        <p:nvSpPr>
+          <p:cNvPr id="80" name="文本框 79">
+            <a:extLst>
+              <a:ext uri="{FF2B5EF4-FFF2-40B4-BE49-F238E27FC236}">
+                <a16:creationId xmlns:a16="http://schemas.microsoft.com/office/drawing/2014/main" id="{7FAE7FC1-F7AB-4357-9526-5F0638480931}"/>
+              </a:ext>
+            </a:extLst>
+          </p:cNvPr>
+          <p:cNvSpPr txBox="1"/>
+          <p:nvPr/>
+        </p:nvSpPr>
+        <p:spPr>
+          <a:xfrm>
+            <a:off x="4929669" y="4861283"/>
+            <a:ext cx="407439" cy="253916"/>
+          </a:xfrm>
+          <a:prstGeom prst="rect">
+            <a:avLst/>
+          </a:prstGeom>
+          <a:noFill/>
+          <a:ln>
+            <a:solidFill>
+              <a:schemeClr val="tx1"/>
+            </a:solidFill>
+          </a:ln>
+        </p:spPr>
+        <p:txBody>
+          <a:bodyPr wrap="square" rtlCol="0">
+            <a:spAutoFit/>
+          </a:bodyPr>
+          <a:lstStyle/>
+          <a:p>
+            <a:pPr algn="ctr"/>
+            <a:r>
+              <a:rPr lang="en-US" altLang="zh-CN" sz="1050" dirty="0">
+                <a:latin typeface="宋体" panose="02010600030101010101" pitchFamily="2" charset="-122"/>
+                <a:ea typeface="宋体" panose="02010600030101010101" pitchFamily="2" charset="-122"/>
+              </a:rPr>
+              <a:t>1</a:t>
+            </a:r>
+            <a:endParaRPr lang="zh-CN" altLang="en-US" sz="1050" dirty="0">
+              <a:latin typeface="宋体" panose="02010600030101010101" pitchFamily="2" charset="-122"/>
+              <a:ea typeface="宋体" panose="02010600030101010101" pitchFamily="2" charset="-122"/>
+            </a:endParaRPr>
+          </a:p>
+        </p:txBody>
+      </p:sp>
     </p:spTree>
     <p:extLst>
       <p:ext uri="{BB962C8B-B14F-4D97-AF65-F5344CB8AC3E}">
